--- a/docs/brain_sync.pptx
+++ b/docs/brain_sync.pptx
@@ -9,13 +9,14 @@
     <p:sldId id="257" r:id="rId3"/>
     <p:sldId id="258" r:id="rId4"/>
     <p:sldId id="259" r:id="rId5"/>
-    <p:sldId id="260" r:id="rId6"/>
-    <p:sldId id="261" r:id="rId7"/>
-    <p:sldId id="266" r:id="rId8"/>
-    <p:sldId id="262" r:id="rId9"/>
-    <p:sldId id="263" r:id="rId10"/>
-    <p:sldId id="265" r:id="rId11"/>
-    <p:sldId id="264" r:id="rId12"/>
+    <p:sldId id="267" r:id="rId6"/>
+    <p:sldId id="260" r:id="rId7"/>
+    <p:sldId id="261" r:id="rId8"/>
+    <p:sldId id="268" r:id="rId9"/>
+    <p:sldId id="266" r:id="rId10"/>
+    <p:sldId id="263" r:id="rId11"/>
+    <p:sldId id="265" r:id="rId12"/>
+    <p:sldId id="264" r:id="rId13"/>
   </p:sldIdLst>
   <p:sldSz cx="12192000" cy="6858000"/>
   <p:notesSz cx="6858000" cy="9144000"/>
@@ -310,7 +311,7 @@
           <a:p>
             <a:fld id="{16885065-5610-4AF7-9C11-064BC18A2FE3}" type="datetimeFigureOut">
               <a:rPr lang="en-US" smtClean="0"/>
-              <a:t>7/31/2016</a:t>
+              <a:t>8/1/2016</a:t>
             </a:fld>
             <a:endParaRPr lang="en-US"/>
           </a:p>
@@ -648,7 +649,7 @@
           <a:p>
             <a:fld id="{16885065-5610-4AF7-9C11-064BC18A2FE3}" type="datetimeFigureOut">
               <a:rPr lang="en-US" smtClean="0"/>
-              <a:t>7/31/2016</a:t>
+              <a:t>8/1/2016</a:t>
             </a:fld>
             <a:endParaRPr lang="en-US"/>
           </a:p>
@@ -1049,7 +1050,7 @@
           <a:p>
             <a:fld id="{16885065-5610-4AF7-9C11-064BC18A2FE3}" type="datetimeFigureOut">
               <a:rPr lang="en-US" smtClean="0"/>
-              <a:t>7/31/2016</a:t>
+              <a:t>8/1/2016</a:t>
             </a:fld>
             <a:endParaRPr lang="en-US"/>
           </a:p>
@@ -1385,7 +1386,7 @@
           <a:p>
             <a:fld id="{16885065-5610-4AF7-9C11-064BC18A2FE3}" type="datetimeFigureOut">
               <a:rPr lang="en-US" smtClean="0"/>
-              <a:t>7/31/2016</a:t>
+              <a:t>8/1/2016</a:t>
             </a:fld>
             <a:endParaRPr lang="en-US"/>
           </a:p>
@@ -1705,7 +1706,7 @@
           <a:p>
             <a:fld id="{16885065-5610-4AF7-9C11-064BC18A2FE3}" type="datetimeFigureOut">
               <a:rPr lang="en-US" smtClean="0"/>
-              <a:t>7/31/2016</a:t>
+              <a:t>8/1/2016</a:t>
             </a:fld>
             <a:endParaRPr lang="en-US"/>
           </a:p>
@@ -2101,7 +2102,7 @@
           <a:p>
             <a:fld id="{16885065-5610-4AF7-9C11-064BC18A2FE3}" type="datetimeFigureOut">
               <a:rPr lang="en-US" smtClean="0"/>
-              <a:t>7/31/2016</a:t>
+              <a:t>8/1/2016</a:t>
             </a:fld>
             <a:endParaRPr lang="en-US"/>
           </a:p>
@@ -2358,7 +2359,7 @@
           <a:p>
             <a:fld id="{16885065-5610-4AF7-9C11-064BC18A2FE3}" type="datetimeFigureOut">
               <a:rPr lang="en-US" smtClean="0"/>
-              <a:t>7/31/2016</a:t>
+              <a:t>8/1/2016</a:t>
             </a:fld>
             <a:endParaRPr lang="en-US"/>
           </a:p>
@@ -2620,7 +2621,7 @@
           <a:p>
             <a:fld id="{16885065-5610-4AF7-9C11-064BC18A2FE3}" type="datetimeFigureOut">
               <a:rPr lang="en-US" smtClean="0"/>
-              <a:t>7/31/2016</a:t>
+              <a:t>8/1/2016</a:t>
             </a:fld>
             <a:endParaRPr lang="en-US"/>
           </a:p>
@@ -2882,7 +2883,7 @@
           <a:p>
             <a:fld id="{16885065-5610-4AF7-9C11-064BC18A2FE3}" type="datetimeFigureOut">
               <a:rPr lang="en-US" smtClean="0"/>
-              <a:t>7/31/2016</a:t>
+              <a:t>8/1/2016</a:t>
             </a:fld>
             <a:endParaRPr lang="en-US"/>
           </a:p>
@@ -3211,7 +3212,7 @@
           <a:p>
             <a:fld id="{16885065-5610-4AF7-9C11-064BC18A2FE3}" type="datetimeFigureOut">
               <a:rPr lang="en-US" smtClean="0"/>
-              <a:t>7/31/2016</a:t>
+              <a:t>8/1/2016</a:t>
             </a:fld>
             <a:endParaRPr lang="en-US"/>
           </a:p>
@@ -3534,7 +3535,7 @@
           <a:p>
             <a:fld id="{16885065-5610-4AF7-9C11-064BC18A2FE3}" type="datetimeFigureOut">
               <a:rPr lang="en-US" smtClean="0"/>
-              <a:t>7/31/2016</a:t>
+              <a:t>8/1/2016</a:t>
             </a:fld>
             <a:endParaRPr lang="en-US"/>
           </a:p>
@@ -3991,7 +3992,7 @@
           <a:p>
             <a:fld id="{16885065-5610-4AF7-9C11-064BC18A2FE3}" type="datetimeFigureOut">
               <a:rPr lang="en-US" smtClean="0"/>
-              <a:t>7/31/2016</a:t>
+              <a:t>8/1/2016</a:t>
             </a:fld>
             <a:endParaRPr lang="en-US"/>
           </a:p>
@@ -4196,7 +4197,7 @@
           <a:p>
             <a:fld id="{16885065-5610-4AF7-9C11-064BC18A2FE3}" type="datetimeFigureOut">
               <a:rPr lang="en-US" smtClean="0"/>
-              <a:t>7/31/2016</a:t>
+              <a:t>8/1/2016</a:t>
             </a:fld>
             <a:endParaRPr lang="en-US"/>
           </a:p>
@@ -4373,7 +4374,7 @@
           <a:p>
             <a:fld id="{16885065-5610-4AF7-9C11-064BC18A2FE3}" type="datetimeFigureOut">
               <a:rPr lang="en-US" smtClean="0"/>
-              <a:t>7/31/2016</a:t>
+              <a:t>8/1/2016</a:t>
             </a:fld>
             <a:endParaRPr lang="en-US"/>
           </a:p>
@@ -4706,7 +4707,7 @@
           <a:p>
             <a:fld id="{16885065-5610-4AF7-9C11-064BC18A2FE3}" type="datetimeFigureOut">
               <a:rPr lang="en-US" smtClean="0"/>
-              <a:t>7/31/2016</a:t>
+              <a:t>8/1/2016</a:t>
             </a:fld>
             <a:endParaRPr lang="en-US"/>
           </a:p>
@@ -5051,7 +5052,7 @@
           <a:p>
             <a:fld id="{16885065-5610-4AF7-9C11-064BC18A2FE3}" type="datetimeFigureOut">
               <a:rPr lang="en-US" smtClean="0"/>
-              <a:t>7/31/2016</a:t>
+              <a:t>8/1/2016</a:t>
             </a:fld>
             <a:endParaRPr lang="en-US"/>
           </a:p>
@@ -7168,7 +7169,7 @@
           <a:p>
             <a:fld id="{16885065-5610-4AF7-9C11-064BC18A2FE3}" type="datetimeFigureOut">
               <a:rPr lang="en-US" smtClean="0"/>
-              <a:t>7/31/2016</a:t>
+              <a:t>8/1/2016</a:t>
             </a:fld>
             <a:endParaRPr lang="en-US"/>
           </a:p>
@@ -7696,7 +7697,12 @@
             <p:ph type="ctrTitle"/>
           </p:nvPr>
         </p:nvSpPr>
-        <p:spPr/>
+        <p:spPr>
+          <a:xfrm>
+            <a:off x="2092411" y="1633151"/>
+            <a:ext cx="9420439" cy="2262781"/>
+          </a:xfrm>
+        </p:spPr>
         <p:txBody>
           <a:bodyPr>
             <a:normAutofit/>
@@ -7709,7 +7715,7 @@
             </a:r>
             <a:r>
               <a:rPr lang="en-US" dirty="0"/>
-              <a:t>: Synchronizing resting state brains</a:t>
+              <a:t>: Synchronizing Resting State Brains</a:t>
             </a:r>
           </a:p>
         </p:txBody>
@@ -7724,7 +7730,12 @@
             <p:ph type="subTitle" idx="1"/>
           </p:nvPr>
         </p:nvSpPr>
-        <p:spPr/>
+        <p:spPr>
+          <a:xfrm>
+            <a:off x="3651895" y="4785617"/>
+            <a:ext cx="4272906" cy="412459"/>
+          </a:xfrm>
+        </p:spPr>
         <p:txBody>
           <a:bodyPr/>
           <a:lstStyle/>
@@ -7776,42 +7787,462 @@
             <p:ph type="title"/>
           </p:nvPr>
         </p:nvSpPr>
-        <p:spPr/>
+        <p:spPr>
+          <a:xfrm>
+            <a:off x="2223241" y="105127"/>
+            <a:ext cx="8911687" cy="669231"/>
+          </a:xfrm>
+        </p:spPr>
         <p:txBody>
           <a:bodyPr/>
           <a:lstStyle/>
           <a:p>
             <a:r>
               <a:rPr lang="en-US" dirty="0"/>
-              <a:t>Conclusion</a:t>
-            </a:r>
-          </a:p>
-        </p:txBody>
-      </p:sp>
-      <p:sp>
-        <p:nvSpPr>
-          <p:cNvPr id="3" name="Content Placeholder 2"/>
-          <p:cNvSpPr>
-            <a:spLocks noGrp="1"/>
-          </p:cNvSpPr>
-          <p:nvPr>
-            <p:ph idx="1"/>
-          </p:nvPr>
-        </p:nvSpPr>
-        <p:spPr/>
-        <p:txBody>
-          <a:bodyPr/>
+              <a:t>Session 1 and Session 2 labeled jointly</a:t>
+            </a:r>
+          </a:p>
+        </p:txBody>
+      </p:sp>
+      <p:pic>
+        <p:nvPicPr>
+          <p:cNvPr id="4" name="Picture 3"/>
+          <p:cNvPicPr>
+            <a:picLocks noChangeAspect="1"/>
+          </p:cNvPicPr>
+          <p:nvPr/>
+        </p:nvPicPr>
+        <p:blipFill>
+          <a:blip r:embed="rId2">
+            <a:extLst>
+              <a:ext uri="{28A0092B-C50C-407E-A947-70E740481C1C}">
+                <a14:useLocalDpi xmlns:a14="http://schemas.microsoft.com/office/drawing/2010/main" val="0"/>
+              </a:ext>
+            </a:extLst>
+          </a:blip>
+          <a:stretch>
+            <a:fillRect/>
+          </a:stretch>
+        </p:blipFill>
+        <p:spPr>
+          <a:xfrm>
+            <a:off x="741019" y="2151920"/>
+            <a:ext cx="2571750" cy="1866900"/>
+          </a:xfrm>
+          <a:prstGeom prst="rect">
+            <a:avLst/>
+          </a:prstGeom>
+        </p:spPr>
+      </p:pic>
+      <p:pic>
+        <p:nvPicPr>
+          <p:cNvPr id="5" name="Picture 4"/>
+          <p:cNvPicPr>
+            <a:picLocks noChangeAspect="1"/>
+          </p:cNvPicPr>
+          <p:nvPr/>
+        </p:nvPicPr>
+        <p:blipFill>
+          <a:blip r:embed="rId3">
+            <a:extLst>
+              <a:ext uri="{28A0092B-C50C-407E-A947-70E740481C1C}">
+                <a14:useLocalDpi xmlns:a14="http://schemas.microsoft.com/office/drawing/2010/main" val="0"/>
+              </a:ext>
+            </a:extLst>
+          </a:blip>
+          <a:stretch>
+            <a:fillRect/>
+          </a:stretch>
+        </p:blipFill>
+        <p:spPr>
+          <a:xfrm>
+            <a:off x="3312769" y="2151920"/>
+            <a:ext cx="2571750" cy="1866900"/>
+          </a:xfrm>
+          <a:prstGeom prst="rect">
+            <a:avLst/>
+          </a:prstGeom>
+        </p:spPr>
+      </p:pic>
+      <p:pic>
+        <p:nvPicPr>
+          <p:cNvPr id="8" name="Picture 7"/>
+          <p:cNvPicPr>
+            <a:picLocks noChangeAspect="1"/>
+          </p:cNvPicPr>
+          <p:nvPr/>
+        </p:nvPicPr>
+        <p:blipFill>
+          <a:blip r:embed="rId4">
+            <a:extLst>
+              <a:ext uri="{28A0092B-C50C-407E-A947-70E740481C1C}">
+                <a14:useLocalDpi xmlns:a14="http://schemas.microsoft.com/office/drawing/2010/main" val="0"/>
+              </a:ext>
+            </a:extLst>
+          </a:blip>
+          <a:stretch>
+            <a:fillRect/>
+          </a:stretch>
+        </p:blipFill>
+        <p:spPr>
+          <a:xfrm>
+            <a:off x="741019" y="4018820"/>
+            <a:ext cx="2571750" cy="1866900"/>
+          </a:xfrm>
+          <a:prstGeom prst="rect">
+            <a:avLst/>
+          </a:prstGeom>
+        </p:spPr>
+      </p:pic>
+      <p:pic>
+        <p:nvPicPr>
+          <p:cNvPr id="9" name="Picture 8"/>
+          <p:cNvPicPr>
+            <a:picLocks noChangeAspect="1"/>
+          </p:cNvPicPr>
+          <p:nvPr/>
+        </p:nvPicPr>
+        <p:blipFill>
+          <a:blip r:embed="rId5">
+            <a:extLst>
+              <a:ext uri="{28A0092B-C50C-407E-A947-70E740481C1C}">
+                <a14:useLocalDpi xmlns:a14="http://schemas.microsoft.com/office/drawing/2010/main" val="0"/>
+              </a:ext>
+            </a:extLst>
+          </a:blip>
+          <a:stretch>
+            <a:fillRect/>
+          </a:stretch>
+        </p:blipFill>
+        <p:spPr>
+          <a:xfrm>
+            <a:off x="3312769" y="4018820"/>
+            <a:ext cx="2571750" cy="1866900"/>
+          </a:xfrm>
+          <a:prstGeom prst="rect">
+            <a:avLst/>
+          </a:prstGeom>
+        </p:spPr>
+      </p:pic>
+      <p:pic>
+        <p:nvPicPr>
+          <p:cNvPr id="10" name="Picture 9"/>
+          <p:cNvPicPr>
+            <a:picLocks noChangeAspect="1"/>
+          </p:cNvPicPr>
+          <p:nvPr/>
+        </p:nvPicPr>
+        <p:blipFill>
+          <a:blip r:embed="rId6">
+            <a:extLst>
+              <a:ext uri="{28A0092B-C50C-407E-A947-70E740481C1C}">
+                <a14:useLocalDpi xmlns:a14="http://schemas.microsoft.com/office/drawing/2010/main" val="0"/>
+              </a:ext>
+            </a:extLst>
+          </a:blip>
+          <a:stretch>
+            <a:fillRect/>
+          </a:stretch>
+        </p:blipFill>
+        <p:spPr>
+          <a:xfrm>
+            <a:off x="6621419" y="2151920"/>
+            <a:ext cx="2571750" cy="1866900"/>
+          </a:xfrm>
+          <a:prstGeom prst="rect">
+            <a:avLst/>
+          </a:prstGeom>
+        </p:spPr>
+      </p:pic>
+      <p:pic>
+        <p:nvPicPr>
+          <p:cNvPr id="11" name="Picture 10"/>
+          <p:cNvPicPr>
+            <a:picLocks noChangeAspect="1"/>
+          </p:cNvPicPr>
+          <p:nvPr/>
+        </p:nvPicPr>
+        <p:blipFill>
+          <a:blip r:embed="rId7">
+            <a:extLst>
+              <a:ext uri="{28A0092B-C50C-407E-A947-70E740481C1C}">
+                <a14:useLocalDpi xmlns:a14="http://schemas.microsoft.com/office/drawing/2010/main" val="0"/>
+              </a:ext>
+            </a:extLst>
+          </a:blip>
+          <a:stretch>
+            <a:fillRect/>
+          </a:stretch>
+        </p:blipFill>
+        <p:spPr>
+          <a:xfrm>
+            <a:off x="6622708" y="4018820"/>
+            <a:ext cx="2571750" cy="1866900"/>
+          </a:xfrm>
+          <a:prstGeom prst="rect">
+            <a:avLst/>
+          </a:prstGeom>
+        </p:spPr>
+      </p:pic>
+      <p:pic>
+        <p:nvPicPr>
+          <p:cNvPr id="12" name="Picture 11"/>
+          <p:cNvPicPr>
+            <a:picLocks noChangeAspect="1"/>
+          </p:cNvPicPr>
+          <p:nvPr/>
+        </p:nvPicPr>
+        <p:blipFill>
+          <a:blip r:embed="rId8">
+            <a:extLst>
+              <a:ext uri="{28A0092B-C50C-407E-A947-70E740481C1C}">
+                <a14:useLocalDpi xmlns:a14="http://schemas.microsoft.com/office/drawing/2010/main" val="0"/>
+              </a:ext>
+            </a:extLst>
+          </a:blip>
+          <a:stretch>
+            <a:fillRect/>
+          </a:stretch>
+        </p:blipFill>
+        <p:spPr>
+          <a:xfrm>
+            <a:off x="9189692" y="2151920"/>
+            <a:ext cx="2571750" cy="1866900"/>
+          </a:xfrm>
+          <a:prstGeom prst="rect">
+            <a:avLst/>
+          </a:prstGeom>
+        </p:spPr>
+      </p:pic>
+      <p:pic>
+        <p:nvPicPr>
+          <p:cNvPr id="13" name="Picture 12"/>
+          <p:cNvPicPr>
+            <a:picLocks noChangeAspect="1"/>
+          </p:cNvPicPr>
+          <p:nvPr/>
+        </p:nvPicPr>
+        <p:blipFill>
+          <a:blip r:embed="rId9">
+            <a:extLst>
+              <a:ext uri="{28A0092B-C50C-407E-A947-70E740481C1C}">
+                <a14:useLocalDpi xmlns:a14="http://schemas.microsoft.com/office/drawing/2010/main" val="0"/>
+              </a:ext>
+            </a:extLst>
+          </a:blip>
+          <a:stretch>
+            <a:fillRect/>
+          </a:stretch>
+        </p:blipFill>
+        <p:spPr>
+          <a:xfrm>
+            <a:off x="9189692" y="4018820"/>
+            <a:ext cx="2571750" cy="1866900"/>
+          </a:xfrm>
+          <a:prstGeom prst="rect">
+            <a:avLst/>
+          </a:prstGeom>
+        </p:spPr>
+      </p:pic>
+      <p:sp>
+        <p:nvSpPr>
+          <p:cNvPr id="3" name="TextBox 2"/>
+          <p:cNvSpPr txBox="1"/>
+          <p:nvPr/>
+        </p:nvSpPr>
+        <p:spPr>
+          <a:xfrm>
+            <a:off x="2734964" y="1506154"/>
+            <a:ext cx="1215397" cy="369332"/>
+          </a:xfrm>
+          <a:prstGeom prst="rect">
+            <a:avLst/>
+          </a:prstGeom>
+          <a:noFill/>
+        </p:spPr>
+        <p:txBody>
+          <a:bodyPr wrap="none" rtlCol="0">
+            <a:spAutoFit/>
+          </a:bodyPr>
           <a:lstStyle/>
           <a:p>
             <a:r>
               <a:rPr lang="en-US" dirty="0"/>
-              <a:t>Parameter free approach </a:t>
-            </a:r>
-          </a:p>
+              <a:t>Subject 1</a:t>
+            </a:r>
+          </a:p>
+        </p:txBody>
+      </p:sp>
+      <p:sp>
+        <p:nvSpPr>
+          <p:cNvPr id="14" name="TextBox 13"/>
+          <p:cNvSpPr txBox="1"/>
+          <p:nvPr/>
+        </p:nvSpPr>
+        <p:spPr>
+          <a:xfrm>
+            <a:off x="1445472" y="1782588"/>
+            <a:ext cx="1160895" cy="369332"/>
+          </a:xfrm>
+          <a:prstGeom prst="rect">
+            <a:avLst/>
+          </a:prstGeom>
+          <a:noFill/>
+        </p:spPr>
+        <p:txBody>
+          <a:bodyPr wrap="none" rtlCol="0">
+            <a:spAutoFit/>
+          </a:bodyPr>
+          <a:lstStyle/>
           <a:p>
             <a:r>
               <a:rPr lang="en-US" dirty="0"/>
-              <a:t>Depends on only 2 simple assumptions and nothing more</a:t>
+              <a:t>Session 1</a:t>
+            </a:r>
+          </a:p>
+        </p:txBody>
+      </p:sp>
+      <p:sp>
+        <p:nvSpPr>
+          <p:cNvPr id="15" name="TextBox 14"/>
+          <p:cNvSpPr txBox="1"/>
+          <p:nvPr/>
+        </p:nvSpPr>
+        <p:spPr>
+          <a:xfrm>
+            <a:off x="4018196" y="1782588"/>
+            <a:ext cx="1160895" cy="369332"/>
+          </a:xfrm>
+          <a:prstGeom prst="rect">
+            <a:avLst/>
+          </a:prstGeom>
+          <a:noFill/>
+        </p:spPr>
+        <p:txBody>
+          <a:bodyPr wrap="none" rtlCol="0">
+            <a:spAutoFit/>
+          </a:bodyPr>
+          <a:lstStyle/>
+          <a:p>
+            <a:r>
+              <a:rPr lang="en-US" dirty="0"/>
+              <a:t>Session 2</a:t>
+            </a:r>
+          </a:p>
+        </p:txBody>
+      </p:sp>
+      <p:sp>
+        <p:nvSpPr>
+          <p:cNvPr id="16" name="TextBox 15"/>
+          <p:cNvSpPr txBox="1"/>
+          <p:nvPr/>
+        </p:nvSpPr>
+        <p:spPr>
+          <a:xfrm>
+            <a:off x="7326846" y="1782588"/>
+            <a:ext cx="1160895" cy="369332"/>
+          </a:xfrm>
+          <a:prstGeom prst="rect">
+            <a:avLst/>
+          </a:prstGeom>
+          <a:noFill/>
+        </p:spPr>
+        <p:txBody>
+          <a:bodyPr wrap="none" rtlCol="0">
+            <a:spAutoFit/>
+          </a:bodyPr>
+          <a:lstStyle/>
+          <a:p>
+            <a:r>
+              <a:rPr lang="en-US" dirty="0"/>
+              <a:t>Session 1</a:t>
+            </a:r>
+          </a:p>
+        </p:txBody>
+      </p:sp>
+      <p:sp>
+        <p:nvSpPr>
+          <p:cNvPr id="17" name="TextBox 16"/>
+          <p:cNvSpPr txBox="1"/>
+          <p:nvPr/>
+        </p:nvSpPr>
+        <p:spPr>
+          <a:xfrm>
+            <a:off x="9893313" y="1782588"/>
+            <a:ext cx="1160895" cy="369332"/>
+          </a:xfrm>
+          <a:prstGeom prst="rect">
+            <a:avLst/>
+          </a:prstGeom>
+          <a:noFill/>
+        </p:spPr>
+        <p:txBody>
+          <a:bodyPr wrap="none" rtlCol="0">
+            <a:spAutoFit/>
+          </a:bodyPr>
+          <a:lstStyle/>
+          <a:p>
+            <a:r>
+              <a:rPr lang="en-US" dirty="0"/>
+              <a:t>Session 2</a:t>
+            </a:r>
+          </a:p>
+        </p:txBody>
+      </p:sp>
+      <p:sp>
+        <p:nvSpPr>
+          <p:cNvPr id="18" name="TextBox 17"/>
+          <p:cNvSpPr txBox="1"/>
+          <p:nvPr/>
+        </p:nvSpPr>
+        <p:spPr>
+          <a:xfrm>
+            <a:off x="8677916" y="1553302"/>
+            <a:ext cx="1215397" cy="369332"/>
+          </a:xfrm>
+          <a:prstGeom prst="rect">
+            <a:avLst/>
+          </a:prstGeom>
+          <a:noFill/>
+        </p:spPr>
+        <p:txBody>
+          <a:bodyPr wrap="none" rtlCol="0">
+            <a:spAutoFit/>
+          </a:bodyPr>
+          <a:lstStyle/>
+          <a:p>
+            <a:r>
+              <a:rPr lang="en-US" dirty="0"/>
+              <a:t>Subject 2</a:t>
+            </a:r>
+          </a:p>
+        </p:txBody>
+      </p:sp>
+      <p:sp>
+        <p:nvSpPr>
+          <p:cNvPr id="6" name="TextBox 5"/>
+          <p:cNvSpPr txBox="1"/>
+          <p:nvPr/>
+        </p:nvSpPr>
+        <p:spPr>
+          <a:xfrm>
+            <a:off x="1729946" y="934995"/>
+            <a:ext cx="7728398" cy="369332"/>
+          </a:xfrm>
+          <a:prstGeom prst="rect">
+            <a:avLst/>
+          </a:prstGeom>
+          <a:noFill/>
+        </p:spPr>
+        <p:txBody>
+          <a:bodyPr wrap="none" rtlCol="0">
+            <a:spAutoFit/>
+          </a:bodyPr>
+          <a:lstStyle/>
+          <a:p>
+            <a:r>
+              <a:rPr lang="en-US" dirty="0"/>
+              <a:t>40 Subjects x 2 sessions = 80 scans were pooled together for labeling</a:t>
             </a:r>
           </a:p>
         </p:txBody>
@@ -7819,7 +8250,7 @@
     </p:spTree>
     <p:extLst>
       <p:ext uri="{BB962C8B-B14F-4D97-AF65-F5344CB8AC3E}">
-        <p14:creationId xmlns:p14="http://schemas.microsoft.com/office/powerpoint/2010/main" val="3406988283"/>
+        <p14:creationId xmlns:p14="http://schemas.microsoft.com/office/powerpoint/2010/main" val="3642108323"/>
       </p:ext>
     </p:extLst>
   </p:cSld>
@@ -7863,7 +8294,7 @@
           <a:p>
             <a:r>
               <a:rPr lang="en-US" dirty="0"/>
-              <a:t>Other possibilities</a:t>
+              <a:t>Conclusion</a:t>
             </a:r>
           </a:p>
         </p:txBody>
@@ -7885,6 +8316,104 @@
           <a:p>
             <a:r>
               <a:rPr lang="en-US" dirty="0"/>
+              <a:t>Parameter free approach </a:t>
+            </a:r>
+          </a:p>
+          <a:p>
+            <a:r>
+              <a:rPr lang="en-US" dirty="0"/>
+              <a:t>Depends on only 2 simple assumptions</a:t>
+            </a:r>
+          </a:p>
+          <a:p>
+            <a:r>
+              <a:rPr lang="en-US" dirty="0"/>
+              <a:t>No Spatial Prior or group prior is assumed, regions can be very different as possible</a:t>
+            </a:r>
+          </a:p>
+          <a:p>
+            <a:endParaRPr lang="en-US" dirty="0"/>
+          </a:p>
+          <a:p>
+            <a:endParaRPr lang="en-US" dirty="0"/>
+          </a:p>
+          <a:p>
+            <a:r>
+              <a:rPr lang="en-US" dirty="0"/>
+              <a:t>Involves clustering of a large amount of data, so scalable algorithm is required (e.g. k-means)</a:t>
+            </a:r>
+          </a:p>
+        </p:txBody>
+      </p:sp>
+    </p:spTree>
+    <p:extLst>
+      <p:ext uri="{BB962C8B-B14F-4D97-AF65-F5344CB8AC3E}">
+        <p14:creationId xmlns:p14="http://schemas.microsoft.com/office/powerpoint/2010/main" val="3406988283"/>
+      </p:ext>
+    </p:extLst>
+  </p:cSld>
+  <p:clrMapOvr>
+    <a:masterClrMapping/>
+  </p:clrMapOvr>
+</p:sld>
+</file>
+
+<file path=ppt/slides/slide12.xml><?xml version="1.0" encoding="utf-8"?>
+<p:sld xmlns:a="http://schemas.openxmlformats.org/drawingml/2006/main" xmlns:r="http://schemas.openxmlformats.org/officeDocument/2006/relationships" xmlns:p="http://schemas.openxmlformats.org/presentationml/2006/main">
+  <p:cSld>
+    <p:spTree>
+      <p:nvGrpSpPr>
+        <p:cNvPr id="1" name=""/>
+        <p:cNvGrpSpPr/>
+        <p:nvPr/>
+      </p:nvGrpSpPr>
+      <p:grpSpPr>
+        <a:xfrm>
+          <a:off x="0" y="0"/>
+          <a:ext cx="0" cy="0"/>
+          <a:chOff x="0" y="0"/>
+          <a:chExt cx="0" cy="0"/>
+        </a:xfrm>
+      </p:grpSpPr>
+      <p:sp>
+        <p:nvSpPr>
+          <p:cNvPr id="2" name="Title 1"/>
+          <p:cNvSpPr>
+            <a:spLocks noGrp="1"/>
+          </p:cNvSpPr>
+          <p:nvPr>
+            <p:ph type="title"/>
+          </p:nvPr>
+        </p:nvSpPr>
+        <p:spPr/>
+        <p:txBody>
+          <a:bodyPr/>
+          <a:lstStyle/>
+          <a:p>
+            <a:r>
+              <a:rPr lang="en-US" dirty="0"/>
+              <a:t>Other Possibilities</a:t>
+            </a:r>
+          </a:p>
+        </p:txBody>
+      </p:sp>
+      <p:sp>
+        <p:nvSpPr>
+          <p:cNvPr id="3" name="Content Placeholder 2"/>
+          <p:cNvSpPr>
+            <a:spLocks noGrp="1"/>
+          </p:cNvSpPr>
+          <p:nvPr>
+            <p:ph idx="1"/>
+          </p:nvPr>
+        </p:nvSpPr>
+        <p:spPr/>
+        <p:txBody>
+          <a:bodyPr/>
+          <a:lstStyle/>
+          <a:p>
+            <a:r>
+              <a:rPr lang="en-US" dirty="0"/>
               <a:t>Group Studies</a:t>
             </a:r>
           </a:p>
@@ -7915,6 +8444,23 @@
             <a:r>
               <a:rPr lang="en-US" dirty="0"/>
               <a:t>Group Differences and other studies can be performed easily</a:t>
+            </a:r>
+          </a:p>
+          <a:p>
+            <a:pPr lvl="1"/>
+            <a:endParaRPr lang="en-US" dirty="0"/>
+          </a:p>
+          <a:p>
+            <a:pPr lvl="1"/>
+            <a:endParaRPr lang="en-US" dirty="0"/>
+          </a:p>
+          <a:p>
+            <a:pPr marL="57150" indent="0">
+              <a:buNone/>
+            </a:pPr>
+            <a:r>
+              <a:rPr lang="en-US" dirty="0"/>
+              <a:t>Will the results be same if correlation is used as a feature ?</a:t>
             </a:r>
           </a:p>
           <a:p>
@@ -7987,46 +8533,164 @@
           </a:p>
         </p:txBody>
       </p:sp>
-      <p:sp>
-        <p:nvSpPr>
-          <p:cNvPr id="3" name="Content Placeholder 2"/>
-          <p:cNvSpPr>
-            <a:spLocks noGrp="1"/>
-          </p:cNvSpPr>
-          <p:nvPr>
-            <p:ph idx="1"/>
-          </p:nvPr>
-        </p:nvSpPr>
-        <p:spPr/>
-        <p:txBody>
-          <a:bodyPr/>
-          <a:lstStyle/>
-          <a:p>
-            <a:r>
-              <a:rPr lang="en-US" dirty="0"/>
-              <a:t>We assume that:</a:t>
-            </a:r>
-          </a:p>
-          <a:p>
-            <a:pPr lvl="1"/>
-            <a:r>
-              <a:rPr lang="en-US" dirty="0"/>
-              <a:t>The time series are variance normalized</a:t>
-            </a:r>
-          </a:p>
-          <a:p>
-            <a:pPr lvl="1"/>
-            <a:r>
-              <a:rPr lang="en-US" dirty="0"/>
-              <a:t>The brains have similar overall correlation patterns</a:t>
-            </a:r>
-          </a:p>
-          <a:p>
-            <a:pPr lvl="1"/>
-            <a:endParaRPr lang="en-US" dirty="0"/>
-          </a:p>
-        </p:txBody>
-      </p:sp>
+      <mc:AlternateContent xmlns:mc="http://schemas.openxmlformats.org/markup-compatibility/2006">
+        <mc:Choice xmlns:a14="http://schemas.microsoft.com/office/drawing/2010/main" Requires="a14">
+          <p:sp>
+            <p:nvSpPr>
+              <p:cNvPr id="3" name="Content Placeholder 2"/>
+              <p:cNvSpPr>
+                <a:spLocks noGrp="1"/>
+              </p:cNvSpPr>
+              <p:nvPr>
+                <p:ph idx="1"/>
+              </p:nvPr>
+            </p:nvSpPr>
+            <p:spPr/>
+            <p:txBody>
+              <a:bodyPr/>
+              <a:lstStyle/>
+              <a:p>
+                <a:r>
+                  <a:rPr lang="en-US" dirty="0" err="1"/>
+                  <a:t>rsfMRI</a:t>
+                </a:r>
+                <a:r>
+                  <a:rPr lang="en-US" dirty="0"/>
+                  <a:t> signals are not directly comparable across subjects because they are out of sync.</a:t>
+                </a:r>
+              </a:p>
+              <a:p>
+                <a:endParaRPr lang="en-US" dirty="0"/>
+              </a:p>
+              <a:p>
+                <a:r>
+                  <a:rPr lang="en-US" dirty="0"/>
+                  <a:t>We assume that:</a:t>
+                </a:r>
+              </a:p>
+              <a:p>
+                <a:pPr lvl="1"/>
+                <a:r>
+                  <a:rPr lang="en-US" dirty="0"/>
+                  <a:t>The time series are variance normalized </a:t>
+                </a:r>
+              </a:p>
+              <a:p>
+                <a:pPr lvl="1"/>
+                <a:r>
+                  <a:rPr lang="en-US" dirty="0"/>
+                  <a:t>The brains have similar overall correlation patterns</a:t>
+                </a:r>
+              </a:p>
+              <a:p>
+                <a:pPr lvl="1"/>
+                <a:endParaRPr lang="en-US" dirty="0"/>
+              </a:p>
+              <a:p>
+                <a:pPr marL="457200" lvl="1" indent="0">
+                  <a:buNone/>
+                </a:pPr>
+                <a:endParaRPr lang="en-US" dirty="0"/>
+              </a:p>
+              <a:p>
+                <a:pPr marL="457200" lvl="1" indent="0">
+                  <a:buNone/>
+                </a:pPr>
+                <a:r>
+                  <a:rPr lang="en-US" dirty="0"/>
+                  <a:t>The time series with T-samples can be represented as a point on sphere </a:t>
+                </a:r>
+                <a14:m>
+                  <m:oMath xmlns:m="http://schemas.openxmlformats.org/officeDocument/2006/math">
+                    <m:sSup>
+                      <m:sSupPr>
+                        <m:ctrlPr>
+                          <a:rPr lang="en-US" b="0" i="1" smtClean="0">
+                            <a:latin typeface="Cambria Math" panose="02040503050406030204" pitchFamily="18" charset="0"/>
+                          </a:rPr>
+                        </m:ctrlPr>
+                      </m:sSupPr>
+                      <m:e>
+                        <m:r>
+                          <a:rPr lang="en-US" b="0" i="1" smtClean="0">
+                            <a:latin typeface="Cambria Math" panose="02040503050406030204" pitchFamily="18" charset="0"/>
+                          </a:rPr>
+                          <m:t>𝑆</m:t>
+                        </m:r>
+                      </m:e>
+                      <m:sup>
+                        <m:r>
+                          <a:rPr lang="en-US" b="0" i="1" smtClean="0">
+                            <a:latin typeface="Cambria Math" panose="02040503050406030204" pitchFamily="18" charset="0"/>
+                          </a:rPr>
+                          <m:t>𝑇</m:t>
+                        </m:r>
+                        <m:r>
+                          <a:rPr lang="en-US" b="0" i="1" smtClean="0">
+                            <a:latin typeface="Cambria Math" panose="02040503050406030204" pitchFamily="18" charset="0"/>
+                          </a:rPr>
+                          <m:t>−1</m:t>
+                        </m:r>
+                      </m:sup>
+                    </m:sSup>
+                  </m:oMath>
+                </a14:m>
+                <a:r>
+                  <a:rPr lang="en-US" dirty="0"/>
+                  <a:t>.</a:t>
+                </a:r>
+              </a:p>
+              <a:p>
+                <a:pPr marL="457200" lvl="1" indent="0">
+                  <a:buNone/>
+                </a:pPr>
+                <a:endParaRPr lang="en-US" dirty="0"/>
+              </a:p>
+              <a:p>
+                <a:pPr lvl="1"/>
+                <a:endParaRPr lang="en-US" dirty="0"/>
+              </a:p>
+              <a:p>
+                <a:pPr lvl="1"/>
+                <a:endParaRPr lang="en-US" dirty="0"/>
+              </a:p>
+            </p:txBody>
+          </p:sp>
+        </mc:Choice>
+        <mc:Fallback>
+          <p:sp>
+            <p:nvSpPr>
+              <p:cNvPr id="3" name="Content Placeholder 2"/>
+              <p:cNvSpPr>
+                <a:spLocks noGrp="1" noRot="1" noChangeAspect="1" noMove="1" noResize="1" noEditPoints="1" noAdjustHandles="1" noChangeArrowheads="1" noChangeShapeType="1" noTextEdit="1"/>
+              </p:cNvSpPr>
+              <p:nvPr>
+                <p:ph idx="1"/>
+              </p:nvPr>
+            </p:nvSpPr>
+            <p:spPr>
+              <a:blipFill>
+                <a:blip r:embed="rId2"/>
+                <a:stretch>
+                  <a:fillRect l="-479" t="-806" r="-1094"/>
+                </a:stretch>
+              </a:blipFill>
+            </p:spPr>
+            <p:txBody>
+              <a:bodyPr/>
+              <a:lstStyle/>
+              <a:p>
+                <a:r>
+                  <a:rPr lang="en-US">
+                    <a:noFill/>
+                  </a:rPr>
+                  <a:t> </a:t>
+                </a:r>
+              </a:p>
+            </p:txBody>
+          </p:sp>
+        </mc:Fallback>
+      </mc:AlternateContent>
     </p:spTree>
     <p:extLst>
       <p:ext uri="{BB962C8B-B14F-4D97-AF65-F5344CB8AC3E}">
@@ -8068,6 +8732,15 @@
         <p:blipFill rotWithShape="1">
           <a:blip r:embed="rId2">
             <a:extLst>
+              <a:ext uri="{BEBA8EAE-BF5A-486C-A8C5-ECC9F3942E4B}">
+                <a14:imgProps xmlns:a14="http://schemas.microsoft.com/office/drawing/2010/main">
+                  <a14:imgLayer r:embed="rId3">
+                    <a14:imgEffect>
+                      <a14:backgroundRemoval t="17785" b="81301" l="34063" r="65625"/>
+                    </a14:imgEffect>
+                  </a14:imgLayer>
+                </a14:imgProps>
+              </a:ext>
               <a:ext uri="{28A0092B-C50C-407E-A947-70E740481C1C}">
                 <a14:useLocalDpi xmlns:a14="http://schemas.microsoft.com/office/drawing/2010/main" val="0"/>
               </a:ext>
@@ -8078,7 +8751,7 @@
         </p:blipFill>
         <p:spPr>
           <a:xfrm>
-            <a:off x="8205536" y="1905000"/>
+            <a:off x="8212000" y="1905000"/>
             <a:ext cx="3489158" cy="3545434"/>
           </a:xfrm>
           <a:prstGeom prst="rect">
@@ -8099,7 +8772,7 @@
         <p:spPr>
           <a:xfrm>
             <a:off x="1687670" y="624110"/>
-            <a:ext cx="4038876" cy="1280890"/>
+            <a:ext cx="6261844" cy="611566"/>
           </a:xfrm>
         </p:spPr>
         <p:txBody>
@@ -8117,59 +8790,47 @@
       </p:sp>
       <p:sp>
         <p:nvSpPr>
-          <p:cNvPr id="3" name="Content Placeholder 2"/>
-          <p:cNvSpPr>
-            <a:spLocks noGrp="1"/>
-          </p:cNvSpPr>
-          <p:nvPr>
-            <p:ph idx="1"/>
-          </p:nvPr>
-        </p:nvSpPr>
-        <p:spPr>
-          <a:xfrm>
-            <a:off x="1683956" y="2133600"/>
-            <a:ext cx="4042589" cy="3777622"/>
-          </a:xfrm>
-        </p:spPr>
-        <p:txBody>
-          <a:bodyPr>
-            <a:normAutofit/>
-          </a:bodyPr>
-          <a:lstStyle/>
-          <a:p>
-            <a:r>
-              <a:rPr lang="en-US" sz="1600">
-                <a:solidFill>
-                  <a:srgbClr val="000000"/>
-                </a:solidFill>
-              </a:rPr>
-              <a:t>Variance Normalized signals </a:t>
-            </a:r>
-          </a:p>
-          <a:p>
-            <a:endParaRPr lang="en-US" sz="1600">
-              <a:solidFill>
-                <a:srgbClr val="000000"/>
-              </a:solidFill>
-            </a:endParaRPr>
-          </a:p>
-        </p:txBody>
-      </p:sp>
-      <p:sp>
-        <p:nvSpPr>
-          <p:cNvPr id="8" name="Rectangle 7"/>
-          <p:cNvSpPr/>
+          <p:cNvPr id="9" name="TextBox 8"/>
+          <p:cNvSpPr txBox="1"/>
           <p:nvPr/>
         </p:nvSpPr>
         <p:spPr>
           <a:xfrm>
-            <a:off x="8205537" y="1905000"/>
-            <a:ext cx="3489158" cy="3545434"/>
+            <a:off x="10485959" y="3348672"/>
+            <a:ext cx="306367" cy="369332"/>
           </a:xfrm>
           <a:prstGeom prst="rect">
             <a:avLst/>
           </a:prstGeom>
           <a:noFill/>
+        </p:spPr>
+        <p:txBody>
+          <a:bodyPr wrap="square" rtlCol="0">
+            <a:spAutoFit/>
+          </a:bodyPr>
+          <a:lstStyle/>
+          <a:p>
+            <a:r>
+              <a:rPr lang="en-US" dirty="0"/>
+              <a:t>Y</a:t>
+            </a:r>
+          </a:p>
+        </p:txBody>
+      </p:sp>
+      <p:sp>
+        <p:nvSpPr>
+          <p:cNvPr id="6" name="Block Arc 5"/>
+          <p:cNvSpPr/>
+          <p:nvPr/>
+        </p:nvSpPr>
+        <p:spPr>
+          <a:xfrm rot="2208257">
+            <a:off x="10488252" y="2312091"/>
+            <a:ext cx="1121155" cy="294840"/>
+          </a:xfrm>
+          <a:prstGeom prst="blockArc">
+            <a:avLst/>
+          </a:prstGeom>
         </p:spPr>
         <p:style>
           <a:lnRef idx="2">
@@ -8192,10 +8853,547 @@
           <a:lstStyle/>
           <a:p>
             <a:pPr algn="ctr"/>
-            <a:endParaRPr lang="en-US"/>
-          </a:p>
-        </p:txBody>
-      </p:sp>
+            <a:endParaRPr lang="en-US" dirty="0">
+              <a:solidFill>
+                <a:schemeClr val="tx1"/>
+              </a:solidFill>
+            </a:endParaRPr>
+          </a:p>
+        </p:txBody>
+      </p:sp>
+      <p:sp>
+        <p:nvSpPr>
+          <p:cNvPr id="10" name="TextBox 9"/>
+          <p:cNvSpPr txBox="1"/>
+          <p:nvPr/>
+        </p:nvSpPr>
+        <p:spPr>
+          <a:xfrm>
+            <a:off x="11085374" y="2090179"/>
+            <a:ext cx="343364" cy="369332"/>
+          </a:xfrm>
+          <a:prstGeom prst="rect">
+            <a:avLst/>
+          </a:prstGeom>
+          <a:noFill/>
+        </p:spPr>
+        <p:txBody>
+          <a:bodyPr wrap="none" rtlCol="0">
+            <a:spAutoFit/>
+          </a:bodyPr>
+          <a:lstStyle/>
+          <a:p>
+            <a:r>
+              <a:rPr lang="en-US" dirty="0"/>
+              <a:t>d</a:t>
+            </a:r>
+          </a:p>
+        </p:txBody>
+      </p:sp>
+      <p:grpSp>
+        <p:nvGrpSpPr>
+          <p:cNvPr id="16" name="Group 15"/>
+          <p:cNvGrpSpPr/>
+          <p:nvPr/>
+        </p:nvGrpSpPr>
+        <p:grpSpPr>
+          <a:xfrm>
+            <a:off x="1484128" y="1482298"/>
+            <a:ext cx="8635316" cy="2585323"/>
+            <a:chOff x="1484128" y="1482298"/>
+            <a:chExt cx="8635316" cy="2585323"/>
+          </a:xfrm>
+        </p:grpSpPr>
+        <mc:AlternateContent xmlns:mc="http://schemas.openxmlformats.org/markup-compatibility/2006" xmlns:a14="http://schemas.microsoft.com/office/drawing/2010/main">
+          <mc:Choice Requires="a14">
+            <p:sp>
+              <p:nvSpPr>
+                <p:cNvPr id="13" name="TextBox 12"/>
+                <p:cNvSpPr txBox="1"/>
+                <p:nvPr/>
+              </p:nvSpPr>
+              <p:spPr>
+                <a:xfrm>
+                  <a:off x="1484128" y="1482298"/>
+                  <a:ext cx="6612708" cy="2585323"/>
+                </a:xfrm>
+                <a:prstGeom prst="rect">
+                  <a:avLst/>
+                </a:prstGeom>
+                <a:noFill/>
+              </p:spPr>
+              <p:txBody>
+                <a:bodyPr wrap="none" rtlCol="0">
+                  <a:spAutoFit/>
+                </a:bodyPr>
+                <a:lstStyle/>
+                <a:p>
+                  <a:pPr marL="285750" indent="-285750">
+                    <a:buFont typeface="Arial" panose="020B0604020202020204" pitchFamily="34" charset="0"/>
+                    <a:buChar char="•"/>
+                  </a:pPr>
+                  <a:r>
+                    <a:rPr lang="en-US" dirty="0"/>
+                    <a:t>We assume that all the time series are equally likely, i.e.</a:t>
+                  </a:r>
+                </a:p>
+                <a:p>
+                  <a:r>
+                    <a:rPr lang="en-US" dirty="0"/>
+                    <a:t>the sphere has uniform metric</a:t>
+                  </a:r>
+                </a:p>
+                <a:p>
+                  <a:endParaRPr lang="en-US" dirty="0"/>
+                </a:p>
+                <a:p>
+                  <a:endParaRPr lang="en-US" dirty="0"/>
+                </a:p>
+                <a:p>
+                  <a:pPr marL="285750" indent="-285750">
+                    <a:buFont typeface="Arial" panose="020B0604020202020204" pitchFamily="34" charset="0"/>
+                    <a:buChar char="•"/>
+                  </a:pPr>
+                  <a:r>
+                    <a:rPr lang="en-US" dirty="0"/>
+                    <a:t>The distance between two time series is given by</a:t>
+                  </a:r>
+                </a:p>
+                <a:p>
+                  <a:pPr marL="285750" indent="-285750">
+                    <a:buFont typeface="Arial" panose="020B0604020202020204" pitchFamily="34" charset="0"/>
+                    <a:buChar char="•"/>
+                  </a:pPr>
+                  <a:endParaRPr lang="en-US" dirty="0"/>
+                </a:p>
+                <a:p>
+                  <a:pPr marL="285750" indent="-285750">
+                    <a:buFont typeface="Arial" panose="020B0604020202020204" pitchFamily="34" charset="0"/>
+                    <a:buChar char="•"/>
+                  </a:pPr>
+                  <a:endParaRPr lang="en-US" dirty="0"/>
+                </a:p>
+                <a:p>
+                  <a:pPr marL="285750" indent="-285750">
+                    <a:buFont typeface="Arial" panose="020B0604020202020204" pitchFamily="34" charset="0"/>
+                    <a:buChar char="•"/>
+                  </a:pPr>
+                  <a:endParaRPr lang="en-US" dirty="0"/>
+                </a:p>
+                <a:p>
+                  <a:r>
+                    <a:rPr lang="en-US" dirty="0"/>
+                    <a:t>where </a:t>
+                  </a:r>
+                  <a14:m>
+                    <m:oMath xmlns:m="http://schemas.openxmlformats.org/officeDocument/2006/math">
+                      <m:sSub>
+                        <m:sSubPr>
+                          <m:ctrlPr>
+                            <a:rPr lang="en-US" b="0" i="1" smtClean="0">
+                              <a:latin typeface="Cambria Math" panose="02040503050406030204" pitchFamily="18" charset="0"/>
+                            </a:rPr>
+                          </m:ctrlPr>
+                        </m:sSubPr>
+                        <m:e>
+                          <m:r>
+                            <a:rPr lang="en-US" b="0" i="1" smtClean="0">
+                              <a:latin typeface="Cambria Math" panose="02040503050406030204" pitchFamily="18" charset="0"/>
+                            </a:rPr>
+                            <m:t>𝜌</m:t>
+                          </m:r>
+                        </m:e>
+                        <m:sub>
+                          <m:r>
+                            <a:rPr lang="en-US" b="0" i="1" smtClean="0">
+                              <a:latin typeface="Cambria Math" panose="02040503050406030204" pitchFamily="18" charset="0"/>
+                            </a:rPr>
+                            <m:t>𝑋𝑌</m:t>
+                          </m:r>
+                        </m:sub>
+                      </m:sSub>
+                    </m:oMath>
+                  </a14:m>
+                  <a:r>
+                    <a:rPr lang="en-US" dirty="0"/>
+                    <a:t> is correlation between </a:t>
+                  </a:r>
+                  <a14:m>
+                    <m:oMath xmlns:m="http://schemas.openxmlformats.org/officeDocument/2006/math">
+                      <m:r>
+                        <a:rPr lang="en-US" b="0" i="1" smtClean="0">
+                          <a:latin typeface="Cambria Math" panose="02040503050406030204" pitchFamily="18" charset="0"/>
+                        </a:rPr>
+                        <m:t>𝑋</m:t>
+                      </m:r>
+                    </m:oMath>
+                  </a14:m>
+                  <a:r>
+                    <a:rPr lang="en-US" dirty="0"/>
+                    <a:t> and </a:t>
+                  </a:r>
+                  <a14:m>
+                    <m:oMath xmlns:m="http://schemas.openxmlformats.org/officeDocument/2006/math">
+                      <m:r>
+                        <a:rPr lang="en-US" b="0" i="1" smtClean="0">
+                          <a:latin typeface="Cambria Math" panose="02040503050406030204" pitchFamily="18" charset="0"/>
+                        </a:rPr>
+                        <m:t>𝑌</m:t>
+                      </m:r>
+                    </m:oMath>
+                  </a14:m>
+                  <a:r>
+                    <a:rPr lang="en-US" dirty="0"/>
+                    <a:t>.</a:t>
+                  </a:r>
+                </a:p>
+              </p:txBody>
+            </p:sp>
+          </mc:Choice>
+          <mc:Fallback xmlns="">
+            <p:sp>
+              <p:nvSpPr>
+                <p:cNvPr id="13" name="TextBox 12"/>
+                <p:cNvSpPr txBox="1">
+                  <a:spLocks noRot="1" noChangeAspect="1" noMove="1" noResize="1" noEditPoints="1" noAdjustHandles="1" noChangeArrowheads="1" noChangeShapeType="1" noTextEdit="1"/>
+                </p:cNvSpPr>
+                <p:nvPr/>
+              </p:nvSpPr>
+              <p:spPr>
+                <a:xfrm>
+                  <a:off x="1484128" y="1482298"/>
+                  <a:ext cx="6612708" cy="2585323"/>
+                </a:xfrm>
+                <a:prstGeom prst="rect">
+                  <a:avLst/>
+                </a:prstGeom>
+                <a:blipFill>
+                  <a:blip r:embed="rId4"/>
+                  <a:stretch>
+                    <a:fillRect l="-737" t="-1179" r="-92" b="-2830"/>
+                  </a:stretch>
+                </a:blipFill>
+              </p:spPr>
+              <p:txBody>
+                <a:bodyPr/>
+                <a:lstStyle/>
+                <a:p>
+                  <a:r>
+                    <a:rPr lang="en-US">
+                      <a:noFill/>
+                    </a:rPr>
+                    <a:t> </a:t>
+                  </a:r>
+                </a:p>
+              </p:txBody>
+            </p:sp>
+          </mc:Fallback>
+        </mc:AlternateContent>
+        <p:sp>
+          <p:nvSpPr>
+            <p:cNvPr id="4" name="TextBox 3"/>
+            <p:cNvSpPr txBox="1"/>
+            <p:nvPr/>
+          </p:nvSpPr>
+          <p:spPr>
+            <a:xfrm>
+              <a:off x="9793714" y="2947738"/>
+              <a:ext cx="325730" cy="369332"/>
+            </a:xfrm>
+            <a:prstGeom prst="rect">
+              <a:avLst/>
+            </a:prstGeom>
+            <a:noFill/>
+          </p:spPr>
+          <p:txBody>
+            <a:bodyPr wrap="none" rtlCol="0">
+              <a:spAutoFit/>
+            </a:bodyPr>
+            <a:lstStyle/>
+            <a:p>
+              <a:r>
+                <a:rPr lang="en-US" dirty="0"/>
+                <a:t>X</a:t>
+              </a:r>
+            </a:p>
+          </p:txBody>
+        </p:sp>
+        <mc:AlternateContent xmlns:mc="http://schemas.openxmlformats.org/markup-compatibility/2006" xmlns:a14="http://schemas.microsoft.com/office/drawing/2010/main">
+          <mc:Choice Requires="a14">
+            <p:sp>
+              <p:nvSpPr>
+                <p:cNvPr id="12" name="TextBox 11"/>
+                <p:cNvSpPr txBox="1"/>
+                <p:nvPr/>
+              </p:nvSpPr>
+              <p:spPr>
+                <a:xfrm>
+                  <a:off x="3351714" y="3071673"/>
+                  <a:ext cx="1612172" cy="276999"/>
+                </a:xfrm>
+                <a:prstGeom prst="rect">
+                  <a:avLst/>
+                </a:prstGeom>
+                <a:noFill/>
+              </p:spPr>
+              <p:txBody>
+                <a:bodyPr wrap="none" lIns="0" tIns="0" rIns="0" bIns="0" rtlCol="0">
+                  <a:spAutoFit/>
+                </a:bodyPr>
+                <a:lstStyle/>
+                <a:p>
+                  <a:pPr/>
+                  <a14:m>
+                    <m:oMathPara xmlns:m="http://schemas.openxmlformats.org/officeDocument/2006/math">
+                      <m:oMathParaPr>
+                        <m:jc m:val="centerGroup"/>
+                      </m:oMathParaPr>
+                      <m:oMath xmlns:m="http://schemas.openxmlformats.org/officeDocument/2006/math">
+                        <m:r>
+                          <a:rPr lang="en-US" b="0" i="1" smtClean="0">
+                            <a:latin typeface="Cambria Math" panose="02040503050406030204" pitchFamily="18" charset="0"/>
+                          </a:rPr>
+                          <m:t>𝑑</m:t>
+                        </m:r>
+                        <m:r>
+                          <a:rPr lang="en-US" b="0" i="1" smtClean="0">
+                            <a:latin typeface="Cambria Math" panose="02040503050406030204" pitchFamily="18" charset="0"/>
+                          </a:rPr>
+                          <m:t>=</m:t>
+                        </m:r>
+                        <m:func>
+                          <m:funcPr>
+                            <m:ctrlPr>
+                              <a:rPr lang="en-US" b="0" i="1" smtClean="0">
+                                <a:latin typeface="Cambria Math" panose="02040503050406030204" pitchFamily="18" charset="0"/>
+                              </a:rPr>
+                            </m:ctrlPr>
+                          </m:funcPr>
+                          <m:fName>
+                            <m:sSup>
+                              <m:sSupPr>
+                                <m:ctrlPr>
+                                  <a:rPr lang="en-US" b="0" i="1" smtClean="0">
+                                    <a:latin typeface="Cambria Math" panose="02040503050406030204" pitchFamily="18" charset="0"/>
+                                  </a:rPr>
+                                </m:ctrlPr>
+                              </m:sSupPr>
+                              <m:e>
+                                <m:r>
+                                  <m:rPr>
+                                    <m:sty m:val="p"/>
+                                  </m:rPr>
+                                  <a:rPr lang="en-US" b="0" i="0" smtClean="0">
+                                    <a:latin typeface="Cambria Math" panose="02040503050406030204" pitchFamily="18" charset="0"/>
+                                  </a:rPr>
+                                  <m:t>cos</m:t>
+                                </m:r>
+                              </m:e>
+                              <m:sup>
+                                <m:r>
+                                  <a:rPr lang="en-US" b="0" i="1" smtClean="0">
+                                    <a:latin typeface="Cambria Math" panose="02040503050406030204" pitchFamily="18" charset="0"/>
+                                  </a:rPr>
+                                  <m:t>−1</m:t>
+                                </m:r>
+                              </m:sup>
+                            </m:sSup>
+                          </m:fName>
+                          <m:e>
+                            <m:r>
+                              <a:rPr lang="en-US" b="0" i="1" smtClean="0">
+                                <a:latin typeface="Cambria Math" panose="02040503050406030204" pitchFamily="18" charset="0"/>
+                              </a:rPr>
+                              <m:t>(</m:t>
+                            </m:r>
+                            <m:sSub>
+                              <m:sSubPr>
+                                <m:ctrlPr>
+                                  <a:rPr lang="en-US" b="0" i="1" smtClean="0">
+                                    <a:latin typeface="Cambria Math" panose="02040503050406030204" pitchFamily="18" charset="0"/>
+                                  </a:rPr>
+                                </m:ctrlPr>
+                              </m:sSubPr>
+                              <m:e>
+                                <m:r>
+                                  <a:rPr lang="en-US" b="0" i="1" smtClean="0">
+                                    <a:latin typeface="Cambria Math" panose="02040503050406030204" pitchFamily="18" charset="0"/>
+                                  </a:rPr>
+                                  <m:t>𝜌</m:t>
+                                </m:r>
+                              </m:e>
+                              <m:sub>
+                                <m:r>
+                                  <a:rPr lang="en-US" b="0" i="1" smtClean="0">
+                                    <a:latin typeface="Cambria Math" panose="02040503050406030204" pitchFamily="18" charset="0"/>
+                                  </a:rPr>
+                                  <m:t>𝑋𝑌</m:t>
+                                </m:r>
+                              </m:sub>
+                            </m:sSub>
+                            <m:r>
+                              <a:rPr lang="en-US" b="0" i="1" smtClean="0">
+                                <a:latin typeface="Cambria Math" panose="02040503050406030204" pitchFamily="18" charset="0"/>
+                              </a:rPr>
+                              <m:t>)</m:t>
+                            </m:r>
+                          </m:e>
+                        </m:func>
+                      </m:oMath>
+                    </m:oMathPara>
+                  </a14:m>
+                  <a:endParaRPr lang="en-US" dirty="0"/>
+                </a:p>
+              </p:txBody>
+            </p:sp>
+          </mc:Choice>
+          <mc:Fallback xmlns="">
+            <p:sp>
+              <p:nvSpPr>
+                <p:cNvPr id="12" name="TextBox 11"/>
+                <p:cNvSpPr txBox="1">
+                  <a:spLocks noRot="1" noChangeAspect="1" noMove="1" noResize="1" noEditPoints="1" noAdjustHandles="1" noChangeArrowheads="1" noChangeShapeType="1" noTextEdit="1"/>
+                </p:cNvSpPr>
+                <p:nvPr/>
+              </p:nvSpPr>
+              <p:spPr>
+                <a:xfrm>
+                  <a:off x="3351714" y="3071673"/>
+                  <a:ext cx="1612172" cy="276999"/>
+                </a:xfrm>
+                <a:prstGeom prst="rect">
+                  <a:avLst/>
+                </a:prstGeom>
+                <a:blipFill>
+                  <a:blip r:embed="rId5"/>
+                  <a:stretch>
+                    <a:fillRect l="-3030" r="-4924" b="-40000"/>
+                  </a:stretch>
+                </a:blipFill>
+              </p:spPr>
+              <p:txBody>
+                <a:bodyPr/>
+                <a:lstStyle/>
+                <a:p>
+                  <a:r>
+                    <a:rPr lang="en-US">
+                      <a:noFill/>
+                    </a:rPr>
+                    <a:t> </a:t>
+                  </a:r>
+                </a:p>
+              </p:txBody>
+            </p:sp>
+          </mc:Fallback>
+        </mc:AlternateContent>
+      </p:grpSp>
+      <mc:AlternateContent xmlns:mc="http://schemas.openxmlformats.org/markup-compatibility/2006">
+        <mc:Choice xmlns:a14="http://schemas.microsoft.com/office/drawing/2010/main" Requires="a14">
+          <p:sp>
+            <p:nvSpPr>
+              <p:cNvPr id="3" name="Rectangle 2"/>
+              <p:cNvSpPr/>
+              <p:nvPr/>
+            </p:nvSpPr>
+            <p:spPr>
+              <a:xfrm>
+                <a:off x="9596160" y="1535668"/>
+                <a:ext cx="720838" cy="369332"/>
+              </a:xfrm>
+              <a:prstGeom prst="rect">
+                <a:avLst/>
+              </a:prstGeom>
+            </p:spPr>
+            <p:txBody>
+              <a:bodyPr wrap="none">
+                <a:spAutoFit/>
+              </a:bodyPr>
+              <a:lstStyle/>
+              <a:p>
+                <a14:m>
+                  <m:oMathPara xmlns:m="http://schemas.openxmlformats.org/officeDocument/2006/math">
+                    <m:oMathParaPr>
+                      <m:jc m:val="centerGroup"/>
+                    </m:oMathParaPr>
+                    <m:oMath xmlns:m="http://schemas.openxmlformats.org/officeDocument/2006/math">
+                      <m:sSup>
+                        <m:sSupPr>
+                          <m:ctrlPr>
+                            <a:rPr lang="en-US" i="1">
+                              <a:latin typeface="Cambria Math" panose="02040503050406030204" pitchFamily="18" charset="0"/>
+                            </a:rPr>
+                          </m:ctrlPr>
+                        </m:sSupPr>
+                        <m:e>
+                          <m:r>
+                            <a:rPr lang="en-US" i="1">
+                              <a:latin typeface="Cambria Math" panose="02040503050406030204" pitchFamily="18" charset="0"/>
+                            </a:rPr>
+                            <m:t>𝑆</m:t>
+                          </m:r>
+                        </m:e>
+                        <m:sup>
+                          <m:r>
+                            <a:rPr lang="en-US" i="1">
+                              <a:latin typeface="Cambria Math" panose="02040503050406030204" pitchFamily="18" charset="0"/>
+                            </a:rPr>
+                            <m:t>𝑇</m:t>
+                          </m:r>
+                          <m:r>
+                            <a:rPr lang="en-US" i="1">
+                              <a:latin typeface="Cambria Math" panose="02040503050406030204" pitchFamily="18" charset="0"/>
+                            </a:rPr>
+                            <m:t>−1</m:t>
+                          </m:r>
+                        </m:sup>
+                      </m:sSup>
+                    </m:oMath>
+                  </m:oMathPara>
+                </a14:m>
+                <a:endParaRPr lang="en-US" dirty="0"/>
+              </a:p>
+            </p:txBody>
+          </p:sp>
+        </mc:Choice>
+        <mc:Fallback>
+          <p:sp>
+            <p:nvSpPr>
+              <p:cNvPr id="3" name="Rectangle 2"/>
+              <p:cNvSpPr>
+                <a:spLocks noRot="1" noChangeAspect="1" noMove="1" noResize="1" noEditPoints="1" noAdjustHandles="1" noChangeArrowheads="1" noChangeShapeType="1" noTextEdit="1"/>
+              </p:cNvSpPr>
+              <p:nvPr/>
+            </p:nvSpPr>
+            <p:spPr>
+              <a:xfrm>
+                <a:off x="9596160" y="1535668"/>
+                <a:ext cx="720838" cy="369332"/>
+              </a:xfrm>
+              <a:prstGeom prst="rect">
+                <a:avLst/>
+              </a:prstGeom>
+              <a:blipFill>
+                <a:blip r:embed="rId6"/>
+                <a:stretch>
+                  <a:fillRect/>
+                </a:stretch>
+              </a:blipFill>
+            </p:spPr>
+            <p:txBody>
+              <a:bodyPr/>
+              <a:lstStyle/>
+              <a:p>
+                <a:r>
+                  <a:rPr lang="en-US">
+                    <a:noFill/>
+                  </a:rPr>
+                  <a:t> </a:t>
+                </a:r>
+              </a:p>
+            </p:txBody>
+          </p:sp>
+        </mc:Fallback>
+      </mc:AlternateContent>
     </p:spTree>
     <p:extLst>
       <p:ext uri="{BB962C8B-B14F-4D97-AF65-F5344CB8AC3E}">
@@ -8228,7 +9426,7 @@
       </p:grpSpPr>
       <p:sp useBgFill="1">
         <p:nvSpPr>
-          <p:cNvPr id="7" name="Rectangle 6"/>
+          <p:cNvPr id="13" name="Rectangle 12"/>
           <p:cNvSpPr>
             <a:spLocks noGrp="1" noRot="1" noChangeAspect="1" noMove="1" noResize="1" noEditPoints="1" noAdjustHandles="1" noChangeArrowheads="1" noChangeShapeType="1" noTextEdit="1"/>
           </p:cNvSpPr>
@@ -8279,64 +9477,7 @@
       </p:sp>
       <p:sp>
         <p:nvSpPr>
-          <p:cNvPr id="8" name="Rectangle 7"/>
-          <p:cNvSpPr>
-            <a:spLocks noGrp="1" noRot="1" noChangeAspect="1" noMove="1" noResize="1" noEditPoints="1" noAdjustHandles="1" noChangeArrowheads="1" noChangeShapeType="1" noTextEdit="1"/>
-          </p:cNvSpPr>
-          <p:nvPr>
-            <p:extLst>
-              <p:ext uri="{386F3935-93C4-4BCD-93E2-E3B085C9AB24}">
-                <p16:designElem xmlns:p16="http://schemas.microsoft.com/office/powerpoint/2015/main" val="1"/>
-              </p:ext>
-            </p:extLst>
-          </p:nvPr>
-        </p:nvSpPr>
-        <p:spPr>
-          <a:xfrm>
-            <a:off x="4619543" y="645106"/>
-            <a:ext cx="6953577" cy="5247747"/>
-          </a:xfrm>
-          <a:prstGeom prst="rect">
-            <a:avLst/>
-          </a:prstGeom>
-          <a:solidFill>
-            <a:srgbClr val="FFFFFE"/>
-          </a:solidFill>
-          <a:ln w="12700" cap="sq">
-            <a:solidFill>
-              <a:schemeClr val="tx2"/>
-            </a:solidFill>
-            <a:miter lim="800000"/>
-          </a:ln>
-        </p:spPr>
-        <p:style>
-          <a:lnRef idx="2">
-            <a:schemeClr val="accent1">
-              <a:shade val="50000"/>
-            </a:schemeClr>
-          </a:lnRef>
-          <a:fillRef idx="1">
-            <a:schemeClr val="accent1"/>
-          </a:fillRef>
-          <a:effectRef idx="0">
-            <a:schemeClr val="accent1"/>
-          </a:effectRef>
-          <a:fontRef idx="minor">
-            <a:schemeClr val="lt1"/>
-          </a:fontRef>
-        </p:style>
-        <p:txBody>
-          <a:bodyPr rtlCol="0" anchor="ctr"/>
-          <a:lstStyle/>
-          <a:p>
-            <a:pPr algn="ctr"/>
-            <a:endParaRPr lang="en-US"/>
-          </a:p>
-        </p:txBody>
-      </p:sp>
-      <p:sp>
-        <p:nvSpPr>
-          <p:cNvPr id="9" name="Rectangle 8"/>
+          <p:cNvPr id="14" name="Rectangle 13"/>
           <p:cNvSpPr>
             <a:spLocks noGrp="1" noRot="1" noChangeAspect="1" noMove="1" noResize="1" noEditPoints="1" noAdjustHandles="1" noChangeArrowheads="1" noChangeShapeType="1" noTextEdit="1"/>
           </p:cNvSpPr>
@@ -8381,7 +9522,7 @@
       </p:sp>
       <p:sp>
         <p:nvSpPr>
-          <p:cNvPr id="10" name="Freeform 11"/>
+          <p:cNvPr id="15" name="Freeform 11"/>
           <p:cNvSpPr>
             <a:spLocks noGrp="1" noRot="1" noChangeAspect="1" noMove="1" noResize="1" noEditPoints="1" noAdjustHandles="1" noChangeArrowheads="1" noChangeShapeType="1" noTextEdit="1"/>
           </p:cNvSpPr>
@@ -8587,66 +9728,6 @@
           </a:p>
         </p:txBody>
       </p:sp>
-      <p:pic>
-        <p:nvPicPr>
-          <p:cNvPr id="4" name="Picture 3"/>
-          <p:cNvPicPr>
-            <a:picLocks noChangeAspect="1"/>
-          </p:cNvPicPr>
-          <p:nvPr/>
-        </p:nvPicPr>
-        <p:blipFill>
-          <a:blip r:embed="rId2">
-            <a:extLst>
-              <a:ext uri="{28A0092B-C50C-407E-A947-70E740481C1C}">
-                <a14:useLocalDpi xmlns:a14="http://schemas.microsoft.com/office/drawing/2010/main" val="0"/>
-              </a:ext>
-            </a:extLst>
-          </a:blip>
-          <a:stretch>
-            <a:fillRect/>
-          </a:stretch>
-        </p:blipFill>
-        <p:spPr>
-          <a:xfrm>
-            <a:off x="4783269" y="1641171"/>
-            <a:ext cx="3231199" cy="3255616"/>
-          </a:xfrm>
-          <a:prstGeom prst="rect">
-            <a:avLst/>
-          </a:prstGeom>
-        </p:spPr>
-      </p:pic>
-      <p:pic>
-        <p:nvPicPr>
-          <p:cNvPr id="5" name="Picture 4"/>
-          <p:cNvPicPr>
-            <a:picLocks noChangeAspect="1"/>
-          </p:cNvPicPr>
-          <p:nvPr/>
-        </p:nvPicPr>
-        <p:blipFill>
-          <a:blip r:embed="rId3">
-            <a:extLst>
-              <a:ext uri="{28A0092B-C50C-407E-A947-70E740481C1C}">
-                <a14:useLocalDpi xmlns:a14="http://schemas.microsoft.com/office/drawing/2010/main" val="0"/>
-              </a:ext>
-            </a:extLst>
-          </a:blip>
-          <a:stretch>
-            <a:fillRect/>
-          </a:stretch>
-        </p:blipFill>
-        <p:spPr>
-          <a:xfrm>
-            <a:off x="8178194" y="1651005"/>
-            <a:ext cx="3231200" cy="3231200"/>
-          </a:xfrm>
-          <a:prstGeom prst="rect">
-            <a:avLst/>
-          </a:prstGeom>
-        </p:spPr>
-      </p:pic>
       <p:sp>
         <p:nvSpPr>
           <p:cNvPr id="2" name="Title 1"/>
@@ -8660,7 +9741,7 @@
         <p:spPr>
           <a:xfrm>
             <a:off x="649224" y="645106"/>
-            <a:ext cx="3650279" cy="1259894"/>
+            <a:ext cx="6574536" cy="774620"/>
           </a:xfrm>
         </p:spPr>
         <p:txBody>
@@ -8670,7 +9751,7 @@
           <a:lstStyle/>
           <a:p>
             <a:r>
-              <a:rPr lang="en-US" sz="3300"/>
+              <a:rPr lang="en-US" dirty="0"/>
               <a:t>Finding Optimal Rotations</a:t>
             </a:r>
           </a:p>
@@ -8678,33 +9759,188 @@
       </p:sp>
       <p:sp>
         <p:nvSpPr>
-          <p:cNvPr id="3" name="Content Placeholder 2"/>
-          <p:cNvSpPr>
-            <a:spLocks noGrp="1"/>
-          </p:cNvSpPr>
-          <p:nvPr>
-            <p:ph idx="1"/>
-          </p:nvPr>
-        </p:nvSpPr>
-        <p:spPr>
-          <a:xfrm>
-            <a:off x="649225" y="2133600"/>
-            <a:ext cx="3650278" cy="3759253"/>
-          </a:xfrm>
-        </p:spPr>
-        <p:txBody>
-          <a:bodyPr>
-            <a:normAutofit/>
+          <p:cNvPr id="17" name="Rectangle 16"/>
+          <p:cNvSpPr/>
+          <p:nvPr/>
+        </p:nvSpPr>
+        <p:spPr>
+          <a:xfrm>
+            <a:off x="1433203" y="5040182"/>
+            <a:ext cx="7949612" cy="923330"/>
+          </a:xfrm>
+          <a:prstGeom prst="rect">
+            <a:avLst/>
+          </a:prstGeom>
+        </p:spPr>
+        <p:txBody>
+          <a:bodyPr wrap="none">
+            <a:spAutoFit/>
           </a:bodyPr>
           <a:lstStyle/>
           <a:p>
+            <a:pPr marL="285750" indent="-285750">
+              <a:buFont typeface="Arial" panose="020B0604020202020204" pitchFamily="34" charset="0"/>
+              <a:buChar char="•"/>
+            </a:pPr>
+            <a:r>
+              <a:rPr lang="en-US" dirty="0" err="1"/>
+              <a:t>Kabsch</a:t>
+            </a:r>
             <a:r>
               <a:rPr lang="en-US" dirty="0"/>
-              <a:t>Anand</a:t>
-            </a:r>
-          </a:p>
-        </p:txBody>
-      </p:sp>
+              <a:t> algorithm is used to find optimal rotations between spheres</a:t>
+            </a:r>
+          </a:p>
+          <a:p>
+            <a:pPr marL="285750" indent="-285750">
+              <a:buFont typeface="Arial" panose="020B0604020202020204" pitchFamily="34" charset="0"/>
+              <a:buChar char="•"/>
+            </a:pPr>
+            <a:endParaRPr lang="en-US" dirty="0"/>
+          </a:p>
+          <a:p>
+            <a:pPr marL="285750" indent="-285750">
+              <a:buFont typeface="Arial" panose="020B0604020202020204" pitchFamily="34" charset="0"/>
+              <a:buChar char="•"/>
+            </a:pPr>
+            <a:r>
+              <a:rPr lang="en-US" dirty="0"/>
+              <a:t>Finding Optimal Rotation has a closed form solution based on SVD</a:t>
+            </a:r>
+          </a:p>
+        </p:txBody>
+      </p:sp>
+      <p:grpSp>
+        <p:nvGrpSpPr>
+          <p:cNvPr id="19" name="Group 18"/>
+          <p:cNvGrpSpPr/>
+          <p:nvPr/>
+        </p:nvGrpSpPr>
+        <p:grpSpPr>
+          <a:xfrm>
+            <a:off x="2282531" y="2065618"/>
+            <a:ext cx="6551689" cy="1975064"/>
+            <a:chOff x="2109536" y="2545190"/>
+            <a:chExt cx="6551689" cy="1975064"/>
+          </a:xfrm>
+        </p:grpSpPr>
+        <p:pic>
+          <p:nvPicPr>
+            <p:cNvPr id="11" name="Picture 10"/>
+            <p:cNvPicPr>
+              <a:picLocks noChangeAspect="1"/>
+            </p:cNvPicPr>
+            <p:nvPr/>
+          </p:nvPicPr>
+          <p:blipFill rotWithShape="1">
+            <a:blip r:embed="rId2">
+              <a:extLst>
+                <a:ext uri="{28A0092B-C50C-407E-A947-70E740481C1C}">
+                  <a14:useLocalDpi xmlns:a14="http://schemas.microsoft.com/office/drawing/2010/main" val="0"/>
+                </a:ext>
+              </a:extLst>
+            </a:blip>
+            <a:srcRect l="35062" t="27633" r="35323" b="18085"/>
+            <a:stretch/>
+          </p:blipFill>
+          <p:spPr>
+            <a:xfrm>
+              <a:off x="2109536" y="2635381"/>
+              <a:ext cx="1904305" cy="1884873"/>
+            </a:xfrm>
+            <a:prstGeom prst="rect">
+              <a:avLst/>
+            </a:prstGeom>
+          </p:spPr>
+        </p:pic>
+        <p:pic>
+          <p:nvPicPr>
+            <p:cNvPr id="6" name="Picture 5"/>
+            <p:cNvPicPr>
+              <a:picLocks noChangeAspect="1"/>
+            </p:cNvPicPr>
+            <p:nvPr/>
+          </p:nvPicPr>
+          <p:blipFill rotWithShape="1">
+            <a:blip r:embed="rId3">
+              <a:extLst>
+                <a:ext uri="{28A0092B-C50C-407E-A947-70E740481C1C}">
+                  <a14:useLocalDpi xmlns:a14="http://schemas.microsoft.com/office/drawing/2010/main" val="0"/>
+                </a:ext>
+              </a:extLst>
+            </a:blip>
+            <a:srcRect l="35199" t="28085" r="34884" b="18192"/>
+            <a:stretch/>
+          </p:blipFill>
+          <p:spPr>
+            <a:xfrm>
+              <a:off x="4028518" y="2634087"/>
+              <a:ext cx="1945112" cy="1886167"/>
+            </a:xfrm>
+            <a:prstGeom prst="rect">
+              <a:avLst/>
+            </a:prstGeom>
+          </p:spPr>
+        </p:pic>
+        <p:pic>
+          <p:nvPicPr>
+            <p:cNvPr id="16" name="Picture 15"/>
+            <p:cNvPicPr>
+              <a:picLocks noChangeAspect="1"/>
+            </p:cNvPicPr>
+            <p:nvPr/>
+          </p:nvPicPr>
+          <p:blipFill rotWithShape="1">
+            <a:blip r:embed="rId2">
+              <a:extLst>
+                <a:ext uri="{28A0092B-C50C-407E-A947-70E740481C1C}">
+                  <a14:useLocalDpi xmlns:a14="http://schemas.microsoft.com/office/drawing/2010/main" val="0"/>
+                </a:ext>
+              </a:extLst>
+            </a:blip>
+            <a:srcRect l="35608" t="27689" r="35561" b="19266"/>
+            <a:stretch/>
+          </p:blipFill>
+          <p:spPr>
+            <a:xfrm>
+              <a:off x="6674282" y="2545190"/>
+              <a:ext cx="1986943" cy="1975064"/>
+            </a:xfrm>
+            <a:prstGeom prst="rect">
+              <a:avLst/>
+            </a:prstGeom>
+          </p:spPr>
+        </p:pic>
+        <p:sp>
+          <p:nvSpPr>
+            <p:cNvPr id="18" name="TextBox 17"/>
+            <p:cNvSpPr txBox="1"/>
+            <p:nvPr/>
+          </p:nvSpPr>
+          <p:spPr>
+            <a:xfrm>
+              <a:off x="6116207" y="3241567"/>
+              <a:ext cx="415498" cy="369332"/>
+            </a:xfrm>
+            <a:prstGeom prst="rect">
+              <a:avLst/>
+            </a:prstGeom>
+            <a:noFill/>
+          </p:spPr>
+          <p:txBody>
+            <a:bodyPr wrap="none" rtlCol="0">
+              <a:spAutoFit/>
+            </a:bodyPr>
+            <a:lstStyle/>
+            <a:p>
+              <a:r>
+                <a:rPr lang="en-US" dirty="0"/>
+                <a:t>…</a:t>
+              </a:r>
+            </a:p>
+          </p:txBody>
+        </p:sp>
+      </p:grpSp>
     </p:spTree>
     <p:extLst>
       <p:ext uri="{BB962C8B-B14F-4D97-AF65-F5344CB8AC3E}">
@@ -8745,9 +9981,16 @@
             <p:ph type="title"/>
           </p:nvPr>
         </p:nvSpPr>
-        <p:spPr/>
-        <p:txBody>
-          <a:bodyPr/>
+        <p:spPr>
+          <a:xfrm>
+            <a:off x="2592925" y="288004"/>
+            <a:ext cx="8911687" cy="603328"/>
+          </a:xfrm>
+        </p:spPr>
+        <p:txBody>
+          <a:bodyPr>
+            <a:normAutofit fontScale="90000"/>
+          </a:bodyPr>
           <a:lstStyle/>
           <a:p>
             <a:r>
@@ -8757,29 +10000,302 @@
           </a:p>
         </p:txBody>
       </p:sp>
-      <p:sp>
-        <p:nvSpPr>
-          <p:cNvPr id="3" name="Content Placeholder 2"/>
-          <p:cNvSpPr>
-            <a:spLocks noGrp="1"/>
-          </p:cNvSpPr>
+      <p:pic>
+        <p:nvPicPr>
+          <p:cNvPr id="8" name="Content Placeholder 7"/>
+          <p:cNvPicPr>
+            <a:picLocks noGrp="1" noChangeAspect="1"/>
+          </p:cNvPicPr>
           <p:nvPr>
             <p:ph idx="1"/>
           </p:nvPr>
-        </p:nvSpPr>
-        <p:spPr/>
-        <p:txBody>
-          <a:bodyPr/>
+        </p:nvPicPr>
+        <p:blipFill rotWithShape="1">
+          <a:blip r:embed="rId2">
+            <a:extLst>
+              <a:ext uri="{28A0092B-C50C-407E-A947-70E740481C1C}">
+                <a14:useLocalDpi xmlns:a14="http://schemas.microsoft.com/office/drawing/2010/main" val="0"/>
+              </a:ext>
+            </a:extLst>
+          </a:blip>
+          <a:srcRect l="9396" t="92029" r="10235" b="1210"/>
+          <a:stretch/>
+        </p:blipFill>
+        <p:spPr>
+          <a:xfrm rot="16200000">
+            <a:off x="7654141" y="3722313"/>
+            <a:ext cx="3062094" cy="197708"/>
+          </a:xfrm>
+        </p:spPr>
+      </p:pic>
+      <p:pic>
+        <p:nvPicPr>
+          <p:cNvPr id="4" name="Picture 3"/>
+          <p:cNvPicPr>
+            <a:picLocks noChangeAspect="1"/>
+          </p:cNvPicPr>
+          <p:nvPr/>
+        </p:nvPicPr>
+        <p:blipFill rotWithShape="1">
+          <a:blip r:embed="rId3">
+            <a:extLst>
+              <a:ext uri="{28A0092B-C50C-407E-A947-70E740481C1C}">
+                <a14:useLocalDpi xmlns:a14="http://schemas.microsoft.com/office/drawing/2010/main" val="0"/>
+              </a:ext>
+            </a:extLst>
+          </a:blip>
+          <a:srcRect l="19473" t="21164" r="19580" b="20410"/>
+          <a:stretch/>
+        </p:blipFill>
+        <p:spPr>
+          <a:xfrm>
+            <a:off x="2652629" y="1727804"/>
+            <a:ext cx="3053546" cy="2246651"/>
+          </a:xfrm>
+          <a:prstGeom prst="rect">
+            <a:avLst/>
+          </a:prstGeom>
+        </p:spPr>
+      </p:pic>
+      <p:pic>
+        <p:nvPicPr>
+          <p:cNvPr id="5" name="Picture 4"/>
+          <p:cNvPicPr>
+            <a:picLocks noChangeAspect="1"/>
+          </p:cNvPicPr>
+          <p:nvPr/>
+        </p:nvPicPr>
+        <p:blipFill rotWithShape="1">
+          <a:blip r:embed="rId4">
+            <a:extLst>
+              <a:ext uri="{28A0092B-C50C-407E-A947-70E740481C1C}">
+                <a14:useLocalDpi xmlns:a14="http://schemas.microsoft.com/office/drawing/2010/main" val="0"/>
+              </a:ext>
+            </a:extLst>
+          </a:blip>
+          <a:srcRect l="19474" t="21146" r="19579" b="20428"/>
+          <a:stretch/>
+        </p:blipFill>
+        <p:spPr>
+          <a:xfrm>
+            <a:off x="5700629" y="1728966"/>
+            <a:ext cx="3053547" cy="2246654"/>
+          </a:xfrm>
+          <a:prstGeom prst="rect">
+            <a:avLst/>
+          </a:prstGeom>
+        </p:spPr>
+      </p:pic>
+      <p:pic>
+        <p:nvPicPr>
+          <p:cNvPr id="6" name="Picture 5"/>
+          <p:cNvPicPr>
+            <a:picLocks noChangeAspect="1"/>
+          </p:cNvPicPr>
+          <p:nvPr/>
+        </p:nvPicPr>
+        <p:blipFill rotWithShape="1">
+          <a:blip r:embed="rId5">
+            <a:extLst>
+              <a:ext uri="{28A0092B-C50C-407E-A947-70E740481C1C}">
+                <a14:useLocalDpi xmlns:a14="http://schemas.microsoft.com/office/drawing/2010/main" val="0"/>
+              </a:ext>
+            </a:extLst>
+          </a:blip>
+          <a:srcRect l="19263" t="21146" r="19579" b="20428"/>
+          <a:stretch/>
+        </p:blipFill>
+        <p:spPr>
+          <a:xfrm>
+            <a:off x="5690078" y="3951880"/>
+            <a:ext cx="3064094" cy="2246654"/>
+          </a:xfrm>
+          <a:prstGeom prst="rect">
+            <a:avLst/>
+          </a:prstGeom>
+        </p:spPr>
+      </p:pic>
+      <p:pic>
+        <p:nvPicPr>
+          <p:cNvPr id="7" name="Picture 6"/>
+          <p:cNvPicPr>
+            <a:picLocks noChangeAspect="1"/>
+          </p:cNvPicPr>
+          <p:nvPr/>
+        </p:nvPicPr>
+        <p:blipFill rotWithShape="1">
+          <a:blip r:embed="rId6">
+            <a:extLst>
+              <a:ext uri="{28A0092B-C50C-407E-A947-70E740481C1C}">
+                <a14:useLocalDpi xmlns:a14="http://schemas.microsoft.com/office/drawing/2010/main" val="0"/>
+              </a:ext>
+            </a:extLst>
+          </a:blip>
+          <a:srcRect l="19263" t="20677" r="19579" b="20897"/>
+          <a:stretch/>
+        </p:blipFill>
+        <p:spPr>
+          <a:xfrm>
+            <a:off x="2660867" y="3946111"/>
+            <a:ext cx="3064094" cy="2246651"/>
+          </a:xfrm>
+          <a:prstGeom prst="rect">
+            <a:avLst/>
+          </a:prstGeom>
+        </p:spPr>
+      </p:pic>
+      <p:sp>
+        <p:nvSpPr>
+          <p:cNvPr id="9" name="TextBox 8"/>
+          <p:cNvSpPr txBox="1"/>
+          <p:nvPr/>
+        </p:nvSpPr>
+        <p:spPr>
+          <a:xfrm>
+            <a:off x="3161100" y="1258193"/>
+            <a:ext cx="1890261" cy="430887"/>
+          </a:xfrm>
+          <a:prstGeom prst="rect">
+            <a:avLst/>
+          </a:prstGeom>
+          <a:noFill/>
+        </p:spPr>
+        <p:txBody>
+          <a:bodyPr wrap="none" rtlCol="0">
+            <a:spAutoFit/>
+          </a:bodyPr>
           <a:lstStyle/>
           <a:p>
-            <a:endParaRPr lang="en-US" dirty="0"/>
+            <a:pPr algn="ctr"/>
+            <a:r>
+              <a:rPr lang="en-US" sz="1100" dirty="0"/>
+              <a:t>Average Correlation in </a:t>
+            </a:r>
+          </a:p>
+          <a:p>
+            <a:pPr algn="ctr"/>
+            <a:r>
+              <a:rPr lang="en-US" sz="1100" dirty="0" err="1"/>
+              <a:t>rfMRIs</a:t>
+            </a:r>
+            <a:r>
+              <a:rPr lang="en-US" sz="1100" dirty="0"/>
+              <a:t> of original Subjects</a:t>
+            </a:r>
+          </a:p>
+        </p:txBody>
+      </p:sp>
+      <p:sp>
+        <p:nvSpPr>
+          <p:cNvPr id="10" name="TextBox 9"/>
+          <p:cNvSpPr txBox="1"/>
+          <p:nvPr/>
+        </p:nvSpPr>
+        <p:spPr>
+          <a:xfrm>
+            <a:off x="6245131" y="1297498"/>
+            <a:ext cx="2238113" cy="430887"/>
+          </a:xfrm>
+          <a:prstGeom prst="rect">
+            <a:avLst/>
+          </a:prstGeom>
+          <a:noFill/>
+        </p:spPr>
+        <p:txBody>
+          <a:bodyPr wrap="none" rtlCol="0">
+            <a:spAutoFit/>
+          </a:bodyPr>
+          <a:lstStyle/>
+          <a:p>
+            <a:pPr algn="ctr"/>
+            <a:r>
+              <a:rPr lang="en-US" sz="1100" dirty="0"/>
+              <a:t>Average Correlation in</a:t>
+            </a:r>
+          </a:p>
+          <a:p>
+            <a:pPr algn="ctr"/>
+            <a:r>
+              <a:rPr lang="en-US" sz="1100" dirty="0" err="1"/>
+              <a:t>rfMRIs</a:t>
+            </a:r>
+            <a:r>
+              <a:rPr lang="en-US" sz="1100" dirty="0"/>
+              <a:t> of </a:t>
+            </a:r>
+            <a:r>
+              <a:rPr lang="en-US" sz="1100" dirty="0" err="1"/>
+              <a:t>BrainSynced</a:t>
+            </a:r>
+            <a:r>
+              <a:rPr lang="en-US" sz="1100" dirty="0"/>
+              <a:t> Subjects</a:t>
+            </a:r>
+          </a:p>
+        </p:txBody>
+      </p:sp>
+      <p:sp>
+        <p:nvSpPr>
+          <p:cNvPr id="11" name="TextBox 10"/>
+          <p:cNvSpPr txBox="1"/>
+          <p:nvPr/>
+        </p:nvSpPr>
+        <p:spPr>
+          <a:xfrm>
+            <a:off x="9284042" y="5075208"/>
+            <a:ext cx="312906" cy="369332"/>
+          </a:xfrm>
+          <a:prstGeom prst="rect">
+            <a:avLst/>
+          </a:prstGeom>
+          <a:noFill/>
+        </p:spPr>
+        <p:txBody>
+          <a:bodyPr wrap="none" rtlCol="0">
+            <a:spAutoFit/>
+          </a:bodyPr>
+          <a:lstStyle/>
+          <a:p>
+            <a:r>
+              <a:rPr lang="en-US" dirty="0"/>
+              <a:t>0</a:t>
+            </a:r>
+          </a:p>
+        </p:txBody>
+      </p:sp>
+      <p:sp>
+        <p:nvSpPr>
+          <p:cNvPr id="12" name="TextBox 11"/>
+          <p:cNvSpPr txBox="1"/>
+          <p:nvPr/>
+        </p:nvSpPr>
+        <p:spPr>
+          <a:xfrm>
+            <a:off x="9298392" y="2204322"/>
+            <a:ext cx="284206" cy="369332"/>
+          </a:xfrm>
+          <a:prstGeom prst="rect">
+            <a:avLst/>
+          </a:prstGeom>
+          <a:noFill/>
+        </p:spPr>
+        <p:txBody>
+          <a:bodyPr wrap="square" rtlCol="0">
+            <a:spAutoFit/>
+          </a:bodyPr>
+          <a:lstStyle/>
+          <a:p>
+            <a:r>
+              <a:rPr lang="en-US" dirty="0"/>
+              <a:t>1</a:t>
+            </a:r>
           </a:p>
         </p:txBody>
       </p:sp>
     </p:spTree>
     <p:extLst>
       <p:ext uri="{BB962C8B-B14F-4D97-AF65-F5344CB8AC3E}">
-        <p14:creationId xmlns:p14="http://schemas.microsoft.com/office/powerpoint/2010/main" val="2668661448"/>
+        <p14:creationId xmlns:p14="http://schemas.microsoft.com/office/powerpoint/2010/main" val="4000442411"/>
       </p:ext>
     </p:extLst>
   </p:cSld>
@@ -8818,26 +10334,24 @@
         </p:nvSpPr>
         <p:spPr>
           <a:xfrm>
-            <a:off x="2592925" y="0"/>
-            <a:ext cx="8911687" cy="547467"/>
-          </a:xfrm>
-        </p:spPr>
-        <p:txBody>
-          <a:bodyPr>
-            <a:normAutofit fontScale="90000"/>
-          </a:bodyPr>
+            <a:off x="2378741" y="245169"/>
+            <a:ext cx="8911687" cy="710420"/>
+          </a:xfrm>
+        </p:spPr>
+        <p:txBody>
+          <a:bodyPr/>
           <a:lstStyle/>
           <a:p>
             <a:r>
               <a:rPr lang="en-US" dirty="0"/>
-              <a:t>Parcellation Individually</a:t>
+              <a:t>Correlation of Signals</a:t>
             </a:r>
           </a:p>
         </p:txBody>
       </p:sp>
       <p:pic>
         <p:nvPicPr>
-          <p:cNvPr id="4" name="Content Placeholder 3"/>
+          <p:cNvPr id="11" name="Content Placeholder 10"/>
           <p:cNvPicPr>
             <a:picLocks noGrp="1" noChangeAspect="1"/>
           </p:cNvPicPr>
@@ -8845,7 +10359,7 @@
             <p:ph idx="1"/>
           </p:nvPr>
         </p:nvPicPr>
-        <p:blipFill>
+        <p:blipFill rotWithShape="1">
           <a:blip r:embed="rId2">
             <a:extLst>
               <a:ext uri="{28A0092B-C50C-407E-A947-70E740481C1C}">
@@ -8853,165 +10367,14 @@
               </a:ext>
             </a:extLst>
           </a:blip>
-          <a:stretch>
-            <a:fillRect/>
-          </a:stretch>
+          <a:srcRect l="19520" t="19456" r="19635" b="19411"/>
+          <a:stretch/>
         </p:blipFill>
         <p:spPr>
           <a:xfrm>
-            <a:off x="1509712" y="1185865"/>
-            <a:ext cx="2571750" cy="1866900"/>
-          </a:xfrm>
-        </p:spPr>
-      </p:pic>
-      <p:pic>
-        <p:nvPicPr>
-          <p:cNvPr id="5" name="Picture 4"/>
-          <p:cNvPicPr>
-            <a:picLocks noChangeAspect="1"/>
-          </p:cNvPicPr>
-          <p:nvPr/>
-        </p:nvPicPr>
-        <p:blipFill>
-          <a:blip r:embed="rId3">
-            <a:extLst>
-              <a:ext uri="{28A0092B-C50C-407E-A947-70E740481C1C}">
-                <a14:useLocalDpi xmlns:a14="http://schemas.microsoft.com/office/drawing/2010/main" val="0"/>
-              </a:ext>
-            </a:extLst>
-          </a:blip>
-          <a:stretch>
-            <a:fillRect/>
-          </a:stretch>
-        </p:blipFill>
-        <p:spPr>
-          <a:xfrm>
-            <a:off x="4081462" y="1185865"/>
-            <a:ext cx="2571750" cy="1866900"/>
-          </a:xfrm>
-          <a:prstGeom prst="rect">
-            <a:avLst/>
-          </a:prstGeom>
-        </p:spPr>
-      </p:pic>
-      <p:pic>
-        <p:nvPicPr>
-          <p:cNvPr id="6" name="Picture 5"/>
-          <p:cNvPicPr>
-            <a:picLocks noChangeAspect="1"/>
-          </p:cNvPicPr>
-          <p:nvPr/>
-        </p:nvPicPr>
-        <p:blipFill>
-          <a:blip r:embed="rId4">
-            <a:extLst>
-              <a:ext uri="{28A0092B-C50C-407E-A947-70E740481C1C}">
-                <a14:useLocalDpi xmlns:a14="http://schemas.microsoft.com/office/drawing/2010/main" val="0"/>
-              </a:ext>
-            </a:extLst>
-          </a:blip>
-          <a:stretch>
-            <a:fillRect/>
-          </a:stretch>
-        </p:blipFill>
-        <p:spPr>
-          <a:xfrm>
-            <a:off x="1509712" y="3052765"/>
-            <a:ext cx="2571750" cy="1866900"/>
-          </a:xfrm>
-          <a:prstGeom prst="rect">
-            <a:avLst/>
-          </a:prstGeom>
-        </p:spPr>
-      </p:pic>
-      <p:pic>
-        <p:nvPicPr>
-          <p:cNvPr id="7" name="Picture 6"/>
-          <p:cNvPicPr>
-            <a:picLocks noChangeAspect="1"/>
-          </p:cNvPicPr>
-          <p:nvPr/>
-        </p:nvPicPr>
-        <p:blipFill>
-          <a:blip r:embed="rId5">
-            <a:extLst>
-              <a:ext uri="{28A0092B-C50C-407E-A947-70E740481C1C}">
-                <a14:useLocalDpi xmlns:a14="http://schemas.microsoft.com/office/drawing/2010/main" val="0"/>
-              </a:ext>
-            </a:extLst>
-          </a:blip>
-          <a:stretch>
-            <a:fillRect/>
-          </a:stretch>
-        </p:blipFill>
-        <p:spPr>
-          <a:xfrm>
-            <a:off x="4092580" y="3052765"/>
-            <a:ext cx="2571750" cy="1866900"/>
-          </a:xfrm>
-          <a:prstGeom prst="rect">
-            <a:avLst/>
-          </a:prstGeom>
-        </p:spPr>
-      </p:pic>
-      <p:pic>
-        <p:nvPicPr>
-          <p:cNvPr id="10" name="Picture 9"/>
-          <p:cNvPicPr>
-            <a:picLocks noChangeAspect="1"/>
-          </p:cNvPicPr>
-          <p:nvPr/>
-        </p:nvPicPr>
-        <p:blipFill>
-          <a:blip r:embed="rId6">
-            <a:extLst>
-              <a:ext uri="{28A0092B-C50C-407E-A947-70E740481C1C}">
-                <a14:useLocalDpi xmlns:a14="http://schemas.microsoft.com/office/drawing/2010/main" val="0"/>
-              </a:ext>
-            </a:extLst>
-          </a:blip>
-          <a:stretch>
-            <a:fillRect/>
-          </a:stretch>
-        </p:blipFill>
-        <p:spPr>
-          <a:xfrm>
-            <a:off x="9620250" y="3052765"/>
-            <a:ext cx="2571750" cy="1866900"/>
-          </a:xfrm>
-          <a:prstGeom prst="rect">
-            <a:avLst/>
-          </a:prstGeom>
-        </p:spPr>
-      </p:pic>
-      <p:pic>
-        <p:nvPicPr>
-          <p:cNvPr id="11" name="Picture 10"/>
-          <p:cNvPicPr>
-            <a:picLocks noChangeAspect="1"/>
-          </p:cNvPicPr>
-          <p:nvPr/>
-        </p:nvPicPr>
-        <p:blipFill>
-          <a:blip r:embed="rId7">
-            <a:extLst>
-              <a:ext uri="{28A0092B-C50C-407E-A947-70E740481C1C}">
-                <a14:useLocalDpi xmlns:a14="http://schemas.microsoft.com/office/drawing/2010/main" val="0"/>
-              </a:ext>
-            </a:extLst>
-          </a:blip>
-          <a:stretch>
-            <a:fillRect/>
-          </a:stretch>
-        </p:blipFill>
-        <p:spPr>
-          <a:xfrm>
-            <a:off x="7037382" y="3052765"/>
-            <a:ext cx="2571750" cy="1866900"/>
-          </a:xfrm>
-          <a:prstGeom prst="rect">
-            <a:avLst/>
-          </a:prstGeom>
+            <a:off x="7479360" y="4192944"/>
+            <a:ext cx="2318197" cy="1787625"/>
+          </a:xfrm>
         </p:spPr>
       </p:pic>
       <p:pic>
@@ -9022,22 +10385,21 @@
           </p:cNvPicPr>
           <p:nvPr/>
         </p:nvPicPr>
-        <p:blipFill>
-          <a:blip r:embed="rId8">
+        <p:blipFill rotWithShape="1">
+          <a:blip r:embed="rId3">
             <a:extLst>
               <a:ext uri="{28A0092B-C50C-407E-A947-70E740481C1C}">
                 <a14:useLocalDpi xmlns:a14="http://schemas.microsoft.com/office/drawing/2010/main" val="0"/>
               </a:ext>
             </a:extLst>
           </a:blip>
-          <a:stretch>
-            <a:fillRect/>
-          </a:stretch>
+          <a:srcRect l="19465" t="20790" r="19690" b="21043"/>
+          <a:stretch/>
         </p:blipFill>
         <p:spPr>
           <a:xfrm>
-            <a:off x="9620250" y="1185865"/>
-            <a:ext cx="2571750" cy="1866900"/>
+            <a:off x="5173595" y="2564254"/>
+            <a:ext cx="2318198" cy="1700917"/>
           </a:xfrm>
           <a:prstGeom prst="rect">
             <a:avLst/>
@@ -9052,32 +10414,337 @@
           </p:cNvPicPr>
           <p:nvPr/>
         </p:nvPicPr>
-        <p:blipFill>
-          <a:blip r:embed="rId9">
+        <p:blipFill rotWithShape="1">
+          <a:blip r:embed="rId4">
             <a:extLst>
               <a:ext uri="{28A0092B-C50C-407E-A947-70E740481C1C}">
                 <a14:useLocalDpi xmlns:a14="http://schemas.microsoft.com/office/drawing/2010/main" val="0"/>
               </a:ext>
             </a:extLst>
           </a:blip>
-          <a:stretch>
-            <a:fillRect/>
-          </a:stretch>
+          <a:srcRect l="19803" t="20303" r="19352" b="21042"/>
+          <a:stretch/>
         </p:blipFill>
         <p:spPr>
           <a:xfrm>
-            <a:off x="7050082" y="1185865"/>
-            <a:ext cx="2571750" cy="1866900"/>
+            <a:off x="5173595" y="4265420"/>
+            <a:ext cx="2318198" cy="1715149"/>
           </a:xfrm>
           <a:prstGeom prst="rect">
             <a:avLst/>
           </a:prstGeom>
         </p:spPr>
       </p:pic>
+      <p:pic>
+        <p:nvPicPr>
+          <p:cNvPr id="14" name="Picture 13"/>
+          <p:cNvPicPr>
+            <a:picLocks noChangeAspect="1"/>
+          </p:cNvPicPr>
+          <p:nvPr/>
+        </p:nvPicPr>
+        <p:blipFill rotWithShape="1">
+          <a:blip r:embed="rId5">
+            <a:extLst>
+              <a:ext uri="{28A0092B-C50C-407E-A947-70E740481C1C}">
+                <a14:useLocalDpi xmlns:a14="http://schemas.microsoft.com/office/drawing/2010/main" val="0"/>
+              </a:ext>
+            </a:extLst>
+          </a:blip>
+          <a:srcRect l="19126" t="20791" r="19690" b="21482"/>
+          <a:stretch/>
+        </p:blipFill>
+        <p:spPr>
+          <a:xfrm>
+            <a:off x="7472921" y="2562580"/>
+            <a:ext cx="2331077" cy="1688039"/>
+          </a:xfrm>
+          <a:prstGeom prst="rect">
+            <a:avLst/>
+          </a:prstGeom>
+        </p:spPr>
+      </p:pic>
+      <p:pic>
+        <p:nvPicPr>
+          <p:cNvPr id="15" name="Picture 14"/>
+          <p:cNvPicPr>
+            <a:picLocks noChangeAspect="1"/>
+          </p:cNvPicPr>
+          <p:nvPr/>
+        </p:nvPicPr>
+        <p:blipFill rotWithShape="1">
+          <a:blip r:embed="rId6">
+            <a:extLst>
+              <a:ext uri="{28A0092B-C50C-407E-A947-70E740481C1C}">
+                <a14:useLocalDpi xmlns:a14="http://schemas.microsoft.com/office/drawing/2010/main" val="0"/>
+              </a:ext>
+            </a:extLst>
+          </a:blip>
+          <a:srcRect l="19437" t="21787" r="19717" b="20304"/>
+          <a:stretch/>
+        </p:blipFill>
+        <p:spPr>
+          <a:xfrm>
+            <a:off x="2855398" y="4283296"/>
+            <a:ext cx="2318197" cy="1693347"/>
+          </a:xfrm>
+          <a:prstGeom prst="rect">
+            <a:avLst/>
+          </a:prstGeom>
+        </p:spPr>
+      </p:pic>
+      <p:pic>
+        <p:nvPicPr>
+          <p:cNvPr id="16" name="Picture 15"/>
+          <p:cNvPicPr>
+            <a:picLocks noChangeAspect="1"/>
+          </p:cNvPicPr>
+          <p:nvPr/>
+        </p:nvPicPr>
+        <p:blipFill rotWithShape="1">
+          <a:blip r:embed="rId7">
+            <a:extLst>
+              <a:ext uri="{28A0092B-C50C-407E-A947-70E740481C1C}">
+                <a14:useLocalDpi xmlns:a14="http://schemas.microsoft.com/office/drawing/2010/main" val="0"/>
+              </a:ext>
+            </a:extLst>
+          </a:blip>
+          <a:srcRect l="19465" t="20304" r="19352" b="20601"/>
+          <a:stretch/>
+        </p:blipFill>
+        <p:spPr>
+          <a:xfrm>
+            <a:off x="2861390" y="2565920"/>
+            <a:ext cx="2331077" cy="1728028"/>
+          </a:xfrm>
+          <a:prstGeom prst="rect">
+            <a:avLst/>
+          </a:prstGeom>
+        </p:spPr>
+      </p:pic>
+      <p:sp>
+        <p:nvSpPr>
+          <p:cNvPr id="7" name="TextBox 6"/>
+          <p:cNvSpPr txBox="1"/>
+          <p:nvPr/>
+        </p:nvSpPr>
+        <p:spPr>
+          <a:xfrm>
+            <a:off x="2627870" y="1062681"/>
+            <a:ext cx="7297190" cy="369332"/>
+          </a:xfrm>
+          <a:prstGeom prst="rect">
+            <a:avLst/>
+          </a:prstGeom>
+          <a:noFill/>
+        </p:spPr>
+        <p:txBody>
+          <a:bodyPr wrap="none" rtlCol="0">
+            <a:spAutoFit/>
+          </a:bodyPr>
+          <a:lstStyle/>
+          <a:p>
+            <a:r>
+              <a:rPr lang="en-US" dirty="0"/>
+              <a:t>Correlation of average signal in </a:t>
+            </a:r>
+            <a:r>
+              <a:rPr lang="en-US" dirty="0" err="1"/>
+              <a:t>precuneus</a:t>
+            </a:r>
+            <a:r>
+              <a:rPr lang="en-US" dirty="0"/>
+              <a:t> to the signals in brain</a:t>
+            </a:r>
+          </a:p>
+        </p:txBody>
+      </p:sp>
+      <p:sp>
+        <p:nvSpPr>
+          <p:cNvPr id="8" name="TextBox 7"/>
+          <p:cNvSpPr txBox="1"/>
+          <p:nvPr/>
+        </p:nvSpPr>
+        <p:spPr>
+          <a:xfrm>
+            <a:off x="3146929" y="2195755"/>
+            <a:ext cx="1754006" cy="369332"/>
+          </a:xfrm>
+          <a:prstGeom prst="rect">
+            <a:avLst/>
+          </a:prstGeom>
+          <a:noFill/>
+        </p:spPr>
+        <p:txBody>
+          <a:bodyPr wrap="none" rtlCol="0">
+            <a:spAutoFit/>
+          </a:bodyPr>
+          <a:lstStyle/>
+          <a:p>
+            <a:r>
+              <a:rPr lang="en-US" dirty="0"/>
+              <a:t>Sub 1 to Sub 1</a:t>
+            </a:r>
+          </a:p>
+        </p:txBody>
+      </p:sp>
+      <p:sp>
+        <p:nvSpPr>
+          <p:cNvPr id="17" name="TextBox 16"/>
+          <p:cNvSpPr txBox="1"/>
+          <p:nvPr/>
+        </p:nvSpPr>
+        <p:spPr>
+          <a:xfrm>
+            <a:off x="5109698" y="2192662"/>
+            <a:ext cx="2409634" cy="369332"/>
+          </a:xfrm>
+          <a:prstGeom prst="rect">
+            <a:avLst/>
+          </a:prstGeom>
+          <a:noFill/>
+        </p:spPr>
+        <p:txBody>
+          <a:bodyPr wrap="none" rtlCol="0">
+            <a:spAutoFit/>
+          </a:bodyPr>
+          <a:lstStyle/>
+          <a:p>
+            <a:r>
+              <a:rPr lang="en-US" dirty="0"/>
+              <a:t>Sub 1 to Sub 2 (</a:t>
+            </a:r>
+            <a:r>
+              <a:rPr lang="en-US" dirty="0" err="1"/>
+              <a:t>orig</a:t>
+            </a:r>
+            <a:r>
+              <a:rPr lang="en-US" dirty="0"/>
+              <a:t>)</a:t>
+            </a:r>
+          </a:p>
+        </p:txBody>
+      </p:sp>
+      <p:sp>
+        <p:nvSpPr>
+          <p:cNvPr id="18" name="TextBox 17"/>
+          <p:cNvSpPr txBox="1"/>
+          <p:nvPr/>
+        </p:nvSpPr>
+        <p:spPr>
+          <a:xfrm>
+            <a:off x="7553485" y="2192662"/>
+            <a:ext cx="2286203" cy="369332"/>
+          </a:xfrm>
+          <a:prstGeom prst="rect">
+            <a:avLst/>
+          </a:prstGeom>
+          <a:noFill/>
+        </p:spPr>
+        <p:txBody>
+          <a:bodyPr wrap="none" rtlCol="0">
+            <a:spAutoFit/>
+          </a:bodyPr>
+          <a:lstStyle/>
+          <a:p>
+            <a:r>
+              <a:rPr lang="en-US" dirty="0"/>
+              <a:t>Sub 1 to Sub 2 (rot)</a:t>
+            </a:r>
+          </a:p>
+        </p:txBody>
+      </p:sp>
+      <p:pic>
+        <p:nvPicPr>
+          <p:cNvPr id="19" name="Content Placeholder 7"/>
+          <p:cNvPicPr>
+            <a:picLocks noChangeAspect="1"/>
+          </p:cNvPicPr>
+          <p:nvPr/>
+        </p:nvPicPr>
+        <p:blipFill rotWithShape="1">
+          <a:blip r:embed="rId8">
+            <a:extLst>
+              <a:ext uri="{28A0092B-C50C-407E-A947-70E740481C1C}">
+                <a14:useLocalDpi xmlns:a14="http://schemas.microsoft.com/office/drawing/2010/main" val="0"/>
+              </a:ext>
+            </a:extLst>
+          </a:blip>
+          <a:srcRect l="9396" t="92029" r="10235" b="1210"/>
+          <a:stretch/>
+        </p:blipFill>
+        <p:spPr>
+          <a:xfrm rot="16200000">
+            <a:off x="8631586" y="4184442"/>
+            <a:ext cx="3062094" cy="197708"/>
+          </a:xfrm>
+          <a:prstGeom prst="rect">
+            <a:avLst/>
+          </a:prstGeom>
+        </p:spPr>
+      </p:pic>
+      <p:sp>
+        <p:nvSpPr>
+          <p:cNvPr id="20" name="TextBox 19"/>
+          <p:cNvSpPr txBox="1"/>
+          <p:nvPr/>
+        </p:nvSpPr>
+        <p:spPr>
+          <a:xfrm>
+            <a:off x="10261487" y="5537337"/>
+            <a:ext cx="312906" cy="369332"/>
+          </a:xfrm>
+          <a:prstGeom prst="rect">
+            <a:avLst/>
+          </a:prstGeom>
+          <a:noFill/>
+        </p:spPr>
+        <p:txBody>
+          <a:bodyPr wrap="none" rtlCol="0">
+            <a:spAutoFit/>
+          </a:bodyPr>
+          <a:lstStyle/>
+          <a:p>
+            <a:r>
+              <a:rPr lang="en-US" dirty="0"/>
+              <a:t>0</a:t>
+            </a:r>
+          </a:p>
+        </p:txBody>
+      </p:sp>
+      <p:sp>
+        <p:nvSpPr>
+          <p:cNvPr id="21" name="TextBox 20"/>
+          <p:cNvSpPr txBox="1"/>
+          <p:nvPr/>
+        </p:nvSpPr>
+        <p:spPr>
+          <a:xfrm>
+            <a:off x="10275837" y="2666451"/>
+            <a:ext cx="284206" cy="369332"/>
+          </a:xfrm>
+          <a:prstGeom prst="rect">
+            <a:avLst/>
+          </a:prstGeom>
+          <a:noFill/>
+        </p:spPr>
+        <p:txBody>
+          <a:bodyPr wrap="square" rtlCol="0">
+            <a:spAutoFit/>
+          </a:bodyPr>
+          <a:lstStyle/>
+          <a:p>
+            <a:r>
+              <a:rPr lang="en-US" dirty="0"/>
+              <a:t>1</a:t>
+            </a:r>
+          </a:p>
+        </p:txBody>
+      </p:sp>
     </p:spTree>
     <p:extLst>
       <p:ext uri="{BB962C8B-B14F-4D97-AF65-F5344CB8AC3E}">
-        <p14:creationId xmlns:p14="http://schemas.microsoft.com/office/powerpoint/2010/main" val="1591713396"/>
+        <p14:creationId xmlns:p14="http://schemas.microsoft.com/office/powerpoint/2010/main" val="2668661448"/>
       </p:ext>
     </p:extLst>
   </p:cSld>
@@ -9114,25 +10781,34 @@
             <p:ph type="title"/>
           </p:nvPr>
         </p:nvSpPr>
-        <p:spPr/>
-        <p:txBody>
-          <a:bodyPr/>
+        <p:spPr>
+          <a:xfrm>
+            <a:off x="2593570" y="115330"/>
+            <a:ext cx="8911687" cy="547467"/>
+          </a:xfrm>
+        </p:spPr>
+        <p:txBody>
+          <a:bodyPr>
+            <a:normAutofit fontScale="90000"/>
+          </a:bodyPr>
           <a:lstStyle/>
           <a:p>
             <a:r>
               <a:rPr lang="en-US" dirty="0"/>
-              <a:t>Clustered using 2 independent groups of 20 subjects</a:t>
+              <a:t>Parcellation Individually</a:t>
             </a:r>
           </a:p>
         </p:txBody>
       </p:sp>
       <p:pic>
         <p:nvPicPr>
-          <p:cNvPr id="12" name="Picture 11"/>
+          <p:cNvPr id="4" name="Content Placeholder 3"/>
           <p:cNvPicPr>
-            <a:picLocks noChangeAspect="1"/>
+            <a:picLocks noGrp="1" noChangeAspect="1"/>
           </p:cNvPicPr>
-          <p:nvPr/>
+          <p:nvPr>
+            <p:ph idx="1"/>
+          </p:nvPr>
         </p:nvPicPr>
         <p:blipFill>
           <a:blip r:embed="rId2">
@@ -9148,17 +10824,14 @@
         </p:blipFill>
         <p:spPr>
           <a:xfrm>
-            <a:off x="1307050" y="2281237"/>
+            <a:off x="1007204" y="1833773"/>
             <a:ext cx="2571750" cy="1866900"/>
           </a:xfrm>
-          <a:prstGeom prst="rect">
-            <a:avLst/>
-          </a:prstGeom>
         </p:spPr>
       </p:pic>
       <p:pic>
         <p:nvPicPr>
-          <p:cNvPr id="13" name="Picture 12"/>
+          <p:cNvPr id="5" name="Picture 4"/>
           <p:cNvPicPr>
             <a:picLocks noChangeAspect="1"/>
           </p:cNvPicPr>
@@ -9178,7 +10851,7 @@
         </p:blipFill>
         <p:spPr>
           <a:xfrm>
-            <a:off x="1307050" y="4148137"/>
+            <a:off x="1004954" y="3700673"/>
             <a:ext cx="2571750" cy="1866900"/>
           </a:xfrm>
           <a:prstGeom prst="rect">
@@ -9188,7 +10861,7 @@
       </p:pic>
       <p:pic>
         <p:nvPicPr>
-          <p:cNvPr id="14" name="Picture 13"/>
+          <p:cNvPr id="6" name="Picture 5"/>
           <p:cNvPicPr>
             <a:picLocks noChangeAspect="1"/>
           </p:cNvPicPr>
@@ -9208,7 +10881,7 @@
         </p:blipFill>
         <p:spPr>
           <a:xfrm>
-            <a:off x="3878800" y="4148137"/>
+            <a:off x="3577372" y="1833773"/>
             <a:ext cx="2571750" cy="1866900"/>
           </a:xfrm>
           <a:prstGeom prst="rect">
@@ -9218,7 +10891,7 @@
       </p:pic>
       <p:pic>
         <p:nvPicPr>
-          <p:cNvPr id="15" name="Picture 14"/>
+          <p:cNvPr id="7" name="Picture 6"/>
           <p:cNvPicPr>
             <a:picLocks noChangeAspect="1"/>
           </p:cNvPicPr>
@@ -9238,7 +10911,7 @@
         </p:blipFill>
         <p:spPr>
           <a:xfrm>
-            <a:off x="3878800" y="2281237"/>
+            <a:off x="3568905" y="3700673"/>
             <a:ext cx="2571750" cy="1866900"/>
           </a:xfrm>
           <a:prstGeom prst="rect">
@@ -9248,7 +10921,7 @@
       </p:pic>
       <p:pic>
         <p:nvPicPr>
-          <p:cNvPr id="16" name="Picture 15"/>
+          <p:cNvPr id="10" name="Picture 9"/>
           <p:cNvPicPr>
             <a:picLocks noChangeAspect="1"/>
           </p:cNvPicPr>
@@ -9268,7 +10941,7 @@
         </p:blipFill>
         <p:spPr>
           <a:xfrm>
-            <a:off x="6710362" y="2281237"/>
+            <a:off x="8712540" y="3700673"/>
             <a:ext cx="2571750" cy="1866900"/>
           </a:xfrm>
           <a:prstGeom prst="rect">
@@ -9278,7 +10951,7 @@
       </p:pic>
       <p:pic>
         <p:nvPicPr>
-          <p:cNvPr id="17" name="Picture 16"/>
+          <p:cNvPr id="11" name="Picture 10"/>
           <p:cNvPicPr>
             <a:picLocks noChangeAspect="1"/>
           </p:cNvPicPr>
@@ -9298,7 +10971,7 @@
         </p:blipFill>
         <p:spPr>
           <a:xfrm>
-            <a:off x="9282112" y="2281237"/>
+            <a:off x="8714790" y="1833773"/>
             <a:ext cx="2571750" cy="1866900"/>
           </a:xfrm>
           <a:prstGeom prst="rect">
@@ -9308,7 +10981,7 @@
       </p:pic>
       <p:pic>
         <p:nvPicPr>
-          <p:cNvPr id="18" name="Picture 17"/>
+          <p:cNvPr id="12" name="Picture 11"/>
           <p:cNvPicPr>
             <a:picLocks noChangeAspect="1"/>
           </p:cNvPicPr>
@@ -9328,7 +11001,7 @@
         </p:blipFill>
         <p:spPr>
           <a:xfrm>
-            <a:off x="9282112" y="4148137"/>
+            <a:off x="6138405" y="3700673"/>
             <a:ext cx="2571750" cy="1866900"/>
           </a:xfrm>
           <a:prstGeom prst="rect">
@@ -9338,14 +11011,14 @@
       </p:pic>
       <p:pic>
         <p:nvPicPr>
-          <p:cNvPr id="19" name="Picture 18"/>
+          <p:cNvPr id="13" name="Picture 12"/>
           <p:cNvPicPr>
             <a:picLocks noChangeAspect="1"/>
           </p:cNvPicPr>
           <p:nvPr/>
         </p:nvPicPr>
         <p:blipFill>
-          <a:blip r:embed="rId6">
+          <a:blip r:embed="rId9">
             <a:extLst>
               <a:ext uri="{28A0092B-C50C-407E-A947-70E740481C1C}">
                 <a14:useLocalDpi xmlns:a14="http://schemas.microsoft.com/office/drawing/2010/main" val="0"/>
@@ -9358,7 +11031,7 @@
         </p:blipFill>
         <p:spPr>
           <a:xfrm>
-            <a:off x="6710362" y="4148137"/>
+            <a:off x="6146872" y="1833773"/>
             <a:ext cx="2571750" cy="1866900"/>
           </a:xfrm>
           <a:prstGeom prst="rect">
@@ -9366,10 +11039,210 @@
           </a:prstGeom>
         </p:spPr>
       </p:pic>
+      <p:sp>
+        <p:nvSpPr>
+          <p:cNvPr id="3" name="TextBox 2"/>
+          <p:cNvSpPr txBox="1"/>
+          <p:nvPr/>
+        </p:nvSpPr>
+        <p:spPr>
+          <a:xfrm>
+            <a:off x="1820563" y="978081"/>
+            <a:ext cx="8101898" cy="369332"/>
+          </a:xfrm>
+          <a:prstGeom prst="rect">
+            <a:avLst/>
+          </a:prstGeom>
+          <a:noFill/>
+        </p:spPr>
+        <p:txBody>
+          <a:bodyPr wrap="none" rtlCol="0">
+            <a:spAutoFit/>
+          </a:bodyPr>
+          <a:lstStyle/>
+          <a:p>
+            <a:r>
+              <a:rPr lang="en-US" dirty="0"/>
+              <a:t>Subjects were independently </a:t>
+            </a:r>
+            <a:r>
+              <a:rPr lang="en-US" dirty="0" err="1"/>
+              <a:t>parcellated</a:t>
+            </a:r>
+            <a:r>
+              <a:rPr lang="en-US" dirty="0"/>
+              <a:t> by k-means with </a:t>
+            </a:r>
+            <a:r>
+              <a:rPr lang="en-US" dirty="0" err="1"/>
+              <a:t>nClusters</a:t>
+            </a:r>
+            <a:r>
+              <a:rPr lang="en-US" dirty="0"/>
+              <a:t>=30</a:t>
+            </a:r>
+          </a:p>
+        </p:txBody>
+      </p:sp>
+      <p:sp>
+        <p:nvSpPr>
+          <p:cNvPr id="8" name="TextBox 7"/>
+          <p:cNvSpPr txBox="1"/>
+          <p:nvPr/>
+        </p:nvSpPr>
+        <p:spPr>
+          <a:xfrm>
+            <a:off x="1896988" y="1481448"/>
+            <a:ext cx="790601" cy="369332"/>
+          </a:xfrm>
+          <a:prstGeom prst="rect">
+            <a:avLst/>
+          </a:prstGeom>
+          <a:noFill/>
+        </p:spPr>
+        <p:txBody>
+          <a:bodyPr wrap="none" rtlCol="0">
+            <a:spAutoFit/>
+          </a:bodyPr>
+          <a:lstStyle/>
+          <a:p>
+            <a:r>
+              <a:rPr lang="en-US" dirty="0"/>
+              <a:t>Sub 1</a:t>
+            </a:r>
+          </a:p>
+        </p:txBody>
+      </p:sp>
+      <p:sp>
+        <p:nvSpPr>
+          <p:cNvPr id="14" name="TextBox 13"/>
+          <p:cNvSpPr txBox="1"/>
+          <p:nvPr/>
+        </p:nvSpPr>
+        <p:spPr>
+          <a:xfrm>
+            <a:off x="4462656" y="1481448"/>
+            <a:ext cx="790601" cy="369332"/>
+          </a:xfrm>
+          <a:prstGeom prst="rect">
+            <a:avLst/>
+          </a:prstGeom>
+          <a:noFill/>
+        </p:spPr>
+        <p:txBody>
+          <a:bodyPr wrap="none" rtlCol="0">
+            <a:spAutoFit/>
+          </a:bodyPr>
+          <a:lstStyle/>
+          <a:p>
+            <a:r>
+              <a:rPr lang="en-US" dirty="0"/>
+              <a:t>Sub 2</a:t>
+            </a:r>
+          </a:p>
+        </p:txBody>
+      </p:sp>
+      <p:sp>
+        <p:nvSpPr>
+          <p:cNvPr id="15" name="TextBox 14"/>
+          <p:cNvSpPr txBox="1"/>
+          <p:nvPr/>
+        </p:nvSpPr>
+        <p:spPr>
+          <a:xfrm>
+            <a:off x="7042737" y="1464441"/>
+            <a:ext cx="790601" cy="369332"/>
+          </a:xfrm>
+          <a:prstGeom prst="rect">
+            <a:avLst/>
+          </a:prstGeom>
+          <a:noFill/>
+        </p:spPr>
+        <p:txBody>
+          <a:bodyPr wrap="none" rtlCol="0">
+            <a:spAutoFit/>
+          </a:bodyPr>
+          <a:lstStyle/>
+          <a:p>
+            <a:r>
+              <a:rPr lang="en-US" dirty="0"/>
+              <a:t>Sub 3</a:t>
+            </a:r>
+          </a:p>
+        </p:txBody>
+      </p:sp>
+      <p:sp>
+        <p:nvSpPr>
+          <p:cNvPr id="16" name="TextBox 15"/>
+          <p:cNvSpPr txBox="1"/>
+          <p:nvPr/>
+        </p:nvSpPr>
+        <p:spPr>
+          <a:xfrm>
+            <a:off x="9600074" y="1464441"/>
+            <a:ext cx="790601" cy="369332"/>
+          </a:xfrm>
+          <a:prstGeom prst="rect">
+            <a:avLst/>
+          </a:prstGeom>
+          <a:noFill/>
+        </p:spPr>
+        <p:txBody>
+          <a:bodyPr wrap="none" rtlCol="0">
+            <a:spAutoFit/>
+          </a:bodyPr>
+          <a:lstStyle/>
+          <a:p>
+            <a:r>
+              <a:rPr lang="en-US" dirty="0"/>
+              <a:t>Sub 4</a:t>
+            </a:r>
+          </a:p>
+        </p:txBody>
+      </p:sp>
+      <p:sp>
+        <p:nvSpPr>
+          <p:cNvPr id="9" name="TextBox 8"/>
+          <p:cNvSpPr txBox="1"/>
+          <p:nvPr/>
+        </p:nvSpPr>
+        <p:spPr>
+          <a:xfrm>
+            <a:off x="1334301" y="5873348"/>
+            <a:ext cx="9849171" cy="646331"/>
+          </a:xfrm>
+          <a:prstGeom prst="rect">
+            <a:avLst/>
+          </a:prstGeom>
+          <a:noFill/>
+        </p:spPr>
+        <p:txBody>
+          <a:bodyPr wrap="none" rtlCol="0">
+            <a:spAutoFit/>
+          </a:bodyPr>
+          <a:lstStyle/>
+          <a:p>
+            <a:r>
+              <a:rPr lang="en-US" b="1" i="1" dirty="0" err="1"/>
+              <a:t>Parcellations</a:t>
+            </a:r>
+            <a:r>
+              <a:rPr lang="en-US" b="1" i="1" dirty="0"/>
+              <a:t> are different for individual scans, probably because not enough samples </a:t>
+            </a:r>
+          </a:p>
+          <a:p>
+            <a:r>
+              <a:rPr lang="en-US" b="1" i="1" dirty="0"/>
+              <a:t>for finding correct boundaries</a:t>
+            </a:r>
+          </a:p>
+        </p:txBody>
+      </p:sp>
     </p:spTree>
     <p:extLst>
       <p:ext uri="{BB962C8B-B14F-4D97-AF65-F5344CB8AC3E}">
-        <p14:creationId xmlns:p14="http://schemas.microsoft.com/office/powerpoint/2010/main" val="3470648806"/>
+        <p14:creationId xmlns:p14="http://schemas.microsoft.com/office/powerpoint/2010/main" val="1591713396"/>
       </p:ext>
     </p:extLst>
   </p:cSld>
@@ -9413,7 +11286,7 @@
           <a:p>
             <a:r>
               <a:rPr lang="en-US" dirty="0"/>
-              <a:t>Session1 and Session 2 labeled separately</a:t>
+              <a:t>Group Parcellation</a:t>
             </a:r>
           </a:p>
         </p:txBody>
@@ -9428,19 +11301,44 @@
             <p:ph idx="1"/>
           </p:nvPr>
         </p:nvSpPr>
-        <p:spPr/>
+        <p:spPr>
+          <a:xfrm>
+            <a:off x="1683279" y="1905000"/>
+            <a:ext cx="8915400" cy="3777622"/>
+          </a:xfrm>
+        </p:spPr>
         <p:txBody>
           <a:bodyPr/>
           <a:lstStyle/>
           <a:p>
-            <a:endParaRPr lang="en-US"/>
+            <a:r>
+              <a:rPr lang="en-US" dirty="0"/>
+              <a:t>Since the data are comparable to each other after </a:t>
+            </a:r>
+            <a:r>
+              <a:rPr lang="en-US" dirty="0" err="1"/>
+              <a:t>BrainSync</a:t>
+            </a:r>
+            <a:r>
+              <a:rPr lang="en-US" dirty="0"/>
+              <a:t>, we can pool it and do joint parcellation</a:t>
+            </a:r>
+          </a:p>
+          <a:p>
+            <a:endParaRPr lang="en-US" dirty="0"/>
+          </a:p>
+          <a:p>
+            <a:r>
+              <a:rPr lang="en-US" b="1" i="1" dirty="0"/>
+              <a:t>Clustering will work better when data is pooled, rather than doing clustering one by one</a:t>
+            </a:r>
           </a:p>
         </p:txBody>
       </p:sp>
     </p:spTree>
     <p:extLst>
       <p:ext uri="{BB962C8B-B14F-4D97-AF65-F5344CB8AC3E}">
-        <p14:creationId xmlns:p14="http://schemas.microsoft.com/office/powerpoint/2010/main" val="729062655"/>
+        <p14:creationId xmlns:p14="http://schemas.microsoft.com/office/powerpoint/2010/main" val="1318014954"/>
       </p:ext>
     </p:extLst>
   </p:cSld>
@@ -9477,262 +11375,384 @@
             <p:ph type="title"/>
           </p:nvPr>
         </p:nvSpPr>
-        <p:spPr/>
+        <p:spPr>
+          <a:xfrm>
+            <a:off x="1656300" y="154553"/>
+            <a:ext cx="8911687" cy="1280890"/>
+          </a:xfrm>
+        </p:spPr>
         <p:txBody>
           <a:bodyPr/>
           <a:lstStyle/>
           <a:p>
             <a:r>
               <a:rPr lang="en-US" dirty="0"/>
-              <a:t>Session 1 and Session 2 labeled jointly</a:t>
-            </a:r>
-          </a:p>
-        </p:txBody>
-      </p:sp>
-      <p:pic>
-        <p:nvPicPr>
-          <p:cNvPr id="4" name="Picture 3"/>
-          <p:cNvPicPr>
-            <a:picLocks noChangeAspect="1"/>
-          </p:cNvPicPr>
+              <a:t>Joint Parcellation 2 independent groups of 20 subjects each</a:t>
+            </a:r>
+          </a:p>
+        </p:txBody>
+      </p:sp>
+      <p:grpSp>
+        <p:nvGrpSpPr>
+          <p:cNvPr id="4" name="Group 3"/>
+          <p:cNvGrpSpPr/>
           <p:nvPr/>
-        </p:nvPicPr>
-        <p:blipFill>
-          <a:blip r:embed="rId2">
-            <a:extLst>
-              <a:ext uri="{28A0092B-C50C-407E-A947-70E740481C1C}">
-                <a14:useLocalDpi xmlns:a14="http://schemas.microsoft.com/office/drawing/2010/main" val="0"/>
-              </a:ext>
-            </a:extLst>
-          </a:blip>
-          <a:stretch>
-            <a:fillRect/>
-          </a:stretch>
-        </p:blipFill>
-        <p:spPr>
-          <a:xfrm>
-            <a:off x="881063" y="1395413"/>
-            <a:ext cx="2571750" cy="1866900"/>
+        </p:nvGrpSpPr>
+        <p:grpSpPr>
+          <a:xfrm>
+            <a:off x="1307048" y="1435443"/>
+            <a:ext cx="5143502" cy="4103132"/>
+            <a:chOff x="1307048" y="1911905"/>
+            <a:chExt cx="5143502" cy="4103132"/>
+          </a:xfrm>
+        </p:grpSpPr>
+        <p:pic>
+          <p:nvPicPr>
+            <p:cNvPr id="12" name="Picture 11"/>
+            <p:cNvPicPr>
+              <a:picLocks noChangeAspect="1"/>
+            </p:cNvPicPr>
+            <p:nvPr/>
+          </p:nvPicPr>
+          <p:blipFill>
+            <a:blip r:embed="rId2">
+              <a:extLst>
+                <a:ext uri="{28A0092B-C50C-407E-A947-70E740481C1C}">
+                  <a14:useLocalDpi xmlns:a14="http://schemas.microsoft.com/office/drawing/2010/main" val="0"/>
+                </a:ext>
+              </a:extLst>
+            </a:blip>
+            <a:stretch>
+              <a:fillRect/>
+            </a:stretch>
+          </p:blipFill>
+          <p:spPr>
+            <a:xfrm>
+              <a:off x="1307050" y="2281237"/>
+              <a:ext cx="2571750" cy="1866900"/>
+            </a:xfrm>
+            <a:prstGeom prst="rect">
+              <a:avLst/>
+            </a:prstGeom>
+          </p:spPr>
+        </p:pic>
+        <p:pic>
+          <p:nvPicPr>
+            <p:cNvPr id="13" name="Picture 12"/>
+            <p:cNvPicPr>
+              <a:picLocks noChangeAspect="1"/>
+            </p:cNvPicPr>
+            <p:nvPr/>
+          </p:nvPicPr>
+          <p:blipFill>
+            <a:blip r:embed="rId3">
+              <a:extLst>
+                <a:ext uri="{28A0092B-C50C-407E-A947-70E740481C1C}">
+                  <a14:useLocalDpi xmlns:a14="http://schemas.microsoft.com/office/drawing/2010/main" val="0"/>
+                </a:ext>
+              </a:extLst>
+            </a:blip>
+            <a:stretch>
+              <a:fillRect/>
+            </a:stretch>
+          </p:blipFill>
+          <p:spPr>
+            <a:xfrm>
+              <a:off x="3878799" y="2281237"/>
+              <a:ext cx="2571750" cy="1866900"/>
+            </a:xfrm>
+            <a:prstGeom prst="rect">
+              <a:avLst/>
+            </a:prstGeom>
+          </p:spPr>
+        </p:pic>
+        <p:pic>
+          <p:nvPicPr>
+            <p:cNvPr id="14" name="Picture 13"/>
+            <p:cNvPicPr>
+              <a:picLocks noChangeAspect="1"/>
+            </p:cNvPicPr>
+            <p:nvPr/>
+          </p:nvPicPr>
+          <p:blipFill>
+            <a:blip r:embed="rId4">
+              <a:extLst>
+                <a:ext uri="{28A0092B-C50C-407E-A947-70E740481C1C}">
+                  <a14:useLocalDpi xmlns:a14="http://schemas.microsoft.com/office/drawing/2010/main" val="0"/>
+                </a:ext>
+              </a:extLst>
+            </a:blip>
+            <a:stretch>
+              <a:fillRect/>
+            </a:stretch>
+          </p:blipFill>
+          <p:spPr>
+            <a:xfrm>
+              <a:off x="3878800" y="4148137"/>
+              <a:ext cx="2571750" cy="1866900"/>
+            </a:xfrm>
+            <a:prstGeom prst="rect">
+              <a:avLst/>
+            </a:prstGeom>
+          </p:spPr>
+        </p:pic>
+        <p:pic>
+          <p:nvPicPr>
+            <p:cNvPr id="15" name="Picture 14"/>
+            <p:cNvPicPr>
+              <a:picLocks noChangeAspect="1"/>
+            </p:cNvPicPr>
+            <p:nvPr/>
+          </p:nvPicPr>
+          <p:blipFill>
+            <a:blip r:embed="rId5">
+              <a:extLst>
+                <a:ext uri="{28A0092B-C50C-407E-A947-70E740481C1C}">
+                  <a14:useLocalDpi xmlns:a14="http://schemas.microsoft.com/office/drawing/2010/main" val="0"/>
+                </a:ext>
+              </a:extLst>
+            </a:blip>
+            <a:stretch>
+              <a:fillRect/>
+            </a:stretch>
+          </p:blipFill>
+          <p:spPr>
+            <a:xfrm>
+              <a:off x="1307048" y="4148137"/>
+              <a:ext cx="2571750" cy="1866900"/>
+            </a:xfrm>
+            <a:prstGeom prst="rect">
+              <a:avLst/>
+            </a:prstGeom>
+          </p:spPr>
+        </p:pic>
+        <p:sp>
+          <p:nvSpPr>
+            <p:cNvPr id="3" name="TextBox 2"/>
+            <p:cNvSpPr txBox="1"/>
+            <p:nvPr/>
+          </p:nvSpPr>
+          <p:spPr>
+            <a:xfrm>
+              <a:off x="2374221" y="1911905"/>
+              <a:ext cx="3009157" cy="369332"/>
+            </a:xfrm>
+            <a:prstGeom prst="rect">
+              <a:avLst/>
+            </a:prstGeom>
+            <a:noFill/>
+          </p:spPr>
+          <p:txBody>
+            <a:bodyPr wrap="none" rtlCol="0">
+              <a:spAutoFit/>
+            </a:bodyPr>
+            <a:lstStyle/>
+            <a:p>
+              <a:r>
+                <a:rPr lang="en-US" dirty="0"/>
+                <a:t>2 subjects from first group</a:t>
+              </a:r>
+            </a:p>
+          </p:txBody>
+        </p:sp>
+      </p:grpSp>
+      <p:grpSp>
+        <p:nvGrpSpPr>
+          <p:cNvPr id="5" name="Group 4"/>
+          <p:cNvGrpSpPr/>
+          <p:nvPr/>
+        </p:nvGrpSpPr>
+        <p:grpSpPr>
+          <a:xfrm>
+            <a:off x="6710362" y="1435443"/>
+            <a:ext cx="5143500" cy="4103132"/>
+            <a:chOff x="6710362" y="1911905"/>
+            <a:chExt cx="5143500" cy="4103132"/>
+          </a:xfrm>
+        </p:grpSpPr>
+        <p:pic>
+          <p:nvPicPr>
+            <p:cNvPr id="16" name="Picture 15"/>
+            <p:cNvPicPr>
+              <a:picLocks noChangeAspect="1"/>
+            </p:cNvPicPr>
+            <p:nvPr/>
+          </p:nvPicPr>
+          <p:blipFill>
+            <a:blip r:embed="rId6">
+              <a:extLst>
+                <a:ext uri="{28A0092B-C50C-407E-A947-70E740481C1C}">
+                  <a14:useLocalDpi xmlns:a14="http://schemas.microsoft.com/office/drawing/2010/main" val="0"/>
+                </a:ext>
+              </a:extLst>
+            </a:blip>
+            <a:stretch>
+              <a:fillRect/>
+            </a:stretch>
+          </p:blipFill>
+          <p:spPr>
+            <a:xfrm>
+              <a:off x="6710362" y="2281237"/>
+              <a:ext cx="2571750" cy="1866900"/>
+            </a:xfrm>
+            <a:prstGeom prst="rect">
+              <a:avLst/>
+            </a:prstGeom>
+          </p:spPr>
+        </p:pic>
+        <p:pic>
+          <p:nvPicPr>
+            <p:cNvPr id="17" name="Picture 16"/>
+            <p:cNvPicPr>
+              <a:picLocks noChangeAspect="1"/>
+            </p:cNvPicPr>
+            <p:nvPr/>
+          </p:nvPicPr>
+          <p:blipFill>
+            <a:blip r:embed="rId7">
+              <a:extLst>
+                <a:ext uri="{28A0092B-C50C-407E-A947-70E740481C1C}">
+                  <a14:useLocalDpi xmlns:a14="http://schemas.microsoft.com/office/drawing/2010/main" val="0"/>
+                </a:ext>
+              </a:extLst>
+            </a:blip>
+            <a:stretch>
+              <a:fillRect/>
+            </a:stretch>
+          </p:blipFill>
+          <p:spPr>
+            <a:xfrm>
+              <a:off x="6710362" y="4148137"/>
+              <a:ext cx="2571750" cy="1866900"/>
+            </a:xfrm>
+            <a:prstGeom prst="rect">
+              <a:avLst/>
+            </a:prstGeom>
+          </p:spPr>
+        </p:pic>
+        <p:pic>
+          <p:nvPicPr>
+            <p:cNvPr id="18" name="Picture 17"/>
+            <p:cNvPicPr>
+              <a:picLocks noChangeAspect="1"/>
+            </p:cNvPicPr>
+            <p:nvPr/>
+          </p:nvPicPr>
+          <p:blipFill>
+            <a:blip r:embed="rId8">
+              <a:extLst>
+                <a:ext uri="{28A0092B-C50C-407E-A947-70E740481C1C}">
+                  <a14:useLocalDpi xmlns:a14="http://schemas.microsoft.com/office/drawing/2010/main" val="0"/>
+                </a:ext>
+              </a:extLst>
+            </a:blip>
+            <a:stretch>
+              <a:fillRect/>
+            </a:stretch>
+          </p:blipFill>
+          <p:spPr>
+            <a:xfrm>
+              <a:off x="9282112" y="4148137"/>
+              <a:ext cx="2571750" cy="1866900"/>
+            </a:xfrm>
+            <a:prstGeom prst="rect">
+              <a:avLst/>
+            </a:prstGeom>
+          </p:spPr>
+        </p:pic>
+        <p:pic>
+          <p:nvPicPr>
+            <p:cNvPr id="19" name="Picture 18"/>
+            <p:cNvPicPr>
+              <a:picLocks noChangeAspect="1"/>
+            </p:cNvPicPr>
+            <p:nvPr/>
+          </p:nvPicPr>
+          <p:blipFill>
+            <a:blip r:embed="rId6">
+              <a:extLst>
+                <a:ext uri="{28A0092B-C50C-407E-A947-70E740481C1C}">
+                  <a14:useLocalDpi xmlns:a14="http://schemas.microsoft.com/office/drawing/2010/main" val="0"/>
+                </a:ext>
+              </a:extLst>
+            </a:blip>
+            <a:stretch>
+              <a:fillRect/>
+            </a:stretch>
+          </p:blipFill>
+          <p:spPr>
+            <a:xfrm>
+              <a:off x="9282112" y="2281237"/>
+              <a:ext cx="2571750" cy="1866900"/>
+            </a:xfrm>
+            <a:prstGeom prst="rect">
+              <a:avLst/>
+            </a:prstGeom>
+          </p:spPr>
+        </p:pic>
+        <p:sp>
+          <p:nvSpPr>
+            <p:cNvPr id="20" name="TextBox 19"/>
+            <p:cNvSpPr txBox="1"/>
+            <p:nvPr/>
+          </p:nvSpPr>
+          <p:spPr>
+            <a:xfrm>
+              <a:off x="7535480" y="1911905"/>
+              <a:ext cx="3493264" cy="369332"/>
+            </a:xfrm>
+            <a:prstGeom prst="rect">
+              <a:avLst/>
+            </a:prstGeom>
+            <a:noFill/>
+          </p:spPr>
+          <p:txBody>
+            <a:bodyPr wrap="none" rtlCol="0">
+              <a:spAutoFit/>
+            </a:bodyPr>
+            <a:lstStyle/>
+            <a:p>
+              <a:r>
+                <a:rPr lang="en-US" dirty="0"/>
+                <a:t>2 subjects from second group</a:t>
+              </a:r>
+            </a:p>
+          </p:txBody>
+        </p:sp>
+      </p:grpSp>
+      <p:sp>
+        <p:nvSpPr>
+          <p:cNvPr id="21" name="TextBox 20"/>
+          <p:cNvSpPr txBox="1"/>
+          <p:nvPr/>
+        </p:nvSpPr>
+        <p:spPr>
+          <a:xfrm>
+            <a:off x="1307048" y="5907907"/>
+            <a:ext cx="10153742" cy="369332"/>
           </a:xfrm>
           <a:prstGeom prst="rect">
             <a:avLst/>
           </a:prstGeom>
-        </p:spPr>
-      </p:pic>
-      <p:pic>
-        <p:nvPicPr>
-          <p:cNvPr id="5" name="Picture 4"/>
-          <p:cNvPicPr>
-            <a:picLocks noChangeAspect="1"/>
-          </p:cNvPicPr>
-          <p:nvPr/>
-        </p:nvPicPr>
-        <p:blipFill>
-          <a:blip r:embed="rId3">
-            <a:extLst>
-              <a:ext uri="{28A0092B-C50C-407E-A947-70E740481C1C}">
-                <a14:useLocalDpi xmlns:a14="http://schemas.microsoft.com/office/drawing/2010/main" val="0"/>
-              </a:ext>
-            </a:extLst>
-          </a:blip>
-          <a:stretch>
-            <a:fillRect/>
-          </a:stretch>
-        </p:blipFill>
-        <p:spPr>
-          <a:xfrm>
-            <a:off x="3452813" y="1395413"/>
-            <a:ext cx="2571750" cy="1866900"/>
-          </a:xfrm>
-          <a:prstGeom prst="rect">
-            <a:avLst/>
-          </a:prstGeom>
-        </p:spPr>
-      </p:pic>
-      <p:pic>
-        <p:nvPicPr>
-          <p:cNvPr id="8" name="Picture 7"/>
-          <p:cNvPicPr>
-            <a:picLocks noChangeAspect="1"/>
-          </p:cNvPicPr>
-          <p:nvPr/>
-        </p:nvPicPr>
-        <p:blipFill>
-          <a:blip r:embed="rId4">
-            <a:extLst>
-              <a:ext uri="{28A0092B-C50C-407E-A947-70E740481C1C}">
-                <a14:useLocalDpi xmlns:a14="http://schemas.microsoft.com/office/drawing/2010/main" val="0"/>
-              </a:ext>
-            </a:extLst>
-          </a:blip>
-          <a:stretch>
-            <a:fillRect/>
-          </a:stretch>
-        </p:blipFill>
-        <p:spPr>
-          <a:xfrm>
-            <a:off x="881063" y="3262313"/>
-            <a:ext cx="2571750" cy="1866900"/>
-          </a:xfrm>
-          <a:prstGeom prst="rect">
-            <a:avLst/>
-          </a:prstGeom>
-        </p:spPr>
-      </p:pic>
-      <p:pic>
-        <p:nvPicPr>
-          <p:cNvPr id="9" name="Picture 8"/>
-          <p:cNvPicPr>
-            <a:picLocks noChangeAspect="1"/>
-          </p:cNvPicPr>
-          <p:nvPr/>
-        </p:nvPicPr>
-        <p:blipFill>
-          <a:blip r:embed="rId5">
-            <a:extLst>
-              <a:ext uri="{28A0092B-C50C-407E-A947-70E740481C1C}">
-                <a14:useLocalDpi xmlns:a14="http://schemas.microsoft.com/office/drawing/2010/main" val="0"/>
-              </a:ext>
-            </a:extLst>
-          </a:blip>
-          <a:stretch>
-            <a:fillRect/>
-          </a:stretch>
-        </p:blipFill>
-        <p:spPr>
-          <a:xfrm>
-            <a:off x="3452813" y="3262313"/>
-            <a:ext cx="2571750" cy="1866900"/>
-          </a:xfrm>
-          <a:prstGeom prst="rect">
-            <a:avLst/>
-          </a:prstGeom>
-        </p:spPr>
-      </p:pic>
-      <p:pic>
-        <p:nvPicPr>
-          <p:cNvPr id="10" name="Picture 9"/>
-          <p:cNvPicPr>
-            <a:picLocks noChangeAspect="1"/>
-          </p:cNvPicPr>
-          <p:nvPr/>
-        </p:nvPicPr>
-        <p:blipFill>
-          <a:blip r:embed="rId6">
-            <a:extLst>
-              <a:ext uri="{28A0092B-C50C-407E-A947-70E740481C1C}">
-                <a14:useLocalDpi xmlns:a14="http://schemas.microsoft.com/office/drawing/2010/main" val="0"/>
-              </a:ext>
-            </a:extLst>
-          </a:blip>
-          <a:stretch>
-            <a:fillRect/>
-          </a:stretch>
-        </p:blipFill>
-        <p:spPr>
-          <a:xfrm>
-            <a:off x="6753225" y="1395413"/>
-            <a:ext cx="2571750" cy="1866900"/>
-          </a:xfrm>
-          <a:prstGeom prst="rect">
-            <a:avLst/>
-          </a:prstGeom>
-        </p:spPr>
-      </p:pic>
-      <p:pic>
-        <p:nvPicPr>
-          <p:cNvPr id="11" name="Picture 10"/>
-          <p:cNvPicPr>
-            <a:picLocks noChangeAspect="1"/>
-          </p:cNvPicPr>
-          <p:nvPr/>
-        </p:nvPicPr>
-        <p:blipFill>
-          <a:blip r:embed="rId7">
-            <a:extLst>
-              <a:ext uri="{28A0092B-C50C-407E-A947-70E740481C1C}">
-                <a14:useLocalDpi xmlns:a14="http://schemas.microsoft.com/office/drawing/2010/main" val="0"/>
-              </a:ext>
-            </a:extLst>
-          </a:blip>
-          <a:stretch>
-            <a:fillRect/>
-          </a:stretch>
-        </p:blipFill>
-        <p:spPr>
-          <a:xfrm>
-            <a:off x="6762752" y="3262313"/>
-            <a:ext cx="2571750" cy="1866900"/>
-          </a:xfrm>
-          <a:prstGeom prst="rect">
-            <a:avLst/>
-          </a:prstGeom>
-        </p:spPr>
-      </p:pic>
-      <p:pic>
-        <p:nvPicPr>
-          <p:cNvPr id="12" name="Picture 11"/>
-          <p:cNvPicPr>
-            <a:picLocks noChangeAspect="1"/>
-          </p:cNvPicPr>
-          <p:nvPr/>
-        </p:nvPicPr>
-        <p:blipFill>
-          <a:blip r:embed="rId8">
-            <a:extLst>
-              <a:ext uri="{28A0092B-C50C-407E-A947-70E740481C1C}">
-                <a14:useLocalDpi xmlns:a14="http://schemas.microsoft.com/office/drawing/2010/main" val="0"/>
-              </a:ext>
-            </a:extLst>
-          </a:blip>
-          <a:stretch>
-            <a:fillRect/>
-          </a:stretch>
-        </p:blipFill>
-        <p:spPr>
-          <a:xfrm>
-            <a:off x="9329736" y="1395413"/>
-            <a:ext cx="2571750" cy="1866900"/>
-          </a:xfrm>
-          <a:prstGeom prst="rect">
-            <a:avLst/>
-          </a:prstGeom>
-        </p:spPr>
-      </p:pic>
-      <p:pic>
-        <p:nvPicPr>
-          <p:cNvPr id="13" name="Picture 12"/>
-          <p:cNvPicPr>
-            <a:picLocks noChangeAspect="1"/>
-          </p:cNvPicPr>
-          <p:nvPr/>
-        </p:nvPicPr>
-        <p:blipFill>
-          <a:blip r:embed="rId9">
-            <a:extLst>
-              <a:ext uri="{28A0092B-C50C-407E-A947-70E740481C1C}">
-                <a14:useLocalDpi xmlns:a14="http://schemas.microsoft.com/office/drawing/2010/main" val="0"/>
-              </a:ext>
-            </a:extLst>
-          </a:blip>
-          <a:stretch>
-            <a:fillRect/>
-          </a:stretch>
-        </p:blipFill>
-        <p:spPr>
-          <a:xfrm>
-            <a:off x="9329736" y="3262313"/>
-            <a:ext cx="2571750" cy="1866900"/>
-          </a:xfrm>
-          <a:prstGeom prst="rect">
-            <a:avLst/>
-          </a:prstGeom>
-        </p:spPr>
-      </p:pic>
+          <a:noFill/>
+        </p:spPr>
+        <p:txBody>
+          <a:bodyPr wrap="none" rtlCol="0">
+            <a:spAutoFit/>
+          </a:bodyPr>
+          <a:lstStyle/>
+          <a:p>
+            <a:r>
+              <a:rPr lang="en-US" b="1" i="1" dirty="0"/>
+              <a:t>We get very consistent Parcellation even if two groups of 20 subjects are non-overlapping</a:t>
+            </a:r>
+          </a:p>
+        </p:txBody>
+      </p:sp>
     </p:spTree>
     <p:extLst>
       <p:ext uri="{BB962C8B-B14F-4D97-AF65-F5344CB8AC3E}">
-        <p14:creationId xmlns:p14="http://schemas.microsoft.com/office/powerpoint/2010/main" val="3642108323"/>
+        <p14:creationId xmlns:p14="http://schemas.microsoft.com/office/powerpoint/2010/main" val="3470648806"/>
       </p:ext>
     </p:extLst>
   </p:cSld>

--- a/docs/brain_sync.pptx
+++ b/docs/brain_sync.pptx
@@ -311,7 +311,7 @@
           <a:p>
             <a:fld id="{16885065-5610-4AF7-9C11-064BC18A2FE3}" type="datetimeFigureOut">
               <a:rPr lang="en-US" smtClean="0"/>
-              <a:t>8/1/2016</a:t>
+              <a:t>8/2/2016</a:t>
             </a:fld>
             <a:endParaRPr lang="en-US"/>
           </a:p>
@@ -649,7 +649,7 @@
           <a:p>
             <a:fld id="{16885065-5610-4AF7-9C11-064BC18A2FE3}" type="datetimeFigureOut">
               <a:rPr lang="en-US" smtClean="0"/>
-              <a:t>8/1/2016</a:t>
+              <a:t>8/2/2016</a:t>
             </a:fld>
             <a:endParaRPr lang="en-US"/>
           </a:p>
@@ -1050,7 +1050,7 @@
           <a:p>
             <a:fld id="{16885065-5610-4AF7-9C11-064BC18A2FE3}" type="datetimeFigureOut">
               <a:rPr lang="en-US" smtClean="0"/>
-              <a:t>8/1/2016</a:t>
+              <a:t>8/2/2016</a:t>
             </a:fld>
             <a:endParaRPr lang="en-US"/>
           </a:p>
@@ -1386,7 +1386,7 @@
           <a:p>
             <a:fld id="{16885065-5610-4AF7-9C11-064BC18A2FE3}" type="datetimeFigureOut">
               <a:rPr lang="en-US" smtClean="0"/>
-              <a:t>8/1/2016</a:t>
+              <a:t>8/2/2016</a:t>
             </a:fld>
             <a:endParaRPr lang="en-US"/>
           </a:p>
@@ -1706,7 +1706,7 @@
           <a:p>
             <a:fld id="{16885065-5610-4AF7-9C11-064BC18A2FE3}" type="datetimeFigureOut">
               <a:rPr lang="en-US" smtClean="0"/>
-              <a:t>8/1/2016</a:t>
+              <a:t>8/2/2016</a:t>
             </a:fld>
             <a:endParaRPr lang="en-US"/>
           </a:p>
@@ -2102,7 +2102,7 @@
           <a:p>
             <a:fld id="{16885065-5610-4AF7-9C11-064BC18A2FE3}" type="datetimeFigureOut">
               <a:rPr lang="en-US" smtClean="0"/>
-              <a:t>8/1/2016</a:t>
+              <a:t>8/2/2016</a:t>
             </a:fld>
             <a:endParaRPr lang="en-US"/>
           </a:p>
@@ -2359,7 +2359,7 @@
           <a:p>
             <a:fld id="{16885065-5610-4AF7-9C11-064BC18A2FE3}" type="datetimeFigureOut">
               <a:rPr lang="en-US" smtClean="0"/>
-              <a:t>8/1/2016</a:t>
+              <a:t>8/2/2016</a:t>
             </a:fld>
             <a:endParaRPr lang="en-US"/>
           </a:p>
@@ -2621,7 +2621,7 @@
           <a:p>
             <a:fld id="{16885065-5610-4AF7-9C11-064BC18A2FE3}" type="datetimeFigureOut">
               <a:rPr lang="en-US" smtClean="0"/>
-              <a:t>8/1/2016</a:t>
+              <a:t>8/2/2016</a:t>
             </a:fld>
             <a:endParaRPr lang="en-US"/>
           </a:p>
@@ -2883,7 +2883,7 @@
           <a:p>
             <a:fld id="{16885065-5610-4AF7-9C11-064BC18A2FE3}" type="datetimeFigureOut">
               <a:rPr lang="en-US" smtClean="0"/>
-              <a:t>8/1/2016</a:t>
+              <a:t>8/2/2016</a:t>
             </a:fld>
             <a:endParaRPr lang="en-US"/>
           </a:p>
@@ -3212,7 +3212,7 @@
           <a:p>
             <a:fld id="{16885065-5610-4AF7-9C11-064BC18A2FE3}" type="datetimeFigureOut">
               <a:rPr lang="en-US" smtClean="0"/>
-              <a:t>8/1/2016</a:t>
+              <a:t>8/2/2016</a:t>
             </a:fld>
             <a:endParaRPr lang="en-US"/>
           </a:p>
@@ -3535,7 +3535,7 @@
           <a:p>
             <a:fld id="{16885065-5610-4AF7-9C11-064BC18A2FE3}" type="datetimeFigureOut">
               <a:rPr lang="en-US" smtClean="0"/>
-              <a:t>8/1/2016</a:t>
+              <a:t>8/2/2016</a:t>
             </a:fld>
             <a:endParaRPr lang="en-US"/>
           </a:p>
@@ -3992,7 +3992,7 @@
           <a:p>
             <a:fld id="{16885065-5610-4AF7-9C11-064BC18A2FE3}" type="datetimeFigureOut">
               <a:rPr lang="en-US" smtClean="0"/>
-              <a:t>8/1/2016</a:t>
+              <a:t>8/2/2016</a:t>
             </a:fld>
             <a:endParaRPr lang="en-US"/>
           </a:p>
@@ -4197,7 +4197,7 @@
           <a:p>
             <a:fld id="{16885065-5610-4AF7-9C11-064BC18A2FE3}" type="datetimeFigureOut">
               <a:rPr lang="en-US" smtClean="0"/>
-              <a:t>8/1/2016</a:t>
+              <a:t>8/2/2016</a:t>
             </a:fld>
             <a:endParaRPr lang="en-US"/>
           </a:p>
@@ -4374,7 +4374,7 @@
           <a:p>
             <a:fld id="{16885065-5610-4AF7-9C11-064BC18A2FE3}" type="datetimeFigureOut">
               <a:rPr lang="en-US" smtClean="0"/>
-              <a:t>8/1/2016</a:t>
+              <a:t>8/2/2016</a:t>
             </a:fld>
             <a:endParaRPr lang="en-US"/>
           </a:p>
@@ -4707,7 +4707,7 @@
           <a:p>
             <a:fld id="{16885065-5610-4AF7-9C11-064BC18A2FE3}" type="datetimeFigureOut">
               <a:rPr lang="en-US" smtClean="0"/>
-              <a:t>8/1/2016</a:t>
+              <a:t>8/2/2016</a:t>
             </a:fld>
             <a:endParaRPr lang="en-US"/>
           </a:p>
@@ -5052,7 +5052,7 @@
           <a:p>
             <a:fld id="{16885065-5610-4AF7-9C11-064BC18A2FE3}" type="datetimeFigureOut">
               <a:rPr lang="en-US" smtClean="0"/>
-              <a:t>8/1/2016</a:t>
+              <a:t>8/2/2016</a:t>
             </a:fld>
             <a:endParaRPr lang="en-US"/>
           </a:p>
@@ -7169,7 +7169,7 @@
           <a:p>
             <a:fld id="{16885065-5610-4AF7-9C11-064BC18A2FE3}" type="datetimeFigureOut">
               <a:rPr lang="en-US" smtClean="0"/>
-              <a:t>8/1/2016</a:t>
+              <a:t>8/2/2016</a:t>
             </a:fld>
             <a:endParaRPr lang="en-US"/>
           </a:p>
@@ -7720,33 +7720,6 @@
           </a:p>
         </p:txBody>
       </p:sp>
-      <p:sp>
-        <p:nvSpPr>
-          <p:cNvPr id="3" name="Subtitle 2"/>
-          <p:cNvSpPr>
-            <a:spLocks noGrp="1"/>
-          </p:cNvSpPr>
-          <p:nvPr>
-            <p:ph type="subTitle" idx="1"/>
-          </p:nvPr>
-        </p:nvSpPr>
-        <p:spPr>
-          <a:xfrm>
-            <a:off x="3651895" y="4785617"/>
-            <a:ext cx="4272906" cy="412459"/>
-          </a:xfrm>
-        </p:spPr>
-        <p:txBody>
-          <a:bodyPr/>
-          <a:lstStyle/>
-          <a:p>
-            <a:r>
-              <a:rPr lang="en-US" dirty="0"/>
-              <a:t>Anand A Joshi and Richard M leahy</a:t>
-            </a:r>
-          </a:p>
-        </p:txBody>
-      </p:sp>
     </p:spTree>
     <p:extLst>
       <p:ext uri="{BB962C8B-B14F-4D97-AF65-F5344CB8AC3E}">
@@ -8533,8 +8506,8 @@
           </a:p>
         </p:txBody>
       </p:sp>
-      <mc:AlternateContent xmlns:mc="http://schemas.openxmlformats.org/markup-compatibility/2006">
-        <mc:Choice xmlns:a14="http://schemas.microsoft.com/office/drawing/2010/main" Requires="a14">
+      <mc:AlternateContent xmlns:mc="http://schemas.openxmlformats.org/markup-compatibility/2006" xmlns:a14="http://schemas.microsoft.com/office/drawing/2010/main">
+        <mc:Choice Requires="a14">
           <p:sp>
             <p:nvSpPr>
               <p:cNvPr id="3" name="Content Placeholder 2"/>
@@ -8657,7 +8630,7 @@
             </p:txBody>
           </p:sp>
         </mc:Choice>
-        <mc:Fallback>
+        <mc:Fallback xmlns="">
           <p:sp>
             <p:nvSpPr>
               <p:cNvPr id="3" name="Content Placeholder 2"/>
@@ -9287,8 +9260,8 @@
           </mc:Fallback>
         </mc:AlternateContent>
       </p:grpSp>
-      <mc:AlternateContent xmlns:mc="http://schemas.openxmlformats.org/markup-compatibility/2006">
-        <mc:Choice xmlns:a14="http://schemas.microsoft.com/office/drawing/2010/main" Requires="a14">
+      <mc:AlternateContent xmlns:mc="http://schemas.openxmlformats.org/markup-compatibility/2006" xmlns:a14="http://schemas.microsoft.com/office/drawing/2010/main">
+        <mc:Choice Requires="a14">
           <p:sp>
             <p:nvSpPr>
               <p:cNvPr id="3" name="Rectangle 2"/>
@@ -9310,6 +9283,7 @@
               </a:bodyPr>
               <a:lstStyle/>
               <a:p>
+                <a:pPr/>
                 <a14:m>
                   <m:oMathPara xmlns:m="http://schemas.openxmlformats.org/officeDocument/2006/math">
                     <m:oMathParaPr>
@@ -9355,7 +9329,7 @@
             </p:txBody>
           </p:sp>
         </mc:Choice>
-        <mc:Fallback>
+        <mc:Fallback xmlns="">
           <p:sp>
             <p:nvSpPr>
               <p:cNvPr id="3" name="Rectangle 2"/>
@@ -9766,7 +9740,7 @@
         <p:spPr>
           <a:xfrm>
             <a:off x="1433203" y="5040182"/>
-            <a:ext cx="7949612" cy="923330"/>
+            <a:ext cx="7949612" cy="1477328"/>
           </a:xfrm>
           <a:prstGeom prst="rect">
             <a:avLst/>
@@ -9777,6 +9751,23 @@
             <a:spAutoFit/>
           </a:bodyPr>
           <a:lstStyle/>
+          <a:p>
+            <a:pPr marL="285750" indent="-285750">
+              <a:buFont typeface="Arial" panose="020B0604020202020204" pitchFamily="34" charset="0"/>
+              <a:buChar char="•"/>
+            </a:pPr>
+            <a:r>
+              <a:rPr lang="en-US"/>
+              <a:t>Individual scans are </a:t>
+            </a:r>
+          </a:p>
+          <a:p>
+            <a:pPr marL="285750" indent="-285750">
+              <a:buFont typeface="Arial" panose="020B0604020202020204" pitchFamily="34" charset="0"/>
+              <a:buChar char="•"/>
+            </a:pPr>
+            <a:endParaRPr lang="en-US" dirty="0"/>
+          </a:p>
           <a:p>
             <a:pPr marL="285750" indent="-285750">
               <a:buFont typeface="Arial" panose="020B0604020202020204" pitchFamily="34" charset="0"/>
@@ -9941,6 +9932,32 @@
           </p:txBody>
         </p:sp>
       </p:grpSp>
+      <p:sp>
+        <p:nvSpPr>
+          <p:cNvPr id="3" name="TextBox 2"/>
+          <p:cNvSpPr txBox="1"/>
+          <p:nvPr/>
+        </p:nvSpPr>
+        <p:spPr>
+          <a:xfrm>
+            <a:off x="1787611" y="5255741"/>
+            <a:ext cx="184731" cy="369332"/>
+          </a:xfrm>
+          <a:prstGeom prst="rect">
+            <a:avLst/>
+          </a:prstGeom>
+          <a:noFill/>
+        </p:spPr>
+        <p:txBody>
+          <a:bodyPr wrap="none" rtlCol="0">
+            <a:spAutoFit/>
+          </a:bodyPr>
+          <a:lstStyle/>
+          <a:p>
+            <a:endParaRPr lang="en-US" dirty="0"/>
+          </a:p>
+        </p:txBody>
+      </p:sp>
     </p:spTree>
     <p:extLst>
       <p:ext uri="{BB962C8B-B14F-4D97-AF65-F5344CB8AC3E}">
@@ -10941,7 +10958,7 @@
         </p:blipFill>
         <p:spPr>
           <a:xfrm>
-            <a:off x="8712540" y="3700673"/>
+            <a:off x="8704302" y="3692435"/>
             <a:ext cx="2571750" cy="1866900"/>
           </a:xfrm>
           <a:prstGeom prst="rect">
@@ -10971,7 +10988,7 @@
         </p:blipFill>
         <p:spPr>
           <a:xfrm>
-            <a:off x="8714790" y="1833773"/>
+            <a:off x="8706552" y="1833773"/>
             <a:ext cx="2571750" cy="1866900"/>
           </a:xfrm>
           <a:prstGeom prst="rect">
@@ -11031,7 +11048,7 @@
         </p:blipFill>
         <p:spPr>
           <a:xfrm>
-            <a:off x="6146872" y="1833773"/>
+            <a:off x="6138634" y="1833773"/>
             <a:ext cx="2571750" cy="1866900"/>
           </a:xfrm>
           <a:prstGeom prst="rect">
@@ -11222,6 +11239,7 @@
           </a:bodyPr>
           <a:lstStyle/>
           <a:p>
+            <a:pPr algn="r"/>
             <a:r>
               <a:rPr lang="en-US" b="1" i="1" dirty="0" err="1"/>
               <a:t>Parcellations</a:t>

--- a/docs/brain_sync.pptx
+++ b/docs/brain_sync.pptx
@@ -9,14 +9,15 @@
     <p:sldId id="257" r:id="rId3"/>
     <p:sldId id="258" r:id="rId4"/>
     <p:sldId id="259" r:id="rId5"/>
-    <p:sldId id="267" r:id="rId6"/>
-    <p:sldId id="260" r:id="rId7"/>
-    <p:sldId id="261" r:id="rId8"/>
-    <p:sldId id="268" r:id="rId9"/>
-    <p:sldId id="266" r:id="rId10"/>
-    <p:sldId id="263" r:id="rId11"/>
-    <p:sldId id="265" r:id="rId12"/>
-    <p:sldId id="264" r:id="rId13"/>
+    <p:sldId id="269" r:id="rId6"/>
+    <p:sldId id="267" r:id="rId7"/>
+    <p:sldId id="260" r:id="rId8"/>
+    <p:sldId id="261" r:id="rId9"/>
+    <p:sldId id="268" r:id="rId10"/>
+    <p:sldId id="266" r:id="rId11"/>
+    <p:sldId id="263" r:id="rId12"/>
+    <p:sldId id="265" r:id="rId13"/>
+    <p:sldId id="264" r:id="rId14"/>
   </p:sldIdLst>
   <p:sldSz cx="12192000" cy="6858000"/>
   <p:notesSz cx="6858000" cy="9144000"/>
@@ -311,7 +312,7 @@
           <a:p>
             <a:fld id="{16885065-5610-4AF7-9C11-064BC18A2FE3}" type="datetimeFigureOut">
               <a:rPr lang="en-US" smtClean="0"/>
-              <a:t>8/2/2016</a:t>
+              <a:t>8/3/2016</a:t>
             </a:fld>
             <a:endParaRPr lang="en-US"/>
           </a:p>
@@ -649,7 +650,7 @@
           <a:p>
             <a:fld id="{16885065-5610-4AF7-9C11-064BC18A2FE3}" type="datetimeFigureOut">
               <a:rPr lang="en-US" smtClean="0"/>
-              <a:t>8/2/2016</a:t>
+              <a:t>8/3/2016</a:t>
             </a:fld>
             <a:endParaRPr lang="en-US"/>
           </a:p>
@@ -1050,7 +1051,7 @@
           <a:p>
             <a:fld id="{16885065-5610-4AF7-9C11-064BC18A2FE3}" type="datetimeFigureOut">
               <a:rPr lang="en-US" smtClean="0"/>
-              <a:t>8/2/2016</a:t>
+              <a:t>8/3/2016</a:t>
             </a:fld>
             <a:endParaRPr lang="en-US"/>
           </a:p>
@@ -1386,7 +1387,7 @@
           <a:p>
             <a:fld id="{16885065-5610-4AF7-9C11-064BC18A2FE3}" type="datetimeFigureOut">
               <a:rPr lang="en-US" smtClean="0"/>
-              <a:t>8/2/2016</a:t>
+              <a:t>8/3/2016</a:t>
             </a:fld>
             <a:endParaRPr lang="en-US"/>
           </a:p>
@@ -1706,7 +1707,7 @@
           <a:p>
             <a:fld id="{16885065-5610-4AF7-9C11-064BC18A2FE3}" type="datetimeFigureOut">
               <a:rPr lang="en-US" smtClean="0"/>
-              <a:t>8/2/2016</a:t>
+              <a:t>8/3/2016</a:t>
             </a:fld>
             <a:endParaRPr lang="en-US"/>
           </a:p>
@@ -2102,7 +2103,7 @@
           <a:p>
             <a:fld id="{16885065-5610-4AF7-9C11-064BC18A2FE3}" type="datetimeFigureOut">
               <a:rPr lang="en-US" smtClean="0"/>
-              <a:t>8/2/2016</a:t>
+              <a:t>8/3/2016</a:t>
             </a:fld>
             <a:endParaRPr lang="en-US"/>
           </a:p>
@@ -2359,7 +2360,7 @@
           <a:p>
             <a:fld id="{16885065-5610-4AF7-9C11-064BC18A2FE3}" type="datetimeFigureOut">
               <a:rPr lang="en-US" smtClean="0"/>
-              <a:t>8/2/2016</a:t>
+              <a:t>8/3/2016</a:t>
             </a:fld>
             <a:endParaRPr lang="en-US"/>
           </a:p>
@@ -2621,7 +2622,7 @@
           <a:p>
             <a:fld id="{16885065-5610-4AF7-9C11-064BC18A2FE3}" type="datetimeFigureOut">
               <a:rPr lang="en-US" smtClean="0"/>
-              <a:t>8/2/2016</a:t>
+              <a:t>8/3/2016</a:t>
             </a:fld>
             <a:endParaRPr lang="en-US"/>
           </a:p>
@@ -2883,7 +2884,7 @@
           <a:p>
             <a:fld id="{16885065-5610-4AF7-9C11-064BC18A2FE3}" type="datetimeFigureOut">
               <a:rPr lang="en-US" smtClean="0"/>
-              <a:t>8/2/2016</a:t>
+              <a:t>8/3/2016</a:t>
             </a:fld>
             <a:endParaRPr lang="en-US"/>
           </a:p>
@@ -3212,7 +3213,7 @@
           <a:p>
             <a:fld id="{16885065-5610-4AF7-9C11-064BC18A2FE3}" type="datetimeFigureOut">
               <a:rPr lang="en-US" smtClean="0"/>
-              <a:t>8/2/2016</a:t>
+              <a:t>8/3/2016</a:t>
             </a:fld>
             <a:endParaRPr lang="en-US"/>
           </a:p>
@@ -3535,7 +3536,7 @@
           <a:p>
             <a:fld id="{16885065-5610-4AF7-9C11-064BC18A2FE3}" type="datetimeFigureOut">
               <a:rPr lang="en-US" smtClean="0"/>
-              <a:t>8/2/2016</a:t>
+              <a:t>8/3/2016</a:t>
             </a:fld>
             <a:endParaRPr lang="en-US"/>
           </a:p>
@@ -3992,7 +3993,7 @@
           <a:p>
             <a:fld id="{16885065-5610-4AF7-9C11-064BC18A2FE3}" type="datetimeFigureOut">
               <a:rPr lang="en-US" smtClean="0"/>
-              <a:t>8/2/2016</a:t>
+              <a:t>8/3/2016</a:t>
             </a:fld>
             <a:endParaRPr lang="en-US"/>
           </a:p>
@@ -4197,7 +4198,7 @@
           <a:p>
             <a:fld id="{16885065-5610-4AF7-9C11-064BC18A2FE3}" type="datetimeFigureOut">
               <a:rPr lang="en-US" smtClean="0"/>
-              <a:t>8/2/2016</a:t>
+              <a:t>8/3/2016</a:t>
             </a:fld>
             <a:endParaRPr lang="en-US"/>
           </a:p>
@@ -4374,7 +4375,7 @@
           <a:p>
             <a:fld id="{16885065-5610-4AF7-9C11-064BC18A2FE3}" type="datetimeFigureOut">
               <a:rPr lang="en-US" smtClean="0"/>
-              <a:t>8/2/2016</a:t>
+              <a:t>8/3/2016</a:t>
             </a:fld>
             <a:endParaRPr lang="en-US"/>
           </a:p>
@@ -4707,7 +4708,7 @@
           <a:p>
             <a:fld id="{16885065-5610-4AF7-9C11-064BC18A2FE3}" type="datetimeFigureOut">
               <a:rPr lang="en-US" smtClean="0"/>
-              <a:t>8/2/2016</a:t>
+              <a:t>8/3/2016</a:t>
             </a:fld>
             <a:endParaRPr lang="en-US"/>
           </a:p>
@@ -5052,7 +5053,7 @@
           <a:p>
             <a:fld id="{16885065-5610-4AF7-9C11-064BC18A2FE3}" type="datetimeFigureOut">
               <a:rPr lang="en-US" smtClean="0"/>
-              <a:t>8/2/2016</a:t>
+              <a:t>8/3/2016</a:t>
             </a:fld>
             <a:endParaRPr lang="en-US"/>
           </a:p>
@@ -7169,7 +7170,7 @@
           <a:p>
             <a:fld id="{16885065-5610-4AF7-9C11-064BC18A2FE3}" type="datetimeFigureOut">
               <a:rPr lang="en-US" smtClean="0"/>
-              <a:t>8/2/2016</a:t>
+              <a:t>8/3/2016</a:t>
             </a:fld>
             <a:endParaRPr lang="en-US"/>
           </a:p>
@@ -7762,8 +7763,8 @@
         </p:nvSpPr>
         <p:spPr>
           <a:xfrm>
-            <a:off x="2223241" y="105127"/>
-            <a:ext cx="8911687" cy="669231"/>
+            <a:off x="1656300" y="154553"/>
+            <a:ext cx="8911687" cy="1280890"/>
           </a:xfrm>
         </p:spPr>
         <p:txBody>
@@ -7772,261 +7773,349 @@
           <a:p>
             <a:r>
               <a:rPr lang="en-US" dirty="0"/>
-              <a:t>Session 1 and Session 2 labeled jointly</a:t>
-            </a:r>
-          </a:p>
-        </p:txBody>
-      </p:sp>
-      <p:pic>
-        <p:nvPicPr>
-          <p:cNvPr id="4" name="Picture 3"/>
-          <p:cNvPicPr>
-            <a:picLocks noChangeAspect="1"/>
-          </p:cNvPicPr>
+              <a:t>Joint Parcellation 2 independent groups of 20 subjects each</a:t>
+            </a:r>
+          </a:p>
+        </p:txBody>
+      </p:sp>
+      <p:grpSp>
+        <p:nvGrpSpPr>
+          <p:cNvPr id="4" name="Group 3"/>
+          <p:cNvGrpSpPr/>
           <p:nvPr/>
-        </p:nvPicPr>
-        <p:blipFill>
-          <a:blip r:embed="rId2">
-            <a:extLst>
-              <a:ext uri="{28A0092B-C50C-407E-A947-70E740481C1C}">
-                <a14:useLocalDpi xmlns:a14="http://schemas.microsoft.com/office/drawing/2010/main" val="0"/>
-              </a:ext>
-            </a:extLst>
-          </a:blip>
-          <a:stretch>
-            <a:fillRect/>
-          </a:stretch>
-        </p:blipFill>
-        <p:spPr>
-          <a:xfrm>
-            <a:off x="741019" y="2151920"/>
-            <a:ext cx="2571750" cy="1866900"/>
-          </a:xfrm>
-          <a:prstGeom prst="rect">
-            <a:avLst/>
-          </a:prstGeom>
-        </p:spPr>
-      </p:pic>
-      <p:pic>
-        <p:nvPicPr>
-          <p:cNvPr id="5" name="Picture 4"/>
-          <p:cNvPicPr>
-            <a:picLocks noChangeAspect="1"/>
-          </p:cNvPicPr>
+        </p:nvGrpSpPr>
+        <p:grpSpPr>
+          <a:xfrm>
+            <a:off x="1307048" y="1435443"/>
+            <a:ext cx="5143502" cy="4103132"/>
+            <a:chOff x="1307048" y="1911905"/>
+            <a:chExt cx="5143502" cy="4103132"/>
+          </a:xfrm>
+        </p:grpSpPr>
+        <p:pic>
+          <p:nvPicPr>
+            <p:cNvPr id="12" name="Picture 11"/>
+            <p:cNvPicPr>
+              <a:picLocks noChangeAspect="1"/>
+            </p:cNvPicPr>
+            <p:nvPr/>
+          </p:nvPicPr>
+          <p:blipFill>
+            <a:blip r:embed="rId2">
+              <a:extLst>
+                <a:ext uri="{28A0092B-C50C-407E-A947-70E740481C1C}">
+                  <a14:useLocalDpi xmlns:a14="http://schemas.microsoft.com/office/drawing/2010/main" val="0"/>
+                </a:ext>
+              </a:extLst>
+            </a:blip>
+            <a:stretch>
+              <a:fillRect/>
+            </a:stretch>
+          </p:blipFill>
+          <p:spPr>
+            <a:xfrm>
+              <a:off x="1307050" y="2281237"/>
+              <a:ext cx="2571750" cy="1866900"/>
+            </a:xfrm>
+            <a:prstGeom prst="rect">
+              <a:avLst/>
+            </a:prstGeom>
+          </p:spPr>
+        </p:pic>
+        <p:pic>
+          <p:nvPicPr>
+            <p:cNvPr id="13" name="Picture 12"/>
+            <p:cNvPicPr>
+              <a:picLocks noChangeAspect="1"/>
+            </p:cNvPicPr>
+            <p:nvPr/>
+          </p:nvPicPr>
+          <p:blipFill>
+            <a:blip r:embed="rId3">
+              <a:extLst>
+                <a:ext uri="{28A0092B-C50C-407E-A947-70E740481C1C}">
+                  <a14:useLocalDpi xmlns:a14="http://schemas.microsoft.com/office/drawing/2010/main" val="0"/>
+                </a:ext>
+              </a:extLst>
+            </a:blip>
+            <a:stretch>
+              <a:fillRect/>
+            </a:stretch>
+          </p:blipFill>
+          <p:spPr>
+            <a:xfrm>
+              <a:off x="3878799" y="2281237"/>
+              <a:ext cx="2571750" cy="1866900"/>
+            </a:xfrm>
+            <a:prstGeom prst="rect">
+              <a:avLst/>
+            </a:prstGeom>
+          </p:spPr>
+        </p:pic>
+        <p:pic>
+          <p:nvPicPr>
+            <p:cNvPr id="14" name="Picture 13"/>
+            <p:cNvPicPr>
+              <a:picLocks noChangeAspect="1"/>
+            </p:cNvPicPr>
+            <p:nvPr/>
+          </p:nvPicPr>
+          <p:blipFill>
+            <a:blip r:embed="rId4">
+              <a:extLst>
+                <a:ext uri="{28A0092B-C50C-407E-A947-70E740481C1C}">
+                  <a14:useLocalDpi xmlns:a14="http://schemas.microsoft.com/office/drawing/2010/main" val="0"/>
+                </a:ext>
+              </a:extLst>
+            </a:blip>
+            <a:stretch>
+              <a:fillRect/>
+            </a:stretch>
+          </p:blipFill>
+          <p:spPr>
+            <a:xfrm>
+              <a:off x="3878800" y="4148137"/>
+              <a:ext cx="2571750" cy="1866900"/>
+            </a:xfrm>
+            <a:prstGeom prst="rect">
+              <a:avLst/>
+            </a:prstGeom>
+          </p:spPr>
+        </p:pic>
+        <p:pic>
+          <p:nvPicPr>
+            <p:cNvPr id="15" name="Picture 14"/>
+            <p:cNvPicPr>
+              <a:picLocks noChangeAspect="1"/>
+            </p:cNvPicPr>
+            <p:nvPr/>
+          </p:nvPicPr>
+          <p:blipFill>
+            <a:blip r:embed="rId5">
+              <a:extLst>
+                <a:ext uri="{28A0092B-C50C-407E-A947-70E740481C1C}">
+                  <a14:useLocalDpi xmlns:a14="http://schemas.microsoft.com/office/drawing/2010/main" val="0"/>
+                </a:ext>
+              </a:extLst>
+            </a:blip>
+            <a:stretch>
+              <a:fillRect/>
+            </a:stretch>
+          </p:blipFill>
+          <p:spPr>
+            <a:xfrm>
+              <a:off x="1307048" y="4148137"/>
+              <a:ext cx="2571750" cy="1866900"/>
+            </a:xfrm>
+            <a:prstGeom prst="rect">
+              <a:avLst/>
+            </a:prstGeom>
+          </p:spPr>
+        </p:pic>
+        <p:sp>
+          <p:nvSpPr>
+            <p:cNvPr id="3" name="TextBox 2"/>
+            <p:cNvSpPr txBox="1"/>
+            <p:nvPr/>
+          </p:nvSpPr>
+          <p:spPr>
+            <a:xfrm>
+              <a:off x="2374221" y="1911905"/>
+              <a:ext cx="3009157" cy="369332"/>
+            </a:xfrm>
+            <a:prstGeom prst="rect">
+              <a:avLst/>
+            </a:prstGeom>
+            <a:noFill/>
+          </p:spPr>
+          <p:txBody>
+            <a:bodyPr wrap="none" rtlCol="0">
+              <a:spAutoFit/>
+            </a:bodyPr>
+            <a:lstStyle/>
+            <a:p>
+              <a:r>
+                <a:rPr lang="en-US" dirty="0"/>
+                <a:t>2 subjects from first group</a:t>
+              </a:r>
+            </a:p>
+          </p:txBody>
+        </p:sp>
+      </p:grpSp>
+      <p:grpSp>
+        <p:nvGrpSpPr>
+          <p:cNvPr id="5" name="Group 4"/>
+          <p:cNvGrpSpPr/>
           <p:nvPr/>
-        </p:nvPicPr>
-        <p:blipFill>
-          <a:blip r:embed="rId3">
-            <a:extLst>
-              <a:ext uri="{28A0092B-C50C-407E-A947-70E740481C1C}">
-                <a14:useLocalDpi xmlns:a14="http://schemas.microsoft.com/office/drawing/2010/main" val="0"/>
-              </a:ext>
-            </a:extLst>
-          </a:blip>
-          <a:stretch>
-            <a:fillRect/>
-          </a:stretch>
-        </p:blipFill>
-        <p:spPr>
-          <a:xfrm>
-            <a:off x="3312769" y="2151920"/>
-            <a:ext cx="2571750" cy="1866900"/>
-          </a:xfrm>
-          <a:prstGeom prst="rect">
-            <a:avLst/>
-          </a:prstGeom>
-        </p:spPr>
-      </p:pic>
-      <p:pic>
-        <p:nvPicPr>
-          <p:cNvPr id="8" name="Picture 7"/>
-          <p:cNvPicPr>
-            <a:picLocks noChangeAspect="1"/>
-          </p:cNvPicPr>
-          <p:nvPr/>
-        </p:nvPicPr>
-        <p:blipFill>
-          <a:blip r:embed="rId4">
-            <a:extLst>
-              <a:ext uri="{28A0092B-C50C-407E-A947-70E740481C1C}">
-                <a14:useLocalDpi xmlns:a14="http://schemas.microsoft.com/office/drawing/2010/main" val="0"/>
-              </a:ext>
-            </a:extLst>
-          </a:blip>
-          <a:stretch>
-            <a:fillRect/>
-          </a:stretch>
-        </p:blipFill>
-        <p:spPr>
-          <a:xfrm>
-            <a:off x="741019" y="4018820"/>
-            <a:ext cx="2571750" cy="1866900"/>
-          </a:xfrm>
-          <a:prstGeom prst="rect">
-            <a:avLst/>
-          </a:prstGeom>
-        </p:spPr>
-      </p:pic>
-      <p:pic>
-        <p:nvPicPr>
-          <p:cNvPr id="9" name="Picture 8"/>
-          <p:cNvPicPr>
-            <a:picLocks noChangeAspect="1"/>
-          </p:cNvPicPr>
-          <p:nvPr/>
-        </p:nvPicPr>
-        <p:blipFill>
-          <a:blip r:embed="rId5">
-            <a:extLst>
-              <a:ext uri="{28A0092B-C50C-407E-A947-70E740481C1C}">
-                <a14:useLocalDpi xmlns:a14="http://schemas.microsoft.com/office/drawing/2010/main" val="0"/>
-              </a:ext>
-            </a:extLst>
-          </a:blip>
-          <a:stretch>
-            <a:fillRect/>
-          </a:stretch>
-        </p:blipFill>
-        <p:spPr>
-          <a:xfrm>
-            <a:off x="3312769" y="4018820"/>
-            <a:ext cx="2571750" cy="1866900"/>
-          </a:xfrm>
-          <a:prstGeom prst="rect">
-            <a:avLst/>
-          </a:prstGeom>
-        </p:spPr>
-      </p:pic>
-      <p:pic>
-        <p:nvPicPr>
-          <p:cNvPr id="10" name="Picture 9"/>
-          <p:cNvPicPr>
-            <a:picLocks noChangeAspect="1"/>
-          </p:cNvPicPr>
-          <p:nvPr/>
-        </p:nvPicPr>
-        <p:blipFill>
-          <a:blip r:embed="rId6">
-            <a:extLst>
-              <a:ext uri="{28A0092B-C50C-407E-A947-70E740481C1C}">
-                <a14:useLocalDpi xmlns:a14="http://schemas.microsoft.com/office/drawing/2010/main" val="0"/>
-              </a:ext>
-            </a:extLst>
-          </a:blip>
-          <a:stretch>
-            <a:fillRect/>
-          </a:stretch>
-        </p:blipFill>
-        <p:spPr>
-          <a:xfrm>
-            <a:off x="6621419" y="2151920"/>
-            <a:ext cx="2571750" cy="1866900"/>
-          </a:xfrm>
-          <a:prstGeom prst="rect">
-            <a:avLst/>
-          </a:prstGeom>
-        </p:spPr>
-      </p:pic>
-      <p:pic>
-        <p:nvPicPr>
-          <p:cNvPr id="11" name="Picture 10"/>
-          <p:cNvPicPr>
-            <a:picLocks noChangeAspect="1"/>
-          </p:cNvPicPr>
-          <p:nvPr/>
-        </p:nvPicPr>
-        <p:blipFill>
-          <a:blip r:embed="rId7">
-            <a:extLst>
-              <a:ext uri="{28A0092B-C50C-407E-A947-70E740481C1C}">
-                <a14:useLocalDpi xmlns:a14="http://schemas.microsoft.com/office/drawing/2010/main" val="0"/>
-              </a:ext>
-            </a:extLst>
-          </a:blip>
-          <a:stretch>
-            <a:fillRect/>
-          </a:stretch>
-        </p:blipFill>
-        <p:spPr>
-          <a:xfrm>
-            <a:off x="6622708" y="4018820"/>
-            <a:ext cx="2571750" cy="1866900"/>
-          </a:xfrm>
-          <a:prstGeom prst="rect">
-            <a:avLst/>
-          </a:prstGeom>
-        </p:spPr>
-      </p:pic>
-      <p:pic>
-        <p:nvPicPr>
-          <p:cNvPr id="12" name="Picture 11"/>
-          <p:cNvPicPr>
-            <a:picLocks noChangeAspect="1"/>
-          </p:cNvPicPr>
-          <p:nvPr/>
-        </p:nvPicPr>
-        <p:blipFill>
-          <a:blip r:embed="rId8">
-            <a:extLst>
-              <a:ext uri="{28A0092B-C50C-407E-A947-70E740481C1C}">
-                <a14:useLocalDpi xmlns:a14="http://schemas.microsoft.com/office/drawing/2010/main" val="0"/>
-              </a:ext>
-            </a:extLst>
-          </a:blip>
-          <a:stretch>
-            <a:fillRect/>
-          </a:stretch>
-        </p:blipFill>
-        <p:spPr>
-          <a:xfrm>
-            <a:off x="9189692" y="2151920"/>
-            <a:ext cx="2571750" cy="1866900"/>
-          </a:xfrm>
-          <a:prstGeom prst="rect">
-            <a:avLst/>
-          </a:prstGeom>
-        </p:spPr>
-      </p:pic>
-      <p:pic>
-        <p:nvPicPr>
-          <p:cNvPr id="13" name="Picture 12"/>
-          <p:cNvPicPr>
-            <a:picLocks noChangeAspect="1"/>
-          </p:cNvPicPr>
-          <p:nvPr/>
-        </p:nvPicPr>
-        <p:blipFill>
-          <a:blip r:embed="rId9">
-            <a:extLst>
-              <a:ext uri="{28A0092B-C50C-407E-A947-70E740481C1C}">
-                <a14:useLocalDpi xmlns:a14="http://schemas.microsoft.com/office/drawing/2010/main" val="0"/>
-              </a:ext>
-            </a:extLst>
-          </a:blip>
-          <a:stretch>
-            <a:fillRect/>
-          </a:stretch>
-        </p:blipFill>
-        <p:spPr>
-          <a:xfrm>
-            <a:off x="9189692" y="4018820"/>
-            <a:ext cx="2571750" cy="1866900"/>
-          </a:xfrm>
-          <a:prstGeom prst="rect">
-            <a:avLst/>
-          </a:prstGeom>
-        </p:spPr>
-      </p:pic>
-      <p:sp>
-        <p:nvSpPr>
-          <p:cNvPr id="3" name="TextBox 2"/>
+        </p:nvGrpSpPr>
+        <p:grpSpPr>
+          <a:xfrm>
+            <a:off x="6710362" y="1435443"/>
+            <a:ext cx="5143500" cy="4103132"/>
+            <a:chOff x="6710362" y="1911905"/>
+            <a:chExt cx="5143500" cy="4103132"/>
+          </a:xfrm>
+        </p:grpSpPr>
+        <p:pic>
+          <p:nvPicPr>
+            <p:cNvPr id="16" name="Picture 15"/>
+            <p:cNvPicPr>
+              <a:picLocks noChangeAspect="1"/>
+            </p:cNvPicPr>
+            <p:nvPr/>
+          </p:nvPicPr>
+          <p:blipFill>
+            <a:blip r:embed="rId6">
+              <a:extLst>
+                <a:ext uri="{28A0092B-C50C-407E-A947-70E740481C1C}">
+                  <a14:useLocalDpi xmlns:a14="http://schemas.microsoft.com/office/drawing/2010/main" val="0"/>
+                </a:ext>
+              </a:extLst>
+            </a:blip>
+            <a:stretch>
+              <a:fillRect/>
+            </a:stretch>
+          </p:blipFill>
+          <p:spPr>
+            <a:xfrm>
+              <a:off x="6710362" y="2281237"/>
+              <a:ext cx="2571750" cy="1866900"/>
+            </a:xfrm>
+            <a:prstGeom prst="rect">
+              <a:avLst/>
+            </a:prstGeom>
+          </p:spPr>
+        </p:pic>
+        <p:pic>
+          <p:nvPicPr>
+            <p:cNvPr id="17" name="Picture 16"/>
+            <p:cNvPicPr>
+              <a:picLocks noChangeAspect="1"/>
+            </p:cNvPicPr>
+            <p:nvPr/>
+          </p:nvPicPr>
+          <p:blipFill>
+            <a:blip r:embed="rId7">
+              <a:extLst>
+                <a:ext uri="{28A0092B-C50C-407E-A947-70E740481C1C}">
+                  <a14:useLocalDpi xmlns:a14="http://schemas.microsoft.com/office/drawing/2010/main" val="0"/>
+                </a:ext>
+              </a:extLst>
+            </a:blip>
+            <a:stretch>
+              <a:fillRect/>
+            </a:stretch>
+          </p:blipFill>
+          <p:spPr>
+            <a:xfrm>
+              <a:off x="6710362" y="4148137"/>
+              <a:ext cx="2571750" cy="1866900"/>
+            </a:xfrm>
+            <a:prstGeom prst="rect">
+              <a:avLst/>
+            </a:prstGeom>
+          </p:spPr>
+        </p:pic>
+        <p:pic>
+          <p:nvPicPr>
+            <p:cNvPr id="18" name="Picture 17"/>
+            <p:cNvPicPr>
+              <a:picLocks noChangeAspect="1"/>
+            </p:cNvPicPr>
+            <p:nvPr/>
+          </p:nvPicPr>
+          <p:blipFill>
+            <a:blip r:embed="rId8">
+              <a:extLst>
+                <a:ext uri="{28A0092B-C50C-407E-A947-70E740481C1C}">
+                  <a14:useLocalDpi xmlns:a14="http://schemas.microsoft.com/office/drawing/2010/main" val="0"/>
+                </a:ext>
+              </a:extLst>
+            </a:blip>
+            <a:stretch>
+              <a:fillRect/>
+            </a:stretch>
+          </p:blipFill>
+          <p:spPr>
+            <a:xfrm>
+              <a:off x="9282112" y="4148137"/>
+              <a:ext cx="2571750" cy="1866900"/>
+            </a:xfrm>
+            <a:prstGeom prst="rect">
+              <a:avLst/>
+            </a:prstGeom>
+          </p:spPr>
+        </p:pic>
+        <p:pic>
+          <p:nvPicPr>
+            <p:cNvPr id="19" name="Picture 18"/>
+            <p:cNvPicPr>
+              <a:picLocks noChangeAspect="1"/>
+            </p:cNvPicPr>
+            <p:nvPr/>
+          </p:nvPicPr>
+          <p:blipFill>
+            <a:blip r:embed="rId6">
+              <a:extLst>
+                <a:ext uri="{28A0092B-C50C-407E-A947-70E740481C1C}">
+                  <a14:useLocalDpi xmlns:a14="http://schemas.microsoft.com/office/drawing/2010/main" val="0"/>
+                </a:ext>
+              </a:extLst>
+            </a:blip>
+            <a:stretch>
+              <a:fillRect/>
+            </a:stretch>
+          </p:blipFill>
+          <p:spPr>
+            <a:xfrm>
+              <a:off x="9282112" y="2281237"/>
+              <a:ext cx="2571750" cy="1866900"/>
+            </a:xfrm>
+            <a:prstGeom prst="rect">
+              <a:avLst/>
+            </a:prstGeom>
+          </p:spPr>
+        </p:pic>
+        <p:sp>
+          <p:nvSpPr>
+            <p:cNvPr id="20" name="TextBox 19"/>
+            <p:cNvSpPr txBox="1"/>
+            <p:nvPr/>
+          </p:nvSpPr>
+          <p:spPr>
+            <a:xfrm>
+              <a:off x="7535480" y="1911905"/>
+              <a:ext cx="3493264" cy="369332"/>
+            </a:xfrm>
+            <a:prstGeom prst="rect">
+              <a:avLst/>
+            </a:prstGeom>
+            <a:noFill/>
+          </p:spPr>
+          <p:txBody>
+            <a:bodyPr wrap="none" rtlCol="0">
+              <a:spAutoFit/>
+            </a:bodyPr>
+            <a:lstStyle/>
+            <a:p>
+              <a:r>
+                <a:rPr lang="en-US" dirty="0"/>
+                <a:t>2 subjects from second group</a:t>
+              </a:r>
+            </a:p>
+          </p:txBody>
+        </p:sp>
+      </p:grpSp>
+      <p:sp>
+        <p:nvSpPr>
+          <p:cNvPr id="21" name="TextBox 20"/>
           <p:cNvSpPr txBox="1"/>
           <p:nvPr/>
         </p:nvSpPr>
         <p:spPr>
           <a:xfrm>
-            <a:off x="2734964" y="1506154"/>
-            <a:ext cx="1215397" cy="369332"/>
+            <a:off x="1307048" y="5907907"/>
+            <a:ext cx="10153742" cy="369332"/>
           </a:xfrm>
           <a:prstGeom prst="rect">
             <a:avLst/>
@@ -8040,182 +8129,8 @@
           <a:lstStyle/>
           <a:p>
             <a:r>
-              <a:rPr lang="en-US" dirty="0"/>
-              <a:t>Subject 1</a:t>
-            </a:r>
-          </a:p>
-        </p:txBody>
-      </p:sp>
-      <p:sp>
-        <p:nvSpPr>
-          <p:cNvPr id="14" name="TextBox 13"/>
-          <p:cNvSpPr txBox="1"/>
-          <p:nvPr/>
-        </p:nvSpPr>
-        <p:spPr>
-          <a:xfrm>
-            <a:off x="1445472" y="1782588"/>
-            <a:ext cx="1160895" cy="369332"/>
-          </a:xfrm>
-          <a:prstGeom prst="rect">
-            <a:avLst/>
-          </a:prstGeom>
-          <a:noFill/>
-        </p:spPr>
-        <p:txBody>
-          <a:bodyPr wrap="none" rtlCol="0">
-            <a:spAutoFit/>
-          </a:bodyPr>
-          <a:lstStyle/>
-          <a:p>
-            <a:r>
-              <a:rPr lang="en-US" dirty="0"/>
-              <a:t>Session 1</a:t>
-            </a:r>
-          </a:p>
-        </p:txBody>
-      </p:sp>
-      <p:sp>
-        <p:nvSpPr>
-          <p:cNvPr id="15" name="TextBox 14"/>
-          <p:cNvSpPr txBox="1"/>
-          <p:nvPr/>
-        </p:nvSpPr>
-        <p:spPr>
-          <a:xfrm>
-            <a:off x="4018196" y="1782588"/>
-            <a:ext cx="1160895" cy="369332"/>
-          </a:xfrm>
-          <a:prstGeom prst="rect">
-            <a:avLst/>
-          </a:prstGeom>
-          <a:noFill/>
-        </p:spPr>
-        <p:txBody>
-          <a:bodyPr wrap="none" rtlCol="0">
-            <a:spAutoFit/>
-          </a:bodyPr>
-          <a:lstStyle/>
-          <a:p>
-            <a:r>
-              <a:rPr lang="en-US" dirty="0"/>
-              <a:t>Session 2</a:t>
-            </a:r>
-          </a:p>
-        </p:txBody>
-      </p:sp>
-      <p:sp>
-        <p:nvSpPr>
-          <p:cNvPr id="16" name="TextBox 15"/>
-          <p:cNvSpPr txBox="1"/>
-          <p:nvPr/>
-        </p:nvSpPr>
-        <p:spPr>
-          <a:xfrm>
-            <a:off x="7326846" y="1782588"/>
-            <a:ext cx="1160895" cy="369332"/>
-          </a:xfrm>
-          <a:prstGeom prst="rect">
-            <a:avLst/>
-          </a:prstGeom>
-          <a:noFill/>
-        </p:spPr>
-        <p:txBody>
-          <a:bodyPr wrap="none" rtlCol="0">
-            <a:spAutoFit/>
-          </a:bodyPr>
-          <a:lstStyle/>
-          <a:p>
-            <a:r>
-              <a:rPr lang="en-US" dirty="0"/>
-              <a:t>Session 1</a:t>
-            </a:r>
-          </a:p>
-        </p:txBody>
-      </p:sp>
-      <p:sp>
-        <p:nvSpPr>
-          <p:cNvPr id="17" name="TextBox 16"/>
-          <p:cNvSpPr txBox="1"/>
-          <p:nvPr/>
-        </p:nvSpPr>
-        <p:spPr>
-          <a:xfrm>
-            <a:off x="9893313" y="1782588"/>
-            <a:ext cx="1160895" cy="369332"/>
-          </a:xfrm>
-          <a:prstGeom prst="rect">
-            <a:avLst/>
-          </a:prstGeom>
-          <a:noFill/>
-        </p:spPr>
-        <p:txBody>
-          <a:bodyPr wrap="none" rtlCol="0">
-            <a:spAutoFit/>
-          </a:bodyPr>
-          <a:lstStyle/>
-          <a:p>
-            <a:r>
-              <a:rPr lang="en-US" dirty="0"/>
-              <a:t>Session 2</a:t>
-            </a:r>
-          </a:p>
-        </p:txBody>
-      </p:sp>
-      <p:sp>
-        <p:nvSpPr>
-          <p:cNvPr id="18" name="TextBox 17"/>
-          <p:cNvSpPr txBox="1"/>
-          <p:nvPr/>
-        </p:nvSpPr>
-        <p:spPr>
-          <a:xfrm>
-            <a:off x="8677916" y="1553302"/>
-            <a:ext cx="1215397" cy="369332"/>
-          </a:xfrm>
-          <a:prstGeom prst="rect">
-            <a:avLst/>
-          </a:prstGeom>
-          <a:noFill/>
-        </p:spPr>
-        <p:txBody>
-          <a:bodyPr wrap="none" rtlCol="0">
-            <a:spAutoFit/>
-          </a:bodyPr>
-          <a:lstStyle/>
-          <a:p>
-            <a:r>
-              <a:rPr lang="en-US" dirty="0"/>
-              <a:t>Subject 2</a:t>
-            </a:r>
-          </a:p>
-        </p:txBody>
-      </p:sp>
-      <p:sp>
-        <p:nvSpPr>
-          <p:cNvPr id="6" name="TextBox 5"/>
-          <p:cNvSpPr txBox="1"/>
-          <p:nvPr/>
-        </p:nvSpPr>
-        <p:spPr>
-          <a:xfrm>
-            <a:off x="1729946" y="934995"/>
-            <a:ext cx="7728398" cy="369332"/>
-          </a:xfrm>
-          <a:prstGeom prst="rect">
-            <a:avLst/>
-          </a:prstGeom>
-          <a:noFill/>
-        </p:spPr>
-        <p:txBody>
-          <a:bodyPr wrap="none" rtlCol="0">
-            <a:spAutoFit/>
-          </a:bodyPr>
-          <a:lstStyle/>
-          <a:p>
-            <a:r>
-              <a:rPr lang="en-US" dirty="0"/>
-              <a:t>40 Subjects x 2 sessions = 80 scans were pooled together for labeling</a:t>
+              <a:rPr lang="en-US" b="1" i="1" dirty="0"/>
+              <a:t>We get very consistent Parcellation even if two groups of 20 subjects are non-overlapping</a:t>
             </a:r>
           </a:p>
         </p:txBody>
@@ -8223,7 +8138,7 @@
     </p:spTree>
     <p:extLst>
       <p:ext uri="{BB962C8B-B14F-4D97-AF65-F5344CB8AC3E}">
-        <p14:creationId xmlns:p14="http://schemas.microsoft.com/office/powerpoint/2010/main" val="3642108323"/>
+        <p14:creationId xmlns:p14="http://schemas.microsoft.com/office/powerpoint/2010/main" val="3470648806"/>
       </p:ext>
     </p:extLst>
   </p:cSld>
@@ -8260,6 +8175,506 @@
             <p:ph type="title"/>
           </p:nvPr>
         </p:nvSpPr>
+        <p:spPr>
+          <a:xfrm>
+            <a:off x="2223241" y="105127"/>
+            <a:ext cx="8911687" cy="669231"/>
+          </a:xfrm>
+        </p:spPr>
+        <p:txBody>
+          <a:bodyPr/>
+          <a:lstStyle/>
+          <a:p>
+            <a:r>
+              <a:rPr lang="en-US" dirty="0"/>
+              <a:t>Session 1 and Session 2 labeled jointly</a:t>
+            </a:r>
+          </a:p>
+        </p:txBody>
+      </p:sp>
+      <p:pic>
+        <p:nvPicPr>
+          <p:cNvPr id="4" name="Picture 3"/>
+          <p:cNvPicPr>
+            <a:picLocks noChangeAspect="1"/>
+          </p:cNvPicPr>
+          <p:nvPr/>
+        </p:nvPicPr>
+        <p:blipFill>
+          <a:blip r:embed="rId2">
+            <a:extLst>
+              <a:ext uri="{28A0092B-C50C-407E-A947-70E740481C1C}">
+                <a14:useLocalDpi xmlns:a14="http://schemas.microsoft.com/office/drawing/2010/main" val="0"/>
+              </a:ext>
+            </a:extLst>
+          </a:blip>
+          <a:stretch>
+            <a:fillRect/>
+          </a:stretch>
+        </p:blipFill>
+        <p:spPr>
+          <a:xfrm>
+            <a:off x="741019" y="2151920"/>
+            <a:ext cx="2571750" cy="1866900"/>
+          </a:xfrm>
+          <a:prstGeom prst="rect">
+            <a:avLst/>
+          </a:prstGeom>
+        </p:spPr>
+      </p:pic>
+      <p:pic>
+        <p:nvPicPr>
+          <p:cNvPr id="5" name="Picture 4"/>
+          <p:cNvPicPr>
+            <a:picLocks noChangeAspect="1"/>
+          </p:cNvPicPr>
+          <p:nvPr/>
+        </p:nvPicPr>
+        <p:blipFill>
+          <a:blip r:embed="rId3">
+            <a:extLst>
+              <a:ext uri="{28A0092B-C50C-407E-A947-70E740481C1C}">
+                <a14:useLocalDpi xmlns:a14="http://schemas.microsoft.com/office/drawing/2010/main" val="0"/>
+              </a:ext>
+            </a:extLst>
+          </a:blip>
+          <a:stretch>
+            <a:fillRect/>
+          </a:stretch>
+        </p:blipFill>
+        <p:spPr>
+          <a:xfrm>
+            <a:off x="3312769" y="2151920"/>
+            <a:ext cx="2571750" cy="1866900"/>
+          </a:xfrm>
+          <a:prstGeom prst="rect">
+            <a:avLst/>
+          </a:prstGeom>
+        </p:spPr>
+      </p:pic>
+      <p:pic>
+        <p:nvPicPr>
+          <p:cNvPr id="8" name="Picture 7"/>
+          <p:cNvPicPr>
+            <a:picLocks noChangeAspect="1"/>
+          </p:cNvPicPr>
+          <p:nvPr/>
+        </p:nvPicPr>
+        <p:blipFill>
+          <a:blip r:embed="rId4">
+            <a:extLst>
+              <a:ext uri="{28A0092B-C50C-407E-A947-70E740481C1C}">
+                <a14:useLocalDpi xmlns:a14="http://schemas.microsoft.com/office/drawing/2010/main" val="0"/>
+              </a:ext>
+            </a:extLst>
+          </a:blip>
+          <a:stretch>
+            <a:fillRect/>
+          </a:stretch>
+        </p:blipFill>
+        <p:spPr>
+          <a:xfrm>
+            <a:off x="741019" y="4018820"/>
+            <a:ext cx="2571750" cy="1866900"/>
+          </a:xfrm>
+          <a:prstGeom prst="rect">
+            <a:avLst/>
+          </a:prstGeom>
+        </p:spPr>
+      </p:pic>
+      <p:pic>
+        <p:nvPicPr>
+          <p:cNvPr id="9" name="Picture 8"/>
+          <p:cNvPicPr>
+            <a:picLocks noChangeAspect="1"/>
+          </p:cNvPicPr>
+          <p:nvPr/>
+        </p:nvPicPr>
+        <p:blipFill>
+          <a:blip r:embed="rId5">
+            <a:extLst>
+              <a:ext uri="{28A0092B-C50C-407E-A947-70E740481C1C}">
+                <a14:useLocalDpi xmlns:a14="http://schemas.microsoft.com/office/drawing/2010/main" val="0"/>
+              </a:ext>
+            </a:extLst>
+          </a:blip>
+          <a:stretch>
+            <a:fillRect/>
+          </a:stretch>
+        </p:blipFill>
+        <p:spPr>
+          <a:xfrm>
+            <a:off x="3312769" y="4018820"/>
+            <a:ext cx="2571750" cy="1866900"/>
+          </a:xfrm>
+          <a:prstGeom prst="rect">
+            <a:avLst/>
+          </a:prstGeom>
+        </p:spPr>
+      </p:pic>
+      <p:pic>
+        <p:nvPicPr>
+          <p:cNvPr id="10" name="Picture 9"/>
+          <p:cNvPicPr>
+            <a:picLocks noChangeAspect="1"/>
+          </p:cNvPicPr>
+          <p:nvPr/>
+        </p:nvPicPr>
+        <p:blipFill>
+          <a:blip r:embed="rId6">
+            <a:extLst>
+              <a:ext uri="{28A0092B-C50C-407E-A947-70E740481C1C}">
+                <a14:useLocalDpi xmlns:a14="http://schemas.microsoft.com/office/drawing/2010/main" val="0"/>
+              </a:ext>
+            </a:extLst>
+          </a:blip>
+          <a:stretch>
+            <a:fillRect/>
+          </a:stretch>
+        </p:blipFill>
+        <p:spPr>
+          <a:xfrm>
+            <a:off x="6621419" y="2151920"/>
+            <a:ext cx="2571750" cy="1866900"/>
+          </a:xfrm>
+          <a:prstGeom prst="rect">
+            <a:avLst/>
+          </a:prstGeom>
+        </p:spPr>
+      </p:pic>
+      <p:pic>
+        <p:nvPicPr>
+          <p:cNvPr id="11" name="Picture 10"/>
+          <p:cNvPicPr>
+            <a:picLocks noChangeAspect="1"/>
+          </p:cNvPicPr>
+          <p:nvPr/>
+        </p:nvPicPr>
+        <p:blipFill>
+          <a:blip r:embed="rId7">
+            <a:extLst>
+              <a:ext uri="{28A0092B-C50C-407E-A947-70E740481C1C}">
+                <a14:useLocalDpi xmlns:a14="http://schemas.microsoft.com/office/drawing/2010/main" val="0"/>
+              </a:ext>
+            </a:extLst>
+          </a:blip>
+          <a:stretch>
+            <a:fillRect/>
+          </a:stretch>
+        </p:blipFill>
+        <p:spPr>
+          <a:xfrm>
+            <a:off x="6622708" y="4018820"/>
+            <a:ext cx="2571750" cy="1866900"/>
+          </a:xfrm>
+          <a:prstGeom prst="rect">
+            <a:avLst/>
+          </a:prstGeom>
+        </p:spPr>
+      </p:pic>
+      <p:pic>
+        <p:nvPicPr>
+          <p:cNvPr id="12" name="Picture 11"/>
+          <p:cNvPicPr>
+            <a:picLocks noChangeAspect="1"/>
+          </p:cNvPicPr>
+          <p:nvPr/>
+        </p:nvPicPr>
+        <p:blipFill>
+          <a:blip r:embed="rId8">
+            <a:extLst>
+              <a:ext uri="{28A0092B-C50C-407E-A947-70E740481C1C}">
+                <a14:useLocalDpi xmlns:a14="http://schemas.microsoft.com/office/drawing/2010/main" val="0"/>
+              </a:ext>
+            </a:extLst>
+          </a:blip>
+          <a:stretch>
+            <a:fillRect/>
+          </a:stretch>
+        </p:blipFill>
+        <p:spPr>
+          <a:xfrm>
+            <a:off x="9189692" y="2151920"/>
+            <a:ext cx="2571750" cy="1866900"/>
+          </a:xfrm>
+          <a:prstGeom prst="rect">
+            <a:avLst/>
+          </a:prstGeom>
+        </p:spPr>
+      </p:pic>
+      <p:pic>
+        <p:nvPicPr>
+          <p:cNvPr id="13" name="Picture 12"/>
+          <p:cNvPicPr>
+            <a:picLocks noChangeAspect="1"/>
+          </p:cNvPicPr>
+          <p:nvPr/>
+        </p:nvPicPr>
+        <p:blipFill>
+          <a:blip r:embed="rId9">
+            <a:extLst>
+              <a:ext uri="{28A0092B-C50C-407E-A947-70E740481C1C}">
+                <a14:useLocalDpi xmlns:a14="http://schemas.microsoft.com/office/drawing/2010/main" val="0"/>
+              </a:ext>
+            </a:extLst>
+          </a:blip>
+          <a:stretch>
+            <a:fillRect/>
+          </a:stretch>
+        </p:blipFill>
+        <p:spPr>
+          <a:xfrm>
+            <a:off x="9189692" y="4018820"/>
+            <a:ext cx="2571750" cy="1866900"/>
+          </a:xfrm>
+          <a:prstGeom prst="rect">
+            <a:avLst/>
+          </a:prstGeom>
+        </p:spPr>
+      </p:pic>
+      <p:sp>
+        <p:nvSpPr>
+          <p:cNvPr id="3" name="TextBox 2"/>
+          <p:cNvSpPr txBox="1"/>
+          <p:nvPr/>
+        </p:nvSpPr>
+        <p:spPr>
+          <a:xfrm>
+            <a:off x="2734964" y="1506154"/>
+            <a:ext cx="1215397" cy="369332"/>
+          </a:xfrm>
+          <a:prstGeom prst="rect">
+            <a:avLst/>
+          </a:prstGeom>
+          <a:noFill/>
+        </p:spPr>
+        <p:txBody>
+          <a:bodyPr wrap="none" rtlCol="0">
+            <a:spAutoFit/>
+          </a:bodyPr>
+          <a:lstStyle/>
+          <a:p>
+            <a:r>
+              <a:rPr lang="en-US" dirty="0"/>
+              <a:t>Subject 1</a:t>
+            </a:r>
+          </a:p>
+        </p:txBody>
+      </p:sp>
+      <p:sp>
+        <p:nvSpPr>
+          <p:cNvPr id="14" name="TextBox 13"/>
+          <p:cNvSpPr txBox="1"/>
+          <p:nvPr/>
+        </p:nvSpPr>
+        <p:spPr>
+          <a:xfrm>
+            <a:off x="1445472" y="1782588"/>
+            <a:ext cx="1160895" cy="369332"/>
+          </a:xfrm>
+          <a:prstGeom prst="rect">
+            <a:avLst/>
+          </a:prstGeom>
+          <a:noFill/>
+        </p:spPr>
+        <p:txBody>
+          <a:bodyPr wrap="none" rtlCol="0">
+            <a:spAutoFit/>
+          </a:bodyPr>
+          <a:lstStyle/>
+          <a:p>
+            <a:r>
+              <a:rPr lang="en-US" dirty="0"/>
+              <a:t>Session 1</a:t>
+            </a:r>
+          </a:p>
+        </p:txBody>
+      </p:sp>
+      <p:sp>
+        <p:nvSpPr>
+          <p:cNvPr id="15" name="TextBox 14"/>
+          <p:cNvSpPr txBox="1"/>
+          <p:nvPr/>
+        </p:nvSpPr>
+        <p:spPr>
+          <a:xfrm>
+            <a:off x="4018196" y="1782588"/>
+            <a:ext cx="1160895" cy="369332"/>
+          </a:xfrm>
+          <a:prstGeom prst="rect">
+            <a:avLst/>
+          </a:prstGeom>
+          <a:noFill/>
+        </p:spPr>
+        <p:txBody>
+          <a:bodyPr wrap="none" rtlCol="0">
+            <a:spAutoFit/>
+          </a:bodyPr>
+          <a:lstStyle/>
+          <a:p>
+            <a:r>
+              <a:rPr lang="en-US" dirty="0"/>
+              <a:t>Session 2</a:t>
+            </a:r>
+          </a:p>
+        </p:txBody>
+      </p:sp>
+      <p:sp>
+        <p:nvSpPr>
+          <p:cNvPr id="16" name="TextBox 15"/>
+          <p:cNvSpPr txBox="1"/>
+          <p:nvPr/>
+        </p:nvSpPr>
+        <p:spPr>
+          <a:xfrm>
+            <a:off x="7326846" y="1782588"/>
+            <a:ext cx="1160895" cy="369332"/>
+          </a:xfrm>
+          <a:prstGeom prst="rect">
+            <a:avLst/>
+          </a:prstGeom>
+          <a:noFill/>
+        </p:spPr>
+        <p:txBody>
+          <a:bodyPr wrap="none" rtlCol="0">
+            <a:spAutoFit/>
+          </a:bodyPr>
+          <a:lstStyle/>
+          <a:p>
+            <a:r>
+              <a:rPr lang="en-US" dirty="0"/>
+              <a:t>Session 1</a:t>
+            </a:r>
+          </a:p>
+        </p:txBody>
+      </p:sp>
+      <p:sp>
+        <p:nvSpPr>
+          <p:cNvPr id="17" name="TextBox 16"/>
+          <p:cNvSpPr txBox="1"/>
+          <p:nvPr/>
+        </p:nvSpPr>
+        <p:spPr>
+          <a:xfrm>
+            <a:off x="9893313" y="1782588"/>
+            <a:ext cx="1160895" cy="369332"/>
+          </a:xfrm>
+          <a:prstGeom prst="rect">
+            <a:avLst/>
+          </a:prstGeom>
+          <a:noFill/>
+        </p:spPr>
+        <p:txBody>
+          <a:bodyPr wrap="none" rtlCol="0">
+            <a:spAutoFit/>
+          </a:bodyPr>
+          <a:lstStyle/>
+          <a:p>
+            <a:r>
+              <a:rPr lang="en-US" dirty="0"/>
+              <a:t>Session 2</a:t>
+            </a:r>
+          </a:p>
+        </p:txBody>
+      </p:sp>
+      <p:sp>
+        <p:nvSpPr>
+          <p:cNvPr id="18" name="TextBox 17"/>
+          <p:cNvSpPr txBox="1"/>
+          <p:nvPr/>
+        </p:nvSpPr>
+        <p:spPr>
+          <a:xfrm>
+            <a:off x="8677916" y="1553302"/>
+            <a:ext cx="1215397" cy="369332"/>
+          </a:xfrm>
+          <a:prstGeom prst="rect">
+            <a:avLst/>
+          </a:prstGeom>
+          <a:noFill/>
+        </p:spPr>
+        <p:txBody>
+          <a:bodyPr wrap="none" rtlCol="0">
+            <a:spAutoFit/>
+          </a:bodyPr>
+          <a:lstStyle/>
+          <a:p>
+            <a:r>
+              <a:rPr lang="en-US" dirty="0"/>
+              <a:t>Subject 2</a:t>
+            </a:r>
+          </a:p>
+        </p:txBody>
+      </p:sp>
+      <p:sp>
+        <p:nvSpPr>
+          <p:cNvPr id="6" name="TextBox 5"/>
+          <p:cNvSpPr txBox="1"/>
+          <p:nvPr/>
+        </p:nvSpPr>
+        <p:spPr>
+          <a:xfrm>
+            <a:off x="1729946" y="934995"/>
+            <a:ext cx="7728398" cy="369332"/>
+          </a:xfrm>
+          <a:prstGeom prst="rect">
+            <a:avLst/>
+          </a:prstGeom>
+          <a:noFill/>
+        </p:spPr>
+        <p:txBody>
+          <a:bodyPr wrap="none" rtlCol="0">
+            <a:spAutoFit/>
+          </a:bodyPr>
+          <a:lstStyle/>
+          <a:p>
+            <a:r>
+              <a:rPr lang="en-US" dirty="0"/>
+              <a:t>40 Subjects x 2 sessions = 80 scans were pooled together for labeling</a:t>
+            </a:r>
+          </a:p>
+        </p:txBody>
+      </p:sp>
+    </p:spTree>
+    <p:extLst>
+      <p:ext uri="{BB962C8B-B14F-4D97-AF65-F5344CB8AC3E}">
+        <p14:creationId xmlns:p14="http://schemas.microsoft.com/office/powerpoint/2010/main" val="3642108323"/>
+      </p:ext>
+    </p:extLst>
+  </p:cSld>
+  <p:clrMapOvr>
+    <a:masterClrMapping/>
+  </p:clrMapOvr>
+</p:sld>
+</file>
+
+<file path=ppt/slides/slide12.xml><?xml version="1.0" encoding="utf-8"?>
+<p:sld xmlns:a="http://schemas.openxmlformats.org/drawingml/2006/main" xmlns:r="http://schemas.openxmlformats.org/officeDocument/2006/relationships" xmlns:p="http://schemas.openxmlformats.org/presentationml/2006/main">
+  <p:cSld>
+    <p:spTree>
+      <p:nvGrpSpPr>
+        <p:cNvPr id="1" name=""/>
+        <p:cNvGrpSpPr/>
+        <p:nvPr/>
+      </p:nvGrpSpPr>
+      <p:grpSpPr>
+        <a:xfrm>
+          <a:off x="0" y="0"/>
+          <a:ext cx="0" cy="0"/>
+          <a:chOff x="0" y="0"/>
+          <a:chExt cx="0" cy="0"/>
+        </a:xfrm>
+      </p:grpSpPr>
+      <p:sp>
+        <p:nvSpPr>
+          <p:cNvPr id="2" name="Title 1"/>
+          <p:cNvSpPr>
+            <a:spLocks noGrp="1"/>
+          </p:cNvSpPr>
+          <p:nvPr>
+            <p:ph type="title"/>
+          </p:nvPr>
+        </p:nvSpPr>
         <p:spPr/>
         <p:txBody>
           <a:bodyPr/>
@@ -8331,7 +8746,7 @@
 </p:sld>
 </file>
 
-<file path=ppt/slides/slide12.xml><?xml version="1.0" encoding="utf-8"?>
+<file path=ppt/slides/slide13.xml><?xml version="1.0" encoding="utf-8"?>
 <p:sld xmlns:a="http://schemas.openxmlformats.org/drawingml/2006/main" xmlns:r="http://schemas.openxmlformats.org/officeDocument/2006/relationships" xmlns:p="http://schemas.openxmlformats.org/presentationml/2006/main">
   <p:cSld>
     <p:spTree>
@@ -9757,8 +10172,8 @@
               <a:buChar char="•"/>
             </a:pPr>
             <a:r>
-              <a:rPr lang="en-US"/>
-              <a:t>Individual scans are </a:t>
+              <a:rPr lang="en-US" dirty="0"/>
+              <a:t>Individual scans are rotated spheres</a:t>
             </a:r>
           </a:p>
           <a:p>
@@ -9998,321 +10413,70 @@
             <p:ph type="title"/>
           </p:nvPr>
         </p:nvSpPr>
-        <p:spPr>
-          <a:xfrm>
-            <a:off x="2592925" y="288004"/>
-            <a:ext cx="8911687" cy="603328"/>
-          </a:xfrm>
-        </p:spPr>
-        <p:txBody>
-          <a:bodyPr>
-            <a:normAutofit fontScale="90000"/>
-          </a:bodyPr>
+        <p:spPr/>
+        <p:txBody>
+          <a:bodyPr/>
           <a:lstStyle/>
           <a:p>
             <a:r>
+              <a:rPr lang="en-US" dirty="0" err="1"/>
+              <a:t>Kabash</a:t>
+            </a:r>
+            <a:r>
               <a:rPr lang="en-US" dirty="0"/>
-              <a:t>Correlation of Signals</a:t>
-            </a:r>
-          </a:p>
-        </p:txBody>
-      </p:sp>
-      <p:pic>
-        <p:nvPicPr>
-          <p:cNvPr id="8" name="Content Placeholder 7"/>
-          <p:cNvPicPr>
-            <a:picLocks noGrp="1" noChangeAspect="1"/>
-          </p:cNvPicPr>
+              <a:t> Algorithm</a:t>
+            </a:r>
+          </a:p>
+        </p:txBody>
+      </p:sp>
+      <p:sp>
+        <p:nvSpPr>
+          <p:cNvPr id="3" name="Content Placeholder 2"/>
+          <p:cNvSpPr>
+            <a:spLocks noGrp="1"/>
+          </p:cNvSpPr>
           <p:nvPr>
             <p:ph idx="1"/>
           </p:nvPr>
-        </p:nvPicPr>
-        <p:blipFill rotWithShape="1">
-          <a:blip r:embed="rId2">
-            <a:extLst>
-              <a:ext uri="{28A0092B-C50C-407E-A947-70E740481C1C}">
-                <a14:useLocalDpi xmlns:a14="http://schemas.microsoft.com/office/drawing/2010/main" val="0"/>
-              </a:ext>
-            </a:extLst>
-          </a:blip>
-          <a:srcRect l="9396" t="92029" r="10235" b="1210"/>
-          <a:stretch/>
-        </p:blipFill>
-        <p:spPr>
-          <a:xfrm rot="16200000">
-            <a:off x="7654141" y="3722313"/>
-            <a:ext cx="3062094" cy="197708"/>
-          </a:xfrm>
-        </p:spPr>
-      </p:pic>
-      <p:pic>
-        <p:nvPicPr>
-          <p:cNvPr id="4" name="Picture 3"/>
-          <p:cNvPicPr>
-            <a:picLocks noChangeAspect="1"/>
-          </p:cNvPicPr>
-          <p:nvPr/>
-        </p:nvPicPr>
-        <p:blipFill rotWithShape="1">
-          <a:blip r:embed="rId3">
-            <a:extLst>
-              <a:ext uri="{28A0092B-C50C-407E-A947-70E740481C1C}">
-                <a14:useLocalDpi xmlns:a14="http://schemas.microsoft.com/office/drawing/2010/main" val="0"/>
-              </a:ext>
-            </a:extLst>
-          </a:blip>
-          <a:srcRect l="19473" t="21164" r="19580" b="20410"/>
-          <a:stretch/>
-        </p:blipFill>
-        <p:spPr>
-          <a:xfrm>
-            <a:off x="2652629" y="1727804"/>
-            <a:ext cx="3053546" cy="2246651"/>
-          </a:xfrm>
-          <a:prstGeom prst="rect">
-            <a:avLst/>
-          </a:prstGeom>
-        </p:spPr>
-      </p:pic>
-      <p:pic>
-        <p:nvPicPr>
-          <p:cNvPr id="5" name="Picture 4"/>
-          <p:cNvPicPr>
-            <a:picLocks noChangeAspect="1"/>
-          </p:cNvPicPr>
-          <p:nvPr/>
-        </p:nvPicPr>
-        <p:blipFill rotWithShape="1">
-          <a:blip r:embed="rId4">
-            <a:extLst>
-              <a:ext uri="{28A0092B-C50C-407E-A947-70E740481C1C}">
-                <a14:useLocalDpi xmlns:a14="http://schemas.microsoft.com/office/drawing/2010/main" val="0"/>
-              </a:ext>
-            </a:extLst>
-          </a:blip>
-          <a:srcRect l="19474" t="21146" r="19579" b="20428"/>
-          <a:stretch/>
-        </p:blipFill>
-        <p:spPr>
-          <a:xfrm>
-            <a:off x="5700629" y="1728966"/>
-            <a:ext cx="3053547" cy="2246654"/>
-          </a:xfrm>
-          <a:prstGeom prst="rect">
-            <a:avLst/>
-          </a:prstGeom>
-        </p:spPr>
-      </p:pic>
-      <p:pic>
-        <p:nvPicPr>
-          <p:cNvPr id="6" name="Picture 5"/>
-          <p:cNvPicPr>
-            <a:picLocks noChangeAspect="1"/>
-          </p:cNvPicPr>
-          <p:nvPr/>
-        </p:nvPicPr>
-        <p:blipFill rotWithShape="1">
-          <a:blip r:embed="rId5">
-            <a:extLst>
-              <a:ext uri="{28A0092B-C50C-407E-A947-70E740481C1C}">
-                <a14:useLocalDpi xmlns:a14="http://schemas.microsoft.com/office/drawing/2010/main" val="0"/>
-              </a:ext>
-            </a:extLst>
-          </a:blip>
-          <a:srcRect l="19263" t="21146" r="19579" b="20428"/>
-          <a:stretch/>
-        </p:blipFill>
-        <p:spPr>
-          <a:xfrm>
-            <a:off x="5690078" y="3951880"/>
-            <a:ext cx="3064094" cy="2246654"/>
-          </a:xfrm>
-          <a:prstGeom prst="rect">
-            <a:avLst/>
-          </a:prstGeom>
-        </p:spPr>
-      </p:pic>
-      <p:pic>
-        <p:nvPicPr>
-          <p:cNvPr id="7" name="Picture 6"/>
-          <p:cNvPicPr>
-            <a:picLocks noChangeAspect="1"/>
-          </p:cNvPicPr>
-          <p:nvPr/>
-        </p:nvPicPr>
-        <p:blipFill rotWithShape="1">
-          <a:blip r:embed="rId6">
-            <a:extLst>
-              <a:ext uri="{28A0092B-C50C-407E-A947-70E740481C1C}">
-                <a14:useLocalDpi xmlns:a14="http://schemas.microsoft.com/office/drawing/2010/main" val="0"/>
-              </a:ext>
-            </a:extLst>
-          </a:blip>
-          <a:srcRect l="19263" t="20677" r="19579" b="20897"/>
-          <a:stretch/>
-        </p:blipFill>
-        <p:spPr>
-          <a:xfrm>
-            <a:off x="2660867" y="3946111"/>
-            <a:ext cx="3064094" cy="2246651"/>
-          </a:xfrm>
-          <a:prstGeom prst="rect">
-            <a:avLst/>
-          </a:prstGeom>
-        </p:spPr>
-      </p:pic>
-      <p:sp>
-        <p:nvSpPr>
-          <p:cNvPr id="9" name="TextBox 8"/>
-          <p:cNvSpPr txBox="1"/>
-          <p:nvPr/>
-        </p:nvSpPr>
-        <p:spPr>
-          <a:xfrm>
-            <a:off x="3161100" y="1258193"/>
-            <a:ext cx="1890261" cy="430887"/>
-          </a:xfrm>
-          <a:prstGeom prst="rect">
-            <a:avLst/>
-          </a:prstGeom>
-          <a:noFill/>
-        </p:spPr>
-        <p:txBody>
-          <a:bodyPr wrap="none" rtlCol="0">
-            <a:spAutoFit/>
-          </a:bodyPr>
+        </p:nvSpPr>
+        <p:spPr/>
+        <p:txBody>
+          <a:bodyPr/>
           <a:lstStyle/>
           <a:p>
-            <a:pPr algn="ctr"/>
-            <a:r>
-              <a:rPr lang="en-US" sz="1100" dirty="0"/>
-              <a:t>Average Correlation in </a:t>
-            </a:r>
-          </a:p>
-          <a:p>
-            <a:pPr algn="ctr"/>
-            <a:r>
-              <a:rPr lang="en-US" sz="1100" dirty="0" err="1"/>
-              <a:t>rfMRIs</a:t>
-            </a:r>
-            <a:r>
-              <a:rPr lang="en-US" sz="1100" dirty="0"/>
-              <a:t> of original Subjects</a:t>
-            </a:r>
-          </a:p>
-        </p:txBody>
-      </p:sp>
-      <p:sp>
-        <p:nvSpPr>
-          <p:cNvPr id="10" name="TextBox 9"/>
-          <p:cNvSpPr txBox="1"/>
-          <p:nvPr/>
-        </p:nvSpPr>
-        <p:spPr>
-          <a:xfrm>
-            <a:off x="6245131" y="1297498"/>
-            <a:ext cx="2238113" cy="430887"/>
-          </a:xfrm>
-          <a:prstGeom prst="rect">
-            <a:avLst/>
-          </a:prstGeom>
-          <a:noFill/>
-        </p:spPr>
-        <p:txBody>
-          <a:bodyPr wrap="none" rtlCol="0">
-            <a:spAutoFit/>
-          </a:bodyPr>
-          <a:lstStyle/>
-          <a:p>
-            <a:pPr algn="ctr"/>
-            <a:r>
-              <a:rPr lang="en-US" sz="1100" dirty="0"/>
-              <a:t>Average Correlation in</a:t>
-            </a:r>
-          </a:p>
-          <a:p>
-            <a:pPr algn="ctr"/>
-            <a:r>
-              <a:rPr lang="en-US" sz="1100" dirty="0" err="1"/>
-              <a:t>rfMRIs</a:t>
-            </a:r>
-            <a:r>
-              <a:rPr lang="en-US" sz="1100" dirty="0"/>
-              <a:t> of </a:t>
-            </a:r>
-            <a:r>
-              <a:rPr lang="en-US" sz="1100" dirty="0" err="1"/>
-              <a:t>BrainSynced</a:t>
-            </a:r>
-            <a:r>
-              <a:rPr lang="en-US" sz="1100" dirty="0"/>
-              <a:t> Subjects</a:t>
-            </a:r>
-          </a:p>
-        </p:txBody>
-      </p:sp>
-      <p:sp>
-        <p:nvSpPr>
-          <p:cNvPr id="11" name="TextBox 10"/>
-          <p:cNvSpPr txBox="1"/>
-          <p:nvPr/>
-        </p:nvSpPr>
-        <p:spPr>
-          <a:xfrm>
-            <a:off x="9284042" y="5075208"/>
-            <a:ext cx="312906" cy="369332"/>
-          </a:xfrm>
-          <a:prstGeom prst="rect">
-            <a:avLst/>
-          </a:prstGeom>
-          <a:noFill/>
-        </p:spPr>
-        <p:txBody>
-          <a:bodyPr wrap="none" rtlCol="0">
-            <a:spAutoFit/>
-          </a:bodyPr>
-          <a:lstStyle/>
-          <a:p>
             <a:r>
               <a:rPr lang="en-US" dirty="0"/>
-              <a:t>0</a:t>
-            </a:r>
-          </a:p>
-        </p:txBody>
-      </p:sp>
-      <p:sp>
-        <p:nvSpPr>
-          <p:cNvPr id="12" name="TextBox 11"/>
-          <p:cNvSpPr txBox="1"/>
-          <p:nvPr/>
-        </p:nvSpPr>
-        <p:spPr>
-          <a:xfrm>
-            <a:off x="9298392" y="2204322"/>
-            <a:ext cx="284206" cy="369332"/>
-          </a:xfrm>
-          <a:prstGeom prst="rect">
-            <a:avLst/>
-          </a:prstGeom>
-          <a:noFill/>
-        </p:spPr>
-        <p:txBody>
-          <a:bodyPr wrap="square" rtlCol="0">
-            <a:spAutoFit/>
-          </a:bodyPr>
-          <a:lstStyle/>
+              <a:t>A=X’Y</a:t>
+            </a:r>
+          </a:p>
           <a:p>
             <a:r>
               <a:rPr lang="en-US" dirty="0"/>
-              <a:t>1</a:t>
-            </a:r>
+              <a:t>Optimal </a:t>
+            </a:r>
+            <a:r>
+              <a:rPr lang="en-US"/>
+              <a:t>rotation minimizes |X-RY|</a:t>
+            </a:r>
+          </a:p>
+          <a:p>
+            <a:endParaRPr lang="en-US" dirty="0"/>
+          </a:p>
+          <a:p>
+            <a:r>
+              <a:rPr lang="en-US" dirty="0"/>
+              <a:t>A=VSW’</a:t>
+            </a:r>
+          </a:p>
+          <a:p>
+            <a:endParaRPr lang="en-US" dirty="0"/>
           </a:p>
         </p:txBody>
       </p:sp>
     </p:spTree>
     <p:extLst>
       <p:ext uri="{BB962C8B-B14F-4D97-AF65-F5344CB8AC3E}">
-        <p14:creationId xmlns:p14="http://schemas.microsoft.com/office/powerpoint/2010/main" val="4000442411"/>
+        <p14:creationId xmlns:p14="http://schemas.microsoft.com/office/powerpoint/2010/main" val="284647653"/>
       </p:ext>
     </p:extLst>
   </p:cSld>
@@ -10351,12 +10515,14 @@
         </p:nvSpPr>
         <p:spPr>
           <a:xfrm>
-            <a:off x="2378741" y="245169"/>
-            <a:ext cx="8911687" cy="710420"/>
-          </a:xfrm>
-        </p:spPr>
-        <p:txBody>
-          <a:bodyPr/>
+            <a:off x="2592925" y="288004"/>
+            <a:ext cx="8911687" cy="603328"/>
+          </a:xfrm>
+        </p:spPr>
+        <p:txBody>
+          <a:bodyPr>
+            <a:normAutofit fontScale="90000"/>
+          </a:bodyPr>
           <a:lstStyle/>
           <a:p>
             <a:r>
@@ -10368,7 +10534,7 @@
       </p:sp>
       <p:pic>
         <p:nvPicPr>
-          <p:cNvPr id="11" name="Content Placeholder 10"/>
+          <p:cNvPr id="8" name="Content Placeholder 7"/>
           <p:cNvPicPr>
             <a:picLocks noGrp="1" noChangeAspect="1"/>
           </p:cNvPicPr>
@@ -10384,19 +10550,19 @@
               </a:ext>
             </a:extLst>
           </a:blip>
-          <a:srcRect l="19520" t="19456" r="19635" b="19411"/>
+          <a:srcRect l="9396" t="92029" r="10235" b="1210"/>
           <a:stretch/>
         </p:blipFill>
         <p:spPr>
-          <a:xfrm>
-            <a:off x="7479360" y="4192944"/>
-            <a:ext cx="2318197" cy="1787625"/>
+          <a:xfrm rot="16200000">
+            <a:off x="7654141" y="3722313"/>
+            <a:ext cx="3062094" cy="197708"/>
           </a:xfrm>
         </p:spPr>
       </p:pic>
       <p:pic>
         <p:nvPicPr>
-          <p:cNvPr id="12" name="Picture 11"/>
+          <p:cNvPr id="4" name="Picture 3"/>
           <p:cNvPicPr>
             <a:picLocks noChangeAspect="1"/>
           </p:cNvPicPr>
@@ -10410,13 +10576,13 @@
               </a:ext>
             </a:extLst>
           </a:blip>
-          <a:srcRect l="19465" t="20790" r="19690" b="21043"/>
+          <a:srcRect l="19473" t="21164" r="19580" b="20410"/>
           <a:stretch/>
         </p:blipFill>
         <p:spPr>
           <a:xfrm>
-            <a:off x="5173595" y="2564254"/>
-            <a:ext cx="2318198" cy="1700917"/>
+            <a:off x="2652629" y="1727804"/>
+            <a:ext cx="3053546" cy="2246651"/>
           </a:xfrm>
           <a:prstGeom prst="rect">
             <a:avLst/>
@@ -10425,7 +10591,7 @@
       </p:pic>
       <p:pic>
         <p:nvPicPr>
-          <p:cNvPr id="13" name="Picture 12"/>
+          <p:cNvPr id="5" name="Picture 4"/>
           <p:cNvPicPr>
             <a:picLocks noChangeAspect="1"/>
           </p:cNvPicPr>
@@ -10439,13 +10605,13 @@
               </a:ext>
             </a:extLst>
           </a:blip>
-          <a:srcRect l="19803" t="20303" r="19352" b="21042"/>
+          <a:srcRect l="19474" t="21146" r="19579" b="20428"/>
           <a:stretch/>
         </p:blipFill>
         <p:spPr>
           <a:xfrm>
-            <a:off x="5173595" y="4265420"/>
-            <a:ext cx="2318198" cy="1715149"/>
+            <a:off x="5700629" y="1728966"/>
+            <a:ext cx="3053547" cy="2246654"/>
           </a:xfrm>
           <a:prstGeom prst="rect">
             <a:avLst/>
@@ -10454,7 +10620,7 @@
       </p:pic>
       <p:pic>
         <p:nvPicPr>
-          <p:cNvPr id="14" name="Picture 13"/>
+          <p:cNvPr id="6" name="Picture 5"/>
           <p:cNvPicPr>
             <a:picLocks noChangeAspect="1"/>
           </p:cNvPicPr>
@@ -10468,13 +10634,13 @@
               </a:ext>
             </a:extLst>
           </a:blip>
-          <a:srcRect l="19126" t="20791" r="19690" b="21482"/>
+          <a:srcRect l="19263" t="21146" r="19579" b="20428"/>
           <a:stretch/>
         </p:blipFill>
         <p:spPr>
           <a:xfrm>
-            <a:off x="7472921" y="2562580"/>
-            <a:ext cx="2331077" cy="1688039"/>
+            <a:off x="5690078" y="3951880"/>
+            <a:ext cx="3064094" cy="2246654"/>
           </a:xfrm>
           <a:prstGeom prst="rect">
             <a:avLst/>
@@ -10483,7 +10649,7 @@
       </p:pic>
       <p:pic>
         <p:nvPicPr>
-          <p:cNvPr id="15" name="Picture 14"/>
+          <p:cNvPr id="7" name="Picture 6"/>
           <p:cNvPicPr>
             <a:picLocks noChangeAspect="1"/>
           </p:cNvPicPr>
@@ -10497,58 +10663,29 @@
               </a:ext>
             </a:extLst>
           </a:blip>
-          <a:srcRect l="19437" t="21787" r="19717" b="20304"/>
+          <a:srcRect l="19263" t="20677" r="19579" b="20897"/>
           <a:stretch/>
         </p:blipFill>
         <p:spPr>
           <a:xfrm>
-            <a:off x="2855398" y="4283296"/>
-            <a:ext cx="2318197" cy="1693347"/>
+            <a:off x="2660867" y="3946111"/>
+            <a:ext cx="3064094" cy="2246651"/>
           </a:xfrm>
           <a:prstGeom prst="rect">
             <a:avLst/>
           </a:prstGeom>
         </p:spPr>
       </p:pic>
-      <p:pic>
-        <p:nvPicPr>
-          <p:cNvPr id="16" name="Picture 15"/>
-          <p:cNvPicPr>
-            <a:picLocks noChangeAspect="1"/>
-          </p:cNvPicPr>
-          <p:nvPr/>
-        </p:nvPicPr>
-        <p:blipFill rotWithShape="1">
-          <a:blip r:embed="rId7">
-            <a:extLst>
-              <a:ext uri="{28A0092B-C50C-407E-A947-70E740481C1C}">
-                <a14:useLocalDpi xmlns:a14="http://schemas.microsoft.com/office/drawing/2010/main" val="0"/>
-              </a:ext>
-            </a:extLst>
-          </a:blip>
-          <a:srcRect l="19465" t="20304" r="19352" b="20601"/>
-          <a:stretch/>
-        </p:blipFill>
-        <p:spPr>
-          <a:xfrm>
-            <a:off x="2861390" y="2565920"/>
-            <a:ext cx="2331077" cy="1728028"/>
-          </a:xfrm>
-          <a:prstGeom prst="rect">
-            <a:avLst/>
-          </a:prstGeom>
-        </p:spPr>
-      </p:pic>
-      <p:sp>
-        <p:nvSpPr>
-          <p:cNvPr id="7" name="TextBox 6"/>
+      <p:sp>
+        <p:nvSpPr>
+          <p:cNvPr id="9" name="TextBox 8"/>
           <p:cNvSpPr txBox="1"/>
           <p:nvPr/>
         </p:nvSpPr>
         <p:spPr>
           <a:xfrm>
-            <a:off x="2627870" y="1062681"/>
-            <a:ext cx="7297190" cy="369332"/>
+            <a:off x="3161100" y="1258193"/>
+            <a:ext cx="1890261" cy="430887"/>
           </a:xfrm>
           <a:prstGeom prst="rect">
             <a:avLst/>
@@ -10561,31 +10698,35 @@
           </a:bodyPr>
           <a:lstStyle/>
           <a:p>
-            <a:r>
-              <a:rPr lang="en-US" dirty="0"/>
-              <a:t>Correlation of average signal in </a:t>
-            </a:r>
-            <a:r>
-              <a:rPr lang="en-US" dirty="0" err="1"/>
-              <a:t>precuneus</a:t>
-            </a:r>
-            <a:r>
-              <a:rPr lang="en-US" dirty="0"/>
-              <a:t> to the signals in brain</a:t>
-            </a:r>
-          </a:p>
-        </p:txBody>
-      </p:sp>
-      <p:sp>
-        <p:nvSpPr>
-          <p:cNvPr id="8" name="TextBox 7"/>
+            <a:pPr algn="ctr"/>
+            <a:r>
+              <a:rPr lang="en-US" sz="1100" dirty="0"/>
+              <a:t>Average Correlation in </a:t>
+            </a:r>
+          </a:p>
+          <a:p>
+            <a:pPr algn="ctr"/>
+            <a:r>
+              <a:rPr lang="en-US" sz="1100" dirty="0" err="1"/>
+              <a:t>rfMRIs</a:t>
+            </a:r>
+            <a:r>
+              <a:rPr lang="en-US" sz="1100" dirty="0"/>
+              <a:t> of original Subjects</a:t>
+            </a:r>
+          </a:p>
+        </p:txBody>
+      </p:sp>
+      <p:sp>
+        <p:nvSpPr>
+          <p:cNvPr id="10" name="TextBox 9"/>
           <p:cNvSpPr txBox="1"/>
           <p:nvPr/>
         </p:nvSpPr>
         <p:spPr>
           <a:xfrm>
-            <a:off x="3146929" y="2195755"/>
-            <a:ext cx="1754006" cy="369332"/>
+            <a:off x="6245131" y="1297498"/>
+            <a:ext cx="2238113" cy="430887"/>
           </a:xfrm>
           <a:prstGeom prst="rect">
             <a:avLst/>
@@ -10598,23 +10739,43 @@
           </a:bodyPr>
           <a:lstStyle/>
           <a:p>
-            <a:r>
-              <a:rPr lang="en-US" dirty="0"/>
-              <a:t>Sub 1 to Sub 1</a:t>
-            </a:r>
-          </a:p>
-        </p:txBody>
-      </p:sp>
-      <p:sp>
-        <p:nvSpPr>
-          <p:cNvPr id="17" name="TextBox 16"/>
+            <a:pPr algn="ctr"/>
+            <a:r>
+              <a:rPr lang="en-US" sz="1100" dirty="0"/>
+              <a:t>Average Correlation in</a:t>
+            </a:r>
+          </a:p>
+          <a:p>
+            <a:pPr algn="ctr"/>
+            <a:r>
+              <a:rPr lang="en-US" sz="1100" dirty="0" err="1"/>
+              <a:t>rfMRIs</a:t>
+            </a:r>
+            <a:r>
+              <a:rPr lang="en-US" sz="1100" dirty="0"/>
+              <a:t> of </a:t>
+            </a:r>
+            <a:r>
+              <a:rPr lang="en-US" sz="1100" dirty="0" err="1"/>
+              <a:t>BrainSynced</a:t>
+            </a:r>
+            <a:r>
+              <a:rPr lang="en-US" sz="1100" dirty="0"/>
+              <a:t> Subjects</a:t>
+            </a:r>
+          </a:p>
+        </p:txBody>
+      </p:sp>
+      <p:sp>
+        <p:nvSpPr>
+          <p:cNvPr id="11" name="TextBox 10"/>
           <p:cNvSpPr txBox="1"/>
           <p:nvPr/>
         </p:nvSpPr>
         <p:spPr>
           <a:xfrm>
-            <a:off x="5109698" y="2192662"/>
-            <a:ext cx="2409634" cy="369332"/>
+            <a:off x="9284042" y="5075208"/>
+            <a:ext cx="312906" cy="369332"/>
           </a:xfrm>
           <a:prstGeom prst="rect">
             <a:avLst/>
@@ -10629,29 +10790,21 @@
           <a:p>
             <a:r>
               <a:rPr lang="en-US" dirty="0"/>
-              <a:t>Sub 1 to Sub 2 (</a:t>
-            </a:r>
-            <a:r>
-              <a:rPr lang="en-US" dirty="0" err="1"/>
-              <a:t>orig</a:t>
-            </a:r>
-            <a:r>
-              <a:rPr lang="en-US" dirty="0"/>
-              <a:t>)</a:t>
-            </a:r>
-          </a:p>
-        </p:txBody>
-      </p:sp>
-      <p:sp>
-        <p:nvSpPr>
-          <p:cNvPr id="18" name="TextBox 17"/>
+              <a:t>0</a:t>
+            </a:r>
+          </a:p>
+        </p:txBody>
+      </p:sp>
+      <p:sp>
+        <p:nvSpPr>
+          <p:cNvPr id="12" name="TextBox 11"/>
           <p:cNvSpPr txBox="1"/>
           <p:nvPr/>
         </p:nvSpPr>
         <p:spPr>
           <a:xfrm>
-            <a:off x="7553485" y="2192662"/>
-            <a:ext cx="2286203" cy="369332"/>
+            <a:off x="9298392" y="2204322"/>
+            <a:ext cx="284206" cy="369332"/>
           </a:xfrm>
           <a:prstGeom prst="rect">
             <a:avLst/>
@@ -10659,93 +10812,6 @@
           <a:noFill/>
         </p:spPr>
         <p:txBody>
-          <a:bodyPr wrap="none" rtlCol="0">
-            <a:spAutoFit/>
-          </a:bodyPr>
-          <a:lstStyle/>
-          <a:p>
-            <a:r>
-              <a:rPr lang="en-US" dirty="0"/>
-              <a:t>Sub 1 to Sub 2 (rot)</a:t>
-            </a:r>
-          </a:p>
-        </p:txBody>
-      </p:sp>
-      <p:pic>
-        <p:nvPicPr>
-          <p:cNvPr id="19" name="Content Placeholder 7"/>
-          <p:cNvPicPr>
-            <a:picLocks noChangeAspect="1"/>
-          </p:cNvPicPr>
-          <p:nvPr/>
-        </p:nvPicPr>
-        <p:blipFill rotWithShape="1">
-          <a:blip r:embed="rId8">
-            <a:extLst>
-              <a:ext uri="{28A0092B-C50C-407E-A947-70E740481C1C}">
-                <a14:useLocalDpi xmlns:a14="http://schemas.microsoft.com/office/drawing/2010/main" val="0"/>
-              </a:ext>
-            </a:extLst>
-          </a:blip>
-          <a:srcRect l="9396" t="92029" r="10235" b="1210"/>
-          <a:stretch/>
-        </p:blipFill>
-        <p:spPr>
-          <a:xfrm rot="16200000">
-            <a:off x="8631586" y="4184442"/>
-            <a:ext cx="3062094" cy="197708"/>
-          </a:xfrm>
-          <a:prstGeom prst="rect">
-            <a:avLst/>
-          </a:prstGeom>
-        </p:spPr>
-      </p:pic>
-      <p:sp>
-        <p:nvSpPr>
-          <p:cNvPr id="20" name="TextBox 19"/>
-          <p:cNvSpPr txBox="1"/>
-          <p:nvPr/>
-        </p:nvSpPr>
-        <p:spPr>
-          <a:xfrm>
-            <a:off x="10261487" y="5537337"/>
-            <a:ext cx="312906" cy="369332"/>
-          </a:xfrm>
-          <a:prstGeom prst="rect">
-            <a:avLst/>
-          </a:prstGeom>
-          <a:noFill/>
-        </p:spPr>
-        <p:txBody>
-          <a:bodyPr wrap="none" rtlCol="0">
-            <a:spAutoFit/>
-          </a:bodyPr>
-          <a:lstStyle/>
-          <a:p>
-            <a:r>
-              <a:rPr lang="en-US" dirty="0"/>
-              <a:t>0</a:t>
-            </a:r>
-          </a:p>
-        </p:txBody>
-      </p:sp>
-      <p:sp>
-        <p:nvSpPr>
-          <p:cNvPr id="21" name="TextBox 20"/>
-          <p:cNvSpPr txBox="1"/>
-          <p:nvPr/>
-        </p:nvSpPr>
-        <p:spPr>
-          <a:xfrm>
-            <a:off x="10275837" y="2666451"/>
-            <a:ext cx="284206" cy="369332"/>
-          </a:xfrm>
-          <a:prstGeom prst="rect">
-            <a:avLst/>
-          </a:prstGeom>
-          <a:noFill/>
-        </p:spPr>
-        <p:txBody>
           <a:bodyPr wrap="square" rtlCol="0">
             <a:spAutoFit/>
           </a:bodyPr>
@@ -10761,7 +10827,7 @@
     </p:spTree>
     <p:extLst>
       <p:ext uri="{BB962C8B-B14F-4D97-AF65-F5344CB8AC3E}">
-        <p14:creationId xmlns:p14="http://schemas.microsoft.com/office/powerpoint/2010/main" val="2668661448"/>
+        <p14:creationId xmlns:p14="http://schemas.microsoft.com/office/powerpoint/2010/main" val="4000442411"/>
       </p:ext>
     </p:extLst>
   </p:cSld>
@@ -10800,26 +10866,24 @@
         </p:nvSpPr>
         <p:spPr>
           <a:xfrm>
-            <a:off x="2593570" y="115330"/>
-            <a:ext cx="8911687" cy="547467"/>
-          </a:xfrm>
-        </p:spPr>
-        <p:txBody>
-          <a:bodyPr>
-            <a:normAutofit fontScale="90000"/>
-          </a:bodyPr>
+            <a:off x="2378741" y="245169"/>
+            <a:ext cx="8911687" cy="710420"/>
+          </a:xfrm>
+        </p:spPr>
+        <p:txBody>
+          <a:bodyPr/>
           <a:lstStyle/>
           <a:p>
             <a:r>
               <a:rPr lang="en-US" dirty="0"/>
-              <a:t>Parcellation Individually</a:t>
+              <a:t>Correlation of Signals</a:t>
             </a:r>
           </a:p>
         </p:txBody>
       </p:sp>
       <p:pic>
         <p:nvPicPr>
-          <p:cNvPr id="4" name="Content Placeholder 3"/>
+          <p:cNvPr id="11" name="Content Placeholder 10"/>
           <p:cNvPicPr>
             <a:picLocks noGrp="1" noChangeAspect="1"/>
           </p:cNvPicPr>
@@ -10827,7 +10891,7 @@
             <p:ph idx="1"/>
           </p:nvPr>
         </p:nvPicPr>
-        <p:blipFill>
+        <p:blipFill rotWithShape="1">
           <a:blip r:embed="rId2">
             <a:extLst>
               <a:ext uri="{28A0092B-C50C-407E-A947-70E740481C1C}">
@@ -10835,165 +10899,14 @@
               </a:ext>
             </a:extLst>
           </a:blip>
-          <a:stretch>
-            <a:fillRect/>
-          </a:stretch>
+          <a:srcRect l="19520" t="19456" r="19635" b="19411"/>
+          <a:stretch/>
         </p:blipFill>
         <p:spPr>
           <a:xfrm>
-            <a:off x="1007204" y="1833773"/>
-            <a:ext cx="2571750" cy="1866900"/>
-          </a:xfrm>
-        </p:spPr>
-      </p:pic>
-      <p:pic>
-        <p:nvPicPr>
-          <p:cNvPr id="5" name="Picture 4"/>
-          <p:cNvPicPr>
-            <a:picLocks noChangeAspect="1"/>
-          </p:cNvPicPr>
-          <p:nvPr/>
-        </p:nvPicPr>
-        <p:blipFill>
-          <a:blip r:embed="rId3">
-            <a:extLst>
-              <a:ext uri="{28A0092B-C50C-407E-A947-70E740481C1C}">
-                <a14:useLocalDpi xmlns:a14="http://schemas.microsoft.com/office/drawing/2010/main" val="0"/>
-              </a:ext>
-            </a:extLst>
-          </a:blip>
-          <a:stretch>
-            <a:fillRect/>
-          </a:stretch>
-        </p:blipFill>
-        <p:spPr>
-          <a:xfrm>
-            <a:off x="1004954" y="3700673"/>
-            <a:ext cx="2571750" cy="1866900"/>
-          </a:xfrm>
-          <a:prstGeom prst="rect">
-            <a:avLst/>
-          </a:prstGeom>
-        </p:spPr>
-      </p:pic>
-      <p:pic>
-        <p:nvPicPr>
-          <p:cNvPr id="6" name="Picture 5"/>
-          <p:cNvPicPr>
-            <a:picLocks noChangeAspect="1"/>
-          </p:cNvPicPr>
-          <p:nvPr/>
-        </p:nvPicPr>
-        <p:blipFill>
-          <a:blip r:embed="rId4">
-            <a:extLst>
-              <a:ext uri="{28A0092B-C50C-407E-A947-70E740481C1C}">
-                <a14:useLocalDpi xmlns:a14="http://schemas.microsoft.com/office/drawing/2010/main" val="0"/>
-              </a:ext>
-            </a:extLst>
-          </a:blip>
-          <a:stretch>
-            <a:fillRect/>
-          </a:stretch>
-        </p:blipFill>
-        <p:spPr>
-          <a:xfrm>
-            <a:off x="3577372" y="1833773"/>
-            <a:ext cx="2571750" cy="1866900"/>
-          </a:xfrm>
-          <a:prstGeom prst="rect">
-            <a:avLst/>
-          </a:prstGeom>
-        </p:spPr>
-      </p:pic>
-      <p:pic>
-        <p:nvPicPr>
-          <p:cNvPr id="7" name="Picture 6"/>
-          <p:cNvPicPr>
-            <a:picLocks noChangeAspect="1"/>
-          </p:cNvPicPr>
-          <p:nvPr/>
-        </p:nvPicPr>
-        <p:blipFill>
-          <a:blip r:embed="rId5">
-            <a:extLst>
-              <a:ext uri="{28A0092B-C50C-407E-A947-70E740481C1C}">
-                <a14:useLocalDpi xmlns:a14="http://schemas.microsoft.com/office/drawing/2010/main" val="0"/>
-              </a:ext>
-            </a:extLst>
-          </a:blip>
-          <a:stretch>
-            <a:fillRect/>
-          </a:stretch>
-        </p:blipFill>
-        <p:spPr>
-          <a:xfrm>
-            <a:off x="3568905" y="3700673"/>
-            <a:ext cx="2571750" cy="1866900"/>
-          </a:xfrm>
-          <a:prstGeom prst="rect">
-            <a:avLst/>
-          </a:prstGeom>
-        </p:spPr>
-      </p:pic>
-      <p:pic>
-        <p:nvPicPr>
-          <p:cNvPr id="10" name="Picture 9"/>
-          <p:cNvPicPr>
-            <a:picLocks noChangeAspect="1"/>
-          </p:cNvPicPr>
-          <p:nvPr/>
-        </p:nvPicPr>
-        <p:blipFill>
-          <a:blip r:embed="rId6">
-            <a:extLst>
-              <a:ext uri="{28A0092B-C50C-407E-A947-70E740481C1C}">
-                <a14:useLocalDpi xmlns:a14="http://schemas.microsoft.com/office/drawing/2010/main" val="0"/>
-              </a:ext>
-            </a:extLst>
-          </a:blip>
-          <a:stretch>
-            <a:fillRect/>
-          </a:stretch>
-        </p:blipFill>
-        <p:spPr>
-          <a:xfrm>
-            <a:off x="8704302" y="3692435"/>
-            <a:ext cx="2571750" cy="1866900"/>
-          </a:xfrm>
-          <a:prstGeom prst="rect">
-            <a:avLst/>
-          </a:prstGeom>
-        </p:spPr>
-      </p:pic>
-      <p:pic>
-        <p:nvPicPr>
-          <p:cNvPr id="11" name="Picture 10"/>
-          <p:cNvPicPr>
-            <a:picLocks noChangeAspect="1"/>
-          </p:cNvPicPr>
-          <p:nvPr/>
-        </p:nvPicPr>
-        <p:blipFill>
-          <a:blip r:embed="rId7">
-            <a:extLst>
-              <a:ext uri="{28A0092B-C50C-407E-A947-70E740481C1C}">
-                <a14:useLocalDpi xmlns:a14="http://schemas.microsoft.com/office/drawing/2010/main" val="0"/>
-              </a:ext>
-            </a:extLst>
-          </a:blip>
-          <a:stretch>
-            <a:fillRect/>
-          </a:stretch>
-        </p:blipFill>
-        <p:spPr>
-          <a:xfrm>
-            <a:off x="8706552" y="1833773"/>
-            <a:ext cx="2571750" cy="1866900"/>
-          </a:xfrm>
-          <a:prstGeom prst="rect">
-            <a:avLst/>
-          </a:prstGeom>
+            <a:off x="7479360" y="4192944"/>
+            <a:ext cx="2318197" cy="1787625"/>
+          </a:xfrm>
         </p:spPr>
       </p:pic>
       <p:pic>
@@ -11004,22 +10917,21 @@
           </p:cNvPicPr>
           <p:nvPr/>
         </p:nvPicPr>
-        <p:blipFill>
-          <a:blip r:embed="rId8">
+        <p:blipFill rotWithShape="1">
+          <a:blip r:embed="rId3">
             <a:extLst>
               <a:ext uri="{28A0092B-C50C-407E-A947-70E740481C1C}">
                 <a14:useLocalDpi xmlns:a14="http://schemas.microsoft.com/office/drawing/2010/main" val="0"/>
               </a:ext>
             </a:extLst>
           </a:blip>
-          <a:stretch>
-            <a:fillRect/>
-          </a:stretch>
+          <a:srcRect l="19465" t="20790" r="19690" b="21043"/>
+          <a:stretch/>
         </p:blipFill>
         <p:spPr>
           <a:xfrm>
-            <a:off x="6138405" y="3700673"/>
-            <a:ext cx="2571750" cy="1866900"/>
+            <a:off x="5173595" y="2564254"/>
+            <a:ext cx="2318198" cy="1700917"/>
           </a:xfrm>
           <a:prstGeom prst="rect">
             <a:avLst/>
@@ -11034,38 +10946,124 @@
           </p:cNvPicPr>
           <p:nvPr/>
         </p:nvPicPr>
-        <p:blipFill>
-          <a:blip r:embed="rId9">
+        <p:blipFill rotWithShape="1">
+          <a:blip r:embed="rId4">
             <a:extLst>
               <a:ext uri="{28A0092B-C50C-407E-A947-70E740481C1C}">
                 <a14:useLocalDpi xmlns:a14="http://schemas.microsoft.com/office/drawing/2010/main" val="0"/>
               </a:ext>
             </a:extLst>
           </a:blip>
-          <a:stretch>
-            <a:fillRect/>
-          </a:stretch>
+          <a:srcRect l="19803" t="20303" r="19352" b="21042"/>
+          <a:stretch/>
         </p:blipFill>
         <p:spPr>
           <a:xfrm>
-            <a:off x="6138634" y="1833773"/>
-            <a:ext cx="2571750" cy="1866900"/>
+            <a:off x="5173595" y="4265420"/>
+            <a:ext cx="2318198" cy="1715149"/>
           </a:xfrm>
           <a:prstGeom prst="rect">
             <a:avLst/>
           </a:prstGeom>
         </p:spPr>
       </p:pic>
-      <p:sp>
-        <p:nvSpPr>
-          <p:cNvPr id="3" name="TextBox 2"/>
+      <p:pic>
+        <p:nvPicPr>
+          <p:cNvPr id="14" name="Picture 13"/>
+          <p:cNvPicPr>
+            <a:picLocks noChangeAspect="1"/>
+          </p:cNvPicPr>
+          <p:nvPr/>
+        </p:nvPicPr>
+        <p:blipFill rotWithShape="1">
+          <a:blip r:embed="rId5">
+            <a:extLst>
+              <a:ext uri="{28A0092B-C50C-407E-A947-70E740481C1C}">
+                <a14:useLocalDpi xmlns:a14="http://schemas.microsoft.com/office/drawing/2010/main" val="0"/>
+              </a:ext>
+            </a:extLst>
+          </a:blip>
+          <a:srcRect l="19126" t="20791" r="19690" b="21482"/>
+          <a:stretch/>
+        </p:blipFill>
+        <p:spPr>
+          <a:xfrm>
+            <a:off x="7472921" y="2562580"/>
+            <a:ext cx="2331077" cy="1688039"/>
+          </a:xfrm>
+          <a:prstGeom prst="rect">
+            <a:avLst/>
+          </a:prstGeom>
+        </p:spPr>
+      </p:pic>
+      <p:pic>
+        <p:nvPicPr>
+          <p:cNvPr id="15" name="Picture 14"/>
+          <p:cNvPicPr>
+            <a:picLocks noChangeAspect="1"/>
+          </p:cNvPicPr>
+          <p:nvPr/>
+        </p:nvPicPr>
+        <p:blipFill rotWithShape="1">
+          <a:blip r:embed="rId6">
+            <a:extLst>
+              <a:ext uri="{28A0092B-C50C-407E-A947-70E740481C1C}">
+                <a14:useLocalDpi xmlns:a14="http://schemas.microsoft.com/office/drawing/2010/main" val="0"/>
+              </a:ext>
+            </a:extLst>
+          </a:blip>
+          <a:srcRect l="19437" t="21787" r="19717" b="20304"/>
+          <a:stretch/>
+        </p:blipFill>
+        <p:spPr>
+          <a:xfrm>
+            <a:off x="2855398" y="4283296"/>
+            <a:ext cx="2318197" cy="1693347"/>
+          </a:xfrm>
+          <a:prstGeom prst="rect">
+            <a:avLst/>
+          </a:prstGeom>
+        </p:spPr>
+      </p:pic>
+      <p:pic>
+        <p:nvPicPr>
+          <p:cNvPr id="16" name="Picture 15"/>
+          <p:cNvPicPr>
+            <a:picLocks noChangeAspect="1"/>
+          </p:cNvPicPr>
+          <p:nvPr/>
+        </p:nvPicPr>
+        <p:blipFill rotWithShape="1">
+          <a:blip r:embed="rId7">
+            <a:extLst>
+              <a:ext uri="{28A0092B-C50C-407E-A947-70E740481C1C}">
+                <a14:useLocalDpi xmlns:a14="http://schemas.microsoft.com/office/drawing/2010/main" val="0"/>
+              </a:ext>
+            </a:extLst>
+          </a:blip>
+          <a:srcRect l="19465" t="20304" r="19352" b="20601"/>
+          <a:stretch/>
+        </p:blipFill>
+        <p:spPr>
+          <a:xfrm>
+            <a:off x="2861390" y="2565920"/>
+            <a:ext cx="2331077" cy="1728028"/>
+          </a:xfrm>
+          <a:prstGeom prst="rect">
+            <a:avLst/>
+          </a:prstGeom>
+        </p:spPr>
+      </p:pic>
+      <p:sp>
+        <p:nvSpPr>
+          <p:cNvPr id="7" name="TextBox 6"/>
           <p:cNvSpPr txBox="1"/>
           <p:nvPr/>
         </p:nvSpPr>
         <p:spPr>
           <a:xfrm>
-            <a:off x="1820563" y="978081"/>
-            <a:ext cx="8101898" cy="369332"/>
+            <a:off x="2627870" y="1062681"/>
+            <a:ext cx="7297190" cy="369332"/>
           </a:xfrm>
           <a:prstGeom prst="rect">
             <a:avLst/>
@@ -11080,23 +11078,15 @@
           <a:p>
             <a:r>
               <a:rPr lang="en-US" dirty="0"/>
-              <a:t>Subjects were independently </a:t>
+              <a:t>Correlation of average signal in </a:t>
             </a:r>
             <a:r>
               <a:rPr lang="en-US" dirty="0" err="1"/>
-              <a:t>parcellated</a:t>
+              <a:t>precuneus</a:t>
             </a:r>
             <a:r>
               <a:rPr lang="en-US" dirty="0"/>
-              <a:t> by k-means with </a:t>
-            </a:r>
-            <a:r>
-              <a:rPr lang="en-US" dirty="0" err="1"/>
-              <a:t>nClusters</a:t>
-            </a:r>
-            <a:r>
-              <a:rPr lang="en-US" dirty="0"/>
-              <a:t>=30</a:t>
+              <a:t> to the signals in brain</a:t>
             </a:r>
           </a:p>
         </p:txBody>
@@ -11109,8 +11099,8 @@
         </p:nvSpPr>
         <p:spPr>
           <a:xfrm>
-            <a:off x="1896988" y="1481448"/>
-            <a:ext cx="790601" cy="369332"/>
+            <a:off x="3146929" y="2195755"/>
+            <a:ext cx="1754006" cy="369332"/>
           </a:xfrm>
           <a:prstGeom prst="rect">
             <a:avLst/>
@@ -11125,21 +11115,21 @@
           <a:p>
             <a:r>
               <a:rPr lang="en-US" dirty="0"/>
-              <a:t>Sub 1</a:t>
-            </a:r>
-          </a:p>
-        </p:txBody>
-      </p:sp>
-      <p:sp>
-        <p:nvSpPr>
-          <p:cNvPr id="14" name="TextBox 13"/>
+              <a:t>Sub 1 to Sub 1</a:t>
+            </a:r>
+          </a:p>
+        </p:txBody>
+      </p:sp>
+      <p:sp>
+        <p:nvSpPr>
+          <p:cNvPr id="17" name="TextBox 16"/>
           <p:cNvSpPr txBox="1"/>
           <p:nvPr/>
         </p:nvSpPr>
         <p:spPr>
           <a:xfrm>
-            <a:off x="4462656" y="1481448"/>
-            <a:ext cx="790601" cy="369332"/>
+            <a:off x="5109698" y="2192662"/>
+            <a:ext cx="2409634" cy="369332"/>
           </a:xfrm>
           <a:prstGeom prst="rect">
             <a:avLst/>
@@ -11154,21 +11144,29 @@
           <a:p>
             <a:r>
               <a:rPr lang="en-US" dirty="0"/>
-              <a:t>Sub 2</a:t>
-            </a:r>
-          </a:p>
-        </p:txBody>
-      </p:sp>
-      <p:sp>
-        <p:nvSpPr>
-          <p:cNvPr id="15" name="TextBox 14"/>
+              <a:t>Sub 1 to Sub 2 (</a:t>
+            </a:r>
+            <a:r>
+              <a:rPr lang="en-US" dirty="0" err="1"/>
+              <a:t>orig</a:t>
+            </a:r>
+            <a:r>
+              <a:rPr lang="en-US" dirty="0"/>
+              <a:t>)</a:t>
+            </a:r>
+          </a:p>
+        </p:txBody>
+      </p:sp>
+      <p:sp>
+        <p:nvSpPr>
+          <p:cNvPr id="18" name="TextBox 17"/>
           <p:cNvSpPr txBox="1"/>
           <p:nvPr/>
         </p:nvSpPr>
         <p:spPr>
           <a:xfrm>
-            <a:off x="7042737" y="1464441"/>
-            <a:ext cx="790601" cy="369332"/>
+            <a:off x="7553485" y="2192662"/>
+            <a:ext cx="2286203" cy="369332"/>
           </a:xfrm>
           <a:prstGeom prst="rect">
             <a:avLst/>
@@ -11183,21 +11181,50 @@
           <a:p>
             <a:r>
               <a:rPr lang="en-US" dirty="0"/>
-              <a:t>Sub 3</a:t>
-            </a:r>
-          </a:p>
-        </p:txBody>
-      </p:sp>
-      <p:sp>
-        <p:nvSpPr>
-          <p:cNvPr id="16" name="TextBox 15"/>
+              <a:t>Sub 1 to Sub 2 (rot)</a:t>
+            </a:r>
+          </a:p>
+        </p:txBody>
+      </p:sp>
+      <p:pic>
+        <p:nvPicPr>
+          <p:cNvPr id="19" name="Content Placeholder 7"/>
+          <p:cNvPicPr>
+            <a:picLocks noChangeAspect="1"/>
+          </p:cNvPicPr>
+          <p:nvPr/>
+        </p:nvPicPr>
+        <p:blipFill rotWithShape="1">
+          <a:blip r:embed="rId8">
+            <a:extLst>
+              <a:ext uri="{28A0092B-C50C-407E-A947-70E740481C1C}">
+                <a14:useLocalDpi xmlns:a14="http://schemas.microsoft.com/office/drawing/2010/main" val="0"/>
+              </a:ext>
+            </a:extLst>
+          </a:blip>
+          <a:srcRect l="9396" t="92029" r="10235" b="1210"/>
+          <a:stretch/>
+        </p:blipFill>
+        <p:spPr>
+          <a:xfrm rot="16200000">
+            <a:off x="8631586" y="4184442"/>
+            <a:ext cx="3062094" cy="197708"/>
+          </a:xfrm>
+          <a:prstGeom prst="rect">
+            <a:avLst/>
+          </a:prstGeom>
+        </p:spPr>
+      </p:pic>
+      <p:sp>
+        <p:nvSpPr>
+          <p:cNvPr id="20" name="TextBox 19"/>
           <p:cNvSpPr txBox="1"/>
           <p:nvPr/>
         </p:nvSpPr>
         <p:spPr>
           <a:xfrm>
-            <a:off x="9600074" y="1464441"/>
-            <a:ext cx="790601" cy="369332"/>
+            <a:off x="10261487" y="5537337"/>
+            <a:ext cx="312906" cy="369332"/>
           </a:xfrm>
           <a:prstGeom prst="rect">
             <a:avLst/>
@@ -11212,21 +11239,21 @@
           <a:p>
             <a:r>
               <a:rPr lang="en-US" dirty="0"/>
-              <a:t>Sub 4</a:t>
-            </a:r>
-          </a:p>
-        </p:txBody>
-      </p:sp>
-      <p:sp>
-        <p:nvSpPr>
-          <p:cNvPr id="9" name="TextBox 8"/>
+              <a:t>0</a:t>
+            </a:r>
+          </a:p>
+        </p:txBody>
+      </p:sp>
+      <p:sp>
+        <p:nvSpPr>
+          <p:cNvPr id="21" name="TextBox 20"/>
           <p:cNvSpPr txBox="1"/>
           <p:nvPr/>
         </p:nvSpPr>
         <p:spPr>
           <a:xfrm>
-            <a:off x="1334301" y="5873348"/>
-            <a:ext cx="9849171" cy="646331"/>
+            <a:off x="10275837" y="2666451"/>
+            <a:ext cx="284206" cy="369332"/>
           </a:xfrm>
           <a:prstGeom prst="rect">
             <a:avLst/>
@@ -11234,25 +11261,14 @@
           <a:noFill/>
         </p:spPr>
         <p:txBody>
-          <a:bodyPr wrap="none" rtlCol="0">
+          <a:bodyPr wrap="square" rtlCol="0">
             <a:spAutoFit/>
           </a:bodyPr>
           <a:lstStyle/>
           <a:p>
-            <a:pPr algn="r"/>
-            <a:r>
-              <a:rPr lang="en-US" b="1" i="1" dirty="0" err="1"/>
-              <a:t>Parcellations</a:t>
-            </a:r>
-            <a:r>
-              <a:rPr lang="en-US" b="1" i="1" dirty="0"/>
-              <a:t> are different for individual scans, probably because not enough samples </a:t>
-            </a:r>
-          </a:p>
-          <a:p>
-            <a:r>
-              <a:rPr lang="en-US" b="1" i="1" dirty="0"/>
-              <a:t>for finding correct boundaries</a:t>
+            <a:r>
+              <a:rPr lang="en-US" dirty="0"/>
+              <a:t>1</a:t>
             </a:r>
           </a:p>
         </p:txBody>
@@ -11260,7 +11276,7 @@
     </p:spTree>
     <p:extLst>
       <p:ext uri="{BB962C8B-B14F-4D97-AF65-F5344CB8AC3E}">
-        <p14:creationId xmlns:p14="http://schemas.microsoft.com/office/powerpoint/2010/main" val="1591713396"/>
+        <p14:creationId xmlns:p14="http://schemas.microsoft.com/office/powerpoint/2010/main" val="2668661448"/>
       </p:ext>
     </p:extLst>
   </p:cSld>
@@ -11297,58 +11313,461 @@
             <p:ph type="title"/>
           </p:nvPr>
         </p:nvSpPr>
-        <p:spPr/>
-        <p:txBody>
-          <a:bodyPr/>
+        <p:spPr>
+          <a:xfrm>
+            <a:off x="2593570" y="115330"/>
+            <a:ext cx="8911687" cy="547467"/>
+          </a:xfrm>
+        </p:spPr>
+        <p:txBody>
+          <a:bodyPr>
+            <a:normAutofit fontScale="90000"/>
+          </a:bodyPr>
           <a:lstStyle/>
           <a:p>
             <a:r>
               <a:rPr lang="en-US" dirty="0"/>
-              <a:t>Group Parcellation</a:t>
-            </a:r>
-          </a:p>
-        </p:txBody>
-      </p:sp>
-      <p:sp>
-        <p:nvSpPr>
-          <p:cNvPr id="3" name="Content Placeholder 2"/>
-          <p:cNvSpPr>
-            <a:spLocks noGrp="1"/>
-          </p:cNvSpPr>
+              <a:t>Parcellation Individually</a:t>
+            </a:r>
+          </a:p>
+        </p:txBody>
+      </p:sp>
+      <p:pic>
+        <p:nvPicPr>
+          <p:cNvPr id="4" name="Content Placeholder 3"/>
+          <p:cNvPicPr>
+            <a:picLocks noGrp="1" noChangeAspect="1"/>
+          </p:cNvPicPr>
           <p:nvPr>
             <p:ph idx="1"/>
           </p:nvPr>
-        </p:nvSpPr>
+        </p:nvPicPr>
+        <p:blipFill>
+          <a:blip r:embed="rId2">
+            <a:extLst>
+              <a:ext uri="{28A0092B-C50C-407E-A947-70E740481C1C}">
+                <a14:useLocalDpi xmlns:a14="http://schemas.microsoft.com/office/drawing/2010/main" val="0"/>
+              </a:ext>
+            </a:extLst>
+          </a:blip>
+          <a:stretch>
+            <a:fillRect/>
+          </a:stretch>
+        </p:blipFill>
         <p:spPr>
           <a:xfrm>
-            <a:off x="1683279" y="1905000"/>
-            <a:ext cx="8915400" cy="3777622"/>
-          </a:xfrm>
-        </p:spPr>
-        <p:txBody>
-          <a:bodyPr/>
+            <a:off x="1007204" y="1833773"/>
+            <a:ext cx="2571750" cy="1866900"/>
+          </a:xfrm>
+        </p:spPr>
+      </p:pic>
+      <p:pic>
+        <p:nvPicPr>
+          <p:cNvPr id="5" name="Picture 4"/>
+          <p:cNvPicPr>
+            <a:picLocks noChangeAspect="1"/>
+          </p:cNvPicPr>
+          <p:nvPr/>
+        </p:nvPicPr>
+        <p:blipFill>
+          <a:blip r:embed="rId3">
+            <a:extLst>
+              <a:ext uri="{28A0092B-C50C-407E-A947-70E740481C1C}">
+                <a14:useLocalDpi xmlns:a14="http://schemas.microsoft.com/office/drawing/2010/main" val="0"/>
+              </a:ext>
+            </a:extLst>
+          </a:blip>
+          <a:stretch>
+            <a:fillRect/>
+          </a:stretch>
+        </p:blipFill>
+        <p:spPr>
+          <a:xfrm>
+            <a:off x="1004954" y="3700673"/>
+            <a:ext cx="2571750" cy="1866900"/>
+          </a:xfrm>
+          <a:prstGeom prst="rect">
+            <a:avLst/>
+          </a:prstGeom>
+        </p:spPr>
+      </p:pic>
+      <p:pic>
+        <p:nvPicPr>
+          <p:cNvPr id="6" name="Picture 5"/>
+          <p:cNvPicPr>
+            <a:picLocks noChangeAspect="1"/>
+          </p:cNvPicPr>
+          <p:nvPr/>
+        </p:nvPicPr>
+        <p:blipFill>
+          <a:blip r:embed="rId4">
+            <a:extLst>
+              <a:ext uri="{28A0092B-C50C-407E-A947-70E740481C1C}">
+                <a14:useLocalDpi xmlns:a14="http://schemas.microsoft.com/office/drawing/2010/main" val="0"/>
+              </a:ext>
+            </a:extLst>
+          </a:blip>
+          <a:stretch>
+            <a:fillRect/>
+          </a:stretch>
+        </p:blipFill>
+        <p:spPr>
+          <a:xfrm>
+            <a:off x="3577372" y="1833773"/>
+            <a:ext cx="2571750" cy="1866900"/>
+          </a:xfrm>
+          <a:prstGeom prst="rect">
+            <a:avLst/>
+          </a:prstGeom>
+        </p:spPr>
+      </p:pic>
+      <p:pic>
+        <p:nvPicPr>
+          <p:cNvPr id="7" name="Picture 6"/>
+          <p:cNvPicPr>
+            <a:picLocks noChangeAspect="1"/>
+          </p:cNvPicPr>
+          <p:nvPr/>
+        </p:nvPicPr>
+        <p:blipFill>
+          <a:blip r:embed="rId5">
+            <a:extLst>
+              <a:ext uri="{28A0092B-C50C-407E-A947-70E740481C1C}">
+                <a14:useLocalDpi xmlns:a14="http://schemas.microsoft.com/office/drawing/2010/main" val="0"/>
+              </a:ext>
+            </a:extLst>
+          </a:blip>
+          <a:stretch>
+            <a:fillRect/>
+          </a:stretch>
+        </p:blipFill>
+        <p:spPr>
+          <a:xfrm>
+            <a:off x="3568905" y="3700673"/>
+            <a:ext cx="2571750" cy="1866900"/>
+          </a:xfrm>
+          <a:prstGeom prst="rect">
+            <a:avLst/>
+          </a:prstGeom>
+        </p:spPr>
+      </p:pic>
+      <p:pic>
+        <p:nvPicPr>
+          <p:cNvPr id="10" name="Picture 9"/>
+          <p:cNvPicPr>
+            <a:picLocks noChangeAspect="1"/>
+          </p:cNvPicPr>
+          <p:nvPr/>
+        </p:nvPicPr>
+        <p:blipFill>
+          <a:blip r:embed="rId6">
+            <a:extLst>
+              <a:ext uri="{28A0092B-C50C-407E-A947-70E740481C1C}">
+                <a14:useLocalDpi xmlns:a14="http://schemas.microsoft.com/office/drawing/2010/main" val="0"/>
+              </a:ext>
+            </a:extLst>
+          </a:blip>
+          <a:stretch>
+            <a:fillRect/>
+          </a:stretch>
+        </p:blipFill>
+        <p:spPr>
+          <a:xfrm>
+            <a:off x="8704302" y="3692435"/>
+            <a:ext cx="2571750" cy="1866900"/>
+          </a:xfrm>
+          <a:prstGeom prst="rect">
+            <a:avLst/>
+          </a:prstGeom>
+        </p:spPr>
+      </p:pic>
+      <p:pic>
+        <p:nvPicPr>
+          <p:cNvPr id="11" name="Picture 10"/>
+          <p:cNvPicPr>
+            <a:picLocks noChangeAspect="1"/>
+          </p:cNvPicPr>
+          <p:nvPr/>
+        </p:nvPicPr>
+        <p:blipFill>
+          <a:blip r:embed="rId7">
+            <a:extLst>
+              <a:ext uri="{28A0092B-C50C-407E-A947-70E740481C1C}">
+                <a14:useLocalDpi xmlns:a14="http://schemas.microsoft.com/office/drawing/2010/main" val="0"/>
+              </a:ext>
+            </a:extLst>
+          </a:blip>
+          <a:stretch>
+            <a:fillRect/>
+          </a:stretch>
+        </p:blipFill>
+        <p:spPr>
+          <a:xfrm>
+            <a:off x="8706552" y="1833773"/>
+            <a:ext cx="2571750" cy="1866900"/>
+          </a:xfrm>
+          <a:prstGeom prst="rect">
+            <a:avLst/>
+          </a:prstGeom>
+        </p:spPr>
+      </p:pic>
+      <p:pic>
+        <p:nvPicPr>
+          <p:cNvPr id="12" name="Picture 11"/>
+          <p:cNvPicPr>
+            <a:picLocks noChangeAspect="1"/>
+          </p:cNvPicPr>
+          <p:nvPr/>
+        </p:nvPicPr>
+        <p:blipFill>
+          <a:blip r:embed="rId8">
+            <a:extLst>
+              <a:ext uri="{28A0092B-C50C-407E-A947-70E740481C1C}">
+                <a14:useLocalDpi xmlns:a14="http://schemas.microsoft.com/office/drawing/2010/main" val="0"/>
+              </a:ext>
+            </a:extLst>
+          </a:blip>
+          <a:stretch>
+            <a:fillRect/>
+          </a:stretch>
+        </p:blipFill>
+        <p:spPr>
+          <a:xfrm>
+            <a:off x="6138405" y="3700673"/>
+            <a:ext cx="2571750" cy="1866900"/>
+          </a:xfrm>
+          <a:prstGeom prst="rect">
+            <a:avLst/>
+          </a:prstGeom>
+        </p:spPr>
+      </p:pic>
+      <p:pic>
+        <p:nvPicPr>
+          <p:cNvPr id="13" name="Picture 12"/>
+          <p:cNvPicPr>
+            <a:picLocks noChangeAspect="1"/>
+          </p:cNvPicPr>
+          <p:nvPr/>
+        </p:nvPicPr>
+        <p:blipFill>
+          <a:blip r:embed="rId9">
+            <a:extLst>
+              <a:ext uri="{28A0092B-C50C-407E-A947-70E740481C1C}">
+                <a14:useLocalDpi xmlns:a14="http://schemas.microsoft.com/office/drawing/2010/main" val="0"/>
+              </a:ext>
+            </a:extLst>
+          </a:blip>
+          <a:stretch>
+            <a:fillRect/>
+          </a:stretch>
+        </p:blipFill>
+        <p:spPr>
+          <a:xfrm>
+            <a:off x="6138634" y="1833773"/>
+            <a:ext cx="2571750" cy="1866900"/>
+          </a:xfrm>
+          <a:prstGeom prst="rect">
+            <a:avLst/>
+          </a:prstGeom>
+        </p:spPr>
+      </p:pic>
+      <p:sp>
+        <p:nvSpPr>
+          <p:cNvPr id="3" name="TextBox 2"/>
+          <p:cNvSpPr txBox="1"/>
+          <p:nvPr/>
+        </p:nvSpPr>
+        <p:spPr>
+          <a:xfrm>
+            <a:off x="1820563" y="978081"/>
+            <a:ext cx="8101898" cy="369332"/>
+          </a:xfrm>
+          <a:prstGeom prst="rect">
+            <a:avLst/>
+          </a:prstGeom>
+          <a:noFill/>
+        </p:spPr>
+        <p:txBody>
+          <a:bodyPr wrap="none" rtlCol="0">
+            <a:spAutoFit/>
+          </a:bodyPr>
           <a:lstStyle/>
           <a:p>
             <a:r>
               <a:rPr lang="en-US" dirty="0"/>
-              <a:t>Since the data are comparable to each other after </a:t>
+              <a:t>Subjects were independently </a:t>
             </a:r>
             <a:r>
               <a:rPr lang="en-US" dirty="0" err="1"/>
-              <a:t>BrainSync</a:t>
+              <a:t>parcellated</a:t>
             </a:r>
             <a:r>
               <a:rPr lang="en-US" dirty="0"/>
-              <a:t>, we can pool it and do joint parcellation</a:t>
-            </a:r>
-          </a:p>
-          <a:p>
-            <a:endParaRPr lang="en-US" dirty="0"/>
-          </a:p>
-          <a:p>
+              <a:t> by k-means with </a:t>
+            </a:r>
+            <a:r>
+              <a:rPr lang="en-US" dirty="0" err="1"/>
+              <a:t>nClusters</a:t>
+            </a:r>
+            <a:r>
+              <a:rPr lang="en-US" dirty="0"/>
+              <a:t>=30</a:t>
+            </a:r>
+          </a:p>
+        </p:txBody>
+      </p:sp>
+      <p:sp>
+        <p:nvSpPr>
+          <p:cNvPr id="8" name="TextBox 7"/>
+          <p:cNvSpPr txBox="1"/>
+          <p:nvPr/>
+        </p:nvSpPr>
+        <p:spPr>
+          <a:xfrm>
+            <a:off x="1896988" y="1481448"/>
+            <a:ext cx="790601" cy="369332"/>
+          </a:xfrm>
+          <a:prstGeom prst="rect">
+            <a:avLst/>
+          </a:prstGeom>
+          <a:noFill/>
+        </p:spPr>
+        <p:txBody>
+          <a:bodyPr wrap="none" rtlCol="0">
+            <a:spAutoFit/>
+          </a:bodyPr>
+          <a:lstStyle/>
+          <a:p>
+            <a:r>
+              <a:rPr lang="en-US" dirty="0"/>
+              <a:t>Sub 1</a:t>
+            </a:r>
+          </a:p>
+        </p:txBody>
+      </p:sp>
+      <p:sp>
+        <p:nvSpPr>
+          <p:cNvPr id="14" name="TextBox 13"/>
+          <p:cNvSpPr txBox="1"/>
+          <p:nvPr/>
+        </p:nvSpPr>
+        <p:spPr>
+          <a:xfrm>
+            <a:off x="4462656" y="1481448"/>
+            <a:ext cx="790601" cy="369332"/>
+          </a:xfrm>
+          <a:prstGeom prst="rect">
+            <a:avLst/>
+          </a:prstGeom>
+          <a:noFill/>
+        </p:spPr>
+        <p:txBody>
+          <a:bodyPr wrap="none" rtlCol="0">
+            <a:spAutoFit/>
+          </a:bodyPr>
+          <a:lstStyle/>
+          <a:p>
+            <a:r>
+              <a:rPr lang="en-US" dirty="0"/>
+              <a:t>Sub 2</a:t>
+            </a:r>
+          </a:p>
+        </p:txBody>
+      </p:sp>
+      <p:sp>
+        <p:nvSpPr>
+          <p:cNvPr id="15" name="TextBox 14"/>
+          <p:cNvSpPr txBox="1"/>
+          <p:nvPr/>
+        </p:nvSpPr>
+        <p:spPr>
+          <a:xfrm>
+            <a:off x="7042737" y="1464441"/>
+            <a:ext cx="790601" cy="369332"/>
+          </a:xfrm>
+          <a:prstGeom prst="rect">
+            <a:avLst/>
+          </a:prstGeom>
+          <a:noFill/>
+        </p:spPr>
+        <p:txBody>
+          <a:bodyPr wrap="none" rtlCol="0">
+            <a:spAutoFit/>
+          </a:bodyPr>
+          <a:lstStyle/>
+          <a:p>
+            <a:r>
+              <a:rPr lang="en-US" dirty="0"/>
+              <a:t>Sub 3</a:t>
+            </a:r>
+          </a:p>
+        </p:txBody>
+      </p:sp>
+      <p:sp>
+        <p:nvSpPr>
+          <p:cNvPr id="16" name="TextBox 15"/>
+          <p:cNvSpPr txBox="1"/>
+          <p:nvPr/>
+        </p:nvSpPr>
+        <p:spPr>
+          <a:xfrm>
+            <a:off x="9600074" y="1464441"/>
+            <a:ext cx="790601" cy="369332"/>
+          </a:xfrm>
+          <a:prstGeom prst="rect">
+            <a:avLst/>
+          </a:prstGeom>
+          <a:noFill/>
+        </p:spPr>
+        <p:txBody>
+          <a:bodyPr wrap="none" rtlCol="0">
+            <a:spAutoFit/>
+          </a:bodyPr>
+          <a:lstStyle/>
+          <a:p>
+            <a:r>
+              <a:rPr lang="en-US" dirty="0"/>
+              <a:t>Sub 4</a:t>
+            </a:r>
+          </a:p>
+        </p:txBody>
+      </p:sp>
+      <p:sp>
+        <p:nvSpPr>
+          <p:cNvPr id="9" name="TextBox 8"/>
+          <p:cNvSpPr txBox="1"/>
+          <p:nvPr/>
+        </p:nvSpPr>
+        <p:spPr>
+          <a:xfrm>
+            <a:off x="1334301" y="5873348"/>
+            <a:ext cx="9849171" cy="646331"/>
+          </a:xfrm>
+          <a:prstGeom prst="rect">
+            <a:avLst/>
+          </a:prstGeom>
+          <a:noFill/>
+        </p:spPr>
+        <p:txBody>
+          <a:bodyPr wrap="none" rtlCol="0">
+            <a:spAutoFit/>
+          </a:bodyPr>
+          <a:lstStyle/>
+          <a:p>
+            <a:pPr algn="r"/>
+            <a:r>
+              <a:rPr lang="en-US" b="1" i="1" dirty="0" err="1"/>
+              <a:t>Parcellations</a:t>
+            </a:r>
             <a:r>
               <a:rPr lang="en-US" b="1" i="1" dirty="0"/>
-              <a:t>Clustering will work better when data is pooled, rather than doing clustering one by one</a:t>
+              <a:t> are different for individual scans, probably because not enough samples </a:t>
+            </a:r>
+          </a:p>
+          <a:p>
+            <a:r>
+              <a:rPr lang="en-US" b="1" i="1" dirty="0"/>
+              <a:t>for finding correct boundaries</a:t>
             </a:r>
           </a:p>
         </p:txBody>
@@ -11356,7 +11775,7 @@
     </p:spTree>
     <p:extLst>
       <p:ext uri="{BB962C8B-B14F-4D97-AF65-F5344CB8AC3E}">
-        <p14:creationId xmlns:p14="http://schemas.microsoft.com/office/powerpoint/2010/main" val="1318014954"/>
+        <p14:creationId xmlns:p14="http://schemas.microsoft.com/office/powerpoint/2010/main" val="1591713396"/>
       </p:ext>
     </p:extLst>
   </p:cSld>
@@ -11393,376 +11812,58 @@
             <p:ph type="title"/>
           </p:nvPr>
         </p:nvSpPr>
-        <p:spPr>
-          <a:xfrm>
-            <a:off x="1656300" y="154553"/>
-            <a:ext cx="8911687" cy="1280890"/>
-          </a:xfrm>
-        </p:spPr>
+        <p:spPr/>
         <p:txBody>
           <a:bodyPr/>
           <a:lstStyle/>
           <a:p>
             <a:r>
               <a:rPr lang="en-US" dirty="0"/>
-              <a:t>Joint Parcellation 2 independent groups of 20 subjects each</a:t>
-            </a:r>
-          </a:p>
-        </p:txBody>
-      </p:sp>
-      <p:grpSp>
-        <p:nvGrpSpPr>
-          <p:cNvPr id="4" name="Group 3"/>
-          <p:cNvGrpSpPr/>
-          <p:nvPr/>
-        </p:nvGrpSpPr>
-        <p:grpSpPr>
-          <a:xfrm>
-            <a:off x="1307048" y="1435443"/>
-            <a:ext cx="5143502" cy="4103132"/>
-            <a:chOff x="1307048" y="1911905"/>
-            <a:chExt cx="5143502" cy="4103132"/>
-          </a:xfrm>
-        </p:grpSpPr>
-        <p:pic>
-          <p:nvPicPr>
-            <p:cNvPr id="12" name="Picture 11"/>
-            <p:cNvPicPr>
-              <a:picLocks noChangeAspect="1"/>
-            </p:cNvPicPr>
-            <p:nvPr/>
-          </p:nvPicPr>
-          <p:blipFill>
-            <a:blip r:embed="rId2">
-              <a:extLst>
-                <a:ext uri="{28A0092B-C50C-407E-A947-70E740481C1C}">
-                  <a14:useLocalDpi xmlns:a14="http://schemas.microsoft.com/office/drawing/2010/main" val="0"/>
-                </a:ext>
-              </a:extLst>
-            </a:blip>
-            <a:stretch>
-              <a:fillRect/>
-            </a:stretch>
-          </p:blipFill>
-          <p:spPr>
-            <a:xfrm>
-              <a:off x="1307050" y="2281237"/>
-              <a:ext cx="2571750" cy="1866900"/>
-            </a:xfrm>
-            <a:prstGeom prst="rect">
-              <a:avLst/>
-            </a:prstGeom>
-          </p:spPr>
-        </p:pic>
-        <p:pic>
-          <p:nvPicPr>
-            <p:cNvPr id="13" name="Picture 12"/>
-            <p:cNvPicPr>
-              <a:picLocks noChangeAspect="1"/>
-            </p:cNvPicPr>
-            <p:nvPr/>
-          </p:nvPicPr>
-          <p:blipFill>
-            <a:blip r:embed="rId3">
-              <a:extLst>
-                <a:ext uri="{28A0092B-C50C-407E-A947-70E740481C1C}">
-                  <a14:useLocalDpi xmlns:a14="http://schemas.microsoft.com/office/drawing/2010/main" val="0"/>
-                </a:ext>
-              </a:extLst>
-            </a:blip>
-            <a:stretch>
-              <a:fillRect/>
-            </a:stretch>
-          </p:blipFill>
-          <p:spPr>
-            <a:xfrm>
-              <a:off x="3878799" y="2281237"/>
-              <a:ext cx="2571750" cy="1866900"/>
-            </a:xfrm>
-            <a:prstGeom prst="rect">
-              <a:avLst/>
-            </a:prstGeom>
-          </p:spPr>
-        </p:pic>
-        <p:pic>
-          <p:nvPicPr>
-            <p:cNvPr id="14" name="Picture 13"/>
-            <p:cNvPicPr>
-              <a:picLocks noChangeAspect="1"/>
-            </p:cNvPicPr>
-            <p:nvPr/>
-          </p:nvPicPr>
-          <p:blipFill>
-            <a:blip r:embed="rId4">
-              <a:extLst>
-                <a:ext uri="{28A0092B-C50C-407E-A947-70E740481C1C}">
-                  <a14:useLocalDpi xmlns:a14="http://schemas.microsoft.com/office/drawing/2010/main" val="0"/>
-                </a:ext>
-              </a:extLst>
-            </a:blip>
-            <a:stretch>
-              <a:fillRect/>
-            </a:stretch>
-          </p:blipFill>
-          <p:spPr>
-            <a:xfrm>
-              <a:off x="3878800" y="4148137"/>
-              <a:ext cx="2571750" cy="1866900"/>
-            </a:xfrm>
-            <a:prstGeom prst="rect">
-              <a:avLst/>
-            </a:prstGeom>
-          </p:spPr>
-        </p:pic>
-        <p:pic>
-          <p:nvPicPr>
-            <p:cNvPr id="15" name="Picture 14"/>
-            <p:cNvPicPr>
-              <a:picLocks noChangeAspect="1"/>
-            </p:cNvPicPr>
-            <p:nvPr/>
-          </p:nvPicPr>
-          <p:blipFill>
-            <a:blip r:embed="rId5">
-              <a:extLst>
-                <a:ext uri="{28A0092B-C50C-407E-A947-70E740481C1C}">
-                  <a14:useLocalDpi xmlns:a14="http://schemas.microsoft.com/office/drawing/2010/main" val="0"/>
-                </a:ext>
-              </a:extLst>
-            </a:blip>
-            <a:stretch>
-              <a:fillRect/>
-            </a:stretch>
-          </p:blipFill>
-          <p:spPr>
-            <a:xfrm>
-              <a:off x="1307048" y="4148137"/>
-              <a:ext cx="2571750" cy="1866900"/>
-            </a:xfrm>
-            <a:prstGeom prst="rect">
-              <a:avLst/>
-            </a:prstGeom>
-          </p:spPr>
-        </p:pic>
-        <p:sp>
-          <p:nvSpPr>
-            <p:cNvPr id="3" name="TextBox 2"/>
-            <p:cNvSpPr txBox="1"/>
-            <p:nvPr/>
-          </p:nvSpPr>
-          <p:spPr>
-            <a:xfrm>
-              <a:off x="2374221" y="1911905"/>
-              <a:ext cx="3009157" cy="369332"/>
-            </a:xfrm>
-            <a:prstGeom prst="rect">
-              <a:avLst/>
-            </a:prstGeom>
-            <a:noFill/>
-          </p:spPr>
-          <p:txBody>
-            <a:bodyPr wrap="none" rtlCol="0">
-              <a:spAutoFit/>
-            </a:bodyPr>
-            <a:lstStyle/>
-            <a:p>
-              <a:r>
-                <a:rPr lang="en-US" dirty="0"/>
-                <a:t>2 subjects from first group</a:t>
-              </a:r>
-            </a:p>
-          </p:txBody>
-        </p:sp>
-      </p:grpSp>
-      <p:grpSp>
-        <p:nvGrpSpPr>
-          <p:cNvPr id="5" name="Group 4"/>
-          <p:cNvGrpSpPr/>
-          <p:nvPr/>
-        </p:nvGrpSpPr>
-        <p:grpSpPr>
-          <a:xfrm>
-            <a:off x="6710362" y="1435443"/>
-            <a:ext cx="5143500" cy="4103132"/>
-            <a:chOff x="6710362" y="1911905"/>
-            <a:chExt cx="5143500" cy="4103132"/>
-          </a:xfrm>
-        </p:grpSpPr>
-        <p:pic>
-          <p:nvPicPr>
-            <p:cNvPr id="16" name="Picture 15"/>
-            <p:cNvPicPr>
-              <a:picLocks noChangeAspect="1"/>
-            </p:cNvPicPr>
-            <p:nvPr/>
-          </p:nvPicPr>
-          <p:blipFill>
-            <a:blip r:embed="rId6">
-              <a:extLst>
-                <a:ext uri="{28A0092B-C50C-407E-A947-70E740481C1C}">
-                  <a14:useLocalDpi xmlns:a14="http://schemas.microsoft.com/office/drawing/2010/main" val="0"/>
-                </a:ext>
-              </a:extLst>
-            </a:blip>
-            <a:stretch>
-              <a:fillRect/>
-            </a:stretch>
-          </p:blipFill>
-          <p:spPr>
-            <a:xfrm>
-              <a:off x="6710362" y="2281237"/>
-              <a:ext cx="2571750" cy="1866900"/>
-            </a:xfrm>
-            <a:prstGeom prst="rect">
-              <a:avLst/>
-            </a:prstGeom>
-          </p:spPr>
-        </p:pic>
-        <p:pic>
-          <p:nvPicPr>
-            <p:cNvPr id="17" name="Picture 16"/>
-            <p:cNvPicPr>
-              <a:picLocks noChangeAspect="1"/>
-            </p:cNvPicPr>
-            <p:nvPr/>
-          </p:nvPicPr>
-          <p:blipFill>
-            <a:blip r:embed="rId7">
-              <a:extLst>
-                <a:ext uri="{28A0092B-C50C-407E-A947-70E740481C1C}">
-                  <a14:useLocalDpi xmlns:a14="http://schemas.microsoft.com/office/drawing/2010/main" val="0"/>
-                </a:ext>
-              </a:extLst>
-            </a:blip>
-            <a:stretch>
-              <a:fillRect/>
-            </a:stretch>
-          </p:blipFill>
-          <p:spPr>
-            <a:xfrm>
-              <a:off x="6710362" y="4148137"/>
-              <a:ext cx="2571750" cy="1866900"/>
-            </a:xfrm>
-            <a:prstGeom prst="rect">
-              <a:avLst/>
-            </a:prstGeom>
-          </p:spPr>
-        </p:pic>
-        <p:pic>
-          <p:nvPicPr>
-            <p:cNvPr id="18" name="Picture 17"/>
-            <p:cNvPicPr>
-              <a:picLocks noChangeAspect="1"/>
-            </p:cNvPicPr>
-            <p:nvPr/>
-          </p:nvPicPr>
-          <p:blipFill>
-            <a:blip r:embed="rId8">
-              <a:extLst>
-                <a:ext uri="{28A0092B-C50C-407E-A947-70E740481C1C}">
-                  <a14:useLocalDpi xmlns:a14="http://schemas.microsoft.com/office/drawing/2010/main" val="0"/>
-                </a:ext>
-              </a:extLst>
-            </a:blip>
-            <a:stretch>
-              <a:fillRect/>
-            </a:stretch>
-          </p:blipFill>
-          <p:spPr>
-            <a:xfrm>
-              <a:off x="9282112" y="4148137"/>
-              <a:ext cx="2571750" cy="1866900"/>
-            </a:xfrm>
-            <a:prstGeom prst="rect">
-              <a:avLst/>
-            </a:prstGeom>
-          </p:spPr>
-        </p:pic>
-        <p:pic>
-          <p:nvPicPr>
-            <p:cNvPr id="19" name="Picture 18"/>
-            <p:cNvPicPr>
-              <a:picLocks noChangeAspect="1"/>
-            </p:cNvPicPr>
-            <p:nvPr/>
-          </p:nvPicPr>
-          <p:blipFill>
-            <a:blip r:embed="rId6">
-              <a:extLst>
-                <a:ext uri="{28A0092B-C50C-407E-A947-70E740481C1C}">
-                  <a14:useLocalDpi xmlns:a14="http://schemas.microsoft.com/office/drawing/2010/main" val="0"/>
-                </a:ext>
-              </a:extLst>
-            </a:blip>
-            <a:stretch>
-              <a:fillRect/>
-            </a:stretch>
-          </p:blipFill>
-          <p:spPr>
-            <a:xfrm>
-              <a:off x="9282112" y="2281237"/>
-              <a:ext cx="2571750" cy="1866900"/>
-            </a:xfrm>
-            <a:prstGeom prst="rect">
-              <a:avLst/>
-            </a:prstGeom>
-          </p:spPr>
-        </p:pic>
-        <p:sp>
-          <p:nvSpPr>
-            <p:cNvPr id="20" name="TextBox 19"/>
-            <p:cNvSpPr txBox="1"/>
-            <p:nvPr/>
-          </p:nvSpPr>
-          <p:spPr>
-            <a:xfrm>
-              <a:off x="7535480" y="1911905"/>
-              <a:ext cx="3493264" cy="369332"/>
-            </a:xfrm>
-            <a:prstGeom prst="rect">
-              <a:avLst/>
-            </a:prstGeom>
-            <a:noFill/>
-          </p:spPr>
-          <p:txBody>
-            <a:bodyPr wrap="none" rtlCol="0">
-              <a:spAutoFit/>
-            </a:bodyPr>
-            <a:lstStyle/>
-            <a:p>
-              <a:r>
-                <a:rPr lang="en-US" dirty="0"/>
-                <a:t>2 subjects from second group</a:t>
-              </a:r>
-            </a:p>
-          </p:txBody>
-        </p:sp>
-      </p:grpSp>
-      <p:sp>
-        <p:nvSpPr>
-          <p:cNvPr id="21" name="TextBox 20"/>
-          <p:cNvSpPr txBox="1"/>
-          <p:nvPr/>
+              <a:t>Group Parcellation</a:t>
+            </a:r>
+          </a:p>
+        </p:txBody>
+      </p:sp>
+      <p:sp>
+        <p:nvSpPr>
+          <p:cNvPr id="3" name="Content Placeholder 2"/>
+          <p:cNvSpPr>
+            <a:spLocks noGrp="1"/>
+          </p:cNvSpPr>
+          <p:nvPr>
+            <p:ph idx="1"/>
+          </p:nvPr>
         </p:nvSpPr>
         <p:spPr>
           <a:xfrm>
-            <a:off x="1307048" y="5907907"/>
-            <a:ext cx="10153742" cy="369332"/>
-          </a:xfrm>
-          <a:prstGeom prst="rect">
-            <a:avLst/>
-          </a:prstGeom>
-          <a:noFill/>
-        </p:spPr>
-        <p:txBody>
-          <a:bodyPr wrap="none" rtlCol="0">
-            <a:spAutoFit/>
-          </a:bodyPr>
+            <a:off x="1683279" y="1905000"/>
+            <a:ext cx="8915400" cy="3777622"/>
+          </a:xfrm>
+        </p:spPr>
+        <p:txBody>
+          <a:bodyPr/>
           <a:lstStyle/>
           <a:p>
             <a:r>
+              <a:rPr lang="en-US" dirty="0"/>
+              <a:t>Since the data are comparable to each other after </a:t>
+            </a:r>
+            <a:r>
+              <a:rPr lang="en-US" dirty="0" err="1"/>
+              <a:t>BrainSync</a:t>
+            </a:r>
+            <a:r>
+              <a:rPr lang="en-US" dirty="0"/>
+              <a:t>, we can pool it and do joint parcellation</a:t>
+            </a:r>
+          </a:p>
+          <a:p>
+            <a:endParaRPr lang="en-US" dirty="0"/>
+          </a:p>
+          <a:p>
+            <a:r>
               <a:rPr lang="en-US" b="1" i="1" dirty="0"/>
-              <a:t>We get very consistent Parcellation even if two groups of 20 subjects are non-overlapping</a:t>
+              <a:t>Clustering will work better when data is pooled, rather than doing clustering one by one</a:t>
             </a:r>
           </a:p>
         </p:txBody>
@@ -11770,7 +11871,7 @@
     </p:spTree>
     <p:extLst>
       <p:ext uri="{BB962C8B-B14F-4D97-AF65-F5344CB8AC3E}">
-        <p14:creationId xmlns:p14="http://schemas.microsoft.com/office/powerpoint/2010/main" val="3470648806"/>
+        <p14:creationId xmlns:p14="http://schemas.microsoft.com/office/powerpoint/2010/main" val="1318014954"/>
       </p:ext>
     </p:extLst>
   </p:cSld>

--- a/docs/brain_sync.pptx
+++ b/docs/brain_sync.pptx
@@ -11,13 +11,17 @@
     <p:sldId id="259" r:id="rId5"/>
     <p:sldId id="269" r:id="rId6"/>
     <p:sldId id="267" r:id="rId7"/>
-    <p:sldId id="260" r:id="rId8"/>
-    <p:sldId id="261" r:id="rId9"/>
-    <p:sldId id="268" r:id="rId10"/>
-    <p:sldId id="266" r:id="rId11"/>
-    <p:sldId id="263" r:id="rId12"/>
-    <p:sldId id="265" r:id="rId13"/>
-    <p:sldId id="264" r:id="rId14"/>
+    <p:sldId id="271" r:id="rId8"/>
+    <p:sldId id="260" r:id="rId9"/>
+    <p:sldId id="261" r:id="rId10"/>
+    <p:sldId id="268" r:id="rId11"/>
+    <p:sldId id="266" r:id="rId12"/>
+    <p:sldId id="263" r:id="rId13"/>
+    <p:sldId id="272" r:id="rId14"/>
+    <p:sldId id="273" r:id="rId15"/>
+    <p:sldId id="265" r:id="rId16"/>
+    <p:sldId id="270" r:id="rId17"/>
+    <p:sldId id="264" r:id="rId18"/>
   </p:sldIdLst>
   <p:sldSz cx="12192000" cy="6858000"/>
   <p:notesSz cx="6858000" cy="9144000"/>
@@ -312,7 +316,7 @@
           <a:p>
             <a:fld id="{16885065-5610-4AF7-9C11-064BC18A2FE3}" type="datetimeFigureOut">
               <a:rPr lang="en-US" smtClean="0"/>
-              <a:t>8/3/2016</a:t>
+              <a:t>8/6/2016</a:t>
             </a:fld>
             <a:endParaRPr lang="en-US"/>
           </a:p>
@@ -650,7 +654,7 @@
           <a:p>
             <a:fld id="{16885065-5610-4AF7-9C11-064BC18A2FE3}" type="datetimeFigureOut">
               <a:rPr lang="en-US" smtClean="0"/>
-              <a:t>8/3/2016</a:t>
+              <a:t>8/6/2016</a:t>
             </a:fld>
             <a:endParaRPr lang="en-US"/>
           </a:p>
@@ -1051,7 +1055,7 @@
           <a:p>
             <a:fld id="{16885065-5610-4AF7-9C11-064BC18A2FE3}" type="datetimeFigureOut">
               <a:rPr lang="en-US" smtClean="0"/>
-              <a:t>8/3/2016</a:t>
+              <a:t>8/6/2016</a:t>
             </a:fld>
             <a:endParaRPr lang="en-US"/>
           </a:p>
@@ -1387,7 +1391,7 @@
           <a:p>
             <a:fld id="{16885065-5610-4AF7-9C11-064BC18A2FE3}" type="datetimeFigureOut">
               <a:rPr lang="en-US" smtClean="0"/>
-              <a:t>8/3/2016</a:t>
+              <a:t>8/6/2016</a:t>
             </a:fld>
             <a:endParaRPr lang="en-US"/>
           </a:p>
@@ -1707,7 +1711,7 @@
           <a:p>
             <a:fld id="{16885065-5610-4AF7-9C11-064BC18A2FE3}" type="datetimeFigureOut">
               <a:rPr lang="en-US" smtClean="0"/>
-              <a:t>8/3/2016</a:t>
+              <a:t>8/6/2016</a:t>
             </a:fld>
             <a:endParaRPr lang="en-US"/>
           </a:p>
@@ -2103,7 +2107,7 @@
           <a:p>
             <a:fld id="{16885065-5610-4AF7-9C11-064BC18A2FE3}" type="datetimeFigureOut">
               <a:rPr lang="en-US" smtClean="0"/>
-              <a:t>8/3/2016</a:t>
+              <a:t>8/6/2016</a:t>
             </a:fld>
             <a:endParaRPr lang="en-US"/>
           </a:p>
@@ -2360,7 +2364,7 @@
           <a:p>
             <a:fld id="{16885065-5610-4AF7-9C11-064BC18A2FE3}" type="datetimeFigureOut">
               <a:rPr lang="en-US" smtClean="0"/>
-              <a:t>8/3/2016</a:t>
+              <a:t>8/6/2016</a:t>
             </a:fld>
             <a:endParaRPr lang="en-US"/>
           </a:p>
@@ -2622,7 +2626,7 @@
           <a:p>
             <a:fld id="{16885065-5610-4AF7-9C11-064BC18A2FE3}" type="datetimeFigureOut">
               <a:rPr lang="en-US" smtClean="0"/>
-              <a:t>8/3/2016</a:t>
+              <a:t>8/6/2016</a:t>
             </a:fld>
             <a:endParaRPr lang="en-US"/>
           </a:p>
@@ -2884,7 +2888,7 @@
           <a:p>
             <a:fld id="{16885065-5610-4AF7-9C11-064BC18A2FE3}" type="datetimeFigureOut">
               <a:rPr lang="en-US" smtClean="0"/>
-              <a:t>8/3/2016</a:t>
+              <a:t>8/6/2016</a:t>
             </a:fld>
             <a:endParaRPr lang="en-US"/>
           </a:p>
@@ -3213,7 +3217,7 @@
           <a:p>
             <a:fld id="{16885065-5610-4AF7-9C11-064BC18A2FE3}" type="datetimeFigureOut">
               <a:rPr lang="en-US" smtClean="0"/>
-              <a:t>8/3/2016</a:t>
+              <a:t>8/6/2016</a:t>
             </a:fld>
             <a:endParaRPr lang="en-US"/>
           </a:p>
@@ -3536,7 +3540,7 @@
           <a:p>
             <a:fld id="{16885065-5610-4AF7-9C11-064BC18A2FE3}" type="datetimeFigureOut">
               <a:rPr lang="en-US" smtClean="0"/>
-              <a:t>8/3/2016</a:t>
+              <a:t>8/6/2016</a:t>
             </a:fld>
             <a:endParaRPr lang="en-US"/>
           </a:p>
@@ -3993,7 +3997,7 @@
           <a:p>
             <a:fld id="{16885065-5610-4AF7-9C11-064BC18A2FE3}" type="datetimeFigureOut">
               <a:rPr lang="en-US" smtClean="0"/>
-              <a:t>8/3/2016</a:t>
+              <a:t>8/6/2016</a:t>
             </a:fld>
             <a:endParaRPr lang="en-US"/>
           </a:p>
@@ -4198,7 +4202,7 @@
           <a:p>
             <a:fld id="{16885065-5610-4AF7-9C11-064BC18A2FE3}" type="datetimeFigureOut">
               <a:rPr lang="en-US" smtClean="0"/>
-              <a:t>8/3/2016</a:t>
+              <a:t>8/6/2016</a:t>
             </a:fld>
             <a:endParaRPr lang="en-US"/>
           </a:p>
@@ -4375,7 +4379,7 @@
           <a:p>
             <a:fld id="{16885065-5610-4AF7-9C11-064BC18A2FE3}" type="datetimeFigureOut">
               <a:rPr lang="en-US" smtClean="0"/>
-              <a:t>8/3/2016</a:t>
+              <a:t>8/6/2016</a:t>
             </a:fld>
             <a:endParaRPr lang="en-US"/>
           </a:p>
@@ -4708,7 +4712,7 @@
           <a:p>
             <a:fld id="{16885065-5610-4AF7-9C11-064BC18A2FE3}" type="datetimeFigureOut">
               <a:rPr lang="en-US" smtClean="0"/>
-              <a:t>8/3/2016</a:t>
+              <a:t>8/6/2016</a:t>
             </a:fld>
             <a:endParaRPr lang="en-US"/>
           </a:p>
@@ -5053,7 +5057,7 @@
           <a:p>
             <a:fld id="{16885065-5610-4AF7-9C11-064BC18A2FE3}" type="datetimeFigureOut">
               <a:rPr lang="en-US" smtClean="0"/>
-              <a:t>8/3/2016</a:t>
+              <a:t>8/6/2016</a:t>
             </a:fld>
             <a:endParaRPr lang="en-US"/>
           </a:p>
@@ -7170,7 +7174,7 @@
           <a:p>
             <a:fld id="{16885065-5610-4AF7-9C11-064BC18A2FE3}" type="datetimeFigureOut">
               <a:rPr lang="en-US" smtClean="0"/>
-              <a:t>8/3/2016</a:t>
+              <a:t>8/6/2016</a:t>
             </a:fld>
             <a:endParaRPr lang="en-US"/>
           </a:p>
@@ -7761,6 +7765,111 @@
             <p:ph type="title"/>
           </p:nvPr>
         </p:nvSpPr>
+        <p:spPr/>
+        <p:txBody>
+          <a:bodyPr/>
+          <a:lstStyle/>
+          <a:p>
+            <a:r>
+              <a:rPr lang="en-US" dirty="0"/>
+              <a:t>Group Parcellation</a:t>
+            </a:r>
+          </a:p>
+        </p:txBody>
+      </p:sp>
+      <p:sp>
+        <p:nvSpPr>
+          <p:cNvPr id="3" name="Content Placeholder 2"/>
+          <p:cNvSpPr>
+            <a:spLocks noGrp="1"/>
+          </p:cNvSpPr>
+          <p:nvPr>
+            <p:ph idx="1"/>
+          </p:nvPr>
+        </p:nvSpPr>
+        <p:spPr>
+          <a:xfrm>
+            <a:off x="1683279" y="1447800"/>
+            <a:ext cx="8915400" cy="3777622"/>
+          </a:xfrm>
+        </p:spPr>
+        <p:txBody>
+          <a:bodyPr/>
+          <a:lstStyle/>
+          <a:p>
+            <a:r>
+              <a:rPr lang="en-US" dirty="0"/>
+              <a:t>Since the data are comparable to each other after </a:t>
+            </a:r>
+            <a:r>
+              <a:rPr lang="en-US" dirty="0" err="1"/>
+              <a:t>BrainSync</a:t>
+            </a:r>
+            <a:r>
+              <a:rPr lang="en-US" dirty="0"/>
+              <a:t>, we can pool it and do joint parcellation</a:t>
+            </a:r>
+          </a:p>
+          <a:p>
+            <a:endParaRPr lang="en-US" dirty="0"/>
+          </a:p>
+          <a:p>
+            <a:r>
+              <a:rPr lang="en-US" b="1" i="1" dirty="0"/>
+              <a:t>Clustering will work better when data is pooled, rather than doing clustering of one brain at a time</a:t>
+            </a:r>
+          </a:p>
+          <a:p>
+            <a:endParaRPr lang="en-US" b="1" i="1" dirty="0"/>
+          </a:p>
+          <a:p>
+            <a:r>
+              <a:rPr lang="en-US" i="1" dirty="0"/>
+              <a:t>We can now directly pool the data together after synchronization</a:t>
+            </a:r>
+          </a:p>
+        </p:txBody>
+      </p:sp>
+    </p:spTree>
+    <p:extLst>
+      <p:ext uri="{BB962C8B-B14F-4D97-AF65-F5344CB8AC3E}">
+        <p14:creationId xmlns:p14="http://schemas.microsoft.com/office/powerpoint/2010/main" val="1318014954"/>
+      </p:ext>
+    </p:extLst>
+  </p:cSld>
+  <p:clrMapOvr>
+    <a:masterClrMapping/>
+  </p:clrMapOvr>
+</p:sld>
+</file>
+
+<file path=ppt/slides/slide11.xml><?xml version="1.0" encoding="utf-8"?>
+<p:sld xmlns:a="http://schemas.openxmlformats.org/drawingml/2006/main" xmlns:r="http://schemas.openxmlformats.org/officeDocument/2006/relationships" xmlns:p="http://schemas.openxmlformats.org/presentationml/2006/main">
+  <p:cSld>
+    <p:spTree>
+      <p:nvGrpSpPr>
+        <p:cNvPr id="1" name=""/>
+        <p:cNvGrpSpPr/>
+        <p:nvPr/>
+      </p:nvGrpSpPr>
+      <p:grpSpPr>
+        <a:xfrm>
+          <a:off x="0" y="0"/>
+          <a:ext cx="0" cy="0"/>
+          <a:chOff x="0" y="0"/>
+          <a:chExt cx="0" cy="0"/>
+        </a:xfrm>
+      </p:grpSpPr>
+      <p:sp>
+        <p:nvSpPr>
+          <p:cNvPr id="2" name="Title 1"/>
+          <p:cNvSpPr>
+            <a:spLocks noGrp="1"/>
+          </p:cNvSpPr>
+          <p:nvPr>
+            <p:ph type="title"/>
+          </p:nvPr>
+        </p:nvSpPr>
         <p:spPr>
           <a:xfrm>
             <a:off x="1656300" y="154553"/>
@@ -8114,8 +8223,8 @@
         </p:nvSpPr>
         <p:spPr>
           <a:xfrm>
-            <a:off x="1307048" y="5907907"/>
-            <a:ext cx="10153742" cy="369332"/>
+            <a:off x="1291925" y="5631181"/>
+            <a:ext cx="10317248" cy="923330"/>
           </a:xfrm>
           <a:prstGeom prst="rect">
             <a:avLst/>
@@ -8130,7 +8239,19 @@
           <a:p>
             <a:r>
               <a:rPr lang="en-US" b="1" i="1" dirty="0"/>
-              <a:t>We get very consistent Parcellation even if two groups of 20 subjects are non-overlapping</a:t>
+              <a:t>We get more consistent Parcellation even if two groups of 20 subjects are non-overlapping</a:t>
+            </a:r>
+          </a:p>
+          <a:p>
+            <a:r>
+              <a:rPr lang="en-US" b="1" i="1" dirty="0"/>
+              <a:t>Therefore Joint clustering must be helping in improving performance of clustering algorithm</a:t>
+            </a:r>
+          </a:p>
+          <a:p>
+            <a:r>
+              <a:rPr lang="en-US" b="1" i="1" dirty="0"/>
+              <a:t>since there is more data.</a:t>
             </a:r>
           </a:p>
         </p:txBody>
@@ -8139,506 +8260,6 @@
     <p:extLst>
       <p:ext uri="{BB962C8B-B14F-4D97-AF65-F5344CB8AC3E}">
         <p14:creationId xmlns:p14="http://schemas.microsoft.com/office/powerpoint/2010/main" val="3470648806"/>
-      </p:ext>
-    </p:extLst>
-  </p:cSld>
-  <p:clrMapOvr>
-    <a:masterClrMapping/>
-  </p:clrMapOvr>
-</p:sld>
-</file>
-
-<file path=ppt/slides/slide11.xml><?xml version="1.0" encoding="utf-8"?>
-<p:sld xmlns:a="http://schemas.openxmlformats.org/drawingml/2006/main" xmlns:r="http://schemas.openxmlformats.org/officeDocument/2006/relationships" xmlns:p="http://schemas.openxmlformats.org/presentationml/2006/main">
-  <p:cSld>
-    <p:spTree>
-      <p:nvGrpSpPr>
-        <p:cNvPr id="1" name=""/>
-        <p:cNvGrpSpPr/>
-        <p:nvPr/>
-      </p:nvGrpSpPr>
-      <p:grpSpPr>
-        <a:xfrm>
-          <a:off x="0" y="0"/>
-          <a:ext cx="0" cy="0"/>
-          <a:chOff x="0" y="0"/>
-          <a:chExt cx="0" cy="0"/>
-        </a:xfrm>
-      </p:grpSpPr>
-      <p:sp>
-        <p:nvSpPr>
-          <p:cNvPr id="2" name="Title 1"/>
-          <p:cNvSpPr>
-            <a:spLocks noGrp="1"/>
-          </p:cNvSpPr>
-          <p:nvPr>
-            <p:ph type="title"/>
-          </p:nvPr>
-        </p:nvSpPr>
-        <p:spPr>
-          <a:xfrm>
-            <a:off x="2223241" y="105127"/>
-            <a:ext cx="8911687" cy="669231"/>
-          </a:xfrm>
-        </p:spPr>
-        <p:txBody>
-          <a:bodyPr/>
-          <a:lstStyle/>
-          <a:p>
-            <a:r>
-              <a:rPr lang="en-US" dirty="0"/>
-              <a:t>Session 1 and Session 2 labeled jointly</a:t>
-            </a:r>
-          </a:p>
-        </p:txBody>
-      </p:sp>
-      <p:pic>
-        <p:nvPicPr>
-          <p:cNvPr id="4" name="Picture 3"/>
-          <p:cNvPicPr>
-            <a:picLocks noChangeAspect="1"/>
-          </p:cNvPicPr>
-          <p:nvPr/>
-        </p:nvPicPr>
-        <p:blipFill>
-          <a:blip r:embed="rId2">
-            <a:extLst>
-              <a:ext uri="{28A0092B-C50C-407E-A947-70E740481C1C}">
-                <a14:useLocalDpi xmlns:a14="http://schemas.microsoft.com/office/drawing/2010/main" val="0"/>
-              </a:ext>
-            </a:extLst>
-          </a:blip>
-          <a:stretch>
-            <a:fillRect/>
-          </a:stretch>
-        </p:blipFill>
-        <p:spPr>
-          <a:xfrm>
-            <a:off x="741019" y="2151920"/>
-            <a:ext cx="2571750" cy="1866900"/>
-          </a:xfrm>
-          <a:prstGeom prst="rect">
-            <a:avLst/>
-          </a:prstGeom>
-        </p:spPr>
-      </p:pic>
-      <p:pic>
-        <p:nvPicPr>
-          <p:cNvPr id="5" name="Picture 4"/>
-          <p:cNvPicPr>
-            <a:picLocks noChangeAspect="1"/>
-          </p:cNvPicPr>
-          <p:nvPr/>
-        </p:nvPicPr>
-        <p:blipFill>
-          <a:blip r:embed="rId3">
-            <a:extLst>
-              <a:ext uri="{28A0092B-C50C-407E-A947-70E740481C1C}">
-                <a14:useLocalDpi xmlns:a14="http://schemas.microsoft.com/office/drawing/2010/main" val="0"/>
-              </a:ext>
-            </a:extLst>
-          </a:blip>
-          <a:stretch>
-            <a:fillRect/>
-          </a:stretch>
-        </p:blipFill>
-        <p:spPr>
-          <a:xfrm>
-            <a:off x="3312769" y="2151920"/>
-            <a:ext cx="2571750" cy="1866900"/>
-          </a:xfrm>
-          <a:prstGeom prst="rect">
-            <a:avLst/>
-          </a:prstGeom>
-        </p:spPr>
-      </p:pic>
-      <p:pic>
-        <p:nvPicPr>
-          <p:cNvPr id="8" name="Picture 7"/>
-          <p:cNvPicPr>
-            <a:picLocks noChangeAspect="1"/>
-          </p:cNvPicPr>
-          <p:nvPr/>
-        </p:nvPicPr>
-        <p:blipFill>
-          <a:blip r:embed="rId4">
-            <a:extLst>
-              <a:ext uri="{28A0092B-C50C-407E-A947-70E740481C1C}">
-                <a14:useLocalDpi xmlns:a14="http://schemas.microsoft.com/office/drawing/2010/main" val="0"/>
-              </a:ext>
-            </a:extLst>
-          </a:blip>
-          <a:stretch>
-            <a:fillRect/>
-          </a:stretch>
-        </p:blipFill>
-        <p:spPr>
-          <a:xfrm>
-            <a:off x="741019" y="4018820"/>
-            <a:ext cx="2571750" cy="1866900"/>
-          </a:xfrm>
-          <a:prstGeom prst="rect">
-            <a:avLst/>
-          </a:prstGeom>
-        </p:spPr>
-      </p:pic>
-      <p:pic>
-        <p:nvPicPr>
-          <p:cNvPr id="9" name="Picture 8"/>
-          <p:cNvPicPr>
-            <a:picLocks noChangeAspect="1"/>
-          </p:cNvPicPr>
-          <p:nvPr/>
-        </p:nvPicPr>
-        <p:blipFill>
-          <a:blip r:embed="rId5">
-            <a:extLst>
-              <a:ext uri="{28A0092B-C50C-407E-A947-70E740481C1C}">
-                <a14:useLocalDpi xmlns:a14="http://schemas.microsoft.com/office/drawing/2010/main" val="0"/>
-              </a:ext>
-            </a:extLst>
-          </a:blip>
-          <a:stretch>
-            <a:fillRect/>
-          </a:stretch>
-        </p:blipFill>
-        <p:spPr>
-          <a:xfrm>
-            <a:off x="3312769" y="4018820"/>
-            <a:ext cx="2571750" cy="1866900"/>
-          </a:xfrm>
-          <a:prstGeom prst="rect">
-            <a:avLst/>
-          </a:prstGeom>
-        </p:spPr>
-      </p:pic>
-      <p:pic>
-        <p:nvPicPr>
-          <p:cNvPr id="10" name="Picture 9"/>
-          <p:cNvPicPr>
-            <a:picLocks noChangeAspect="1"/>
-          </p:cNvPicPr>
-          <p:nvPr/>
-        </p:nvPicPr>
-        <p:blipFill>
-          <a:blip r:embed="rId6">
-            <a:extLst>
-              <a:ext uri="{28A0092B-C50C-407E-A947-70E740481C1C}">
-                <a14:useLocalDpi xmlns:a14="http://schemas.microsoft.com/office/drawing/2010/main" val="0"/>
-              </a:ext>
-            </a:extLst>
-          </a:blip>
-          <a:stretch>
-            <a:fillRect/>
-          </a:stretch>
-        </p:blipFill>
-        <p:spPr>
-          <a:xfrm>
-            <a:off x="6621419" y="2151920"/>
-            <a:ext cx="2571750" cy="1866900"/>
-          </a:xfrm>
-          <a:prstGeom prst="rect">
-            <a:avLst/>
-          </a:prstGeom>
-        </p:spPr>
-      </p:pic>
-      <p:pic>
-        <p:nvPicPr>
-          <p:cNvPr id="11" name="Picture 10"/>
-          <p:cNvPicPr>
-            <a:picLocks noChangeAspect="1"/>
-          </p:cNvPicPr>
-          <p:nvPr/>
-        </p:nvPicPr>
-        <p:blipFill>
-          <a:blip r:embed="rId7">
-            <a:extLst>
-              <a:ext uri="{28A0092B-C50C-407E-A947-70E740481C1C}">
-                <a14:useLocalDpi xmlns:a14="http://schemas.microsoft.com/office/drawing/2010/main" val="0"/>
-              </a:ext>
-            </a:extLst>
-          </a:blip>
-          <a:stretch>
-            <a:fillRect/>
-          </a:stretch>
-        </p:blipFill>
-        <p:spPr>
-          <a:xfrm>
-            <a:off x="6622708" y="4018820"/>
-            <a:ext cx="2571750" cy="1866900"/>
-          </a:xfrm>
-          <a:prstGeom prst="rect">
-            <a:avLst/>
-          </a:prstGeom>
-        </p:spPr>
-      </p:pic>
-      <p:pic>
-        <p:nvPicPr>
-          <p:cNvPr id="12" name="Picture 11"/>
-          <p:cNvPicPr>
-            <a:picLocks noChangeAspect="1"/>
-          </p:cNvPicPr>
-          <p:nvPr/>
-        </p:nvPicPr>
-        <p:blipFill>
-          <a:blip r:embed="rId8">
-            <a:extLst>
-              <a:ext uri="{28A0092B-C50C-407E-A947-70E740481C1C}">
-                <a14:useLocalDpi xmlns:a14="http://schemas.microsoft.com/office/drawing/2010/main" val="0"/>
-              </a:ext>
-            </a:extLst>
-          </a:blip>
-          <a:stretch>
-            <a:fillRect/>
-          </a:stretch>
-        </p:blipFill>
-        <p:spPr>
-          <a:xfrm>
-            <a:off x="9189692" y="2151920"/>
-            <a:ext cx="2571750" cy="1866900"/>
-          </a:xfrm>
-          <a:prstGeom prst="rect">
-            <a:avLst/>
-          </a:prstGeom>
-        </p:spPr>
-      </p:pic>
-      <p:pic>
-        <p:nvPicPr>
-          <p:cNvPr id="13" name="Picture 12"/>
-          <p:cNvPicPr>
-            <a:picLocks noChangeAspect="1"/>
-          </p:cNvPicPr>
-          <p:nvPr/>
-        </p:nvPicPr>
-        <p:blipFill>
-          <a:blip r:embed="rId9">
-            <a:extLst>
-              <a:ext uri="{28A0092B-C50C-407E-A947-70E740481C1C}">
-                <a14:useLocalDpi xmlns:a14="http://schemas.microsoft.com/office/drawing/2010/main" val="0"/>
-              </a:ext>
-            </a:extLst>
-          </a:blip>
-          <a:stretch>
-            <a:fillRect/>
-          </a:stretch>
-        </p:blipFill>
-        <p:spPr>
-          <a:xfrm>
-            <a:off x="9189692" y="4018820"/>
-            <a:ext cx="2571750" cy="1866900"/>
-          </a:xfrm>
-          <a:prstGeom prst="rect">
-            <a:avLst/>
-          </a:prstGeom>
-        </p:spPr>
-      </p:pic>
-      <p:sp>
-        <p:nvSpPr>
-          <p:cNvPr id="3" name="TextBox 2"/>
-          <p:cNvSpPr txBox="1"/>
-          <p:nvPr/>
-        </p:nvSpPr>
-        <p:spPr>
-          <a:xfrm>
-            <a:off x="2734964" y="1506154"/>
-            <a:ext cx="1215397" cy="369332"/>
-          </a:xfrm>
-          <a:prstGeom prst="rect">
-            <a:avLst/>
-          </a:prstGeom>
-          <a:noFill/>
-        </p:spPr>
-        <p:txBody>
-          <a:bodyPr wrap="none" rtlCol="0">
-            <a:spAutoFit/>
-          </a:bodyPr>
-          <a:lstStyle/>
-          <a:p>
-            <a:r>
-              <a:rPr lang="en-US" dirty="0"/>
-              <a:t>Subject 1</a:t>
-            </a:r>
-          </a:p>
-        </p:txBody>
-      </p:sp>
-      <p:sp>
-        <p:nvSpPr>
-          <p:cNvPr id="14" name="TextBox 13"/>
-          <p:cNvSpPr txBox="1"/>
-          <p:nvPr/>
-        </p:nvSpPr>
-        <p:spPr>
-          <a:xfrm>
-            <a:off x="1445472" y="1782588"/>
-            <a:ext cx="1160895" cy="369332"/>
-          </a:xfrm>
-          <a:prstGeom prst="rect">
-            <a:avLst/>
-          </a:prstGeom>
-          <a:noFill/>
-        </p:spPr>
-        <p:txBody>
-          <a:bodyPr wrap="none" rtlCol="0">
-            <a:spAutoFit/>
-          </a:bodyPr>
-          <a:lstStyle/>
-          <a:p>
-            <a:r>
-              <a:rPr lang="en-US" dirty="0"/>
-              <a:t>Session 1</a:t>
-            </a:r>
-          </a:p>
-        </p:txBody>
-      </p:sp>
-      <p:sp>
-        <p:nvSpPr>
-          <p:cNvPr id="15" name="TextBox 14"/>
-          <p:cNvSpPr txBox="1"/>
-          <p:nvPr/>
-        </p:nvSpPr>
-        <p:spPr>
-          <a:xfrm>
-            <a:off x="4018196" y="1782588"/>
-            <a:ext cx="1160895" cy="369332"/>
-          </a:xfrm>
-          <a:prstGeom prst="rect">
-            <a:avLst/>
-          </a:prstGeom>
-          <a:noFill/>
-        </p:spPr>
-        <p:txBody>
-          <a:bodyPr wrap="none" rtlCol="0">
-            <a:spAutoFit/>
-          </a:bodyPr>
-          <a:lstStyle/>
-          <a:p>
-            <a:r>
-              <a:rPr lang="en-US" dirty="0"/>
-              <a:t>Session 2</a:t>
-            </a:r>
-          </a:p>
-        </p:txBody>
-      </p:sp>
-      <p:sp>
-        <p:nvSpPr>
-          <p:cNvPr id="16" name="TextBox 15"/>
-          <p:cNvSpPr txBox="1"/>
-          <p:nvPr/>
-        </p:nvSpPr>
-        <p:spPr>
-          <a:xfrm>
-            <a:off x="7326846" y="1782588"/>
-            <a:ext cx="1160895" cy="369332"/>
-          </a:xfrm>
-          <a:prstGeom prst="rect">
-            <a:avLst/>
-          </a:prstGeom>
-          <a:noFill/>
-        </p:spPr>
-        <p:txBody>
-          <a:bodyPr wrap="none" rtlCol="0">
-            <a:spAutoFit/>
-          </a:bodyPr>
-          <a:lstStyle/>
-          <a:p>
-            <a:r>
-              <a:rPr lang="en-US" dirty="0"/>
-              <a:t>Session 1</a:t>
-            </a:r>
-          </a:p>
-        </p:txBody>
-      </p:sp>
-      <p:sp>
-        <p:nvSpPr>
-          <p:cNvPr id="17" name="TextBox 16"/>
-          <p:cNvSpPr txBox="1"/>
-          <p:nvPr/>
-        </p:nvSpPr>
-        <p:spPr>
-          <a:xfrm>
-            <a:off x="9893313" y="1782588"/>
-            <a:ext cx="1160895" cy="369332"/>
-          </a:xfrm>
-          <a:prstGeom prst="rect">
-            <a:avLst/>
-          </a:prstGeom>
-          <a:noFill/>
-        </p:spPr>
-        <p:txBody>
-          <a:bodyPr wrap="none" rtlCol="0">
-            <a:spAutoFit/>
-          </a:bodyPr>
-          <a:lstStyle/>
-          <a:p>
-            <a:r>
-              <a:rPr lang="en-US" dirty="0"/>
-              <a:t>Session 2</a:t>
-            </a:r>
-          </a:p>
-        </p:txBody>
-      </p:sp>
-      <p:sp>
-        <p:nvSpPr>
-          <p:cNvPr id="18" name="TextBox 17"/>
-          <p:cNvSpPr txBox="1"/>
-          <p:nvPr/>
-        </p:nvSpPr>
-        <p:spPr>
-          <a:xfrm>
-            <a:off x="8677916" y="1553302"/>
-            <a:ext cx="1215397" cy="369332"/>
-          </a:xfrm>
-          <a:prstGeom prst="rect">
-            <a:avLst/>
-          </a:prstGeom>
-          <a:noFill/>
-        </p:spPr>
-        <p:txBody>
-          <a:bodyPr wrap="none" rtlCol="0">
-            <a:spAutoFit/>
-          </a:bodyPr>
-          <a:lstStyle/>
-          <a:p>
-            <a:r>
-              <a:rPr lang="en-US" dirty="0"/>
-              <a:t>Subject 2</a:t>
-            </a:r>
-          </a:p>
-        </p:txBody>
-      </p:sp>
-      <p:sp>
-        <p:nvSpPr>
-          <p:cNvPr id="6" name="TextBox 5"/>
-          <p:cNvSpPr txBox="1"/>
-          <p:nvPr/>
-        </p:nvSpPr>
-        <p:spPr>
-          <a:xfrm>
-            <a:off x="1729946" y="934995"/>
-            <a:ext cx="7728398" cy="369332"/>
-          </a:xfrm>
-          <a:prstGeom prst="rect">
-            <a:avLst/>
-          </a:prstGeom>
-          <a:noFill/>
-        </p:spPr>
-        <p:txBody>
-          <a:bodyPr wrap="none" rtlCol="0">
-            <a:spAutoFit/>
-          </a:bodyPr>
-          <a:lstStyle/>
-          <a:p>
-            <a:r>
-              <a:rPr lang="en-US" dirty="0"/>
-              <a:t>40 Subjects x 2 sessions = 80 scans were pooled together for labeling</a:t>
-            </a:r>
-          </a:p>
-        </p:txBody>
-      </p:sp>
-    </p:spTree>
-    <p:extLst>
-      <p:ext uri="{BB962C8B-B14F-4D97-AF65-F5344CB8AC3E}">
-        <p14:creationId xmlns:p14="http://schemas.microsoft.com/office/powerpoint/2010/main" val="3642108323"/>
       </p:ext>
     </p:extLst>
   </p:cSld>
@@ -8675,60 +8296,462 @@
             <p:ph type="title"/>
           </p:nvPr>
         </p:nvSpPr>
-        <p:spPr/>
+        <p:spPr>
+          <a:xfrm>
+            <a:off x="2223241" y="105127"/>
+            <a:ext cx="8911687" cy="669231"/>
+          </a:xfrm>
+        </p:spPr>
         <p:txBody>
           <a:bodyPr/>
           <a:lstStyle/>
           <a:p>
             <a:r>
               <a:rPr lang="en-US" dirty="0"/>
-              <a:t>Conclusion</a:t>
-            </a:r>
-          </a:p>
-        </p:txBody>
-      </p:sp>
-      <p:sp>
-        <p:nvSpPr>
-          <p:cNvPr id="3" name="Content Placeholder 2"/>
-          <p:cNvSpPr>
-            <a:spLocks noGrp="1"/>
-          </p:cNvSpPr>
-          <p:nvPr>
-            <p:ph idx="1"/>
-          </p:nvPr>
-        </p:nvSpPr>
-        <p:spPr/>
-        <p:txBody>
-          <a:bodyPr/>
+              <a:t>Session 1 and Session 2 labeled jointly</a:t>
+            </a:r>
+          </a:p>
+        </p:txBody>
+      </p:sp>
+      <p:pic>
+        <p:nvPicPr>
+          <p:cNvPr id="4" name="Picture 3"/>
+          <p:cNvPicPr>
+            <a:picLocks noChangeAspect="1"/>
+          </p:cNvPicPr>
+          <p:nvPr/>
+        </p:nvPicPr>
+        <p:blipFill>
+          <a:blip r:embed="rId2">
+            <a:extLst>
+              <a:ext uri="{28A0092B-C50C-407E-A947-70E740481C1C}">
+                <a14:useLocalDpi xmlns:a14="http://schemas.microsoft.com/office/drawing/2010/main" val="0"/>
+              </a:ext>
+            </a:extLst>
+          </a:blip>
+          <a:stretch>
+            <a:fillRect/>
+          </a:stretch>
+        </p:blipFill>
+        <p:spPr>
+          <a:xfrm>
+            <a:off x="741019" y="2151920"/>
+            <a:ext cx="2571750" cy="1866900"/>
+          </a:xfrm>
+          <a:prstGeom prst="rect">
+            <a:avLst/>
+          </a:prstGeom>
+        </p:spPr>
+      </p:pic>
+      <p:pic>
+        <p:nvPicPr>
+          <p:cNvPr id="5" name="Picture 4"/>
+          <p:cNvPicPr>
+            <a:picLocks noChangeAspect="1"/>
+          </p:cNvPicPr>
+          <p:nvPr/>
+        </p:nvPicPr>
+        <p:blipFill>
+          <a:blip r:embed="rId3">
+            <a:extLst>
+              <a:ext uri="{28A0092B-C50C-407E-A947-70E740481C1C}">
+                <a14:useLocalDpi xmlns:a14="http://schemas.microsoft.com/office/drawing/2010/main" val="0"/>
+              </a:ext>
+            </a:extLst>
+          </a:blip>
+          <a:stretch>
+            <a:fillRect/>
+          </a:stretch>
+        </p:blipFill>
+        <p:spPr>
+          <a:xfrm>
+            <a:off x="3312769" y="2151920"/>
+            <a:ext cx="2571750" cy="1866900"/>
+          </a:xfrm>
+          <a:prstGeom prst="rect">
+            <a:avLst/>
+          </a:prstGeom>
+        </p:spPr>
+      </p:pic>
+      <p:pic>
+        <p:nvPicPr>
+          <p:cNvPr id="8" name="Picture 7"/>
+          <p:cNvPicPr>
+            <a:picLocks noChangeAspect="1"/>
+          </p:cNvPicPr>
+          <p:nvPr/>
+        </p:nvPicPr>
+        <p:blipFill>
+          <a:blip r:embed="rId4">
+            <a:extLst>
+              <a:ext uri="{28A0092B-C50C-407E-A947-70E740481C1C}">
+                <a14:useLocalDpi xmlns:a14="http://schemas.microsoft.com/office/drawing/2010/main" val="0"/>
+              </a:ext>
+            </a:extLst>
+          </a:blip>
+          <a:stretch>
+            <a:fillRect/>
+          </a:stretch>
+        </p:blipFill>
+        <p:spPr>
+          <a:xfrm>
+            <a:off x="741019" y="4018820"/>
+            <a:ext cx="2571750" cy="1866900"/>
+          </a:xfrm>
+          <a:prstGeom prst="rect">
+            <a:avLst/>
+          </a:prstGeom>
+        </p:spPr>
+      </p:pic>
+      <p:pic>
+        <p:nvPicPr>
+          <p:cNvPr id="9" name="Picture 8"/>
+          <p:cNvPicPr>
+            <a:picLocks noChangeAspect="1"/>
+          </p:cNvPicPr>
+          <p:nvPr/>
+        </p:nvPicPr>
+        <p:blipFill>
+          <a:blip r:embed="rId5">
+            <a:extLst>
+              <a:ext uri="{28A0092B-C50C-407E-A947-70E740481C1C}">
+                <a14:useLocalDpi xmlns:a14="http://schemas.microsoft.com/office/drawing/2010/main" val="0"/>
+              </a:ext>
+            </a:extLst>
+          </a:blip>
+          <a:stretch>
+            <a:fillRect/>
+          </a:stretch>
+        </p:blipFill>
+        <p:spPr>
+          <a:xfrm>
+            <a:off x="3312769" y="4018820"/>
+            <a:ext cx="2571750" cy="1866900"/>
+          </a:xfrm>
+          <a:prstGeom prst="rect">
+            <a:avLst/>
+          </a:prstGeom>
+        </p:spPr>
+      </p:pic>
+      <p:pic>
+        <p:nvPicPr>
+          <p:cNvPr id="10" name="Picture 9"/>
+          <p:cNvPicPr>
+            <a:picLocks noChangeAspect="1"/>
+          </p:cNvPicPr>
+          <p:nvPr/>
+        </p:nvPicPr>
+        <p:blipFill>
+          <a:blip r:embed="rId6">
+            <a:extLst>
+              <a:ext uri="{28A0092B-C50C-407E-A947-70E740481C1C}">
+                <a14:useLocalDpi xmlns:a14="http://schemas.microsoft.com/office/drawing/2010/main" val="0"/>
+              </a:ext>
+            </a:extLst>
+          </a:blip>
+          <a:stretch>
+            <a:fillRect/>
+          </a:stretch>
+        </p:blipFill>
+        <p:spPr>
+          <a:xfrm>
+            <a:off x="6621419" y="2151920"/>
+            <a:ext cx="2571750" cy="1866900"/>
+          </a:xfrm>
+          <a:prstGeom prst="rect">
+            <a:avLst/>
+          </a:prstGeom>
+        </p:spPr>
+      </p:pic>
+      <p:pic>
+        <p:nvPicPr>
+          <p:cNvPr id="11" name="Picture 10"/>
+          <p:cNvPicPr>
+            <a:picLocks noChangeAspect="1"/>
+          </p:cNvPicPr>
+          <p:nvPr/>
+        </p:nvPicPr>
+        <p:blipFill>
+          <a:blip r:embed="rId7">
+            <a:extLst>
+              <a:ext uri="{28A0092B-C50C-407E-A947-70E740481C1C}">
+                <a14:useLocalDpi xmlns:a14="http://schemas.microsoft.com/office/drawing/2010/main" val="0"/>
+              </a:ext>
+            </a:extLst>
+          </a:blip>
+          <a:stretch>
+            <a:fillRect/>
+          </a:stretch>
+        </p:blipFill>
+        <p:spPr>
+          <a:xfrm>
+            <a:off x="6622708" y="4018820"/>
+            <a:ext cx="2571750" cy="1866900"/>
+          </a:xfrm>
+          <a:prstGeom prst="rect">
+            <a:avLst/>
+          </a:prstGeom>
+        </p:spPr>
+      </p:pic>
+      <p:pic>
+        <p:nvPicPr>
+          <p:cNvPr id="12" name="Picture 11"/>
+          <p:cNvPicPr>
+            <a:picLocks noChangeAspect="1"/>
+          </p:cNvPicPr>
+          <p:nvPr/>
+        </p:nvPicPr>
+        <p:blipFill>
+          <a:blip r:embed="rId8">
+            <a:extLst>
+              <a:ext uri="{28A0092B-C50C-407E-A947-70E740481C1C}">
+                <a14:useLocalDpi xmlns:a14="http://schemas.microsoft.com/office/drawing/2010/main" val="0"/>
+              </a:ext>
+            </a:extLst>
+          </a:blip>
+          <a:stretch>
+            <a:fillRect/>
+          </a:stretch>
+        </p:blipFill>
+        <p:spPr>
+          <a:xfrm>
+            <a:off x="9189692" y="2151920"/>
+            <a:ext cx="2571750" cy="1866900"/>
+          </a:xfrm>
+          <a:prstGeom prst="rect">
+            <a:avLst/>
+          </a:prstGeom>
+        </p:spPr>
+      </p:pic>
+      <p:pic>
+        <p:nvPicPr>
+          <p:cNvPr id="13" name="Picture 12"/>
+          <p:cNvPicPr>
+            <a:picLocks noChangeAspect="1"/>
+          </p:cNvPicPr>
+          <p:nvPr/>
+        </p:nvPicPr>
+        <p:blipFill>
+          <a:blip r:embed="rId9">
+            <a:extLst>
+              <a:ext uri="{28A0092B-C50C-407E-A947-70E740481C1C}">
+                <a14:useLocalDpi xmlns:a14="http://schemas.microsoft.com/office/drawing/2010/main" val="0"/>
+              </a:ext>
+            </a:extLst>
+          </a:blip>
+          <a:stretch>
+            <a:fillRect/>
+          </a:stretch>
+        </p:blipFill>
+        <p:spPr>
+          <a:xfrm>
+            <a:off x="9189692" y="4018820"/>
+            <a:ext cx="2571750" cy="1866900"/>
+          </a:xfrm>
+          <a:prstGeom prst="rect">
+            <a:avLst/>
+          </a:prstGeom>
+        </p:spPr>
+      </p:pic>
+      <p:sp>
+        <p:nvSpPr>
+          <p:cNvPr id="3" name="TextBox 2"/>
+          <p:cNvSpPr txBox="1"/>
+          <p:nvPr/>
+        </p:nvSpPr>
+        <p:spPr>
+          <a:xfrm>
+            <a:off x="2734964" y="1506154"/>
+            <a:ext cx="1215397" cy="369332"/>
+          </a:xfrm>
+          <a:prstGeom prst="rect">
+            <a:avLst/>
+          </a:prstGeom>
+          <a:noFill/>
+        </p:spPr>
+        <p:txBody>
+          <a:bodyPr wrap="none" rtlCol="0">
+            <a:spAutoFit/>
+          </a:bodyPr>
           <a:lstStyle/>
           <a:p>
             <a:r>
               <a:rPr lang="en-US" dirty="0"/>
-              <a:t>Parameter free approach </a:t>
-            </a:r>
-          </a:p>
+              <a:t>Subject 1</a:t>
+            </a:r>
+          </a:p>
+        </p:txBody>
+      </p:sp>
+      <p:sp>
+        <p:nvSpPr>
+          <p:cNvPr id="14" name="TextBox 13"/>
+          <p:cNvSpPr txBox="1"/>
+          <p:nvPr/>
+        </p:nvSpPr>
+        <p:spPr>
+          <a:xfrm>
+            <a:off x="1445472" y="1782588"/>
+            <a:ext cx="1160895" cy="369332"/>
+          </a:xfrm>
+          <a:prstGeom prst="rect">
+            <a:avLst/>
+          </a:prstGeom>
+          <a:noFill/>
+        </p:spPr>
+        <p:txBody>
+          <a:bodyPr wrap="none" rtlCol="0">
+            <a:spAutoFit/>
+          </a:bodyPr>
+          <a:lstStyle/>
           <a:p>
             <a:r>
               <a:rPr lang="en-US" dirty="0"/>
-              <a:t>Depends on only 2 simple assumptions</a:t>
-            </a:r>
-          </a:p>
+              <a:t>Session 1</a:t>
+            </a:r>
+          </a:p>
+        </p:txBody>
+      </p:sp>
+      <p:sp>
+        <p:nvSpPr>
+          <p:cNvPr id="15" name="TextBox 14"/>
+          <p:cNvSpPr txBox="1"/>
+          <p:nvPr/>
+        </p:nvSpPr>
+        <p:spPr>
+          <a:xfrm>
+            <a:off x="4018196" y="1782588"/>
+            <a:ext cx="1160895" cy="369332"/>
+          </a:xfrm>
+          <a:prstGeom prst="rect">
+            <a:avLst/>
+          </a:prstGeom>
+          <a:noFill/>
+        </p:spPr>
+        <p:txBody>
+          <a:bodyPr wrap="none" rtlCol="0">
+            <a:spAutoFit/>
+          </a:bodyPr>
+          <a:lstStyle/>
           <a:p>
             <a:r>
               <a:rPr lang="en-US" dirty="0"/>
-              <a:t>No Spatial Prior or group prior is assumed, regions can be very different as possible</a:t>
-            </a:r>
-          </a:p>
-          <a:p>
-            <a:endParaRPr lang="en-US" dirty="0"/>
-          </a:p>
-          <a:p>
-            <a:endParaRPr lang="en-US" dirty="0"/>
-          </a:p>
+              <a:t>Session 2</a:t>
+            </a:r>
+          </a:p>
+        </p:txBody>
+      </p:sp>
+      <p:sp>
+        <p:nvSpPr>
+          <p:cNvPr id="16" name="TextBox 15"/>
+          <p:cNvSpPr txBox="1"/>
+          <p:nvPr/>
+        </p:nvSpPr>
+        <p:spPr>
+          <a:xfrm>
+            <a:off x="7326846" y="1782588"/>
+            <a:ext cx="1160895" cy="369332"/>
+          </a:xfrm>
+          <a:prstGeom prst="rect">
+            <a:avLst/>
+          </a:prstGeom>
+          <a:noFill/>
+        </p:spPr>
+        <p:txBody>
+          <a:bodyPr wrap="none" rtlCol="0">
+            <a:spAutoFit/>
+          </a:bodyPr>
+          <a:lstStyle/>
           <a:p>
             <a:r>
               <a:rPr lang="en-US" dirty="0"/>
-              <a:t>Involves clustering of a large amount of data, so scalable algorithm is required (e.g. k-means)</a:t>
+              <a:t>Session 1</a:t>
+            </a:r>
+          </a:p>
+        </p:txBody>
+      </p:sp>
+      <p:sp>
+        <p:nvSpPr>
+          <p:cNvPr id="17" name="TextBox 16"/>
+          <p:cNvSpPr txBox="1"/>
+          <p:nvPr/>
+        </p:nvSpPr>
+        <p:spPr>
+          <a:xfrm>
+            <a:off x="9893313" y="1782588"/>
+            <a:ext cx="1160895" cy="369332"/>
+          </a:xfrm>
+          <a:prstGeom prst="rect">
+            <a:avLst/>
+          </a:prstGeom>
+          <a:noFill/>
+        </p:spPr>
+        <p:txBody>
+          <a:bodyPr wrap="none" rtlCol="0">
+            <a:spAutoFit/>
+          </a:bodyPr>
+          <a:lstStyle/>
+          <a:p>
+            <a:r>
+              <a:rPr lang="en-US" dirty="0"/>
+              <a:t>Session 2</a:t>
+            </a:r>
+          </a:p>
+        </p:txBody>
+      </p:sp>
+      <p:sp>
+        <p:nvSpPr>
+          <p:cNvPr id="18" name="TextBox 17"/>
+          <p:cNvSpPr txBox="1"/>
+          <p:nvPr/>
+        </p:nvSpPr>
+        <p:spPr>
+          <a:xfrm>
+            <a:off x="8677916" y="1553302"/>
+            <a:ext cx="1215397" cy="369332"/>
+          </a:xfrm>
+          <a:prstGeom prst="rect">
+            <a:avLst/>
+          </a:prstGeom>
+          <a:noFill/>
+        </p:spPr>
+        <p:txBody>
+          <a:bodyPr wrap="none" rtlCol="0">
+            <a:spAutoFit/>
+          </a:bodyPr>
+          <a:lstStyle/>
+          <a:p>
+            <a:r>
+              <a:rPr lang="en-US" dirty="0"/>
+              <a:t>Subject 2</a:t>
+            </a:r>
+          </a:p>
+        </p:txBody>
+      </p:sp>
+      <p:sp>
+        <p:nvSpPr>
+          <p:cNvPr id="6" name="TextBox 5"/>
+          <p:cNvSpPr txBox="1"/>
+          <p:nvPr/>
+        </p:nvSpPr>
+        <p:spPr>
+          <a:xfrm>
+            <a:off x="1729946" y="934995"/>
+            <a:ext cx="7728398" cy="369332"/>
+          </a:xfrm>
+          <a:prstGeom prst="rect">
+            <a:avLst/>
+          </a:prstGeom>
+          <a:noFill/>
+        </p:spPr>
+        <p:txBody>
+          <a:bodyPr wrap="none" rtlCol="0">
+            <a:spAutoFit/>
+          </a:bodyPr>
+          <a:lstStyle/>
+          <a:p>
+            <a:r>
+              <a:rPr lang="en-US" dirty="0"/>
+              <a:t>40 Subjects x 2 sessions = 80 scans were pooled together for labeling</a:t>
             </a:r>
           </a:p>
         </p:txBody>
@@ -8736,7 +8759,7 @@
     </p:spTree>
     <p:extLst>
       <p:ext uri="{BB962C8B-B14F-4D97-AF65-F5344CB8AC3E}">
-        <p14:creationId xmlns:p14="http://schemas.microsoft.com/office/powerpoint/2010/main" val="3406988283"/>
+        <p14:creationId xmlns:p14="http://schemas.microsoft.com/office/powerpoint/2010/main" val="3642108323"/>
       </p:ext>
     </p:extLst>
   </p:cSld>
@@ -8773,14 +8796,863 @@
             <p:ph type="title"/>
           </p:nvPr>
         </p:nvSpPr>
-        <p:spPr/>
+        <p:spPr>
+          <a:xfrm>
+            <a:off x="2592925" y="197200"/>
+            <a:ext cx="8911687" cy="1280890"/>
+          </a:xfrm>
+        </p:spPr>
         <p:txBody>
           <a:bodyPr/>
           <a:lstStyle/>
           <a:p>
             <a:r>
               <a:rPr lang="en-US" dirty="0"/>
-              <a:t>Other Possibilities</a:t>
+              <a:t>100 ROIs Joint Clustering</a:t>
+            </a:r>
+          </a:p>
+        </p:txBody>
+      </p:sp>
+      <p:sp>
+        <p:nvSpPr>
+          <p:cNvPr id="29" name="TextBox 28"/>
+          <p:cNvSpPr txBox="1"/>
+          <p:nvPr/>
+        </p:nvSpPr>
+        <p:spPr>
+          <a:xfrm>
+            <a:off x="1255295" y="1092667"/>
+            <a:ext cx="10572125" cy="369332"/>
+          </a:xfrm>
+          <a:prstGeom prst="rect">
+            <a:avLst/>
+          </a:prstGeom>
+          <a:noFill/>
+        </p:spPr>
+        <p:txBody>
+          <a:bodyPr wrap="none" rtlCol="0">
+            <a:spAutoFit/>
+          </a:bodyPr>
+          <a:lstStyle/>
+          <a:p>
+            <a:r>
+              <a:rPr lang="en-US" dirty="0"/>
+              <a:t>A large number of ROIs also show consistent parcellation when done in a group-wise manner</a:t>
+            </a:r>
+          </a:p>
+        </p:txBody>
+      </p:sp>
+      <p:grpSp>
+        <p:nvGrpSpPr>
+          <p:cNvPr id="38" name="Group 37"/>
+          <p:cNvGrpSpPr/>
+          <p:nvPr/>
+        </p:nvGrpSpPr>
+        <p:grpSpPr>
+          <a:xfrm>
+            <a:off x="706423" y="1526092"/>
+            <a:ext cx="11245197" cy="4249884"/>
+            <a:chOff x="742518" y="2069065"/>
+            <a:chExt cx="11245197" cy="4249884"/>
+          </a:xfrm>
+        </p:grpSpPr>
+        <p:grpSp>
+          <p:nvGrpSpPr>
+            <p:cNvPr id="27" name="Group 26"/>
+            <p:cNvGrpSpPr/>
+            <p:nvPr/>
+          </p:nvGrpSpPr>
+          <p:grpSpPr>
+            <a:xfrm>
+              <a:off x="6686760" y="2438397"/>
+              <a:ext cx="5300955" cy="3848103"/>
+              <a:chOff x="6667711" y="-361488"/>
+              <a:chExt cx="6857143" cy="4977781"/>
+            </a:xfrm>
+          </p:grpSpPr>
+          <p:pic>
+            <p:nvPicPr>
+              <p:cNvPr id="23" name="Picture 22"/>
+              <p:cNvPicPr>
+                <a:picLocks noChangeAspect="1"/>
+              </p:cNvPicPr>
+              <p:nvPr/>
+            </p:nvPicPr>
+            <p:blipFill>
+              <a:blip r:embed="rId2">
+                <a:extLst>
+                  <a:ext uri="{28A0092B-C50C-407E-A947-70E740481C1C}">
+                    <a14:useLocalDpi xmlns:a14="http://schemas.microsoft.com/office/drawing/2010/main" val="0"/>
+                  </a:ext>
+                </a:extLst>
+              </a:blip>
+              <a:stretch>
+                <a:fillRect/>
+              </a:stretch>
+            </p:blipFill>
+            <p:spPr>
+              <a:xfrm>
+                <a:off x="6667714" y="-361484"/>
+                <a:ext cx="3428571" cy="2488889"/>
+              </a:xfrm>
+              <a:prstGeom prst="rect">
+                <a:avLst/>
+              </a:prstGeom>
+            </p:spPr>
+          </p:pic>
+          <p:pic>
+            <p:nvPicPr>
+              <p:cNvPr id="24" name="Picture 23"/>
+              <p:cNvPicPr>
+                <a:picLocks noChangeAspect="1"/>
+              </p:cNvPicPr>
+              <p:nvPr/>
+            </p:nvPicPr>
+            <p:blipFill>
+              <a:blip r:embed="rId3">
+                <a:extLst>
+                  <a:ext uri="{28A0092B-C50C-407E-A947-70E740481C1C}">
+                    <a14:useLocalDpi xmlns:a14="http://schemas.microsoft.com/office/drawing/2010/main" val="0"/>
+                  </a:ext>
+                </a:extLst>
+              </a:blip>
+              <a:stretch>
+                <a:fillRect/>
+              </a:stretch>
+            </p:blipFill>
+            <p:spPr>
+              <a:xfrm>
+                <a:off x="6667711" y="2127402"/>
+                <a:ext cx="3428571" cy="2488890"/>
+              </a:xfrm>
+              <a:prstGeom prst="rect">
+                <a:avLst/>
+              </a:prstGeom>
+            </p:spPr>
+          </p:pic>
+          <p:pic>
+            <p:nvPicPr>
+              <p:cNvPr id="25" name="Picture 24"/>
+              <p:cNvPicPr>
+                <a:picLocks noChangeAspect="1"/>
+              </p:cNvPicPr>
+              <p:nvPr/>
+            </p:nvPicPr>
+            <p:blipFill>
+              <a:blip r:embed="rId4">
+                <a:extLst>
+                  <a:ext uri="{28A0092B-C50C-407E-A947-70E740481C1C}">
+                    <a14:useLocalDpi xmlns:a14="http://schemas.microsoft.com/office/drawing/2010/main" val="0"/>
+                  </a:ext>
+                </a:extLst>
+              </a:blip>
+              <a:stretch>
+                <a:fillRect/>
+              </a:stretch>
+            </p:blipFill>
+            <p:spPr>
+              <a:xfrm>
+                <a:off x="10096280" y="-361488"/>
+                <a:ext cx="3428572" cy="2488890"/>
+              </a:xfrm>
+              <a:prstGeom prst="rect">
+                <a:avLst/>
+              </a:prstGeom>
+            </p:spPr>
+          </p:pic>
+          <p:pic>
+            <p:nvPicPr>
+              <p:cNvPr id="26" name="Picture 25"/>
+              <p:cNvPicPr>
+                <a:picLocks noChangeAspect="1"/>
+              </p:cNvPicPr>
+              <p:nvPr/>
+            </p:nvPicPr>
+            <p:blipFill>
+              <a:blip r:embed="rId5">
+                <a:extLst>
+                  <a:ext uri="{28A0092B-C50C-407E-A947-70E740481C1C}">
+                    <a14:useLocalDpi xmlns:a14="http://schemas.microsoft.com/office/drawing/2010/main" val="0"/>
+                  </a:ext>
+                </a:extLst>
+              </a:blip>
+              <a:stretch>
+                <a:fillRect/>
+              </a:stretch>
+            </p:blipFill>
+            <p:spPr>
+              <a:xfrm>
+                <a:off x="10096283" y="2127404"/>
+                <a:ext cx="3428571" cy="2488889"/>
+              </a:xfrm>
+              <a:prstGeom prst="rect">
+                <a:avLst/>
+              </a:prstGeom>
+            </p:spPr>
+          </p:pic>
+        </p:grpSp>
+        <p:sp>
+          <p:nvSpPr>
+            <p:cNvPr id="30" name="TextBox 29"/>
+            <p:cNvSpPr txBox="1"/>
+            <p:nvPr/>
+          </p:nvSpPr>
+          <p:spPr>
+            <a:xfrm>
+              <a:off x="1082384" y="2076447"/>
+              <a:ext cx="1895071" cy="369332"/>
+            </a:xfrm>
+            <a:prstGeom prst="rect">
+              <a:avLst/>
+            </a:prstGeom>
+            <a:noFill/>
+          </p:spPr>
+          <p:txBody>
+            <a:bodyPr wrap="none" rtlCol="0">
+              <a:spAutoFit/>
+            </a:bodyPr>
+            <a:lstStyle/>
+            <a:p>
+              <a:r>
+                <a:rPr lang="en-US" dirty="0"/>
+                <a:t>Sub 1, Session 1</a:t>
+              </a:r>
+            </a:p>
+          </p:txBody>
+        </p:sp>
+        <p:sp>
+          <p:nvSpPr>
+            <p:cNvPr id="31" name="TextBox 30"/>
+            <p:cNvSpPr txBox="1"/>
+            <p:nvPr/>
+          </p:nvSpPr>
+          <p:spPr>
+            <a:xfrm>
+              <a:off x="3733244" y="2069065"/>
+              <a:ext cx="1895071" cy="369332"/>
+            </a:xfrm>
+            <a:prstGeom prst="rect">
+              <a:avLst/>
+            </a:prstGeom>
+            <a:noFill/>
+          </p:spPr>
+          <p:txBody>
+            <a:bodyPr wrap="none" rtlCol="0">
+              <a:spAutoFit/>
+            </a:bodyPr>
+            <a:lstStyle/>
+            <a:p>
+              <a:r>
+                <a:rPr lang="en-US" dirty="0"/>
+                <a:t>Sub 1, Session 2</a:t>
+              </a:r>
+            </a:p>
+          </p:txBody>
+        </p:sp>
+        <p:sp>
+          <p:nvSpPr>
+            <p:cNvPr id="32" name="TextBox 31"/>
+            <p:cNvSpPr txBox="1"/>
+            <p:nvPr/>
+          </p:nvSpPr>
+          <p:spPr>
+            <a:xfrm>
+              <a:off x="7064078" y="2076447"/>
+              <a:ext cx="1895071" cy="369332"/>
+            </a:xfrm>
+            <a:prstGeom prst="rect">
+              <a:avLst/>
+            </a:prstGeom>
+            <a:noFill/>
+          </p:spPr>
+          <p:txBody>
+            <a:bodyPr wrap="none" rtlCol="0">
+              <a:spAutoFit/>
+            </a:bodyPr>
+            <a:lstStyle/>
+            <a:p>
+              <a:r>
+                <a:rPr lang="en-US" dirty="0"/>
+                <a:t>Sub 2, Session 1</a:t>
+              </a:r>
+            </a:p>
+          </p:txBody>
+        </p:sp>
+        <p:sp>
+          <p:nvSpPr>
+            <p:cNvPr id="33" name="TextBox 32"/>
+            <p:cNvSpPr txBox="1"/>
+            <p:nvPr/>
+          </p:nvSpPr>
+          <p:spPr>
+            <a:xfrm>
+              <a:off x="9609541" y="2086476"/>
+              <a:ext cx="1895071" cy="369332"/>
+            </a:xfrm>
+            <a:prstGeom prst="rect">
+              <a:avLst/>
+            </a:prstGeom>
+            <a:noFill/>
+          </p:spPr>
+          <p:txBody>
+            <a:bodyPr wrap="none" rtlCol="0">
+              <a:spAutoFit/>
+            </a:bodyPr>
+            <a:lstStyle/>
+            <a:p>
+              <a:r>
+                <a:rPr lang="en-US" dirty="0"/>
+                <a:t>Sub 2, Session 2</a:t>
+              </a:r>
+            </a:p>
+          </p:txBody>
+        </p:sp>
+        <p:pic>
+          <p:nvPicPr>
+            <p:cNvPr id="34" name="Picture 33"/>
+            <p:cNvPicPr>
+              <a:picLocks noChangeAspect="1"/>
+            </p:cNvPicPr>
+            <p:nvPr/>
+          </p:nvPicPr>
+          <p:blipFill rotWithShape="1">
+            <a:blip r:embed="rId6">
+              <a:extLst>
+                <a:ext uri="{28A0092B-C50C-407E-A947-70E740481C1C}">
+                  <a14:useLocalDpi xmlns:a14="http://schemas.microsoft.com/office/drawing/2010/main" val="0"/>
+                </a:ext>
+              </a:extLst>
+            </a:blip>
+            <a:srcRect l="15789" t="20921" r="15369" b="21143"/>
+            <a:stretch/>
+          </p:blipFill>
+          <p:spPr>
+            <a:xfrm>
+              <a:off x="746769" y="2438397"/>
+              <a:ext cx="2622884" cy="1931436"/>
+            </a:xfrm>
+            <a:prstGeom prst="rect">
+              <a:avLst/>
+            </a:prstGeom>
+          </p:spPr>
+        </p:pic>
+        <p:pic>
+          <p:nvPicPr>
+            <p:cNvPr id="35" name="Picture 34"/>
+            <p:cNvPicPr>
+              <a:picLocks noChangeAspect="1"/>
+            </p:cNvPicPr>
+            <p:nvPr/>
+          </p:nvPicPr>
+          <p:blipFill rotWithShape="1">
+            <a:blip r:embed="rId7">
+              <a:extLst>
+                <a:ext uri="{28A0092B-C50C-407E-A947-70E740481C1C}">
+                  <a14:useLocalDpi xmlns:a14="http://schemas.microsoft.com/office/drawing/2010/main" val="0"/>
+                </a:ext>
+              </a:extLst>
+            </a:blip>
+            <a:srcRect l="15609" t="20511" r="12595" b="20662"/>
+            <a:stretch/>
+          </p:blipFill>
+          <p:spPr>
+            <a:xfrm>
+              <a:off x="742518" y="4357802"/>
+              <a:ext cx="2735417" cy="1961147"/>
+            </a:xfrm>
+            <a:prstGeom prst="rect">
+              <a:avLst/>
+            </a:prstGeom>
+          </p:spPr>
+        </p:pic>
+        <p:pic>
+          <p:nvPicPr>
+            <p:cNvPr id="36" name="Picture 35"/>
+            <p:cNvPicPr>
+              <a:picLocks noChangeAspect="1"/>
+            </p:cNvPicPr>
+            <p:nvPr/>
+          </p:nvPicPr>
+          <p:blipFill rotWithShape="1">
+            <a:blip r:embed="rId8">
+              <a:extLst>
+                <a:ext uri="{28A0092B-C50C-407E-A947-70E740481C1C}">
+                  <a14:useLocalDpi xmlns:a14="http://schemas.microsoft.com/office/drawing/2010/main" val="0"/>
+                </a:ext>
+              </a:extLst>
+            </a:blip>
+            <a:srcRect l="15364" t="20921" r="14175" b="21143"/>
+            <a:stretch/>
+          </p:blipFill>
+          <p:spPr>
+            <a:xfrm>
+              <a:off x="3369653" y="2445779"/>
+              <a:ext cx="2684583" cy="1931436"/>
+            </a:xfrm>
+            <a:prstGeom prst="rect">
+              <a:avLst/>
+            </a:prstGeom>
+          </p:spPr>
+        </p:pic>
+        <p:pic>
+          <p:nvPicPr>
+            <p:cNvPr id="37" name="Picture 36"/>
+            <p:cNvPicPr>
+              <a:picLocks noChangeAspect="1"/>
+            </p:cNvPicPr>
+            <p:nvPr/>
+          </p:nvPicPr>
+          <p:blipFill rotWithShape="1">
+            <a:blip r:embed="rId9">
+              <a:extLst>
+                <a:ext uri="{28A0092B-C50C-407E-A947-70E740481C1C}">
+                  <a14:useLocalDpi xmlns:a14="http://schemas.microsoft.com/office/drawing/2010/main" val="0"/>
+                </a:ext>
+              </a:extLst>
+            </a:blip>
+            <a:srcRect l="16662" t="21233" r="15718" b="20662"/>
+            <a:stretch/>
+          </p:blipFill>
+          <p:spPr>
+            <a:xfrm>
+              <a:off x="3477937" y="4377215"/>
+              <a:ext cx="2576299" cy="1937085"/>
+            </a:xfrm>
+            <a:prstGeom prst="rect">
+              <a:avLst/>
+            </a:prstGeom>
+          </p:spPr>
+        </p:pic>
+      </p:grpSp>
+      <p:sp>
+        <p:nvSpPr>
+          <p:cNvPr id="39" name="TextBox 38"/>
+          <p:cNvSpPr txBox="1"/>
+          <p:nvPr/>
+        </p:nvSpPr>
+        <p:spPr>
+          <a:xfrm>
+            <a:off x="1993824" y="5955631"/>
+            <a:ext cx="8510663" cy="646331"/>
+          </a:xfrm>
+          <a:prstGeom prst="rect">
+            <a:avLst/>
+          </a:prstGeom>
+          <a:noFill/>
+        </p:spPr>
+        <p:txBody>
+          <a:bodyPr wrap="none" rtlCol="0">
+            <a:spAutoFit/>
+          </a:bodyPr>
+          <a:lstStyle/>
+          <a:p>
+            <a:r>
+              <a:rPr lang="en-US" dirty="0"/>
+              <a:t>Consistent clustering is obtained even if we haven’t enforced any prior for </a:t>
+            </a:r>
+          </a:p>
+          <a:p>
+            <a:r>
+              <a:rPr lang="en-US" dirty="0"/>
+              <a:t>similarity across subjects or even boundary smoothness within subject</a:t>
+            </a:r>
+          </a:p>
+        </p:txBody>
+      </p:sp>
+    </p:spTree>
+    <p:extLst>
+      <p:ext uri="{BB962C8B-B14F-4D97-AF65-F5344CB8AC3E}">
+        <p14:creationId xmlns:p14="http://schemas.microsoft.com/office/powerpoint/2010/main" val="4249772038"/>
+      </p:ext>
+    </p:extLst>
+  </p:cSld>
+  <p:clrMapOvr>
+    <a:masterClrMapping/>
+  </p:clrMapOvr>
+</p:sld>
+</file>
+
+<file path=ppt/slides/slide14.xml><?xml version="1.0" encoding="utf-8"?>
+<p:sld xmlns:a="http://schemas.openxmlformats.org/drawingml/2006/main" xmlns:r="http://schemas.openxmlformats.org/officeDocument/2006/relationships" xmlns:p="http://schemas.openxmlformats.org/presentationml/2006/main">
+  <p:cSld>
+    <p:spTree>
+      <p:nvGrpSpPr>
+        <p:cNvPr id="1" name=""/>
+        <p:cNvGrpSpPr/>
+        <p:nvPr/>
+      </p:nvGrpSpPr>
+      <p:grpSpPr>
+        <a:xfrm>
+          <a:off x="0" y="0"/>
+          <a:ext cx="0" cy="0"/>
+          <a:chOff x="0" y="0"/>
+          <a:chExt cx="0" cy="0"/>
+        </a:xfrm>
+      </p:grpSpPr>
+      <p:pic>
+        <p:nvPicPr>
+          <p:cNvPr id="4" name="Content Placeholder 3"/>
+          <p:cNvPicPr>
+            <a:picLocks noGrp="1" noChangeAspect="1"/>
+          </p:cNvPicPr>
+          <p:nvPr>
+            <p:ph idx="1"/>
+          </p:nvPr>
+        </p:nvPicPr>
+        <p:blipFill rotWithShape="1">
+          <a:blip r:embed="rId2">
+            <a:extLst>
+              <a:ext uri="{28A0092B-C50C-407E-A947-70E740481C1C}">
+                <a14:useLocalDpi xmlns:a14="http://schemas.microsoft.com/office/drawing/2010/main" val="0"/>
+              </a:ext>
+            </a:extLst>
+          </a:blip>
+          <a:srcRect l="15157" t="20281" r="15684" b="19449"/>
+          <a:stretch/>
+        </p:blipFill>
+        <p:spPr>
+          <a:xfrm>
+            <a:off x="1299410" y="3754829"/>
+            <a:ext cx="2634916" cy="2009275"/>
+          </a:xfrm>
+        </p:spPr>
+      </p:pic>
+      <p:pic>
+        <p:nvPicPr>
+          <p:cNvPr id="5" name="Picture 4"/>
+          <p:cNvPicPr>
+            <a:picLocks noChangeAspect="1"/>
+          </p:cNvPicPr>
+          <p:nvPr/>
+        </p:nvPicPr>
+        <p:blipFill rotWithShape="1">
+          <a:blip r:embed="rId3">
+            <a:extLst>
+              <a:ext uri="{28A0092B-C50C-407E-A947-70E740481C1C}">
+                <a14:useLocalDpi xmlns:a14="http://schemas.microsoft.com/office/drawing/2010/main" val="0"/>
+              </a:ext>
+            </a:extLst>
+          </a:blip>
+          <a:srcRect l="14737" t="20767" r="13894" b="20767"/>
+          <a:stretch/>
+        </p:blipFill>
+        <p:spPr>
+          <a:xfrm>
+            <a:off x="1299410" y="1901966"/>
+            <a:ext cx="2719137" cy="1949116"/>
+          </a:xfrm>
+          <a:prstGeom prst="rect">
+            <a:avLst/>
+          </a:prstGeom>
+        </p:spPr>
+      </p:pic>
+      <p:pic>
+        <p:nvPicPr>
+          <p:cNvPr id="6" name="Picture 5"/>
+          <p:cNvPicPr>
+            <a:picLocks noChangeAspect="1"/>
+          </p:cNvPicPr>
+          <p:nvPr/>
+        </p:nvPicPr>
+        <p:blipFill rotWithShape="1">
+          <a:blip r:embed="rId4">
+            <a:extLst>
+              <a:ext uri="{28A0092B-C50C-407E-A947-70E740481C1C}">
+                <a14:useLocalDpi xmlns:a14="http://schemas.microsoft.com/office/drawing/2010/main" val="0"/>
+              </a:ext>
+            </a:extLst>
+          </a:blip>
+          <a:srcRect l="15368" t="19368" r="15473" b="20360"/>
+          <a:stretch/>
+        </p:blipFill>
+        <p:spPr>
+          <a:xfrm>
+            <a:off x="3934326" y="3754828"/>
+            <a:ext cx="2634915" cy="2009275"/>
+          </a:xfrm>
+          <a:prstGeom prst="rect">
+            <a:avLst/>
+          </a:prstGeom>
+        </p:spPr>
+      </p:pic>
+      <p:pic>
+        <p:nvPicPr>
+          <p:cNvPr id="7" name="Picture 6"/>
+          <p:cNvPicPr>
+            <a:picLocks noChangeAspect="1"/>
+          </p:cNvPicPr>
+          <p:nvPr/>
+        </p:nvPicPr>
+        <p:blipFill rotWithShape="1">
+          <a:blip r:embed="rId5">
+            <a:extLst>
+              <a:ext uri="{28A0092B-C50C-407E-A947-70E740481C1C}">
+                <a14:useLocalDpi xmlns:a14="http://schemas.microsoft.com/office/drawing/2010/main" val="0"/>
+              </a:ext>
+            </a:extLst>
+          </a:blip>
+          <a:srcRect l="15053" t="19666" r="15152" b="21128"/>
+          <a:stretch/>
+        </p:blipFill>
+        <p:spPr>
+          <a:xfrm>
+            <a:off x="3934326" y="1901967"/>
+            <a:ext cx="2659183" cy="1973791"/>
+          </a:xfrm>
+          <a:prstGeom prst="rect">
+            <a:avLst/>
+          </a:prstGeom>
+        </p:spPr>
+      </p:pic>
+      <p:pic>
+        <p:nvPicPr>
+          <p:cNvPr id="9" name="Picture 8"/>
+          <p:cNvPicPr>
+            <a:picLocks noChangeAspect="1"/>
+          </p:cNvPicPr>
+          <p:nvPr/>
+        </p:nvPicPr>
+        <p:blipFill rotWithShape="1">
+          <a:blip r:embed="rId6">
+            <a:extLst>
+              <a:ext uri="{28A0092B-C50C-407E-A947-70E740481C1C}">
+                <a14:useLocalDpi xmlns:a14="http://schemas.microsoft.com/office/drawing/2010/main" val="0"/>
+              </a:ext>
+            </a:extLst>
+          </a:blip>
+          <a:srcRect l="15684" t="20075" r="15473" b="20375"/>
+          <a:stretch/>
+        </p:blipFill>
+        <p:spPr>
+          <a:xfrm>
+            <a:off x="6581273" y="1902579"/>
+            <a:ext cx="2622884" cy="1985211"/>
+          </a:xfrm>
+          <a:prstGeom prst="rect">
+            <a:avLst/>
+          </a:prstGeom>
+        </p:spPr>
+      </p:pic>
+      <p:pic>
+        <p:nvPicPr>
+          <p:cNvPr id="8" name="Picture 7"/>
+          <p:cNvPicPr>
+            <a:picLocks noChangeAspect="1"/>
+          </p:cNvPicPr>
+          <p:nvPr/>
+        </p:nvPicPr>
+        <p:blipFill rotWithShape="1">
+          <a:blip r:embed="rId7">
+            <a:extLst>
+              <a:ext uri="{28A0092B-C50C-407E-A947-70E740481C1C}">
+                <a14:useLocalDpi xmlns:a14="http://schemas.microsoft.com/office/drawing/2010/main" val="0"/>
+              </a:ext>
+            </a:extLst>
+          </a:blip>
+          <a:srcRect l="14842" t="20406" r="15053" b="20776"/>
+          <a:stretch/>
+        </p:blipFill>
+        <p:spPr>
+          <a:xfrm>
+            <a:off x="6533146" y="3803264"/>
+            <a:ext cx="2671011" cy="1960840"/>
+          </a:xfrm>
+          <a:prstGeom prst="rect">
+            <a:avLst/>
+          </a:prstGeom>
+        </p:spPr>
+      </p:pic>
+      <p:pic>
+        <p:nvPicPr>
+          <p:cNvPr id="10" name="Picture 9"/>
+          <p:cNvPicPr>
+            <a:picLocks noChangeAspect="1"/>
+          </p:cNvPicPr>
+          <p:nvPr/>
+        </p:nvPicPr>
+        <p:blipFill rotWithShape="1">
+          <a:blip r:embed="rId8">
+            <a:extLst>
+              <a:ext uri="{28A0092B-C50C-407E-A947-70E740481C1C}">
+                <a14:useLocalDpi xmlns:a14="http://schemas.microsoft.com/office/drawing/2010/main" val="0"/>
+              </a:ext>
+            </a:extLst>
+          </a:blip>
+          <a:srcRect l="15473" t="20591" r="15368" b="20591"/>
+          <a:stretch/>
+        </p:blipFill>
+        <p:spPr>
+          <a:xfrm>
+            <a:off x="9168061" y="3803263"/>
+            <a:ext cx="2634916" cy="1960840"/>
+          </a:xfrm>
+          <a:prstGeom prst="rect">
+            <a:avLst/>
+          </a:prstGeom>
+        </p:spPr>
+      </p:pic>
+      <p:pic>
+        <p:nvPicPr>
+          <p:cNvPr id="11" name="Picture 10"/>
+          <p:cNvPicPr>
+            <a:picLocks noChangeAspect="1"/>
+          </p:cNvPicPr>
+          <p:nvPr/>
+        </p:nvPicPr>
+        <p:blipFill rotWithShape="1">
+          <a:blip r:embed="rId9">
+            <a:extLst>
+              <a:ext uri="{28A0092B-C50C-407E-A947-70E740481C1C}">
+                <a14:useLocalDpi xmlns:a14="http://schemas.microsoft.com/office/drawing/2010/main" val="0"/>
+              </a:ext>
+            </a:extLst>
+          </a:blip>
+          <a:srcRect l="15684" t="20767" r="15789" b="20767"/>
+          <a:stretch/>
+        </p:blipFill>
+        <p:spPr>
+          <a:xfrm>
+            <a:off x="9192124" y="1902578"/>
+            <a:ext cx="2610853" cy="1949117"/>
+          </a:xfrm>
+          <a:prstGeom prst="rect">
+            <a:avLst/>
+          </a:prstGeom>
+        </p:spPr>
+      </p:pic>
+      <p:sp>
+        <p:nvSpPr>
+          <p:cNvPr id="12" name="Title 1"/>
+          <p:cNvSpPr>
+            <a:spLocks noGrp="1"/>
+          </p:cNvSpPr>
+          <p:nvPr>
+            <p:ph type="title"/>
+          </p:nvPr>
+        </p:nvSpPr>
+        <p:spPr>
+          <a:xfrm>
+            <a:off x="1670085" y="227068"/>
+            <a:ext cx="8911687" cy="1280890"/>
+          </a:xfrm>
+        </p:spPr>
+        <p:txBody>
+          <a:bodyPr/>
+          <a:lstStyle/>
+          <a:p>
+            <a:r>
+              <a:rPr lang="en-US" dirty="0"/>
+              <a:t>100 ROIs Individual Clustering and recoloring</a:t>
+            </a:r>
+          </a:p>
+        </p:txBody>
+      </p:sp>
+      <p:sp>
+        <p:nvSpPr>
+          <p:cNvPr id="13" name="TextBox 12"/>
+          <p:cNvSpPr txBox="1"/>
+          <p:nvPr/>
+        </p:nvSpPr>
+        <p:spPr>
+          <a:xfrm>
+            <a:off x="2221567" y="1507958"/>
+            <a:ext cx="8763938" cy="369332"/>
+          </a:xfrm>
+          <a:prstGeom prst="rect">
+            <a:avLst/>
+          </a:prstGeom>
+          <a:noFill/>
+        </p:spPr>
+        <p:txBody>
+          <a:bodyPr wrap="none" rtlCol="0">
+            <a:spAutoFit/>
+          </a:bodyPr>
+          <a:lstStyle/>
+          <a:p>
+            <a:r>
+              <a:rPr lang="en-US" dirty="0"/>
+              <a:t>Sub 1                                 Sub 2                              Sub 3                                 Sub 4</a:t>
+            </a:r>
+          </a:p>
+        </p:txBody>
+      </p:sp>
+      <p:sp>
+        <p:nvSpPr>
+          <p:cNvPr id="14" name="TextBox 13"/>
+          <p:cNvSpPr txBox="1"/>
+          <p:nvPr/>
+        </p:nvSpPr>
+        <p:spPr>
+          <a:xfrm>
+            <a:off x="1850559" y="6136106"/>
+            <a:ext cx="5150769" cy="369332"/>
+          </a:xfrm>
+          <a:prstGeom prst="rect">
+            <a:avLst/>
+          </a:prstGeom>
+          <a:noFill/>
+        </p:spPr>
+        <p:txBody>
+          <a:bodyPr wrap="none" rtlCol="0">
+            <a:spAutoFit/>
+          </a:bodyPr>
+          <a:lstStyle/>
+          <a:p>
+            <a:r>
+              <a:rPr lang="en-US" dirty="0"/>
+              <a:t>There is very little consistency across subjects</a:t>
+            </a:r>
+          </a:p>
+        </p:txBody>
+      </p:sp>
+    </p:spTree>
+    <p:extLst>
+      <p:ext uri="{BB962C8B-B14F-4D97-AF65-F5344CB8AC3E}">
+        <p14:creationId xmlns:p14="http://schemas.microsoft.com/office/powerpoint/2010/main" val="3887100879"/>
+      </p:ext>
+    </p:extLst>
+  </p:cSld>
+  <p:clrMapOvr>
+    <a:masterClrMapping/>
+  </p:clrMapOvr>
+</p:sld>
+</file>
+
+<file path=ppt/slides/slide15.xml><?xml version="1.0" encoding="utf-8"?>
+<p:sld xmlns:a="http://schemas.openxmlformats.org/drawingml/2006/main" xmlns:r="http://schemas.openxmlformats.org/officeDocument/2006/relationships" xmlns:p="http://schemas.openxmlformats.org/presentationml/2006/main">
+  <p:cSld>
+    <p:spTree>
+      <p:nvGrpSpPr>
+        <p:cNvPr id="1" name=""/>
+        <p:cNvGrpSpPr/>
+        <p:nvPr/>
+      </p:nvGrpSpPr>
+      <p:grpSpPr>
+        <a:xfrm>
+          <a:off x="0" y="0"/>
+          <a:ext cx="0" cy="0"/>
+          <a:chOff x="0" y="0"/>
+          <a:chExt cx="0" cy="0"/>
+        </a:xfrm>
+      </p:grpSpPr>
+      <p:sp>
+        <p:nvSpPr>
+          <p:cNvPr id="2" name="Title 1"/>
+          <p:cNvSpPr>
+            <a:spLocks noGrp="1"/>
+          </p:cNvSpPr>
+          <p:nvPr>
+            <p:ph type="title"/>
+          </p:nvPr>
+        </p:nvSpPr>
+        <p:spPr/>
+        <p:txBody>
+          <a:bodyPr/>
+          <a:lstStyle/>
+          <a:p>
+            <a:r>
+              <a:rPr lang="en-US" dirty="0"/>
+              <a:t>Conclusion</a:t>
             </a:r>
           </a:p>
         </p:txBody>
@@ -8802,6 +9674,315 @@
           <a:p>
             <a:r>
               <a:rPr lang="en-US" dirty="0"/>
+              <a:t>Parameter free approach </a:t>
+            </a:r>
+          </a:p>
+          <a:p>
+            <a:r>
+              <a:rPr lang="en-US" dirty="0"/>
+              <a:t>Depends on only 2 simple assumptions</a:t>
+            </a:r>
+          </a:p>
+          <a:p>
+            <a:r>
+              <a:rPr lang="en-US" dirty="0"/>
+              <a:t>No Spatial Prior or group prior is assumed, regions can be very different as possible, No constraint on topography of the labels</a:t>
+            </a:r>
+          </a:p>
+          <a:p>
+            <a:r>
+              <a:rPr lang="en-US" dirty="0"/>
+              <a:t>Purely data driven</a:t>
+            </a:r>
+          </a:p>
+          <a:p>
+            <a:endParaRPr lang="en-US" dirty="0"/>
+          </a:p>
+          <a:p>
+            <a:endParaRPr lang="en-US" dirty="0"/>
+          </a:p>
+          <a:p>
+            <a:r>
+              <a:rPr lang="en-US" dirty="0"/>
+              <a:t>Involves clustering of a large amount of data, so scalable algorithm is required (e.g. k-means)</a:t>
+            </a:r>
+          </a:p>
+        </p:txBody>
+      </p:sp>
+    </p:spTree>
+    <p:extLst>
+      <p:ext uri="{BB962C8B-B14F-4D97-AF65-F5344CB8AC3E}">
+        <p14:creationId xmlns:p14="http://schemas.microsoft.com/office/powerpoint/2010/main" val="3406988283"/>
+      </p:ext>
+    </p:extLst>
+  </p:cSld>
+  <p:clrMapOvr>
+    <a:masterClrMapping/>
+  </p:clrMapOvr>
+</p:sld>
+</file>
+
+<file path=ppt/slides/slide16.xml><?xml version="1.0" encoding="utf-8"?>
+<p:sld xmlns:a="http://schemas.openxmlformats.org/drawingml/2006/main" xmlns:r="http://schemas.openxmlformats.org/officeDocument/2006/relationships" xmlns:p="http://schemas.openxmlformats.org/presentationml/2006/main">
+  <p:cSld>
+    <p:spTree>
+      <p:nvGrpSpPr>
+        <p:cNvPr id="1" name=""/>
+        <p:cNvGrpSpPr/>
+        <p:nvPr/>
+      </p:nvGrpSpPr>
+      <p:grpSpPr>
+        <a:xfrm>
+          <a:off x="0" y="0"/>
+          <a:ext cx="0" cy="0"/>
+          <a:chOff x="0" y="0"/>
+          <a:chExt cx="0" cy="0"/>
+        </a:xfrm>
+      </p:grpSpPr>
+      <p:sp>
+        <p:nvSpPr>
+          <p:cNvPr id="2" name="Title 1"/>
+          <p:cNvSpPr>
+            <a:spLocks noGrp="1"/>
+          </p:cNvSpPr>
+          <p:nvPr>
+            <p:ph type="title"/>
+          </p:nvPr>
+        </p:nvSpPr>
+        <p:spPr/>
+        <p:txBody>
+          <a:bodyPr/>
+          <a:lstStyle/>
+          <a:p>
+            <a:r>
+              <a:rPr lang="en-US" dirty="0"/>
+              <a:t>Brain Registration using fMRI</a:t>
+            </a:r>
+          </a:p>
+        </p:txBody>
+      </p:sp>
+      <p:pic>
+        <p:nvPicPr>
+          <p:cNvPr id="5" name="Picture 4"/>
+          <p:cNvPicPr>
+            <a:picLocks noChangeAspect="1"/>
+          </p:cNvPicPr>
+          <p:nvPr/>
+        </p:nvPicPr>
+        <p:blipFill rotWithShape="1">
+          <a:blip r:embed="rId2">
+            <a:extLst>
+              <a:ext uri="{28A0092B-C50C-407E-A947-70E740481C1C}">
+                <a14:useLocalDpi xmlns:a14="http://schemas.microsoft.com/office/drawing/2010/main" val="0"/>
+              </a:ext>
+            </a:extLst>
+          </a:blip>
+          <a:srcRect l="14942" t="20223" r="14828" b="20400"/>
+          <a:stretch/>
+        </p:blipFill>
+        <p:spPr>
+          <a:xfrm>
+            <a:off x="2293495" y="2263515"/>
+            <a:ext cx="3586472" cy="2653259"/>
+          </a:xfrm>
+          <a:prstGeom prst="rect">
+            <a:avLst/>
+          </a:prstGeom>
+        </p:spPr>
+      </p:pic>
+      <p:sp>
+        <p:nvSpPr>
+          <p:cNvPr id="6" name="TextBox 5"/>
+          <p:cNvSpPr txBox="1"/>
+          <p:nvPr/>
+        </p:nvSpPr>
+        <p:spPr>
+          <a:xfrm>
+            <a:off x="1788851" y="5610542"/>
+            <a:ext cx="4038285" cy="369332"/>
+          </a:xfrm>
+          <a:prstGeom prst="rect">
+            <a:avLst/>
+          </a:prstGeom>
+          <a:noFill/>
+        </p:spPr>
+        <p:txBody>
+          <a:bodyPr wrap="none" rtlCol="0">
+            <a:spAutoFit/>
+          </a:bodyPr>
+          <a:lstStyle/>
+          <a:p>
+            <a:r>
+              <a:rPr lang="en-US" dirty="0"/>
+              <a:t>Original labeled brain for subject 2</a:t>
+            </a:r>
+          </a:p>
+        </p:txBody>
+      </p:sp>
+      <p:sp>
+        <p:nvSpPr>
+          <p:cNvPr id="7" name="TextBox 6"/>
+          <p:cNvSpPr txBox="1"/>
+          <p:nvPr/>
+        </p:nvSpPr>
+        <p:spPr>
+          <a:xfrm>
+            <a:off x="6591872" y="5333543"/>
+            <a:ext cx="4091185" cy="923330"/>
+          </a:xfrm>
+          <a:prstGeom prst="rect">
+            <a:avLst/>
+          </a:prstGeom>
+          <a:noFill/>
+        </p:spPr>
+        <p:txBody>
+          <a:bodyPr wrap="none" rtlCol="0">
+            <a:spAutoFit/>
+          </a:bodyPr>
+          <a:lstStyle/>
+          <a:p>
+            <a:r>
+              <a:rPr lang="en-US" dirty="0"/>
+              <a:t>We map each vertex of subject 1 </a:t>
+            </a:r>
+          </a:p>
+          <a:p>
+            <a:r>
+              <a:rPr lang="en-US" dirty="0"/>
+              <a:t>to the closest vertex of subject 2 in </a:t>
+            </a:r>
+          </a:p>
+          <a:p>
+            <a:r>
+              <a:rPr lang="en-US" dirty="0"/>
+              <a:t>the spherical space</a:t>
+            </a:r>
+          </a:p>
+        </p:txBody>
+      </p:sp>
+      <p:pic>
+        <p:nvPicPr>
+          <p:cNvPr id="3" name="Picture 2"/>
+          <p:cNvPicPr>
+            <a:picLocks noChangeAspect="1"/>
+          </p:cNvPicPr>
+          <p:nvPr/>
+        </p:nvPicPr>
+        <p:blipFill rotWithShape="1">
+          <a:blip r:embed="rId3">
+            <a:extLst>
+              <a:ext uri="{28A0092B-C50C-407E-A947-70E740481C1C}">
+                <a14:useLocalDpi xmlns:a14="http://schemas.microsoft.com/office/drawing/2010/main" val="0"/>
+              </a:ext>
+            </a:extLst>
+          </a:blip>
+          <a:srcRect l="14927" t="19839" r="15040" b="19949"/>
+          <a:stretch/>
+        </p:blipFill>
+        <p:spPr>
+          <a:xfrm>
+            <a:off x="6700602" y="2263514"/>
+            <a:ext cx="3432749" cy="2582427"/>
+          </a:xfrm>
+          <a:prstGeom prst="rect">
+            <a:avLst/>
+          </a:prstGeom>
+        </p:spPr>
+      </p:pic>
+    </p:spTree>
+    <p:extLst>
+      <p:ext uri="{BB962C8B-B14F-4D97-AF65-F5344CB8AC3E}">
+        <p14:creationId xmlns:p14="http://schemas.microsoft.com/office/powerpoint/2010/main" val="1673550116"/>
+      </p:ext>
+    </p:extLst>
+  </p:cSld>
+  <p:clrMapOvr>
+    <a:masterClrMapping/>
+  </p:clrMapOvr>
+</p:sld>
+</file>
+
+<file path=ppt/slides/slide17.xml><?xml version="1.0" encoding="utf-8"?>
+<p:sld xmlns:a="http://schemas.openxmlformats.org/drawingml/2006/main" xmlns:r="http://schemas.openxmlformats.org/officeDocument/2006/relationships" xmlns:p="http://schemas.openxmlformats.org/presentationml/2006/main">
+  <p:cSld>
+    <p:spTree>
+      <p:nvGrpSpPr>
+        <p:cNvPr id="1" name=""/>
+        <p:cNvGrpSpPr/>
+        <p:nvPr/>
+      </p:nvGrpSpPr>
+      <p:grpSpPr>
+        <a:xfrm>
+          <a:off x="0" y="0"/>
+          <a:ext cx="0" cy="0"/>
+          <a:chOff x="0" y="0"/>
+          <a:chExt cx="0" cy="0"/>
+        </a:xfrm>
+      </p:grpSpPr>
+      <p:sp>
+        <p:nvSpPr>
+          <p:cNvPr id="2" name="Title 1"/>
+          <p:cNvSpPr>
+            <a:spLocks noGrp="1"/>
+          </p:cNvSpPr>
+          <p:nvPr>
+            <p:ph type="title"/>
+          </p:nvPr>
+        </p:nvSpPr>
+        <p:spPr/>
+        <p:txBody>
+          <a:bodyPr/>
+          <a:lstStyle/>
+          <a:p>
+            <a:r>
+              <a:rPr lang="en-US" dirty="0"/>
+              <a:t>Other Possibilities</a:t>
+            </a:r>
+          </a:p>
+        </p:txBody>
+      </p:sp>
+      <p:sp>
+        <p:nvSpPr>
+          <p:cNvPr id="3" name="Content Placeholder 2"/>
+          <p:cNvSpPr>
+            <a:spLocks noGrp="1"/>
+          </p:cNvSpPr>
+          <p:nvPr>
+            <p:ph idx="1"/>
+          </p:nvPr>
+        </p:nvSpPr>
+        <p:spPr/>
+        <p:txBody>
+          <a:bodyPr>
+            <a:normAutofit fontScale="85000" lnSpcReduction="20000"/>
+          </a:bodyPr>
+          <a:lstStyle/>
+          <a:p>
+            <a:r>
+              <a:rPr lang="en-US" dirty="0"/>
+              <a:t>Cortical Registration based on fMRI!!</a:t>
+            </a:r>
+          </a:p>
+          <a:p>
+            <a:pPr lvl="1"/>
+            <a:r>
+              <a:rPr lang="en-US" dirty="0"/>
+              <a:t>The distance of sphere can be used to drive registration</a:t>
+            </a:r>
+          </a:p>
+          <a:p>
+            <a:pPr lvl="1"/>
+            <a:r>
+              <a:rPr lang="en-US" dirty="0"/>
+              <a:t>Or the correspondence can be found directly on sphere using Hungarian Algorithm</a:t>
+            </a:r>
+          </a:p>
+          <a:p>
+            <a:endParaRPr lang="en-US" dirty="0"/>
+          </a:p>
+          <a:p>
+            <a:r>
+              <a:rPr lang="en-US" dirty="0"/>
               <a:t>Group Studies</a:t>
             </a:r>
           </a:p>
@@ -8850,6 +10031,20 @@
               <a:rPr lang="en-US" dirty="0"/>
               <a:t>Will the results be same if correlation is used as a feature ?</a:t>
             </a:r>
+          </a:p>
+          <a:p>
+            <a:pPr marL="57150" indent="0">
+              <a:buNone/>
+            </a:pPr>
+            <a:r>
+              <a:rPr lang="en-US" dirty="0"/>
+              <a:t>Sparsity priors can be used for fitting the </a:t>
+            </a:r>
+            <a:r>
+              <a:rPr lang="en-US"/>
+              <a:t>orthonormal transformation</a:t>
+            </a:r>
+            <a:endParaRPr lang="en-US" dirty="0"/>
           </a:p>
           <a:p>
             <a:pPr lvl="1"/>
@@ -10129,8 +11324,8 @@
         </p:nvSpPr>
         <p:spPr>
           <a:xfrm>
-            <a:off x="649224" y="645106"/>
-            <a:ext cx="6574536" cy="774620"/>
+            <a:off x="649223" y="645106"/>
+            <a:ext cx="8733591" cy="774620"/>
           </a:xfrm>
         </p:spPr>
         <p:txBody>
@@ -10141,7 +11336,7 @@
           <a:p>
             <a:r>
               <a:rPr lang="en-US" dirty="0"/>
-              <a:t>Finding Optimal Rotations</a:t>
+              <a:t>Time series of subjects are on spheres</a:t>
             </a:r>
           </a:p>
         </p:txBody>
@@ -10155,7 +11350,7 @@
         <p:spPr>
           <a:xfrm>
             <a:off x="1433203" y="5040182"/>
-            <a:ext cx="7949612" cy="1477328"/>
+            <a:ext cx="9910085" cy="1477328"/>
           </a:xfrm>
           <a:prstGeom prst="rect">
             <a:avLst/>
@@ -10173,7 +11368,7 @@
             </a:pPr>
             <a:r>
               <a:rPr lang="en-US" dirty="0"/>
-              <a:t>Individual scans are rotated spheres</a:t>
+              <a:t>Individual scans are rotated/flipped spheres with respect to each other</a:t>
             </a:r>
           </a:p>
           <a:p>
@@ -10194,7 +11389,7 @@
             </a:r>
             <a:r>
               <a:rPr lang="en-US" dirty="0"/>
-              <a:t> algorithm is used to find optimal rotations between spheres</a:t>
+              <a:t> algorithm is used to find optimal orthogonal transformation between spheres</a:t>
             </a:r>
           </a:p>
           <a:p>
@@ -10211,7 +11406,7 @@
             </a:pPr>
             <a:r>
               <a:rPr lang="en-US" dirty="0"/>
-              <a:t>Finding Optimal Rotation has a closed form solution based on SVD</a:t>
+              <a:t>Finding Optimal orthogonal transformation has a closed form solution based on SVD</a:t>
             </a:r>
           </a:p>
         </p:txBody>
@@ -10224,10 +11419,10 @@
         </p:nvGrpSpPr>
         <p:grpSpPr>
           <a:xfrm>
-            <a:off x="2282531" y="2065618"/>
-            <a:ext cx="6551689" cy="1975064"/>
-            <a:chOff x="2109536" y="2545190"/>
-            <a:chExt cx="6551689" cy="1975064"/>
+            <a:off x="2282531" y="2059678"/>
+            <a:ext cx="6545750" cy="1986943"/>
+            <a:chOff x="2109536" y="2539250"/>
+            <a:chExt cx="6545750" cy="1986943"/>
           </a:xfrm>
         </p:grpSpPr>
         <p:pic>
@@ -10308,7 +11503,7 @@
             <a:stretch/>
           </p:blipFill>
           <p:spPr>
-            <a:xfrm>
+            <a:xfrm rot="16200000" flipH="1">
               <a:off x="6674282" y="2545190"/>
               <a:ext cx="1986943" cy="1975064"/>
             </a:xfrm>
@@ -10373,6 +11568,93 @@
           </a:p>
         </p:txBody>
       </p:sp>
+      <p:sp>
+        <p:nvSpPr>
+          <p:cNvPr id="4" name="TextBox 3"/>
+          <p:cNvSpPr txBox="1"/>
+          <p:nvPr/>
+        </p:nvSpPr>
+        <p:spPr>
+          <a:xfrm>
+            <a:off x="3015611" y="4040682"/>
+            <a:ext cx="790601" cy="369332"/>
+          </a:xfrm>
+          <a:prstGeom prst="rect">
+            <a:avLst/>
+          </a:prstGeom>
+          <a:noFill/>
+        </p:spPr>
+        <p:txBody>
+          <a:bodyPr wrap="none" rtlCol="0">
+            <a:spAutoFit/>
+          </a:bodyPr>
+          <a:lstStyle/>
+          <a:p>
+            <a:r>
+              <a:rPr lang="en-US" dirty="0"/>
+              <a:t>Sub 1</a:t>
+            </a:r>
+          </a:p>
+        </p:txBody>
+      </p:sp>
+      <p:sp>
+        <p:nvSpPr>
+          <p:cNvPr id="20" name="TextBox 19"/>
+          <p:cNvSpPr txBox="1"/>
+          <p:nvPr/>
+        </p:nvSpPr>
+        <p:spPr>
+          <a:xfrm>
+            <a:off x="4893427" y="4040682"/>
+            <a:ext cx="790601" cy="369332"/>
+          </a:xfrm>
+          <a:prstGeom prst="rect">
+            <a:avLst/>
+          </a:prstGeom>
+          <a:noFill/>
+        </p:spPr>
+        <p:txBody>
+          <a:bodyPr wrap="none" rtlCol="0">
+            <a:spAutoFit/>
+          </a:bodyPr>
+          <a:lstStyle/>
+          <a:p>
+            <a:r>
+              <a:rPr lang="en-US" dirty="0"/>
+              <a:t>Sub 2</a:t>
+            </a:r>
+          </a:p>
+        </p:txBody>
+      </p:sp>
+      <p:sp>
+        <p:nvSpPr>
+          <p:cNvPr id="21" name="TextBox 20"/>
+          <p:cNvSpPr txBox="1"/>
+          <p:nvPr/>
+        </p:nvSpPr>
+        <p:spPr>
+          <a:xfrm>
+            <a:off x="7559807" y="4040682"/>
+            <a:ext cx="803425" cy="369332"/>
+          </a:xfrm>
+          <a:prstGeom prst="rect">
+            <a:avLst/>
+          </a:prstGeom>
+          <a:noFill/>
+        </p:spPr>
+        <p:txBody>
+          <a:bodyPr wrap="none" rtlCol="0">
+            <a:spAutoFit/>
+          </a:bodyPr>
+          <a:lstStyle/>
+          <a:p>
+            <a:r>
+              <a:rPr lang="en-US" dirty="0"/>
+              <a:t>Sub n</a:t>
+            </a:r>
+          </a:p>
+        </p:txBody>
+      </p:sp>
     </p:spTree>
     <p:extLst>
       <p:ext uri="{BB962C8B-B14F-4D97-AF65-F5344CB8AC3E}">
@@ -10413,66 +11695,1237 @@
             <p:ph type="title"/>
           </p:nvPr>
         </p:nvSpPr>
-        <p:spPr/>
+        <p:spPr>
+          <a:xfrm>
+            <a:off x="1485901" y="224060"/>
+            <a:ext cx="10304462" cy="1280890"/>
+          </a:xfrm>
+        </p:spPr>
         <p:txBody>
           <a:bodyPr/>
           <a:lstStyle/>
           <a:p>
             <a:r>
-              <a:rPr lang="en-US" dirty="0" err="1"/>
-              <a:t>Kabash</a:t>
-            </a:r>
-            <a:r>
               <a:rPr lang="en-US" dirty="0"/>
-              <a:t> Algorithm</a:t>
-            </a:r>
-          </a:p>
-        </p:txBody>
-      </p:sp>
-      <p:sp>
-        <p:nvSpPr>
-          <p:cNvPr id="3" name="Content Placeholder 2"/>
-          <p:cNvSpPr>
-            <a:spLocks noGrp="1"/>
-          </p:cNvSpPr>
-          <p:nvPr>
-            <p:ph idx="1"/>
-          </p:nvPr>
-        </p:nvSpPr>
-        <p:spPr/>
-        <p:txBody>
-          <a:bodyPr/>
-          <a:lstStyle/>
-          <a:p>
-            <a:r>
-              <a:rPr lang="en-US" dirty="0"/>
-              <a:t>A=X’Y</a:t>
-            </a:r>
-          </a:p>
-          <a:p>
-            <a:r>
-              <a:rPr lang="en-US" dirty="0"/>
-              <a:t>Optimal </a:t>
-            </a:r>
-            <a:r>
-              <a:rPr lang="en-US"/>
-              <a:t>rotation minimizes |X-RY|</a:t>
-            </a:r>
-          </a:p>
-          <a:p>
-            <a:endParaRPr lang="en-US" dirty="0"/>
-          </a:p>
-          <a:p>
-            <a:r>
-              <a:rPr lang="en-US" dirty="0"/>
-              <a:t>A=VSW’</a:t>
-            </a:r>
-          </a:p>
-          <a:p>
-            <a:endParaRPr lang="en-US" dirty="0"/>
-          </a:p>
-        </p:txBody>
-      </p:sp>
+              <a:t>Finding Optimal Orthogonal Transformation</a:t>
+            </a:r>
+          </a:p>
+        </p:txBody>
+      </p:sp>
+      <mc:AlternateContent xmlns:mc="http://schemas.openxmlformats.org/markup-compatibility/2006" xmlns:a14="http://schemas.microsoft.com/office/drawing/2010/main">
+        <mc:Choice Requires="a14">
+          <p:sp>
+            <p:nvSpPr>
+              <p:cNvPr id="6" name="TextBox 5"/>
+              <p:cNvSpPr txBox="1"/>
+              <p:nvPr/>
+            </p:nvSpPr>
+            <p:spPr>
+              <a:xfrm>
+                <a:off x="4505824" y="1791813"/>
+                <a:ext cx="3359245" cy="488339"/>
+              </a:xfrm>
+              <a:prstGeom prst="rect">
+                <a:avLst/>
+              </a:prstGeom>
+              <a:noFill/>
+            </p:spPr>
+            <p:txBody>
+              <a:bodyPr wrap="square" lIns="0" tIns="0" rIns="0" bIns="0" rtlCol="0">
+                <a:spAutoFit/>
+              </a:bodyPr>
+              <a:lstStyle/>
+              <a:p>
+                <a:pPr/>
+                <a14:m>
+                  <m:oMathPara xmlns:m="http://schemas.openxmlformats.org/officeDocument/2006/math">
+                    <m:oMathParaPr>
+                      <m:jc m:val="centerGroup"/>
+                    </m:oMathParaPr>
+                    <m:oMath xmlns:m="http://schemas.openxmlformats.org/officeDocument/2006/math">
+                      <m:func>
+                        <m:funcPr>
+                          <m:ctrlPr>
+                            <a:rPr lang="en-US" sz="2000" i="1" smtClean="0">
+                              <a:latin typeface="Cambria Math" panose="02040503050406030204" pitchFamily="18" charset="0"/>
+                            </a:rPr>
+                          </m:ctrlPr>
+                        </m:funcPr>
+                        <m:fName>
+                          <m:limLow>
+                            <m:limLowPr>
+                              <m:ctrlPr>
+                                <a:rPr lang="en-US" sz="2000" i="1">
+                                  <a:latin typeface="Cambria Math" panose="02040503050406030204" pitchFamily="18" charset="0"/>
+                                </a:rPr>
+                              </m:ctrlPr>
+                            </m:limLowPr>
+                            <m:e>
+                              <m:r>
+                                <m:rPr>
+                                  <m:sty m:val="p"/>
+                                </m:rPr>
+                                <a:rPr lang="en-US" sz="2000">
+                                  <a:latin typeface="Cambria Math" panose="02040503050406030204" pitchFamily="18" charset="0"/>
+                                </a:rPr>
+                                <m:t>arg</m:t>
+                              </m:r>
+                              <m:r>
+                                <a:rPr lang="en-US" sz="2000">
+                                  <a:latin typeface="Cambria Math" panose="02040503050406030204" pitchFamily="18" charset="0"/>
+                                </a:rPr>
+                                <m:t> </m:t>
+                              </m:r>
+                              <m:r>
+                                <m:rPr>
+                                  <m:sty m:val="p"/>
+                                </m:rPr>
+                                <a:rPr lang="en-US" sz="2000">
+                                  <a:latin typeface="Cambria Math" panose="02040503050406030204" pitchFamily="18" charset="0"/>
+                                </a:rPr>
+                                <m:t>min</m:t>
+                              </m:r>
+                            </m:e>
+                            <m:lim>
+                              <m:r>
+                                <a:rPr lang="en-US" sz="2000" b="0" i="1" smtClean="0">
+                                  <a:latin typeface="Cambria Math" panose="02040503050406030204" pitchFamily="18" charset="0"/>
+                                </a:rPr>
+                                <m:t>𝑂</m:t>
+                              </m:r>
+                              <m:r>
+                                <a:rPr lang="en-US" sz="2000" b="0" i="1" smtClean="0">
+                                  <a:latin typeface="Cambria Math" panose="02040503050406030204" pitchFamily="18" charset="0"/>
+                                </a:rPr>
+                                <m:t>∈</m:t>
+                              </m:r>
+                              <m:sSup>
+                                <m:sSupPr>
+                                  <m:ctrlPr>
+                                    <a:rPr lang="en-US" sz="2000" b="0" i="1" smtClean="0">
+                                      <a:latin typeface="Cambria Math" panose="02040503050406030204" pitchFamily="18" charset="0"/>
+                                    </a:rPr>
+                                  </m:ctrlPr>
+                                </m:sSupPr>
+                                <m:e>
+                                  <m:r>
+                                    <a:rPr lang="en-US" sz="2000" b="0" i="1" smtClean="0">
+                                      <a:latin typeface="Cambria Math" panose="02040503050406030204" pitchFamily="18" charset="0"/>
+                                    </a:rPr>
+                                    <m:t>𝑂</m:t>
+                                  </m:r>
+                                </m:e>
+                                <m:sup>
+                                  <m:r>
+                                    <a:rPr lang="en-US" sz="2000" b="0" i="1" smtClean="0">
+                                      <a:latin typeface="Cambria Math" panose="02040503050406030204" pitchFamily="18" charset="0"/>
+                                    </a:rPr>
+                                    <m:t>𝑇</m:t>
+                                  </m:r>
+                                </m:sup>
+                              </m:sSup>
+                              <m:r>
+                                <a:rPr lang="en-US" sz="2000" b="0" i="1" smtClean="0">
+                                  <a:latin typeface="Cambria Math" panose="02040503050406030204" pitchFamily="18" charset="0"/>
+                                </a:rPr>
+                                <m:t> </m:t>
+                              </m:r>
+                            </m:lim>
+                          </m:limLow>
+                        </m:fName>
+                        <m:e>
+                          <m:sSubSup>
+                            <m:sSubSupPr>
+                              <m:ctrlPr>
+                                <a:rPr lang="en-US" sz="2000" i="1" smtClean="0">
+                                  <a:latin typeface="Cambria Math" panose="02040503050406030204" pitchFamily="18" charset="0"/>
+                                </a:rPr>
+                              </m:ctrlPr>
+                            </m:sSubSupPr>
+                            <m:e>
+                              <m:d>
+                                <m:dPr>
+                                  <m:begChr m:val="‖"/>
+                                  <m:endChr m:val="‖"/>
+                                  <m:ctrlPr>
+                                    <a:rPr lang="en-US" sz="2000" i="1">
+                                      <a:latin typeface="Cambria Math" panose="02040503050406030204" pitchFamily="18" charset="0"/>
+                                    </a:rPr>
+                                  </m:ctrlPr>
+                                </m:dPr>
+                                <m:e>
+                                  <m:sSub>
+                                    <m:sSubPr>
+                                      <m:ctrlPr>
+                                        <a:rPr lang="en-US" sz="2000" i="1">
+                                          <a:latin typeface="Cambria Math" panose="02040503050406030204" pitchFamily="18" charset="0"/>
+                                        </a:rPr>
+                                      </m:ctrlPr>
+                                    </m:sSubPr>
+                                    <m:e>
+                                      <m:r>
+                                        <a:rPr lang="en-US" sz="2000" i="1">
+                                          <a:latin typeface="Cambria Math" panose="02040503050406030204" pitchFamily="18" charset="0"/>
+                                        </a:rPr>
+                                        <m:t>𝐵</m:t>
+                                      </m:r>
+                                    </m:e>
+                                    <m:sub>
+                                      <m:r>
+                                        <a:rPr lang="en-US" sz="2000" i="1">
+                                          <a:latin typeface="Cambria Math" panose="02040503050406030204" pitchFamily="18" charset="0"/>
+                                        </a:rPr>
+                                        <m:t>1</m:t>
+                                      </m:r>
+                                    </m:sub>
+                                  </m:sSub>
+                                  <m:r>
+                                    <a:rPr lang="en-US" sz="2000" i="1">
+                                      <a:latin typeface="Cambria Math" panose="02040503050406030204" pitchFamily="18" charset="0"/>
+                                    </a:rPr>
+                                    <m:t>−</m:t>
+                                  </m:r>
+                                  <m:r>
+                                    <a:rPr lang="en-US" sz="2000" i="1">
+                                      <a:latin typeface="Cambria Math" panose="02040503050406030204" pitchFamily="18" charset="0"/>
+                                    </a:rPr>
+                                    <m:t>𝑂</m:t>
+                                  </m:r>
+                                  <m:sSub>
+                                    <m:sSubPr>
+                                      <m:ctrlPr>
+                                        <a:rPr lang="en-US" sz="2000" i="1">
+                                          <a:latin typeface="Cambria Math" panose="02040503050406030204" pitchFamily="18" charset="0"/>
+                                        </a:rPr>
+                                      </m:ctrlPr>
+                                    </m:sSubPr>
+                                    <m:e>
+                                      <m:r>
+                                        <a:rPr lang="en-US" sz="2000" i="1">
+                                          <a:latin typeface="Cambria Math" panose="02040503050406030204" pitchFamily="18" charset="0"/>
+                                        </a:rPr>
+                                        <m:t>𝐵</m:t>
+                                      </m:r>
+                                    </m:e>
+                                    <m:sub>
+                                      <m:r>
+                                        <a:rPr lang="en-US" sz="2000" i="1">
+                                          <a:latin typeface="Cambria Math" panose="02040503050406030204" pitchFamily="18" charset="0"/>
+                                        </a:rPr>
+                                        <m:t>2</m:t>
+                                      </m:r>
+                                    </m:sub>
+                                  </m:sSub>
+                                </m:e>
+                              </m:d>
+                            </m:e>
+                            <m:sub>
+                              <m:r>
+                                <a:rPr lang="en-US" sz="2000" b="0" i="1" smtClean="0">
+                                  <a:latin typeface="Cambria Math" panose="02040503050406030204" pitchFamily="18" charset="0"/>
+                                </a:rPr>
+                                <m:t>𝐹</m:t>
+                              </m:r>
+                            </m:sub>
+                            <m:sup>
+                              <m:r>
+                                <a:rPr lang="en-US" sz="2000" b="0" i="1" smtClean="0">
+                                  <a:latin typeface="Cambria Math" panose="02040503050406030204" pitchFamily="18" charset="0"/>
+                                </a:rPr>
+                                <m:t>2</m:t>
+                              </m:r>
+                            </m:sup>
+                          </m:sSubSup>
+                        </m:e>
+                      </m:func>
+                    </m:oMath>
+                  </m:oMathPara>
+                </a14:m>
+                <a:endParaRPr lang="en-US" sz="2000" dirty="0"/>
+              </a:p>
+            </p:txBody>
+          </p:sp>
+        </mc:Choice>
+        <mc:Fallback xmlns="">
+          <p:sp>
+            <p:nvSpPr>
+              <p:cNvPr id="6" name="TextBox 5"/>
+              <p:cNvSpPr txBox="1">
+                <a:spLocks noRot="1" noChangeAspect="1" noMove="1" noResize="1" noEditPoints="1" noAdjustHandles="1" noChangeArrowheads="1" noChangeShapeType="1" noTextEdit="1"/>
+              </p:cNvSpPr>
+              <p:nvPr/>
+            </p:nvSpPr>
+            <p:spPr>
+              <a:xfrm>
+                <a:off x="4505824" y="1791813"/>
+                <a:ext cx="3359245" cy="488339"/>
+              </a:xfrm>
+              <a:prstGeom prst="rect">
+                <a:avLst/>
+              </a:prstGeom>
+              <a:blipFill>
+                <a:blip r:embed="rId2"/>
+                <a:stretch>
+                  <a:fillRect t="-1250" b="-11250"/>
+                </a:stretch>
+              </a:blipFill>
+            </p:spPr>
+            <p:txBody>
+              <a:bodyPr/>
+              <a:lstStyle/>
+              <a:p>
+                <a:r>
+                  <a:rPr lang="en-US">
+                    <a:noFill/>
+                  </a:rPr>
+                  <a:t> </a:t>
+                </a:r>
+              </a:p>
+            </p:txBody>
+          </p:sp>
+        </mc:Fallback>
+      </mc:AlternateContent>
+      <mc:AlternateContent xmlns:mc="http://schemas.openxmlformats.org/markup-compatibility/2006" xmlns:a14="http://schemas.microsoft.com/office/drawing/2010/main">
+        <mc:Choice Requires="a14">
+          <p:sp>
+            <p:nvSpPr>
+              <p:cNvPr id="7" name="TextBox 6"/>
+              <p:cNvSpPr txBox="1"/>
+              <p:nvPr/>
+            </p:nvSpPr>
+            <p:spPr>
+              <a:xfrm>
+                <a:off x="1475279" y="1260781"/>
+                <a:ext cx="10564880" cy="369332"/>
+              </a:xfrm>
+              <a:prstGeom prst="rect">
+                <a:avLst/>
+              </a:prstGeom>
+              <a:noFill/>
+            </p:spPr>
+            <p:txBody>
+              <a:bodyPr wrap="none" rtlCol="0">
+                <a:spAutoFit/>
+              </a:bodyPr>
+              <a:lstStyle/>
+              <a:p>
+                <a:r>
+                  <a:rPr lang="en-US" b="1" dirty="0"/>
+                  <a:t>Problem: </a:t>
+                </a:r>
+                <a:r>
+                  <a:rPr lang="en-US" dirty="0"/>
+                  <a:t>We want to find an orthogonal matrix </a:t>
+                </a:r>
+                <a14:m>
+                  <m:oMath xmlns:m="http://schemas.openxmlformats.org/officeDocument/2006/math">
+                    <m:r>
+                      <a:rPr lang="en-US" b="0" i="1" smtClean="0">
+                        <a:latin typeface="Cambria Math" panose="02040503050406030204" pitchFamily="18" charset="0"/>
+                      </a:rPr>
+                      <m:t>𝑂</m:t>
+                    </m:r>
+                  </m:oMath>
+                </a14:m>
+                <a:r>
+                  <a:rPr lang="en-US" dirty="0"/>
+                  <a:t> that aligns data </a:t>
+                </a:r>
+                <a14:m>
+                  <m:oMath xmlns:m="http://schemas.openxmlformats.org/officeDocument/2006/math">
+                    <m:sSub>
+                      <m:sSubPr>
+                        <m:ctrlPr>
+                          <a:rPr lang="en-US" b="0" i="1" smtClean="0">
+                            <a:latin typeface="Cambria Math" panose="02040503050406030204" pitchFamily="18" charset="0"/>
+                          </a:rPr>
+                        </m:ctrlPr>
+                      </m:sSubPr>
+                      <m:e>
+                        <m:r>
+                          <a:rPr lang="en-US" b="0" i="1" smtClean="0">
+                            <a:latin typeface="Cambria Math" panose="02040503050406030204" pitchFamily="18" charset="0"/>
+                          </a:rPr>
+                          <m:t>𝐵</m:t>
+                        </m:r>
+                      </m:e>
+                      <m:sub>
+                        <m:r>
+                          <a:rPr lang="en-US" b="0" i="1" smtClean="0">
+                            <a:latin typeface="Cambria Math" panose="02040503050406030204" pitchFamily="18" charset="0"/>
+                          </a:rPr>
+                          <m:t>1</m:t>
+                        </m:r>
+                      </m:sub>
+                    </m:sSub>
+                  </m:oMath>
+                </a14:m>
+                <a:r>
+                  <a:rPr lang="en-US" dirty="0"/>
+                  <a:t> and </a:t>
+                </a:r>
+                <a14:m>
+                  <m:oMath xmlns:m="http://schemas.openxmlformats.org/officeDocument/2006/math">
+                    <m:sSub>
+                      <m:sSubPr>
+                        <m:ctrlPr>
+                          <a:rPr lang="en-US" b="0" i="1" smtClean="0">
+                            <a:latin typeface="Cambria Math" panose="02040503050406030204" pitchFamily="18" charset="0"/>
+                          </a:rPr>
+                        </m:ctrlPr>
+                      </m:sSubPr>
+                      <m:e>
+                        <m:r>
+                          <a:rPr lang="en-US" b="0" i="1" smtClean="0">
+                            <a:latin typeface="Cambria Math" panose="02040503050406030204" pitchFamily="18" charset="0"/>
+                          </a:rPr>
+                          <m:t>𝐵</m:t>
+                        </m:r>
+                      </m:e>
+                      <m:sub>
+                        <m:r>
+                          <a:rPr lang="en-US" b="0" i="1" smtClean="0">
+                            <a:latin typeface="Cambria Math" panose="02040503050406030204" pitchFamily="18" charset="0"/>
+                          </a:rPr>
+                          <m:t>2</m:t>
+                        </m:r>
+                      </m:sub>
+                    </m:sSub>
+                  </m:oMath>
+                </a14:m>
+                <a:r>
+                  <a:rPr lang="en-US" dirty="0"/>
+                  <a:t> of the two brains</a:t>
+                </a:r>
+              </a:p>
+            </p:txBody>
+          </p:sp>
+        </mc:Choice>
+        <mc:Fallback xmlns="">
+          <p:sp>
+            <p:nvSpPr>
+              <p:cNvPr id="7" name="TextBox 6"/>
+              <p:cNvSpPr txBox="1">
+                <a:spLocks noRot="1" noChangeAspect="1" noMove="1" noResize="1" noEditPoints="1" noAdjustHandles="1" noChangeArrowheads="1" noChangeShapeType="1" noTextEdit="1"/>
+              </p:cNvSpPr>
+              <p:nvPr/>
+            </p:nvSpPr>
+            <p:spPr>
+              <a:xfrm>
+                <a:off x="1475279" y="1260781"/>
+                <a:ext cx="10564880" cy="369332"/>
+              </a:xfrm>
+              <a:prstGeom prst="rect">
+                <a:avLst/>
+              </a:prstGeom>
+              <a:blipFill>
+                <a:blip r:embed="rId3"/>
+                <a:stretch>
+                  <a:fillRect l="-462" t="-10000" b="-26667"/>
+                </a:stretch>
+              </a:blipFill>
+            </p:spPr>
+            <p:txBody>
+              <a:bodyPr/>
+              <a:lstStyle/>
+              <a:p>
+                <a:r>
+                  <a:rPr lang="en-US">
+                    <a:noFill/>
+                  </a:rPr>
+                  <a:t> </a:t>
+                </a:r>
+              </a:p>
+            </p:txBody>
+          </p:sp>
+        </mc:Fallback>
+      </mc:AlternateContent>
+      <mc:AlternateContent xmlns:mc="http://schemas.openxmlformats.org/markup-compatibility/2006" xmlns:a14="http://schemas.microsoft.com/office/drawing/2010/main">
+        <mc:Choice Requires="a14">
+          <p:sp>
+            <p:nvSpPr>
+              <p:cNvPr id="10" name="TextBox 9"/>
+              <p:cNvSpPr txBox="1"/>
+              <p:nvPr/>
+            </p:nvSpPr>
+            <p:spPr>
+              <a:xfrm>
+                <a:off x="1485901" y="2373223"/>
+                <a:ext cx="9779280" cy="1192058"/>
+              </a:xfrm>
+              <a:prstGeom prst="rect">
+                <a:avLst/>
+              </a:prstGeom>
+              <a:noFill/>
+            </p:spPr>
+            <p:txBody>
+              <a:bodyPr wrap="none" rtlCol="0">
+                <a:spAutoFit/>
+              </a:bodyPr>
+              <a:lstStyle/>
+              <a:p>
+                <a:r>
+                  <a:rPr lang="en-US" dirty="0"/>
+                  <a:t>Where </a:t>
+                </a:r>
+                <a14:m>
+                  <m:oMath xmlns:m="http://schemas.openxmlformats.org/officeDocument/2006/math">
+                    <m:sSub>
+                      <m:sSubPr>
+                        <m:ctrlPr>
+                          <a:rPr lang="en-US" b="0" i="1" smtClean="0">
+                            <a:latin typeface="Cambria Math" panose="02040503050406030204" pitchFamily="18" charset="0"/>
+                          </a:rPr>
+                        </m:ctrlPr>
+                      </m:sSubPr>
+                      <m:e>
+                        <m:r>
+                          <a:rPr lang="en-US" b="0" i="1" smtClean="0">
+                            <a:latin typeface="Cambria Math" panose="02040503050406030204" pitchFamily="18" charset="0"/>
+                          </a:rPr>
+                          <m:t>𝐵</m:t>
+                        </m:r>
+                      </m:e>
+                      <m:sub>
+                        <m:r>
+                          <a:rPr lang="en-US" b="0" i="1" smtClean="0">
+                            <a:latin typeface="Cambria Math" panose="02040503050406030204" pitchFamily="18" charset="0"/>
+                          </a:rPr>
+                          <m:t>1</m:t>
+                        </m:r>
+                      </m:sub>
+                    </m:sSub>
+                  </m:oMath>
+                </a14:m>
+                <a:r>
+                  <a:rPr lang="en-US" dirty="0"/>
+                  <a:t>, </a:t>
+                </a:r>
+                <a14:m>
+                  <m:oMath xmlns:m="http://schemas.openxmlformats.org/officeDocument/2006/math">
+                    <m:sSub>
+                      <m:sSubPr>
+                        <m:ctrlPr>
+                          <a:rPr lang="en-US" b="0" i="1" smtClean="0">
+                            <a:latin typeface="Cambria Math" panose="02040503050406030204" pitchFamily="18" charset="0"/>
+                          </a:rPr>
+                        </m:ctrlPr>
+                      </m:sSubPr>
+                      <m:e>
+                        <m:r>
+                          <a:rPr lang="en-US" b="0" i="1" smtClean="0">
+                            <a:latin typeface="Cambria Math" panose="02040503050406030204" pitchFamily="18" charset="0"/>
+                          </a:rPr>
+                          <m:t>𝐵</m:t>
+                        </m:r>
+                      </m:e>
+                      <m:sub>
+                        <m:r>
+                          <a:rPr lang="en-US" b="0" i="1" smtClean="0">
+                            <a:latin typeface="Cambria Math" panose="02040503050406030204" pitchFamily="18" charset="0"/>
+                          </a:rPr>
+                          <m:t>2</m:t>
+                        </m:r>
+                      </m:sub>
+                    </m:sSub>
+                  </m:oMath>
+                </a14:m>
+                <a:r>
+                  <a:rPr lang="en-US" dirty="0"/>
+                  <a:t> are of the form </a:t>
+                </a:r>
+                <a14:m>
+                  <m:oMath xmlns:m="http://schemas.openxmlformats.org/officeDocument/2006/math">
+                    <m:sSub>
+                      <m:sSubPr>
+                        <m:ctrlPr>
+                          <a:rPr lang="en-US" i="1">
+                            <a:latin typeface="Cambria Math" panose="02040503050406030204" pitchFamily="18" charset="0"/>
+                          </a:rPr>
+                        </m:ctrlPr>
+                      </m:sSubPr>
+                      <m:e>
+                        <m:d>
+                          <m:dPr>
+                            <m:ctrlPr>
+                              <a:rPr lang="en-US" i="1">
+                                <a:latin typeface="Cambria Math" panose="02040503050406030204" pitchFamily="18" charset="0"/>
+                              </a:rPr>
+                            </m:ctrlPr>
+                          </m:dPr>
+                          <m:e>
+                            <m:m>
+                              <m:mPr>
+                                <m:mcs>
+                                  <m:mc>
+                                    <m:mcPr>
+                                      <m:count m:val="3"/>
+                                      <m:mcJc m:val="center"/>
+                                    </m:mcPr>
+                                  </m:mc>
+                                </m:mcs>
+                                <m:ctrlPr>
+                                  <a:rPr lang="en-US" i="1">
+                                    <a:latin typeface="Cambria Math" panose="02040503050406030204" pitchFamily="18" charset="0"/>
+                                  </a:rPr>
+                                </m:ctrlPr>
+                              </m:mPr>
+                              <m:mr>
+                                <m:e>
+                                  <m:sSub>
+                                    <m:sSubPr>
+                                      <m:ctrlPr>
+                                        <a:rPr lang="en-US" i="1">
+                                          <a:latin typeface="Cambria Math" panose="02040503050406030204" pitchFamily="18" charset="0"/>
+                                        </a:rPr>
+                                      </m:ctrlPr>
+                                    </m:sSubPr>
+                                    <m:e>
+                                      <m:r>
+                                        <m:rPr>
+                                          <m:brk m:alnAt="7"/>
+                                        </m:rPr>
+                                        <a:rPr lang="en-US" i="1">
+                                          <a:latin typeface="Cambria Math" panose="02040503050406030204" pitchFamily="18" charset="0"/>
+                                        </a:rPr>
+                                        <m:t>𝑏</m:t>
+                                      </m:r>
+                                    </m:e>
+                                    <m:sub>
+                                      <m:r>
+                                        <m:rPr>
+                                          <m:brk m:alnAt="7"/>
+                                        </m:rPr>
+                                        <a:rPr lang="en-US" i="1">
+                                          <a:latin typeface="Cambria Math" panose="02040503050406030204" pitchFamily="18" charset="0"/>
+                                        </a:rPr>
+                                        <m:t>1</m:t>
+                                      </m:r>
+                                      <m:r>
+                                        <a:rPr lang="en-US" i="1">
+                                          <a:latin typeface="Cambria Math" panose="02040503050406030204" pitchFamily="18" charset="0"/>
+                                        </a:rPr>
+                                        <m:t>1</m:t>
+                                      </m:r>
+                                    </m:sub>
+                                  </m:sSub>
+                                  <m:r>
+                                    <m:rPr>
+                                      <m:brk m:alnAt="7"/>
+                                    </m:rPr>
+                                    <a:rPr lang="en-US" i="1">
+                                      <a:latin typeface="Cambria Math" panose="02040503050406030204" pitchFamily="18" charset="0"/>
+                                    </a:rPr>
+                                    <m:t> </m:t>
+                                  </m:r>
+                                </m:e>
+                                <m:e>
+                                  <m:r>
+                                    <a:rPr lang="en-US" i="1">
+                                      <a:latin typeface="Cambria Math" panose="02040503050406030204" pitchFamily="18" charset="0"/>
+                                    </a:rPr>
+                                    <m:t>⋯</m:t>
+                                  </m:r>
+                                </m:e>
+                                <m:e>
+                                  <m:sSub>
+                                    <m:sSubPr>
+                                      <m:ctrlPr>
+                                        <a:rPr lang="en-US" i="1">
+                                          <a:latin typeface="Cambria Math" panose="02040503050406030204" pitchFamily="18" charset="0"/>
+                                        </a:rPr>
+                                      </m:ctrlPr>
+                                    </m:sSubPr>
+                                    <m:e>
+                                      <m:r>
+                                        <a:rPr lang="en-US" i="1">
+                                          <a:latin typeface="Cambria Math" panose="02040503050406030204" pitchFamily="18" charset="0"/>
+                                        </a:rPr>
+                                        <m:t>𝑏</m:t>
+                                      </m:r>
+                                    </m:e>
+                                    <m:sub>
+                                      <m:r>
+                                        <a:rPr lang="en-US" i="1">
+                                          <a:latin typeface="Cambria Math" panose="02040503050406030204" pitchFamily="18" charset="0"/>
+                                        </a:rPr>
+                                        <m:t>1</m:t>
+                                      </m:r>
+                                      <m:r>
+                                        <a:rPr lang="en-US" i="1">
+                                          <a:latin typeface="Cambria Math" panose="02040503050406030204" pitchFamily="18" charset="0"/>
+                                        </a:rPr>
+                                        <m:t>𝑇</m:t>
+                                      </m:r>
+                                    </m:sub>
+                                  </m:sSub>
+                                </m:e>
+                              </m:mr>
+                              <m:mr>
+                                <m:e>
+                                  <m:r>
+                                    <a:rPr lang="en-US" i="1">
+                                      <a:latin typeface="Cambria Math" panose="02040503050406030204" pitchFamily="18" charset="0"/>
+                                    </a:rPr>
+                                    <m:t>⋮</m:t>
+                                  </m:r>
+                                </m:e>
+                                <m:e>
+                                  <m:r>
+                                    <a:rPr lang="en-US" i="1">
+                                      <a:latin typeface="Cambria Math" panose="02040503050406030204" pitchFamily="18" charset="0"/>
+                                    </a:rPr>
+                                    <m:t>⋱</m:t>
+                                  </m:r>
+                                </m:e>
+                                <m:e>
+                                  <m:r>
+                                    <a:rPr lang="en-US" i="1">
+                                      <a:latin typeface="Cambria Math" panose="02040503050406030204" pitchFamily="18" charset="0"/>
+                                    </a:rPr>
+                                    <m:t>⋮</m:t>
+                                  </m:r>
+                                </m:e>
+                              </m:mr>
+                              <m:mr>
+                                <m:e>
+                                  <m:sSub>
+                                    <m:sSubPr>
+                                      <m:ctrlPr>
+                                        <a:rPr lang="en-US" i="1">
+                                          <a:latin typeface="Cambria Math" panose="02040503050406030204" pitchFamily="18" charset="0"/>
+                                        </a:rPr>
+                                      </m:ctrlPr>
+                                    </m:sSubPr>
+                                    <m:e>
+                                      <m:r>
+                                        <a:rPr lang="en-US" i="1">
+                                          <a:latin typeface="Cambria Math" panose="02040503050406030204" pitchFamily="18" charset="0"/>
+                                        </a:rPr>
+                                        <m:t>𝑏</m:t>
+                                      </m:r>
+                                    </m:e>
+                                    <m:sub>
+                                      <m:r>
+                                        <a:rPr lang="en-US" i="1">
+                                          <a:latin typeface="Cambria Math" panose="02040503050406030204" pitchFamily="18" charset="0"/>
+                                        </a:rPr>
+                                        <m:t>𝑉𝑇</m:t>
+                                      </m:r>
+                                    </m:sub>
+                                  </m:sSub>
+                                </m:e>
+                                <m:e>
+                                  <m:r>
+                                    <a:rPr lang="en-US" i="1">
+                                      <a:latin typeface="Cambria Math" panose="02040503050406030204" pitchFamily="18" charset="0"/>
+                                    </a:rPr>
+                                    <m:t>⋯</m:t>
+                                  </m:r>
+                                </m:e>
+                                <m:e>
+                                  <m:sSub>
+                                    <m:sSubPr>
+                                      <m:ctrlPr>
+                                        <a:rPr lang="en-US" i="1">
+                                          <a:latin typeface="Cambria Math" panose="02040503050406030204" pitchFamily="18" charset="0"/>
+                                        </a:rPr>
+                                      </m:ctrlPr>
+                                    </m:sSubPr>
+                                    <m:e>
+                                      <m:r>
+                                        <a:rPr lang="en-US" i="1">
+                                          <a:latin typeface="Cambria Math" panose="02040503050406030204" pitchFamily="18" charset="0"/>
+                                        </a:rPr>
+                                        <m:t>𝑏</m:t>
+                                      </m:r>
+                                    </m:e>
+                                    <m:sub>
+                                      <m:r>
+                                        <a:rPr lang="en-US" i="1">
+                                          <a:latin typeface="Cambria Math" panose="02040503050406030204" pitchFamily="18" charset="0"/>
+                                        </a:rPr>
+                                        <m:t>𝑉𝑇</m:t>
+                                      </m:r>
+                                    </m:sub>
+                                  </m:sSub>
+                                </m:e>
+                              </m:mr>
+                            </m:m>
+                          </m:e>
+                        </m:d>
+                      </m:e>
+                      <m:sub>
+                        <m:r>
+                          <a:rPr lang="en-US" i="1">
+                            <a:latin typeface="Cambria Math" panose="02040503050406030204" pitchFamily="18" charset="0"/>
+                          </a:rPr>
+                          <m:t>𝑉</m:t>
+                        </m:r>
+                        <m:r>
+                          <a:rPr lang="en-US" i="1">
+                            <a:latin typeface="Cambria Math" panose="02040503050406030204" pitchFamily="18" charset="0"/>
+                          </a:rPr>
+                          <m:t>×</m:t>
+                        </m:r>
+                        <m:r>
+                          <a:rPr lang="en-US" i="1">
+                            <a:latin typeface="Cambria Math" panose="02040503050406030204" pitchFamily="18" charset="0"/>
+                          </a:rPr>
+                          <m:t>𝑇</m:t>
+                        </m:r>
+                      </m:sub>
+                    </m:sSub>
+                  </m:oMath>
+                </a14:m>
+                <a:r>
+                  <a:rPr lang="en-US" dirty="0"/>
+                  <a:t> where </a:t>
+                </a:r>
+                <a14:m>
+                  <m:oMath xmlns:m="http://schemas.openxmlformats.org/officeDocument/2006/math">
+                    <m:r>
+                      <a:rPr lang="en-US" i="1" dirty="0" smtClean="0">
+                        <a:latin typeface="Cambria Math" panose="02040503050406030204" pitchFamily="18" charset="0"/>
+                      </a:rPr>
+                      <m:t>𝑉</m:t>
+                    </m:r>
+                  </m:oMath>
+                </a14:m>
+                <a:r>
+                  <a:rPr lang="en-US" dirty="0"/>
+                  <a:t> is the number of vertices and </a:t>
+                </a:r>
+              </a:p>
+              <a:p>
+                <a14:m>
+                  <m:oMath xmlns:m="http://schemas.openxmlformats.org/officeDocument/2006/math">
+                    <m:r>
+                      <a:rPr lang="en-US" i="1" dirty="0" smtClean="0">
+                        <a:latin typeface="Cambria Math" panose="02040503050406030204" pitchFamily="18" charset="0"/>
+                      </a:rPr>
+                      <m:t>𝑇</m:t>
+                    </m:r>
+                  </m:oMath>
+                </a14:m>
+                <a:r>
+                  <a:rPr lang="en-US" dirty="0"/>
+                  <a:t> number of time points.</a:t>
+                </a:r>
+              </a:p>
+            </p:txBody>
+          </p:sp>
+        </mc:Choice>
+        <mc:Fallback xmlns="">
+          <p:sp>
+            <p:nvSpPr>
+              <p:cNvPr id="10" name="TextBox 9"/>
+              <p:cNvSpPr txBox="1">
+                <a:spLocks noRot="1" noChangeAspect="1" noMove="1" noResize="1" noEditPoints="1" noAdjustHandles="1" noChangeArrowheads="1" noChangeShapeType="1" noTextEdit="1"/>
+              </p:cNvSpPr>
+              <p:nvPr/>
+            </p:nvSpPr>
+            <p:spPr>
+              <a:xfrm>
+                <a:off x="1485901" y="2373223"/>
+                <a:ext cx="9779280" cy="1192058"/>
+              </a:xfrm>
+              <a:prstGeom prst="rect">
+                <a:avLst/>
+              </a:prstGeom>
+              <a:blipFill>
+                <a:blip r:embed="rId4"/>
+                <a:stretch>
+                  <a:fillRect l="-561" b="-6633"/>
+                </a:stretch>
+              </a:blipFill>
+            </p:spPr>
+            <p:txBody>
+              <a:bodyPr/>
+              <a:lstStyle/>
+              <a:p>
+                <a:r>
+                  <a:rPr lang="en-US">
+                    <a:noFill/>
+                  </a:rPr>
+                  <a:t> </a:t>
+                </a:r>
+              </a:p>
+            </p:txBody>
+          </p:sp>
+        </mc:Fallback>
+      </mc:AlternateContent>
+      <mc:AlternateContent xmlns:mc="http://schemas.openxmlformats.org/markup-compatibility/2006" xmlns:a14="http://schemas.microsoft.com/office/drawing/2010/main">
+        <mc:Choice Requires="a14">
+          <p:sp>
+            <p:nvSpPr>
+              <p:cNvPr id="12" name="TextBox 11"/>
+              <p:cNvSpPr txBox="1"/>
+              <p:nvPr/>
+            </p:nvSpPr>
+            <p:spPr>
+              <a:xfrm>
+                <a:off x="1475279" y="3887042"/>
+                <a:ext cx="8250977" cy="2587118"/>
+              </a:xfrm>
+              <a:prstGeom prst="rect">
+                <a:avLst/>
+              </a:prstGeom>
+              <a:noFill/>
+            </p:spPr>
+            <p:txBody>
+              <a:bodyPr wrap="none" rtlCol="0">
+                <a:spAutoFit/>
+              </a:bodyPr>
+              <a:lstStyle/>
+              <a:p>
+                <a:r>
+                  <a:rPr lang="en-US" b="1" dirty="0"/>
+                  <a:t>Solution:</a:t>
+                </a:r>
+              </a:p>
+              <a:p>
+                <a:endParaRPr lang="en-US" dirty="0"/>
+              </a:p>
+              <a:p>
+                <a:r>
+                  <a:rPr lang="en-US" dirty="0"/>
+                  <a:t>First, we perform SVD of covariance matrix </a:t>
+                </a:r>
+                <a14:m>
+                  <m:oMath xmlns:m="http://schemas.openxmlformats.org/officeDocument/2006/math">
+                    <m:sSub>
+                      <m:sSubPr>
+                        <m:ctrlPr>
+                          <a:rPr lang="en-US" b="0" i="1" smtClean="0">
+                            <a:latin typeface="Cambria Math" panose="02040503050406030204" pitchFamily="18" charset="0"/>
+                          </a:rPr>
+                        </m:ctrlPr>
+                      </m:sSubPr>
+                      <m:e>
+                        <m:r>
+                          <a:rPr lang="en-US" b="0" i="1" smtClean="0">
+                            <a:latin typeface="Cambria Math" panose="02040503050406030204" pitchFamily="18" charset="0"/>
+                          </a:rPr>
+                          <m:t>𝐵</m:t>
+                        </m:r>
+                      </m:e>
+                      <m:sub>
+                        <m:r>
+                          <a:rPr lang="en-US" b="0" i="1" smtClean="0">
+                            <a:latin typeface="Cambria Math" panose="02040503050406030204" pitchFamily="18" charset="0"/>
+                          </a:rPr>
+                          <m:t>1</m:t>
+                        </m:r>
+                      </m:sub>
+                    </m:sSub>
+                    <m:sSubSup>
+                      <m:sSubSupPr>
+                        <m:ctrlPr>
+                          <a:rPr lang="en-US" b="0" i="1" smtClean="0">
+                            <a:latin typeface="Cambria Math" panose="02040503050406030204" pitchFamily="18" charset="0"/>
+                          </a:rPr>
+                        </m:ctrlPr>
+                      </m:sSubSupPr>
+                      <m:e>
+                        <m:r>
+                          <a:rPr lang="en-US" b="0" i="1" smtClean="0">
+                            <a:latin typeface="Cambria Math" panose="02040503050406030204" pitchFamily="18" charset="0"/>
+                          </a:rPr>
+                          <m:t>𝐵</m:t>
+                        </m:r>
+                      </m:e>
+                      <m:sub>
+                        <m:r>
+                          <a:rPr lang="en-US" b="0" i="1" smtClean="0">
+                            <a:latin typeface="Cambria Math" panose="02040503050406030204" pitchFamily="18" charset="0"/>
+                          </a:rPr>
+                          <m:t>2</m:t>
+                        </m:r>
+                      </m:sub>
+                      <m:sup>
+                        <m:r>
+                          <a:rPr lang="en-US" b="0" i="1" smtClean="0">
+                            <a:latin typeface="Cambria Math" panose="02040503050406030204" pitchFamily="18" charset="0"/>
+                          </a:rPr>
+                          <m:t>𝑡</m:t>
+                        </m:r>
+                      </m:sup>
+                    </m:sSubSup>
+                    <m:r>
+                      <a:rPr lang="en-US" b="0" i="1" smtClean="0">
+                        <a:latin typeface="Cambria Math" panose="02040503050406030204" pitchFamily="18" charset="0"/>
+                      </a:rPr>
+                      <m:t>=</m:t>
+                    </m:r>
+                    <m:r>
+                      <a:rPr lang="en-US" b="0" i="1" smtClean="0">
+                        <a:latin typeface="Cambria Math" panose="02040503050406030204" pitchFamily="18" charset="0"/>
+                      </a:rPr>
+                      <m:t>𝑈</m:t>
+                    </m:r>
+                    <m:r>
+                      <m:rPr>
+                        <m:sty m:val="p"/>
+                      </m:rPr>
+                      <a:rPr lang="en-US" b="0" i="0" smtClean="0">
+                        <a:latin typeface="Cambria Math" panose="02040503050406030204" pitchFamily="18" charset="0"/>
+                      </a:rPr>
+                      <m:t>Σ</m:t>
+                    </m:r>
+                    <m:sSup>
+                      <m:sSupPr>
+                        <m:ctrlPr>
+                          <a:rPr lang="en-US" b="0" i="1" smtClean="0">
+                            <a:latin typeface="Cambria Math" panose="02040503050406030204" pitchFamily="18" charset="0"/>
+                          </a:rPr>
+                        </m:ctrlPr>
+                      </m:sSupPr>
+                      <m:e>
+                        <m:r>
+                          <a:rPr lang="en-US" b="0" i="1" smtClean="0">
+                            <a:latin typeface="Cambria Math" panose="02040503050406030204" pitchFamily="18" charset="0"/>
+                          </a:rPr>
+                          <m:t>𝑉</m:t>
+                        </m:r>
+                      </m:e>
+                      <m:sup>
+                        <m:r>
+                          <a:rPr lang="en-US" b="0" i="1" smtClean="0">
+                            <a:latin typeface="Cambria Math" panose="02040503050406030204" pitchFamily="18" charset="0"/>
+                          </a:rPr>
+                          <m:t>𝑡</m:t>
+                        </m:r>
+                      </m:sup>
+                    </m:sSup>
+                  </m:oMath>
+                </a14:m>
+                <a:r>
+                  <a:rPr lang="en-US" dirty="0"/>
+                  <a:t>.</a:t>
+                </a:r>
+              </a:p>
+              <a:p>
+                <a:endParaRPr lang="en-US" dirty="0"/>
+              </a:p>
+              <a:p>
+                <a:r>
+                  <a:rPr lang="en-US" dirty="0"/>
+                  <a:t>The optimal orthogonal matrix </a:t>
+                </a:r>
+                <a14:m>
+                  <m:oMath xmlns:m="http://schemas.openxmlformats.org/officeDocument/2006/math">
+                    <m:r>
+                      <a:rPr lang="en-US" i="1" dirty="0" smtClean="0">
+                        <a:latin typeface="Cambria Math" panose="02040503050406030204" pitchFamily="18" charset="0"/>
+                      </a:rPr>
+                      <m:t>𝑂</m:t>
+                    </m:r>
+                  </m:oMath>
+                </a14:m>
+                <a:r>
+                  <a:rPr lang="en-US" dirty="0"/>
+                  <a:t> is given by </a:t>
+                </a:r>
+                <a14:m>
+                  <m:oMath xmlns:m="http://schemas.openxmlformats.org/officeDocument/2006/math">
+                    <m:r>
+                      <a:rPr lang="en-US" i="1" dirty="0" smtClean="0">
+                        <a:latin typeface="Cambria Math" panose="02040503050406030204" pitchFamily="18" charset="0"/>
+                      </a:rPr>
+                      <m:t>𝑂</m:t>
+                    </m:r>
+                    <m:r>
+                      <a:rPr lang="en-US" i="1" dirty="0" smtClean="0">
+                        <a:latin typeface="Cambria Math" panose="02040503050406030204" pitchFamily="18" charset="0"/>
+                      </a:rPr>
+                      <m:t>=</m:t>
+                    </m:r>
+                    <m:r>
+                      <a:rPr lang="en-US" i="1" dirty="0" err="1" smtClean="0">
+                        <a:latin typeface="Cambria Math" panose="02040503050406030204" pitchFamily="18" charset="0"/>
+                      </a:rPr>
+                      <m:t>𝑉</m:t>
+                    </m:r>
+                    <m:sSup>
+                      <m:sSupPr>
+                        <m:ctrlPr>
+                          <a:rPr lang="en-US" b="0" i="1" dirty="0" smtClean="0">
+                            <a:latin typeface="Cambria Math" panose="02040503050406030204" pitchFamily="18" charset="0"/>
+                          </a:rPr>
+                        </m:ctrlPr>
+                      </m:sSupPr>
+                      <m:e>
+                        <m:r>
+                          <a:rPr lang="en-US" i="1" dirty="0" err="1" smtClean="0">
+                            <a:latin typeface="Cambria Math" panose="02040503050406030204" pitchFamily="18" charset="0"/>
+                          </a:rPr>
+                          <m:t>𝑈</m:t>
+                        </m:r>
+                      </m:e>
+                      <m:sup>
+                        <m:r>
+                          <a:rPr lang="en-US" b="0" i="1" dirty="0" smtClean="0">
+                            <a:latin typeface="Cambria Math" panose="02040503050406030204" pitchFamily="18" charset="0"/>
+                          </a:rPr>
+                          <m:t>𝑡</m:t>
+                        </m:r>
+                      </m:sup>
+                    </m:sSup>
+                  </m:oMath>
+                </a14:m>
+                <a:r>
+                  <a:rPr lang="en-US" dirty="0"/>
+                  <a:t>. (details skipped).</a:t>
+                </a:r>
+              </a:p>
+              <a:p>
+                <a:endParaRPr lang="en-US" dirty="0"/>
+              </a:p>
+              <a:p>
+                <a:pPr marL="285750" indent="-285750">
+                  <a:buFont typeface="Arial" panose="020B0604020202020204" pitchFamily="34" charset="0"/>
+                  <a:buChar char="•"/>
+                </a:pPr>
+                <a:r>
+                  <a:rPr lang="en-US" dirty="0"/>
+                  <a:t>This yields </a:t>
+                </a:r>
+                <a14:m>
+                  <m:oMath xmlns:m="http://schemas.openxmlformats.org/officeDocument/2006/math">
+                    <m:sSub>
+                      <m:sSubPr>
+                        <m:ctrlPr>
+                          <a:rPr lang="en-US" b="0" i="1" smtClean="0">
+                            <a:latin typeface="Cambria Math" panose="02040503050406030204" pitchFamily="18" charset="0"/>
+                          </a:rPr>
+                        </m:ctrlPr>
+                      </m:sSubPr>
+                      <m:e>
+                        <m:r>
+                          <a:rPr lang="en-US" b="0" i="1" smtClean="0">
+                            <a:latin typeface="Cambria Math" panose="02040503050406030204" pitchFamily="18" charset="0"/>
+                          </a:rPr>
+                          <m:t>𝐵</m:t>
+                        </m:r>
+                      </m:e>
+                      <m:sub>
+                        <m:r>
+                          <a:rPr lang="en-US" b="0" i="1" smtClean="0">
+                            <a:latin typeface="Cambria Math" panose="02040503050406030204" pitchFamily="18" charset="0"/>
+                          </a:rPr>
+                          <m:t>1</m:t>
+                        </m:r>
+                      </m:sub>
+                    </m:sSub>
+                  </m:oMath>
+                </a14:m>
+                <a:r>
+                  <a:rPr lang="en-US" dirty="0"/>
+                  <a:t> and </a:t>
+                </a:r>
+                <a14:m>
+                  <m:oMath xmlns:m="http://schemas.openxmlformats.org/officeDocument/2006/math">
+                    <m:r>
+                      <a:rPr lang="en-US" b="0" i="1" smtClean="0">
+                        <a:latin typeface="Cambria Math" panose="02040503050406030204" pitchFamily="18" charset="0"/>
+                      </a:rPr>
+                      <m:t>𝑂</m:t>
+                    </m:r>
+                    <m:sSub>
+                      <m:sSubPr>
+                        <m:ctrlPr>
+                          <a:rPr lang="en-US" b="0" i="1" smtClean="0">
+                            <a:latin typeface="Cambria Math" panose="02040503050406030204" pitchFamily="18" charset="0"/>
+                          </a:rPr>
+                        </m:ctrlPr>
+                      </m:sSubPr>
+                      <m:e>
+                        <m:r>
+                          <a:rPr lang="en-US" b="0" i="1" smtClean="0">
+                            <a:latin typeface="Cambria Math" panose="02040503050406030204" pitchFamily="18" charset="0"/>
+                          </a:rPr>
+                          <m:t>𝐵</m:t>
+                        </m:r>
+                      </m:e>
+                      <m:sub>
+                        <m:r>
+                          <a:rPr lang="en-US" b="0" i="1" smtClean="0">
+                            <a:latin typeface="Cambria Math" panose="02040503050406030204" pitchFamily="18" charset="0"/>
+                          </a:rPr>
+                          <m:t>2</m:t>
+                        </m:r>
+                      </m:sub>
+                    </m:sSub>
+                  </m:oMath>
+                </a14:m>
+                <a:r>
+                  <a:rPr lang="en-US" dirty="0"/>
+                  <a:t> in sync.</a:t>
+                </a:r>
+              </a:p>
+              <a:p>
+                <a:pPr marL="285750" indent="-285750">
+                  <a:buFont typeface="Arial" panose="020B0604020202020204" pitchFamily="34" charset="0"/>
+                  <a:buChar char="•"/>
+                </a:pPr>
+                <a:r>
+                  <a:rPr lang="en-US" dirty="0"/>
+                  <a:t>The transformed data has the same correlation pattern as the original</a:t>
+                </a:r>
+              </a:p>
+              <a:p>
+                <a:pPr marL="285750" indent="-285750">
+                  <a:buFont typeface="Arial" panose="020B0604020202020204" pitchFamily="34" charset="0"/>
+                  <a:buChar char="•"/>
+                </a:pPr>
+                <a:r>
+                  <a:rPr lang="en-US" dirty="0"/>
+                  <a:t>It is a 1-1 transform</a:t>
+                </a:r>
+              </a:p>
+            </p:txBody>
+          </p:sp>
+        </mc:Choice>
+        <mc:Fallback xmlns="">
+          <p:sp>
+            <p:nvSpPr>
+              <p:cNvPr id="12" name="TextBox 11"/>
+              <p:cNvSpPr txBox="1">
+                <a:spLocks noRot="1" noChangeAspect="1" noMove="1" noResize="1" noEditPoints="1" noAdjustHandles="1" noChangeArrowheads="1" noChangeShapeType="1" noTextEdit="1"/>
+              </p:cNvSpPr>
+              <p:nvPr/>
+            </p:nvSpPr>
+            <p:spPr>
+              <a:xfrm>
+                <a:off x="1475279" y="3887042"/>
+                <a:ext cx="8250977" cy="2587118"/>
+              </a:xfrm>
+              <a:prstGeom prst="rect">
+                <a:avLst/>
+              </a:prstGeom>
+              <a:blipFill>
+                <a:blip r:embed="rId5"/>
+                <a:stretch>
+                  <a:fillRect l="-591" t="-1415" b="-2830"/>
+                </a:stretch>
+              </a:blipFill>
+            </p:spPr>
+            <p:txBody>
+              <a:bodyPr/>
+              <a:lstStyle/>
+              <a:p>
+                <a:r>
+                  <a:rPr lang="en-US">
+                    <a:noFill/>
+                  </a:rPr>
+                  <a:t> </a:t>
+                </a:r>
+              </a:p>
+            </p:txBody>
+          </p:sp>
+        </mc:Fallback>
+      </mc:AlternateContent>
     </p:spTree>
     <p:extLst>
       <p:ext uri="{BB962C8B-B14F-4D97-AF65-F5344CB8AC3E}">
@@ -10866,8 +13319,8 @@
         </p:nvSpPr>
         <p:spPr>
           <a:xfrm>
-            <a:off x="2378741" y="245169"/>
-            <a:ext cx="8911687" cy="710420"/>
+            <a:off x="2592925" y="624110"/>
+            <a:ext cx="8911687" cy="735458"/>
           </a:xfrm>
         </p:spPr>
         <p:txBody>
@@ -10876,14 +13329,14 @@
           <a:p>
             <a:r>
               <a:rPr lang="en-US" dirty="0"/>
-              <a:t>Correlation of Signals</a:t>
+              <a:t>Task fMRI (language task)</a:t>
             </a:r>
           </a:p>
         </p:txBody>
       </p:sp>
       <p:pic>
         <p:nvPicPr>
-          <p:cNvPr id="11" name="Content Placeholder 10"/>
+          <p:cNvPr id="4" name="Content Placeholder 3"/>
           <p:cNvPicPr>
             <a:picLocks noGrp="1" noChangeAspect="1"/>
           </p:cNvPicPr>
@@ -10899,19 +13352,19 @@
               </a:ext>
             </a:extLst>
           </a:blip>
-          <a:srcRect l="19520" t="19456" r="19635" b="19411"/>
+          <a:srcRect l="15477" t="21256" r="15146" b="20908"/>
           <a:stretch/>
         </p:blipFill>
         <p:spPr>
           <a:xfrm>
-            <a:off x="7479360" y="4192944"/>
-            <a:ext cx="2318197" cy="1787625"/>
+            <a:off x="1227221" y="2566648"/>
+            <a:ext cx="3612737" cy="2635317"/>
           </a:xfrm>
         </p:spPr>
       </p:pic>
       <p:pic>
         <p:nvPicPr>
-          <p:cNvPr id="12" name="Picture 11"/>
+          <p:cNvPr id="5" name="Picture 4"/>
           <p:cNvPicPr>
             <a:picLocks noChangeAspect="1"/>
           </p:cNvPicPr>
@@ -10925,22 +13378,131 @@
               </a:ext>
             </a:extLst>
           </a:blip>
-          <a:srcRect l="19465" t="20790" r="19690" b="21043"/>
+          <a:srcRect l="15613" t="20985" r="15723" b="20636"/>
           <a:stretch/>
         </p:blipFill>
         <p:spPr>
           <a:xfrm>
-            <a:off x="5173595" y="2564254"/>
-            <a:ext cx="2318198" cy="1700917"/>
+            <a:off x="5121682" y="2566649"/>
+            <a:ext cx="3575618" cy="2660062"/>
           </a:xfrm>
           <a:prstGeom prst="rect">
             <a:avLst/>
           </a:prstGeom>
         </p:spPr>
       </p:pic>
+      <p:sp>
+        <p:nvSpPr>
+          <p:cNvPr id="8" name="TextBox 7"/>
+          <p:cNvSpPr txBox="1"/>
+          <p:nvPr/>
+        </p:nvSpPr>
+        <p:spPr>
+          <a:xfrm>
+            <a:off x="706438" y="1359568"/>
+            <a:ext cx="8661345" cy="923330"/>
+          </a:xfrm>
+          <a:prstGeom prst="rect">
+            <a:avLst/>
+          </a:prstGeom>
+          <a:noFill/>
+        </p:spPr>
+        <p:txBody>
+          <a:bodyPr wrap="none" rtlCol="0">
+            <a:spAutoFit/>
+          </a:bodyPr>
+          <a:lstStyle/>
+          <a:p>
+            <a:pPr marL="285750" indent="-285750">
+              <a:buFont typeface="Arial" panose="020B0604020202020204" pitchFamily="34" charset="0"/>
+              <a:buChar char="•"/>
+            </a:pPr>
+            <a:r>
+              <a:rPr lang="en-US" dirty="0"/>
+              <a:t>2 Subjects were considered without </a:t>
+            </a:r>
+            <a:r>
+              <a:rPr lang="en-US" dirty="0" err="1"/>
+              <a:t>tNLM</a:t>
+            </a:r>
+            <a:endParaRPr lang="en-US" dirty="0"/>
+          </a:p>
+          <a:p>
+            <a:pPr marL="285750" indent="-285750">
+              <a:buFont typeface="Arial" panose="020B0604020202020204" pitchFamily="34" charset="0"/>
+              <a:buChar char="•"/>
+            </a:pPr>
+            <a:r>
+              <a:rPr lang="en-US" dirty="0"/>
+              <a:t>Correlation of time series from one subject to the other was computed</a:t>
+            </a:r>
+          </a:p>
+          <a:p>
+            <a:endParaRPr lang="en-US" dirty="0"/>
+          </a:p>
+        </p:txBody>
+      </p:sp>
+      <p:sp>
+        <p:nvSpPr>
+          <p:cNvPr id="10" name="TextBox 9"/>
+          <p:cNvSpPr txBox="1"/>
+          <p:nvPr/>
+        </p:nvSpPr>
+        <p:spPr>
+          <a:xfrm>
+            <a:off x="2258887" y="5221744"/>
+            <a:ext cx="1915212" cy="369332"/>
+          </a:xfrm>
+          <a:prstGeom prst="rect">
+            <a:avLst/>
+          </a:prstGeom>
+          <a:noFill/>
+        </p:spPr>
+        <p:txBody>
+          <a:bodyPr wrap="square" rtlCol="0">
+            <a:spAutoFit/>
+          </a:bodyPr>
+          <a:lstStyle/>
+          <a:p>
+            <a:r>
+              <a:rPr lang="en-US" dirty="0"/>
+              <a:t>Before Sync</a:t>
+            </a:r>
+          </a:p>
+        </p:txBody>
+      </p:sp>
+      <p:sp>
+        <p:nvSpPr>
+          <p:cNvPr id="11" name="TextBox 10"/>
+          <p:cNvSpPr txBox="1"/>
+          <p:nvPr/>
+        </p:nvSpPr>
+        <p:spPr>
+          <a:xfrm>
+            <a:off x="6069264" y="5201965"/>
+            <a:ext cx="1680453" cy="369332"/>
+          </a:xfrm>
+          <a:prstGeom prst="rect">
+            <a:avLst/>
+          </a:prstGeom>
+          <a:noFill/>
+        </p:spPr>
+        <p:txBody>
+          <a:bodyPr wrap="square" rtlCol="0">
+            <a:spAutoFit/>
+          </a:bodyPr>
+          <a:lstStyle/>
+          <a:p>
+            <a:r>
+              <a:rPr lang="en-US" dirty="0"/>
+              <a:t>After Sync</a:t>
+            </a:r>
+          </a:p>
+        </p:txBody>
+      </p:sp>
       <p:pic>
         <p:nvPicPr>
-          <p:cNvPr id="13" name="Picture 12"/>
+          <p:cNvPr id="12" name="Picture 11"/>
           <p:cNvPicPr>
             <a:picLocks noChangeAspect="1"/>
           </p:cNvPicPr>
@@ -10954,116 +13516,29 @@
               </a:ext>
             </a:extLst>
           </a:blip>
-          <a:srcRect l="19803" t="20303" r="19352" b="21042"/>
+          <a:srcRect l="10370" t="92935" r="10361" b="1507"/>
           <a:stretch/>
         </p:blipFill>
         <p:spPr>
-          <a:xfrm>
-            <a:off x="5173595" y="4265420"/>
-            <a:ext cx="2318198" cy="1715149"/>
+          <a:xfrm rot="16200000">
+            <a:off x="7558773" y="3823814"/>
+            <a:ext cx="3020173" cy="185291"/>
           </a:xfrm>
           <a:prstGeom prst="rect">
             <a:avLst/>
           </a:prstGeom>
         </p:spPr>
       </p:pic>
-      <p:pic>
-        <p:nvPicPr>
-          <p:cNvPr id="14" name="Picture 13"/>
-          <p:cNvPicPr>
-            <a:picLocks noChangeAspect="1"/>
-          </p:cNvPicPr>
-          <p:nvPr/>
-        </p:nvPicPr>
-        <p:blipFill rotWithShape="1">
-          <a:blip r:embed="rId5">
-            <a:extLst>
-              <a:ext uri="{28A0092B-C50C-407E-A947-70E740481C1C}">
-                <a14:useLocalDpi xmlns:a14="http://schemas.microsoft.com/office/drawing/2010/main" val="0"/>
-              </a:ext>
-            </a:extLst>
-          </a:blip>
-          <a:srcRect l="19126" t="20791" r="19690" b="21482"/>
-          <a:stretch/>
-        </p:blipFill>
-        <p:spPr>
-          <a:xfrm>
-            <a:off x="7472921" y="2562580"/>
-            <a:ext cx="2331077" cy="1688039"/>
-          </a:xfrm>
-          <a:prstGeom prst="rect">
-            <a:avLst/>
-          </a:prstGeom>
-        </p:spPr>
-      </p:pic>
-      <p:pic>
-        <p:nvPicPr>
-          <p:cNvPr id="15" name="Picture 14"/>
-          <p:cNvPicPr>
-            <a:picLocks noChangeAspect="1"/>
-          </p:cNvPicPr>
-          <p:nvPr/>
-        </p:nvPicPr>
-        <p:blipFill rotWithShape="1">
-          <a:blip r:embed="rId6">
-            <a:extLst>
-              <a:ext uri="{28A0092B-C50C-407E-A947-70E740481C1C}">
-                <a14:useLocalDpi xmlns:a14="http://schemas.microsoft.com/office/drawing/2010/main" val="0"/>
-              </a:ext>
-            </a:extLst>
-          </a:blip>
-          <a:srcRect l="19437" t="21787" r="19717" b="20304"/>
-          <a:stretch/>
-        </p:blipFill>
-        <p:spPr>
-          <a:xfrm>
-            <a:off x="2855398" y="4283296"/>
-            <a:ext cx="2318197" cy="1693347"/>
-          </a:xfrm>
-          <a:prstGeom prst="rect">
-            <a:avLst/>
-          </a:prstGeom>
-        </p:spPr>
-      </p:pic>
-      <p:pic>
-        <p:nvPicPr>
-          <p:cNvPr id="16" name="Picture 15"/>
-          <p:cNvPicPr>
-            <a:picLocks noChangeAspect="1"/>
-          </p:cNvPicPr>
-          <p:nvPr/>
-        </p:nvPicPr>
-        <p:blipFill rotWithShape="1">
-          <a:blip r:embed="rId7">
-            <a:extLst>
-              <a:ext uri="{28A0092B-C50C-407E-A947-70E740481C1C}">
-                <a14:useLocalDpi xmlns:a14="http://schemas.microsoft.com/office/drawing/2010/main" val="0"/>
-              </a:ext>
-            </a:extLst>
-          </a:blip>
-          <a:srcRect l="19465" t="20304" r="19352" b="20601"/>
-          <a:stretch/>
-        </p:blipFill>
-        <p:spPr>
-          <a:xfrm>
-            <a:off x="2861390" y="2565920"/>
-            <a:ext cx="2331077" cy="1728028"/>
-          </a:xfrm>
-          <a:prstGeom prst="rect">
-            <a:avLst/>
-          </a:prstGeom>
-        </p:spPr>
-      </p:pic>
-      <p:sp>
-        <p:nvSpPr>
-          <p:cNvPr id="7" name="TextBox 6"/>
+      <p:sp>
+        <p:nvSpPr>
+          <p:cNvPr id="13" name="TextBox 12"/>
           <p:cNvSpPr txBox="1"/>
           <p:nvPr/>
         </p:nvSpPr>
         <p:spPr>
           <a:xfrm>
-            <a:off x="2627870" y="1062681"/>
-            <a:ext cx="7297190" cy="369332"/>
+            <a:off x="9161505" y="5221744"/>
+            <a:ext cx="312906" cy="369332"/>
           </a:xfrm>
           <a:prstGeom prst="rect">
             <a:avLst/>
@@ -11078,29 +13553,21 @@
           <a:p>
             <a:r>
               <a:rPr lang="en-US" dirty="0"/>
-              <a:t>Correlation of average signal in </a:t>
-            </a:r>
-            <a:r>
-              <a:rPr lang="en-US" dirty="0" err="1"/>
-              <a:t>precuneus</a:t>
-            </a:r>
-            <a:r>
-              <a:rPr lang="en-US" dirty="0"/>
-              <a:t> to the signals in brain</a:t>
-            </a:r>
-          </a:p>
-        </p:txBody>
-      </p:sp>
-      <p:sp>
-        <p:nvSpPr>
-          <p:cNvPr id="8" name="TextBox 7"/>
+              <a:t>0</a:t>
+            </a:r>
+          </a:p>
+        </p:txBody>
+      </p:sp>
+      <p:sp>
+        <p:nvSpPr>
+          <p:cNvPr id="14" name="TextBox 13"/>
           <p:cNvSpPr txBox="1"/>
           <p:nvPr/>
         </p:nvSpPr>
         <p:spPr>
           <a:xfrm>
-            <a:off x="3146929" y="2195755"/>
-            <a:ext cx="1754006" cy="369332"/>
+            <a:off x="9110958" y="2241843"/>
+            <a:ext cx="930119" cy="369332"/>
           </a:xfrm>
           <a:prstGeom prst="rect">
             <a:avLst/>
@@ -11108,6 +13575,35 @@
           <a:noFill/>
         </p:spPr>
         <p:txBody>
+          <a:bodyPr wrap="square" rtlCol="0">
+            <a:spAutoFit/>
+          </a:bodyPr>
+          <a:lstStyle/>
+          <a:p>
+            <a:r>
+              <a:rPr lang="en-US" dirty="0"/>
+              <a:t>0.15</a:t>
+            </a:r>
+          </a:p>
+        </p:txBody>
+      </p:sp>
+      <p:sp>
+        <p:nvSpPr>
+          <p:cNvPr id="15" name="TextBox 14"/>
+          <p:cNvSpPr txBox="1"/>
+          <p:nvPr/>
+        </p:nvSpPr>
+        <p:spPr>
+          <a:xfrm>
+            <a:off x="1227221" y="5714999"/>
+            <a:ext cx="7247497" cy="646331"/>
+          </a:xfrm>
+          <a:prstGeom prst="rect">
+            <a:avLst/>
+          </a:prstGeom>
+          <a:noFill/>
+        </p:spPr>
+        <p:txBody>
           <a:bodyPr wrap="none" rtlCol="0">
             <a:spAutoFit/>
           </a:bodyPr>
@@ -11115,160 +13611,13 @@
           <a:p>
             <a:r>
               <a:rPr lang="en-US" dirty="0"/>
-              <a:t>Sub 1 to Sub 1</a:t>
-            </a:r>
-          </a:p>
-        </p:txBody>
-      </p:sp>
-      <p:sp>
-        <p:nvSpPr>
-          <p:cNvPr id="17" name="TextBox 16"/>
-          <p:cNvSpPr txBox="1"/>
-          <p:nvPr/>
-        </p:nvSpPr>
-        <p:spPr>
-          <a:xfrm>
-            <a:off x="5109698" y="2192662"/>
-            <a:ext cx="2409634" cy="369332"/>
-          </a:xfrm>
-          <a:prstGeom prst="rect">
-            <a:avLst/>
-          </a:prstGeom>
-          <a:noFill/>
-        </p:spPr>
-        <p:txBody>
-          <a:bodyPr wrap="none" rtlCol="0">
-            <a:spAutoFit/>
-          </a:bodyPr>
-          <a:lstStyle/>
+              <a:t>Correlation of resting state to task fMRI (from different subjects) </a:t>
+            </a:r>
+          </a:p>
           <a:p>
             <a:r>
               <a:rPr lang="en-US" dirty="0"/>
-              <a:t>Sub 1 to Sub 2 (</a:t>
-            </a:r>
-            <a:r>
-              <a:rPr lang="en-US" dirty="0" err="1"/>
-              <a:t>orig</a:t>
-            </a:r>
-            <a:r>
-              <a:rPr lang="en-US" dirty="0"/>
-              <a:t>)</a:t>
-            </a:r>
-          </a:p>
-        </p:txBody>
-      </p:sp>
-      <p:sp>
-        <p:nvSpPr>
-          <p:cNvPr id="18" name="TextBox 17"/>
-          <p:cNvSpPr txBox="1"/>
-          <p:nvPr/>
-        </p:nvSpPr>
-        <p:spPr>
-          <a:xfrm>
-            <a:off x="7553485" y="2192662"/>
-            <a:ext cx="2286203" cy="369332"/>
-          </a:xfrm>
-          <a:prstGeom prst="rect">
-            <a:avLst/>
-          </a:prstGeom>
-          <a:noFill/>
-        </p:spPr>
-        <p:txBody>
-          <a:bodyPr wrap="none" rtlCol="0">
-            <a:spAutoFit/>
-          </a:bodyPr>
-          <a:lstStyle/>
-          <a:p>
-            <a:r>
-              <a:rPr lang="en-US" dirty="0"/>
-              <a:t>Sub 1 to Sub 2 (rot)</a:t>
-            </a:r>
-          </a:p>
-        </p:txBody>
-      </p:sp>
-      <p:pic>
-        <p:nvPicPr>
-          <p:cNvPr id="19" name="Content Placeholder 7"/>
-          <p:cNvPicPr>
-            <a:picLocks noChangeAspect="1"/>
-          </p:cNvPicPr>
-          <p:nvPr/>
-        </p:nvPicPr>
-        <p:blipFill rotWithShape="1">
-          <a:blip r:embed="rId8">
-            <a:extLst>
-              <a:ext uri="{28A0092B-C50C-407E-A947-70E740481C1C}">
-                <a14:useLocalDpi xmlns:a14="http://schemas.microsoft.com/office/drawing/2010/main" val="0"/>
-              </a:ext>
-            </a:extLst>
-          </a:blip>
-          <a:srcRect l="9396" t="92029" r="10235" b="1210"/>
-          <a:stretch/>
-        </p:blipFill>
-        <p:spPr>
-          <a:xfrm rot="16200000">
-            <a:off x="8631586" y="4184442"/>
-            <a:ext cx="3062094" cy="197708"/>
-          </a:xfrm>
-          <a:prstGeom prst="rect">
-            <a:avLst/>
-          </a:prstGeom>
-        </p:spPr>
-      </p:pic>
-      <p:sp>
-        <p:nvSpPr>
-          <p:cNvPr id="20" name="TextBox 19"/>
-          <p:cNvSpPr txBox="1"/>
-          <p:nvPr/>
-        </p:nvSpPr>
-        <p:spPr>
-          <a:xfrm>
-            <a:off x="10261487" y="5537337"/>
-            <a:ext cx="312906" cy="369332"/>
-          </a:xfrm>
-          <a:prstGeom prst="rect">
-            <a:avLst/>
-          </a:prstGeom>
-          <a:noFill/>
-        </p:spPr>
-        <p:txBody>
-          <a:bodyPr wrap="none" rtlCol="0">
-            <a:spAutoFit/>
-          </a:bodyPr>
-          <a:lstStyle/>
-          <a:p>
-            <a:r>
-              <a:rPr lang="en-US" dirty="0"/>
-              <a:t>0</a:t>
-            </a:r>
-          </a:p>
-        </p:txBody>
-      </p:sp>
-      <p:sp>
-        <p:nvSpPr>
-          <p:cNvPr id="21" name="TextBox 20"/>
-          <p:cNvSpPr txBox="1"/>
-          <p:nvPr/>
-        </p:nvSpPr>
-        <p:spPr>
-          <a:xfrm>
-            <a:off x="10275837" y="2666451"/>
-            <a:ext cx="284206" cy="369332"/>
-          </a:xfrm>
-          <a:prstGeom prst="rect">
-            <a:avLst/>
-          </a:prstGeom>
-          <a:noFill/>
-        </p:spPr>
-        <p:txBody>
-          <a:bodyPr wrap="square" rtlCol="0">
-            <a:spAutoFit/>
-          </a:bodyPr>
-          <a:lstStyle/>
-          <a:p>
-            <a:r>
-              <a:rPr lang="en-US" dirty="0"/>
-              <a:t>1</a:t>
+              <a:t>are much lower even after Brain Sync</a:t>
             </a:r>
           </a:p>
         </p:txBody>
@@ -11276,7 +13625,7 @@
     </p:spTree>
     <p:extLst>
       <p:ext uri="{BB962C8B-B14F-4D97-AF65-F5344CB8AC3E}">
-        <p14:creationId xmlns:p14="http://schemas.microsoft.com/office/powerpoint/2010/main" val="2668661448"/>
+        <p14:creationId xmlns:p14="http://schemas.microsoft.com/office/powerpoint/2010/main" val="3474261331"/>
       </p:ext>
     </p:extLst>
   </p:cSld>
@@ -11315,26 +13664,24 @@
         </p:nvSpPr>
         <p:spPr>
           <a:xfrm>
-            <a:off x="2593570" y="115330"/>
-            <a:ext cx="8911687" cy="547467"/>
-          </a:xfrm>
-        </p:spPr>
-        <p:txBody>
-          <a:bodyPr>
-            <a:normAutofit fontScale="90000"/>
-          </a:bodyPr>
+            <a:off x="2378741" y="245169"/>
+            <a:ext cx="8911687" cy="710420"/>
+          </a:xfrm>
+        </p:spPr>
+        <p:txBody>
+          <a:bodyPr/>
           <a:lstStyle/>
           <a:p>
             <a:r>
               <a:rPr lang="en-US" dirty="0"/>
-              <a:t>Parcellation Individually</a:t>
+              <a:t>Correlation of Signals</a:t>
             </a:r>
           </a:p>
         </p:txBody>
       </p:sp>
       <p:pic>
         <p:nvPicPr>
-          <p:cNvPr id="4" name="Content Placeholder 3"/>
+          <p:cNvPr id="11" name="Content Placeholder 10"/>
           <p:cNvPicPr>
             <a:picLocks noGrp="1" noChangeAspect="1"/>
           </p:cNvPicPr>
@@ -11342,7 +13689,7 @@
             <p:ph idx="1"/>
           </p:nvPr>
         </p:nvPicPr>
-        <p:blipFill>
+        <p:blipFill rotWithShape="1">
           <a:blip r:embed="rId2">
             <a:extLst>
               <a:ext uri="{28A0092B-C50C-407E-A947-70E740481C1C}">
@@ -11350,165 +13697,14 @@
               </a:ext>
             </a:extLst>
           </a:blip>
-          <a:stretch>
-            <a:fillRect/>
-          </a:stretch>
+          <a:srcRect l="19520" t="19456" r="19635" b="19411"/>
+          <a:stretch/>
         </p:blipFill>
         <p:spPr>
           <a:xfrm>
-            <a:off x="1007204" y="1833773"/>
-            <a:ext cx="2571750" cy="1866900"/>
-          </a:xfrm>
-        </p:spPr>
-      </p:pic>
-      <p:pic>
-        <p:nvPicPr>
-          <p:cNvPr id="5" name="Picture 4"/>
-          <p:cNvPicPr>
-            <a:picLocks noChangeAspect="1"/>
-          </p:cNvPicPr>
-          <p:nvPr/>
-        </p:nvPicPr>
-        <p:blipFill>
-          <a:blip r:embed="rId3">
-            <a:extLst>
-              <a:ext uri="{28A0092B-C50C-407E-A947-70E740481C1C}">
-                <a14:useLocalDpi xmlns:a14="http://schemas.microsoft.com/office/drawing/2010/main" val="0"/>
-              </a:ext>
-            </a:extLst>
-          </a:blip>
-          <a:stretch>
-            <a:fillRect/>
-          </a:stretch>
-        </p:blipFill>
-        <p:spPr>
-          <a:xfrm>
-            <a:off x="1004954" y="3700673"/>
-            <a:ext cx="2571750" cy="1866900"/>
-          </a:xfrm>
-          <a:prstGeom prst="rect">
-            <a:avLst/>
-          </a:prstGeom>
-        </p:spPr>
-      </p:pic>
-      <p:pic>
-        <p:nvPicPr>
-          <p:cNvPr id="6" name="Picture 5"/>
-          <p:cNvPicPr>
-            <a:picLocks noChangeAspect="1"/>
-          </p:cNvPicPr>
-          <p:nvPr/>
-        </p:nvPicPr>
-        <p:blipFill>
-          <a:blip r:embed="rId4">
-            <a:extLst>
-              <a:ext uri="{28A0092B-C50C-407E-A947-70E740481C1C}">
-                <a14:useLocalDpi xmlns:a14="http://schemas.microsoft.com/office/drawing/2010/main" val="0"/>
-              </a:ext>
-            </a:extLst>
-          </a:blip>
-          <a:stretch>
-            <a:fillRect/>
-          </a:stretch>
-        </p:blipFill>
-        <p:spPr>
-          <a:xfrm>
-            <a:off x="3577372" y="1833773"/>
-            <a:ext cx="2571750" cy="1866900"/>
-          </a:xfrm>
-          <a:prstGeom prst="rect">
-            <a:avLst/>
-          </a:prstGeom>
-        </p:spPr>
-      </p:pic>
-      <p:pic>
-        <p:nvPicPr>
-          <p:cNvPr id="7" name="Picture 6"/>
-          <p:cNvPicPr>
-            <a:picLocks noChangeAspect="1"/>
-          </p:cNvPicPr>
-          <p:nvPr/>
-        </p:nvPicPr>
-        <p:blipFill>
-          <a:blip r:embed="rId5">
-            <a:extLst>
-              <a:ext uri="{28A0092B-C50C-407E-A947-70E740481C1C}">
-                <a14:useLocalDpi xmlns:a14="http://schemas.microsoft.com/office/drawing/2010/main" val="0"/>
-              </a:ext>
-            </a:extLst>
-          </a:blip>
-          <a:stretch>
-            <a:fillRect/>
-          </a:stretch>
-        </p:blipFill>
-        <p:spPr>
-          <a:xfrm>
-            <a:off x="3568905" y="3700673"/>
-            <a:ext cx="2571750" cy="1866900"/>
-          </a:xfrm>
-          <a:prstGeom prst="rect">
-            <a:avLst/>
-          </a:prstGeom>
-        </p:spPr>
-      </p:pic>
-      <p:pic>
-        <p:nvPicPr>
-          <p:cNvPr id="10" name="Picture 9"/>
-          <p:cNvPicPr>
-            <a:picLocks noChangeAspect="1"/>
-          </p:cNvPicPr>
-          <p:nvPr/>
-        </p:nvPicPr>
-        <p:blipFill>
-          <a:blip r:embed="rId6">
-            <a:extLst>
-              <a:ext uri="{28A0092B-C50C-407E-A947-70E740481C1C}">
-                <a14:useLocalDpi xmlns:a14="http://schemas.microsoft.com/office/drawing/2010/main" val="0"/>
-              </a:ext>
-            </a:extLst>
-          </a:blip>
-          <a:stretch>
-            <a:fillRect/>
-          </a:stretch>
-        </p:blipFill>
-        <p:spPr>
-          <a:xfrm>
-            <a:off x="8704302" y="3692435"/>
-            <a:ext cx="2571750" cy="1866900"/>
-          </a:xfrm>
-          <a:prstGeom prst="rect">
-            <a:avLst/>
-          </a:prstGeom>
-        </p:spPr>
-      </p:pic>
-      <p:pic>
-        <p:nvPicPr>
-          <p:cNvPr id="11" name="Picture 10"/>
-          <p:cNvPicPr>
-            <a:picLocks noChangeAspect="1"/>
-          </p:cNvPicPr>
-          <p:nvPr/>
-        </p:nvPicPr>
-        <p:blipFill>
-          <a:blip r:embed="rId7">
-            <a:extLst>
-              <a:ext uri="{28A0092B-C50C-407E-A947-70E740481C1C}">
-                <a14:useLocalDpi xmlns:a14="http://schemas.microsoft.com/office/drawing/2010/main" val="0"/>
-              </a:ext>
-            </a:extLst>
-          </a:blip>
-          <a:stretch>
-            <a:fillRect/>
-          </a:stretch>
-        </p:blipFill>
-        <p:spPr>
-          <a:xfrm>
-            <a:off x="8706552" y="1833773"/>
-            <a:ext cx="2571750" cy="1866900"/>
-          </a:xfrm>
-          <a:prstGeom prst="rect">
-            <a:avLst/>
-          </a:prstGeom>
+            <a:off x="7479360" y="4180912"/>
+            <a:ext cx="2318197" cy="1787625"/>
+          </a:xfrm>
         </p:spPr>
       </p:pic>
       <p:pic>
@@ -11519,22 +13715,21 @@
           </p:cNvPicPr>
           <p:nvPr/>
         </p:nvPicPr>
-        <p:blipFill>
-          <a:blip r:embed="rId8">
+        <p:blipFill rotWithShape="1">
+          <a:blip r:embed="rId3">
             <a:extLst>
               <a:ext uri="{28A0092B-C50C-407E-A947-70E740481C1C}">
                 <a14:useLocalDpi xmlns:a14="http://schemas.microsoft.com/office/drawing/2010/main" val="0"/>
               </a:ext>
             </a:extLst>
           </a:blip>
-          <a:stretch>
-            <a:fillRect/>
-          </a:stretch>
+          <a:srcRect l="19465" t="20790" r="19690" b="21043"/>
+          <a:stretch/>
         </p:blipFill>
         <p:spPr>
           <a:xfrm>
-            <a:off x="6138405" y="3700673"/>
-            <a:ext cx="2571750" cy="1866900"/>
+            <a:off x="5173595" y="2564254"/>
+            <a:ext cx="2318198" cy="1700917"/>
           </a:xfrm>
           <a:prstGeom prst="rect">
             <a:avLst/>
@@ -11549,38 +13744,124 @@
           </p:cNvPicPr>
           <p:nvPr/>
         </p:nvPicPr>
-        <p:blipFill>
-          <a:blip r:embed="rId9">
+        <p:blipFill rotWithShape="1">
+          <a:blip r:embed="rId4">
             <a:extLst>
               <a:ext uri="{28A0092B-C50C-407E-A947-70E740481C1C}">
                 <a14:useLocalDpi xmlns:a14="http://schemas.microsoft.com/office/drawing/2010/main" val="0"/>
               </a:ext>
             </a:extLst>
           </a:blip>
-          <a:stretch>
-            <a:fillRect/>
-          </a:stretch>
+          <a:srcRect l="19803" t="20303" r="19352" b="21042"/>
+          <a:stretch/>
         </p:blipFill>
         <p:spPr>
           <a:xfrm>
-            <a:off x="6138634" y="1833773"/>
-            <a:ext cx="2571750" cy="1866900"/>
+            <a:off x="5173595" y="4253388"/>
+            <a:ext cx="2318198" cy="1715149"/>
           </a:xfrm>
           <a:prstGeom prst="rect">
             <a:avLst/>
           </a:prstGeom>
         </p:spPr>
       </p:pic>
-      <p:sp>
-        <p:nvSpPr>
-          <p:cNvPr id="3" name="TextBox 2"/>
+      <p:pic>
+        <p:nvPicPr>
+          <p:cNvPr id="14" name="Picture 13"/>
+          <p:cNvPicPr>
+            <a:picLocks noChangeAspect="1"/>
+          </p:cNvPicPr>
+          <p:nvPr/>
+        </p:nvPicPr>
+        <p:blipFill rotWithShape="1">
+          <a:blip r:embed="rId5">
+            <a:extLst>
+              <a:ext uri="{28A0092B-C50C-407E-A947-70E740481C1C}">
+                <a14:useLocalDpi xmlns:a14="http://schemas.microsoft.com/office/drawing/2010/main" val="0"/>
+              </a:ext>
+            </a:extLst>
+          </a:blip>
+          <a:srcRect l="19126" t="20791" r="19690" b="21482"/>
+          <a:stretch/>
+        </p:blipFill>
+        <p:spPr>
+          <a:xfrm>
+            <a:off x="7460889" y="2562580"/>
+            <a:ext cx="2331077" cy="1688039"/>
+          </a:xfrm>
+          <a:prstGeom prst="rect">
+            <a:avLst/>
+          </a:prstGeom>
+        </p:spPr>
+      </p:pic>
+      <p:pic>
+        <p:nvPicPr>
+          <p:cNvPr id="15" name="Picture 14"/>
+          <p:cNvPicPr>
+            <a:picLocks noChangeAspect="1"/>
+          </p:cNvPicPr>
+          <p:nvPr/>
+        </p:nvPicPr>
+        <p:blipFill rotWithShape="1">
+          <a:blip r:embed="rId6">
+            <a:extLst>
+              <a:ext uri="{28A0092B-C50C-407E-A947-70E740481C1C}">
+                <a14:useLocalDpi xmlns:a14="http://schemas.microsoft.com/office/drawing/2010/main" val="0"/>
+              </a:ext>
+            </a:extLst>
+          </a:blip>
+          <a:srcRect l="19437" t="21787" r="19717" b="20304"/>
+          <a:stretch/>
+        </p:blipFill>
+        <p:spPr>
+          <a:xfrm>
+            <a:off x="2867430" y="4271264"/>
+            <a:ext cx="2318197" cy="1693347"/>
+          </a:xfrm>
+          <a:prstGeom prst="rect">
+            <a:avLst/>
+          </a:prstGeom>
+        </p:spPr>
+      </p:pic>
+      <p:pic>
+        <p:nvPicPr>
+          <p:cNvPr id="16" name="Picture 15"/>
+          <p:cNvPicPr>
+            <a:picLocks noChangeAspect="1"/>
+          </p:cNvPicPr>
+          <p:nvPr/>
+        </p:nvPicPr>
+        <p:blipFill rotWithShape="1">
+          <a:blip r:embed="rId7">
+            <a:extLst>
+              <a:ext uri="{28A0092B-C50C-407E-A947-70E740481C1C}">
+                <a14:useLocalDpi xmlns:a14="http://schemas.microsoft.com/office/drawing/2010/main" val="0"/>
+              </a:ext>
+            </a:extLst>
+          </a:blip>
+          <a:srcRect l="19465" t="20304" r="19352" b="20601"/>
+          <a:stretch/>
+        </p:blipFill>
+        <p:spPr>
+          <a:xfrm>
+            <a:off x="2861390" y="2565920"/>
+            <a:ext cx="2331077" cy="1728028"/>
+          </a:xfrm>
+          <a:prstGeom prst="rect">
+            <a:avLst/>
+          </a:prstGeom>
+        </p:spPr>
+      </p:pic>
+      <p:sp>
+        <p:nvSpPr>
+          <p:cNvPr id="7" name="TextBox 6"/>
           <p:cNvSpPr txBox="1"/>
           <p:nvPr/>
         </p:nvSpPr>
         <p:spPr>
           <a:xfrm>
-            <a:off x="1820563" y="978081"/>
-            <a:ext cx="8101898" cy="369332"/>
+            <a:off x="2627870" y="1062681"/>
+            <a:ext cx="7297190" cy="369332"/>
           </a:xfrm>
           <a:prstGeom prst="rect">
             <a:avLst/>
@@ -11595,23 +13876,15 @@
           <a:p>
             <a:r>
               <a:rPr lang="en-US" dirty="0"/>
-              <a:t>Subjects were independently </a:t>
+              <a:t>Correlation of average signal in </a:t>
             </a:r>
             <a:r>
               <a:rPr lang="en-US" dirty="0" err="1"/>
-              <a:t>parcellated</a:t>
+              <a:t>precuneus</a:t>
             </a:r>
             <a:r>
               <a:rPr lang="en-US" dirty="0"/>
-              <a:t> by k-means with </a:t>
-            </a:r>
-            <a:r>
-              <a:rPr lang="en-US" dirty="0" err="1"/>
-              <a:t>nClusters</a:t>
-            </a:r>
-            <a:r>
-              <a:rPr lang="en-US" dirty="0"/>
-              <a:t>=30</a:t>
+              <a:t> to the signals in brain</a:t>
             </a:r>
           </a:p>
         </p:txBody>
@@ -11624,8 +13897,8 @@
         </p:nvSpPr>
         <p:spPr>
           <a:xfrm>
-            <a:off x="1896988" y="1481448"/>
-            <a:ext cx="790601" cy="369332"/>
+            <a:off x="3146929" y="2195755"/>
+            <a:ext cx="1754006" cy="369332"/>
           </a:xfrm>
           <a:prstGeom prst="rect">
             <a:avLst/>
@@ -11640,21 +13913,21 @@
           <a:p>
             <a:r>
               <a:rPr lang="en-US" dirty="0"/>
-              <a:t>Sub 1</a:t>
-            </a:r>
-          </a:p>
-        </p:txBody>
-      </p:sp>
-      <p:sp>
-        <p:nvSpPr>
-          <p:cNvPr id="14" name="TextBox 13"/>
+              <a:t>Sub 1 to Sub 1</a:t>
+            </a:r>
+          </a:p>
+        </p:txBody>
+      </p:sp>
+      <p:sp>
+        <p:nvSpPr>
+          <p:cNvPr id="17" name="TextBox 16"/>
           <p:cNvSpPr txBox="1"/>
           <p:nvPr/>
         </p:nvSpPr>
         <p:spPr>
           <a:xfrm>
-            <a:off x="4462656" y="1481448"/>
-            <a:ext cx="790601" cy="369332"/>
+            <a:off x="5109698" y="2192662"/>
+            <a:ext cx="2409634" cy="369332"/>
           </a:xfrm>
           <a:prstGeom prst="rect">
             <a:avLst/>
@@ -11669,21 +13942,29 @@
           <a:p>
             <a:r>
               <a:rPr lang="en-US" dirty="0"/>
-              <a:t>Sub 2</a:t>
-            </a:r>
-          </a:p>
-        </p:txBody>
-      </p:sp>
-      <p:sp>
-        <p:nvSpPr>
-          <p:cNvPr id="15" name="TextBox 14"/>
+              <a:t>Sub 1 to Sub 2 (</a:t>
+            </a:r>
+            <a:r>
+              <a:rPr lang="en-US" dirty="0" err="1"/>
+              <a:t>orig</a:t>
+            </a:r>
+            <a:r>
+              <a:rPr lang="en-US" dirty="0"/>
+              <a:t>)</a:t>
+            </a:r>
+          </a:p>
+        </p:txBody>
+      </p:sp>
+      <p:sp>
+        <p:nvSpPr>
+          <p:cNvPr id="18" name="TextBox 17"/>
           <p:cNvSpPr txBox="1"/>
           <p:nvPr/>
         </p:nvSpPr>
         <p:spPr>
           <a:xfrm>
-            <a:off x="7042737" y="1464441"/>
-            <a:ext cx="790601" cy="369332"/>
+            <a:off x="7553485" y="2192662"/>
+            <a:ext cx="2286203" cy="369332"/>
           </a:xfrm>
           <a:prstGeom prst="rect">
             <a:avLst/>
@@ -11698,21 +13979,50 @@
           <a:p>
             <a:r>
               <a:rPr lang="en-US" dirty="0"/>
-              <a:t>Sub 3</a:t>
-            </a:r>
-          </a:p>
-        </p:txBody>
-      </p:sp>
-      <p:sp>
-        <p:nvSpPr>
-          <p:cNvPr id="16" name="TextBox 15"/>
+              <a:t>Sub 1 to Sub 2 (rot)</a:t>
+            </a:r>
+          </a:p>
+        </p:txBody>
+      </p:sp>
+      <p:pic>
+        <p:nvPicPr>
+          <p:cNvPr id="19" name="Content Placeholder 7"/>
+          <p:cNvPicPr>
+            <a:picLocks noChangeAspect="1"/>
+          </p:cNvPicPr>
+          <p:nvPr/>
+        </p:nvPicPr>
+        <p:blipFill rotWithShape="1">
+          <a:blip r:embed="rId8">
+            <a:extLst>
+              <a:ext uri="{28A0092B-C50C-407E-A947-70E740481C1C}">
+                <a14:useLocalDpi xmlns:a14="http://schemas.microsoft.com/office/drawing/2010/main" val="0"/>
+              </a:ext>
+            </a:extLst>
+          </a:blip>
+          <a:srcRect l="9396" t="92029" r="10235" b="1210"/>
+          <a:stretch/>
+        </p:blipFill>
+        <p:spPr>
+          <a:xfrm rot="16200000">
+            <a:off x="8631586" y="4184442"/>
+            <a:ext cx="3062094" cy="197708"/>
+          </a:xfrm>
+          <a:prstGeom prst="rect">
+            <a:avLst/>
+          </a:prstGeom>
+        </p:spPr>
+      </p:pic>
+      <p:sp>
+        <p:nvSpPr>
+          <p:cNvPr id="20" name="TextBox 19"/>
           <p:cNvSpPr txBox="1"/>
           <p:nvPr/>
         </p:nvSpPr>
         <p:spPr>
           <a:xfrm>
-            <a:off x="9600074" y="1464441"/>
-            <a:ext cx="790601" cy="369332"/>
+            <a:off x="10261487" y="5537337"/>
+            <a:ext cx="312906" cy="369332"/>
           </a:xfrm>
           <a:prstGeom prst="rect">
             <a:avLst/>
@@ -11727,21 +14037,21 @@
           <a:p>
             <a:r>
               <a:rPr lang="en-US" dirty="0"/>
-              <a:t>Sub 4</a:t>
-            </a:r>
-          </a:p>
-        </p:txBody>
-      </p:sp>
-      <p:sp>
-        <p:nvSpPr>
-          <p:cNvPr id="9" name="TextBox 8"/>
+              <a:t>0</a:t>
+            </a:r>
+          </a:p>
+        </p:txBody>
+      </p:sp>
+      <p:sp>
+        <p:nvSpPr>
+          <p:cNvPr id="21" name="TextBox 20"/>
           <p:cNvSpPr txBox="1"/>
           <p:nvPr/>
         </p:nvSpPr>
         <p:spPr>
           <a:xfrm>
-            <a:off x="1334301" y="5873348"/>
-            <a:ext cx="9849171" cy="646331"/>
+            <a:off x="10275837" y="2666451"/>
+            <a:ext cx="284206" cy="369332"/>
           </a:xfrm>
           <a:prstGeom prst="rect">
             <a:avLst/>
@@ -11749,25 +14059,14 @@
           <a:noFill/>
         </p:spPr>
         <p:txBody>
-          <a:bodyPr wrap="none" rtlCol="0">
+          <a:bodyPr wrap="square" rtlCol="0">
             <a:spAutoFit/>
           </a:bodyPr>
           <a:lstStyle/>
           <a:p>
-            <a:pPr algn="r"/>
-            <a:r>
-              <a:rPr lang="en-US" b="1" i="1" dirty="0" err="1"/>
-              <a:t>Parcellations</a:t>
-            </a:r>
-            <a:r>
-              <a:rPr lang="en-US" b="1" i="1" dirty="0"/>
-              <a:t> are different for individual scans, probably because not enough samples </a:t>
-            </a:r>
-          </a:p>
-          <a:p>
-            <a:r>
-              <a:rPr lang="en-US" b="1" i="1" dirty="0"/>
-              <a:t>for finding correct boundaries</a:t>
+            <a:r>
+              <a:rPr lang="en-US" dirty="0"/>
+              <a:t>1</a:t>
             </a:r>
           </a:p>
         </p:txBody>
@@ -11775,7 +14074,7 @@
     </p:spTree>
     <p:extLst>
       <p:ext uri="{BB962C8B-B14F-4D97-AF65-F5344CB8AC3E}">
-        <p14:creationId xmlns:p14="http://schemas.microsoft.com/office/powerpoint/2010/main" val="1591713396"/>
+        <p14:creationId xmlns:p14="http://schemas.microsoft.com/office/powerpoint/2010/main" val="2668661448"/>
       </p:ext>
     </p:extLst>
   </p:cSld>
@@ -11812,58 +14111,461 @@
             <p:ph type="title"/>
           </p:nvPr>
         </p:nvSpPr>
-        <p:spPr/>
-        <p:txBody>
-          <a:bodyPr/>
+        <p:spPr>
+          <a:xfrm>
+            <a:off x="2593570" y="115330"/>
+            <a:ext cx="8911687" cy="547467"/>
+          </a:xfrm>
+        </p:spPr>
+        <p:txBody>
+          <a:bodyPr>
+            <a:normAutofit fontScale="90000"/>
+          </a:bodyPr>
           <a:lstStyle/>
           <a:p>
             <a:r>
               <a:rPr lang="en-US" dirty="0"/>
-              <a:t>Group Parcellation</a:t>
-            </a:r>
-          </a:p>
-        </p:txBody>
-      </p:sp>
-      <p:sp>
-        <p:nvSpPr>
-          <p:cNvPr id="3" name="Content Placeholder 2"/>
-          <p:cNvSpPr>
-            <a:spLocks noGrp="1"/>
-          </p:cNvSpPr>
+              <a:t>Parcellation Individually</a:t>
+            </a:r>
+          </a:p>
+        </p:txBody>
+      </p:sp>
+      <p:pic>
+        <p:nvPicPr>
+          <p:cNvPr id="4" name="Content Placeholder 3"/>
+          <p:cNvPicPr>
+            <a:picLocks noGrp="1" noChangeAspect="1"/>
+          </p:cNvPicPr>
           <p:nvPr>
             <p:ph idx="1"/>
           </p:nvPr>
-        </p:nvSpPr>
-        <p:spPr>
-          <a:xfrm>
-            <a:off x="1683279" y="1905000"/>
-            <a:ext cx="8915400" cy="3777622"/>
-          </a:xfrm>
-        </p:spPr>
-        <p:txBody>
-          <a:bodyPr/>
+        </p:nvPicPr>
+        <p:blipFill>
+          <a:blip r:embed="rId2">
+            <a:extLst>
+              <a:ext uri="{28A0092B-C50C-407E-A947-70E740481C1C}">
+                <a14:useLocalDpi xmlns:a14="http://schemas.microsoft.com/office/drawing/2010/main" val="0"/>
+              </a:ext>
+            </a:extLst>
+          </a:blip>
+          <a:stretch>
+            <a:fillRect/>
+          </a:stretch>
+        </p:blipFill>
+        <p:spPr>
+          <a:xfrm>
+            <a:off x="1007204" y="1833773"/>
+            <a:ext cx="2571750" cy="1866900"/>
+          </a:xfrm>
+        </p:spPr>
+      </p:pic>
+      <p:pic>
+        <p:nvPicPr>
+          <p:cNvPr id="5" name="Picture 4"/>
+          <p:cNvPicPr>
+            <a:picLocks noChangeAspect="1"/>
+          </p:cNvPicPr>
+          <p:nvPr/>
+        </p:nvPicPr>
+        <p:blipFill>
+          <a:blip r:embed="rId3">
+            <a:extLst>
+              <a:ext uri="{28A0092B-C50C-407E-A947-70E740481C1C}">
+                <a14:useLocalDpi xmlns:a14="http://schemas.microsoft.com/office/drawing/2010/main" val="0"/>
+              </a:ext>
+            </a:extLst>
+          </a:blip>
+          <a:stretch>
+            <a:fillRect/>
+          </a:stretch>
+        </p:blipFill>
+        <p:spPr>
+          <a:xfrm>
+            <a:off x="1004954" y="3700673"/>
+            <a:ext cx="2571750" cy="1866900"/>
+          </a:xfrm>
+          <a:prstGeom prst="rect">
+            <a:avLst/>
+          </a:prstGeom>
+        </p:spPr>
+      </p:pic>
+      <p:pic>
+        <p:nvPicPr>
+          <p:cNvPr id="6" name="Picture 5"/>
+          <p:cNvPicPr>
+            <a:picLocks noChangeAspect="1"/>
+          </p:cNvPicPr>
+          <p:nvPr/>
+        </p:nvPicPr>
+        <p:blipFill>
+          <a:blip r:embed="rId4">
+            <a:extLst>
+              <a:ext uri="{28A0092B-C50C-407E-A947-70E740481C1C}">
+                <a14:useLocalDpi xmlns:a14="http://schemas.microsoft.com/office/drawing/2010/main" val="0"/>
+              </a:ext>
+            </a:extLst>
+          </a:blip>
+          <a:stretch>
+            <a:fillRect/>
+          </a:stretch>
+        </p:blipFill>
+        <p:spPr>
+          <a:xfrm>
+            <a:off x="3577372" y="1833773"/>
+            <a:ext cx="2571750" cy="1866900"/>
+          </a:xfrm>
+          <a:prstGeom prst="rect">
+            <a:avLst/>
+          </a:prstGeom>
+        </p:spPr>
+      </p:pic>
+      <p:pic>
+        <p:nvPicPr>
+          <p:cNvPr id="7" name="Picture 6"/>
+          <p:cNvPicPr>
+            <a:picLocks noChangeAspect="1"/>
+          </p:cNvPicPr>
+          <p:nvPr/>
+        </p:nvPicPr>
+        <p:blipFill>
+          <a:blip r:embed="rId5">
+            <a:extLst>
+              <a:ext uri="{28A0092B-C50C-407E-A947-70E740481C1C}">
+                <a14:useLocalDpi xmlns:a14="http://schemas.microsoft.com/office/drawing/2010/main" val="0"/>
+              </a:ext>
+            </a:extLst>
+          </a:blip>
+          <a:stretch>
+            <a:fillRect/>
+          </a:stretch>
+        </p:blipFill>
+        <p:spPr>
+          <a:xfrm>
+            <a:off x="3568905" y="3700673"/>
+            <a:ext cx="2571750" cy="1866900"/>
+          </a:xfrm>
+          <a:prstGeom prst="rect">
+            <a:avLst/>
+          </a:prstGeom>
+        </p:spPr>
+      </p:pic>
+      <p:pic>
+        <p:nvPicPr>
+          <p:cNvPr id="10" name="Picture 9"/>
+          <p:cNvPicPr>
+            <a:picLocks noChangeAspect="1"/>
+          </p:cNvPicPr>
+          <p:nvPr/>
+        </p:nvPicPr>
+        <p:blipFill>
+          <a:blip r:embed="rId6">
+            <a:extLst>
+              <a:ext uri="{28A0092B-C50C-407E-A947-70E740481C1C}">
+                <a14:useLocalDpi xmlns:a14="http://schemas.microsoft.com/office/drawing/2010/main" val="0"/>
+              </a:ext>
+            </a:extLst>
+          </a:blip>
+          <a:stretch>
+            <a:fillRect/>
+          </a:stretch>
+        </p:blipFill>
+        <p:spPr>
+          <a:xfrm>
+            <a:off x="8704302" y="3692435"/>
+            <a:ext cx="2571750" cy="1866900"/>
+          </a:xfrm>
+          <a:prstGeom prst="rect">
+            <a:avLst/>
+          </a:prstGeom>
+        </p:spPr>
+      </p:pic>
+      <p:pic>
+        <p:nvPicPr>
+          <p:cNvPr id="11" name="Picture 10"/>
+          <p:cNvPicPr>
+            <a:picLocks noChangeAspect="1"/>
+          </p:cNvPicPr>
+          <p:nvPr/>
+        </p:nvPicPr>
+        <p:blipFill>
+          <a:blip r:embed="rId7">
+            <a:extLst>
+              <a:ext uri="{28A0092B-C50C-407E-A947-70E740481C1C}">
+                <a14:useLocalDpi xmlns:a14="http://schemas.microsoft.com/office/drawing/2010/main" val="0"/>
+              </a:ext>
+            </a:extLst>
+          </a:blip>
+          <a:stretch>
+            <a:fillRect/>
+          </a:stretch>
+        </p:blipFill>
+        <p:spPr>
+          <a:xfrm>
+            <a:off x="8706552" y="1833773"/>
+            <a:ext cx="2571750" cy="1866900"/>
+          </a:xfrm>
+          <a:prstGeom prst="rect">
+            <a:avLst/>
+          </a:prstGeom>
+        </p:spPr>
+      </p:pic>
+      <p:pic>
+        <p:nvPicPr>
+          <p:cNvPr id="12" name="Picture 11"/>
+          <p:cNvPicPr>
+            <a:picLocks noChangeAspect="1"/>
+          </p:cNvPicPr>
+          <p:nvPr/>
+        </p:nvPicPr>
+        <p:blipFill>
+          <a:blip r:embed="rId8">
+            <a:extLst>
+              <a:ext uri="{28A0092B-C50C-407E-A947-70E740481C1C}">
+                <a14:useLocalDpi xmlns:a14="http://schemas.microsoft.com/office/drawing/2010/main" val="0"/>
+              </a:ext>
+            </a:extLst>
+          </a:blip>
+          <a:stretch>
+            <a:fillRect/>
+          </a:stretch>
+        </p:blipFill>
+        <p:spPr>
+          <a:xfrm>
+            <a:off x="6138405" y="3700673"/>
+            <a:ext cx="2571750" cy="1866900"/>
+          </a:xfrm>
+          <a:prstGeom prst="rect">
+            <a:avLst/>
+          </a:prstGeom>
+        </p:spPr>
+      </p:pic>
+      <p:pic>
+        <p:nvPicPr>
+          <p:cNvPr id="13" name="Picture 12"/>
+          <p:cNvPicPr>
+            <a:picLocks noChangeAspect="1"/>
+          </p:cNvPicPr>
+          <p:nvPr/>
+        </p:nvPicPr>
+        <p:blipFill>
+          <a:blip r:embed="rId9">
+            <a:extLst>
+              <a:ext uri="{28A0092B-C50C-407E-A947-70E740481C1C}">
+                <a14:useLocalDpi xmlns:a14="http://schemas.microsoft.com/office/drawing/2010/main" val="0"/>
+              </a:ext>
+            </a:extLst>
+          </a:blip>
+          <a:stretch>
+            <a:fillRect/>
+          </a:stretch>
+        </p:blipFill>
+        <p:spPr>
+          <a:xfrm>
+            <a:off x="6138634" y="1833773"/>
+            <a:ext cx="2571750" cy="1866900"/>
+          </a:xfrm>
+          <a:prstGeom prst="rect">
+            <a:avLst/>
+          </a:prstGeom>
+        </p:spPr>
+      </p:pic>
+      <p:sp>
+        <p:nvSpPr>
+          <p:cNvPr id="3" name="TextBox 2"/>
+          <p:cNvSpPr txBox="1"/>
+          <p:nvPr/>
+        </p:nvSpPr>
+        <p:spPr>
+          <a:xfrm>
+            <a:off x="1820563" y="978081"/>
+            <a:ext cx="8101898" cy="369332"/>
+          </a:xfrm>
+          <a:prstGeom prst="rect">
+            <a:avLst/>
+          </a:prstGeom>
+          <a:noFill/>
+        </p:spPr>
+        <p:txBody>
+          <a:bodyPr wrap="none" rtlCol="0">
+            <a:spAutoFit/>
+          </a:bodyPr>
           <a:lstStyle/>
           <a:p>
             <a:r>
               <a:rPr lang="en-US" dirty="0"/>
-              <a:t>Since the data are comparable to each other after </a:t>
+              <a:t>Subjects were independently </a:t>
             </a:r>
             <a:r>
               <a:rPr lang="en-US" dirty="0" err="1"/>
-              <a:t>BrainSync</a:t>
+              <a:t>parcellated</a:t>
             </a:r>
             <a:r>
               <a:rPr lang="en-US" dirty="0"/>
-              <a:t>, we can pool it and do joint parcellation</a:t>
-            </a:r>
-          </a:p>
-          <a:p>
-            <a:endParaRPr lang="en-US" dirty="0"/>
-          </a:p>
-          <a:p>
+              <a:t> by k-means with </a:t>
+            </a:r>
+            <a:r>
+              <a:rPr lang="en-US" dirty="0" err="1"/>
+              <a:t>nClusters</a:t>
+            </a:r>
+            <a:r>
+              <a:rPr lang="en-US" dirty="0"/>
+              <a:t>=30</a:t>
+            </a:r>
+          </a:p>
+        </p:txBody>
+      </p:sp>
+      <p:sp>
+        <p:nvSpPr>
+          <p:cNvPr id="8" name="TextBox 7"/>
+          <p:cNvSpPr txBox="1"/>
+          <p:nvPr/>
+        </p:nvSpPr>
+        <p:spPr>
+          <a:xfrm>
+            <a:off x="1896988" y="1481448"/>
+            <a:ext cx="790601" cy="369332"/>
+          </a:xfrm>
+          <a:prstGeom prst="rect">
+            <a:avLst/>
+          </a:prstGeom>
+          <a:noFill/>
+        </p:spPr>
+        <p:txBody>
+          <a:bodyPr wrap="none" rtlCol="0">
+            <a:spAutoFit/>
+          </a:bodyPr>
+          <a:lstStyle/>
+          <a:p>
+            <a:r>
+              <a:rPr lang="en-US" dirty="0"/>
+              <a:t>Sub 1</a:t>
+            </a:r>
+          </a:p>
+        </p:txBody>
+      </p:sp>
+      <p:sp>
+        <p:nvSpPr>
+          <p:cNvPr id="14" name="TextBox 13"/>
+          <p:cNvSpPr txBox="1"/>
+          <p:nvPr/>
+        </p:nvSpPr>
+        <p:spPr>
+          <a:xfrm>
+            <a:off x="4462656" y="1481448"/>
+            <a:ext cx="790601" cy="369332"/>
+          </a:xfrm>
+          <a:prstGeom prst="rect">
+            <a:avLst/>
+          </a:prstGeom>
+          <a:noFill/>
+        </p:spPr>
+        <p:txBody>
+          <a:bodyPr wrap="none" rtlCol="0">
+            <a:spAutoFit/>
+          </a:bodyPr>
+          <a:lstStyle/>
+          <a:p>
+            <a:r>
+              <a:rPr lang="en-US" dirty="0"/>
+              <a:t>Sub 2</a:t>
+            </a:r>
+          </a:p>
+        </p:txBody>
+      </p:sp>
+      <p:sp>
+        <p:nvSpPr>
+          <p:cNvPr id="15" name="TextBox 14"/>
+          <p:cNvSpPr txBox="1"/>
+          <p:nvPr/>
+        </p:nvSpPr>
+        <p:spPr>
+          <a:xfrm>
+            <a:off x="7042737" y="1464441"/>
+            <a:ext cx="790601" cy="369332"/>
+          </a:xfrm>
+          <a:prstGeom prst="rect">
+            <a:avLst/>
+          </a:prstGeom>
+          <a:noFill/>
+        </p:spPr>
+        <p:txBody>
+          <a:bodyPr wrap="none" rtlCol="0">
+            <a:spAutoFit/>
+          </a:bodyPr>
+          <a:lstStyle/>
+          <a:p>
+            <a:r>
+              <a:rPr lang="en-US" dirty="0"/>
+              <a:t>Sub 3</a:t>
+            </a:r>
+          </a:p>
+        </p:txBody>
+      </p:sp>
+      <p:sp>
+        <p:nvSpPr>
+          <p:cNvPr id="16" name="TextBox 15"/>
+          <p:cNvSpPr txBox="1"/>
+          <p:nvPr/>
+        </p:nvSpPr>
+        <p:spPr>
+          <a:xfrm>
+            <a:off x="9600074" y="1464441"/>
+            <a:ext cx="790601" cy="369332"/>
+          </a:xfrm>
+          <a:prstGeom prst="rect">
+            <a:avLst/>
+          </a:prstGeom>
+          <a:noFill/>
+        </p:spPr>
+        <p:txBody>
+          <a:bodyPr wrap="none" rtlCol="0">
+            <a:spAutoFit/>
+          </a:bodyPr>
+          <a:lstStyle/>
+          <a:p>
+            <a:r>
+              <a:rPr lang="en-US" dirty="0"/>
+              <a:t>Sub 4</a:t>
+            </a:r>
+          </a:p>
+        </p:txBody>
+      </p:sp>
+      <p:sp>
+        <p:nvSpPr>
+          <p:cNvPr id="9" name="TextBox 8"/>
+          <p:cNvSpPr txBox="1"/>
+          <p:nvPr/>
+        </p:nvSpPr>
+        <p:spPr>
+          <a:xfrm>
+            <a:off x="1334301" y="5873348"/>
+            <a:ext cx="9849171" cy="646331"/>
+          </a:xfrm>
+          <a:prstGeom prst="rect">
+            <a:avLst/>
+          </a:prstGeom>
+          <a:noFill/>
+        </p:spPr>
+        <p:txBody>
+          <a:bodyPr wrap="none" rtlCol="0">
+            <a:spAutoFit/>
+          </a:bodyPr>
+          <a:lstStyle/>
+          <a:p>
+            <a:pPr algn="r"/>
+            <a:r>
+              <a:rPr lang="en-US" b="1" i="1" dirty="0" err="1"/>
+              <a:t>Parcellations</a:t>
+            </a:r>
             <a:r>
               <a:rPr lang="en-US" b="1" i="1" dirty="0"/>
-              <a:t>Clustering will work better when data is pooled, rather than doing clustering one by one</a:t>
+              <a:t> are different for individual scans, probably because not enough samples </a:t>
+            </a:r>
+          </a:p>
+          <a:p>
+            <a:r>
+              <a:rPr lang="en-US" b="1" i="1" dirty="0"/>
+              <a:t>for finding correct boundaries</a:t>
             </a:r>
           </a:p>
         </p:txBody>
@@ -11871,7 +14573,7 @@
     </p:spTree>
     <p:extLst>
       <p:ext uri="{BB962C8B-B14F-4D97-AF65-F5344CB8AC3E}">
-        <p14:creationId xmlns:p14="http://schemas.microsoft.com/office/powerpoint/2010/main" val="1318014954"/>
+        <p14:creationId xmlns:p14="http://schemas.microsoft.com/office/powerpoint/2010/main" val="1591713396"/>
       </p:ext>
     </p:extLst>
   </p:cSld>

--- a/docs/brain_sync.pptx
+++ b/docs/brain_sync.pptx
@@ -15,13 +15,14 @@
     <p:sldId id="260" r:id="rId9"/>
     <p:sldId id="261" r:id="rId10"/>
     <p:sldId id="268" r:id="rId11"/>
-    <p:sldId id="266" r:id="rId12"/>
-    <p:sldId id="263" r:id="rId13"/>
-    <p:sldId id="272" r:id="rId14"/>
+    <p:sldId id="274" r:id="rId12"/>
+    <p:sldId id="266" r:id="rId13"/>
+    <p:sldId id="263" r:id="rId14"/>
     <p:sldId id="273" r:id="rId15"/>
-    <p:sldId id="265" r:id="rId16"/>
-    <p:sldId id="270" r:id="rId17"/>
-    <p:sldId id="264" r:id="rId18"/>
+    <p:sldId id="272" r:id="rId16"/>
+    <p:sldId id="265" r:id="rId17"/>
+    <p:sldId id="270" r:id="rId18"/>
+    <p:sldId id="264" r:id="rId19"/>
   </p:sldIdLst>
   <p:sldSz cx="12192000" cy="6858000"/>
   <p:notesSz cx="6858000" cy="9144000"/>
@@ -316,7 +317,7 @@
           <a:p>
             <a:fld id="{16885065-5610-4AF7-9C11-064BC18A2FE3}" type="datetimeFigureOut">
               <a:rPr lang="en-US" smtClean="0"/>
-              <a:t>8/6/2016</a:t>
+              <a:t>8/8/2016</a:t>
             </a:fld>
             <a:endParaRPr lang="en-US"/>
           </a:p>
@@ -654,7 +655,7 @@
           <a:p>
             <a:fld id="{16885065-5610-4AF7-9C11-064BC18A2FE3}" type="datetimeFigureOut">
               <a:rPr lang="en-US" smtClean="0"/>
-              <a:t>8/6/2016</a:t>
+              <a:t>8/8/2016</a:t>
             </a:fld>
             <a:endParaRPr lang="en-US"/>
           </a:p>
@@ -1055,7 +1056,7 @@
           <a:p>
             <a:fld id="{16885065-5610-4AF7-9C11-064BC18A2FE3}" type="datetimeFigureOut">
               <a:rPr lang="en-US" smtClean="0"/>
-              <a:t>8/6/2016</a:t>
+              <a:t>8/8/2016</a:t>
             </a:fld>
             <a:endParaRPr lang="en-US"/>
           </a:p>
@@ -1391,7 +1392,7 @@
           <a:p>
             <a:fld id="{16885065-5610-4AF7-9C11-064BC18A2FE3}" type="datetimeFigureOut">
               <a:rPr lang="en-US" smtClean="0"/>
-              <a:t>8/6/2016</a:t>
+              <a:t>8/8/2016</a:t>
             </a:fld>
             <a:endParaRPr lang="en-US"/>
           </a:p>
@@ -1711,7 +1712,7 @@
           <a:p>
             <a:fld id="{16885065-5610-4AF7-9C11-064BC18A2FE3}" type="datetimeFigureOut">
               <a:rPr lang="en-US" smtClean="0"/>
-              <a:t>8/6/2016</a:t>
+              <a:t>8/8/2016</a:t>
             </a:fld>
             <a:endParaRPr lang="en-US"/>
           </a:p>
@@ -2107,7 +2108,7 @@
           <a:p>
             <a:fld id="{16885065-5610-4AF7-9C11-064BC18A2FE3}" type="datetimeFigureOut">
               <a:rPr lang="en-US" smtClean="0"/>
-              <a:t>8/6/2016</a:t>
+              <a:t>8/8/2016</a:t>
             </a:fld>
             <a:endParaRPr lang="en-US"/>
           </a:p>
@@ -2364,7 +2365,7 @@
           <a:p>
             <a:fld id="{16885065-5610-4AF7-9C11-064BC18A2FE3}" type="datetimeFigureOut">
               <a:rPr lang="en-US" smtClean="0"/>
-              <a:t>8/6/2016</a:t>
+              <a:t>8/8/2016</a:t>
             </a:fld>
             <a:endParaRPr lang="en-US"/>
           </a:p>
@@ -2626,7 +2627,7 @@
           <a:p>
             <a:fld id="{16885065-5610-4AF7-9C11-064BC18A2FE3}" type="datetimeFigureOut">
               <a:rPr lang="en-US" smtClean="0"/>
-              <a:t>8/6/2016</a:t>
+              <a:t>8/8/2016</a:t>
             </a:fld>
             <a:endParaRPr lang="en-US"/>
           </a:p>
@@ -2888,7 +2889,7 @@
           <a:p>
             <a:fld id="{16885065-5610-4AF7-9C11-064BC18A2FE3}" type="datetimeFigureOut">
               <a:rPr lang="en-US" smtClean="0"/>
-              <a:t>8/6/2016</a:t>
+              <a:t>8/8/2016</a:t>
             </a:fld>
             <a:endParaRPr lang="en-US"/>
           </a:p>
@@ -3217,7 +3218,7 @@
           <a:p>
             <a:fld id="{16885065-5610-4AF7-9C11-064BC18A2FE3}" type="datetimeFigureOut">
               <a:rPr lang="en-US" smtClean="0"/>
-              <a:t>8/6/2016</a:t>
+              <a:t>8/8/2016</a:t>
             </a:fld>
             <a:endParaRPr lang="en-US"/>
           </a:p>
@@ -3540,7 +3541,7 @@
           <a:p>
             <a:fld id="{16885065-5610-4AF7-9C11-064BC18A2FE3}" type="datetimeFigureOut">
               <a:rPr lang="en-US" smtClean="0"/>
-              <a:t>8/6/2016</a:t>
+              <a:t>8/8/2016</a:t>
             </a:fld>
             <a:endParaRPr lang="en-US"/>
           </a:p>
@@ -3997,7 +3998,7 @@
           <a:p>
             <a:fld id="{16885065-5610-4AF7-9C11-064BC18A2FE3}" type="datetimeFigureOut">
               <a:rPr lang="en-US" smtClean="0"/>
-              <a:t>8/6/2016</a:t>
+              <a:t>8/8/2016</a:t>
             </a:fld>
             <a:endParaRPr lang="en-US"/>
           </a:p>
@@ -4202,7 +4203,7 @@
           <a:p>
             <a:fld id="{16885065-5610-4AF7-9C11-064BC18A2FE3}" type="datetimeFigureOut">
               <a:rPr lang="en-US" smtClean="0"/>
-              <a:t>8/6/2016</a:t>
+              <a:t>8/8/2016</a:t>
             </a:fld>
             <a:endParaRPr lang="en-US"/>
           </a:p>
@@ -4379,7 +4380,7 @@
           <a:p>
             <a:fld id="{16885065-5610-4AF7-9C11-064BC18A2FE3}" type="datetimeFigureOut">
               <a:rPr lang="en-US" smtClean="0"/>
-              <a:t>8/6/2016</a:t>
+              <a:t>8/8/2016</a:t>
             </a:fld>
             <a:endParaRPr lang="en-US"/>
           </a:p>
@@ -4712,7 +4713,7 @@
           <a:p>
             <a:fld id="{16885065-5610-4AF7-9C11-064BC18A2FE3}" type="datetimeFigureOut">
               <a:rPr lang="en-US" smtClean="0"/>
-              <a:t>8/6/2016</a:t>
+              <a:t>8/8/2016</a:t>
             </a:fld>
             <a:endParaRPr lang="en-US"/>
           </a:p>
@@ -5057,7 +5058,7 @@
           <a:p>
             <a:fld id="{16885065-5610-4AF7-9C11-064BC18A2FE3}" type="datetimeFigureOut">
               <a:rPr lang="en-US" smtClean="0"/>
-              <a:t>8/6/2016</a:t>
+              <a:t>8/8/2016</a:t>
             </a:fld>
             <a:endParaRPr lang="en-US"/>
           </a:p>
@@ -7174,7 +7175,7 @@
           <a:p>
             <a:fld id="{16885065-5610-4AF7-9C11-064BC18A2FE3}" type="datetimeFigureOut">
               <a:rPr lang="en-US" smtClean="0"/>
-              <a:t>8/6/2016</a:t>
+              <a:t>8/8/2016</a:t>
             </a:fld>
             <a:endParaRPr lang="en-US"/>
           </a:p>
@@ -7710,7 +7711,7 @@
         </p:spPr>
         <p:txBody>
           <a:bodyPr>
-            <a:normAutofit/>
+            <a:normAutofit fontScale="90000"/>
           </a:bodyPr>
           <a:lstStyle/>
           <a:p>
@@ -7720,7 +7721,36 @@
             </a:r>
             <a:r>
               <a:rPr lang="en-US" dirty="0"/>
-              <a:t>: Synchronizing Resting State Brains</a:t>
+              <a:t>: Synchronizing Resting State fMRI for Clustering and Statistical Analysis</a:t>
+            </a:r>
+          </a:p>
+        </p:txBody>
+      </p:sp>
+      <p:sp>
+        <p:nvSpPr>
+          <p:cNvPr id="3" name="TextBox 2"/>
+          <p:cNvSpPr txBox="1"/>
+          <p:nvPr/>
+        </p:nvSpPr>
+        <p:spPr>
+          <a:xfrm>
+            <a:off x="3764691" y="5156886"/>
+            <a:ext cx="4386137" cy="369332"/>
+          </a:xfrm>
+          <a:prstGeom prst="rect">
+            <a:avLst/>
+          </a:prstGeom>
+          <a:noFill/>
+        </p:spPr>
+        <p:txBody>
+          <a:bodyPr wrap="none" rtlCol="0">
+            <a:spAutoFit/>
+          </a:bodyPr>
+          <a:lstStyle/>
+          <a:p>
+            <a:r>
+              <a:rPr lang="en-US" dirty="0"/>
+              <a:t>Anand A. Joshi and Richard M. Leahy</a:t>
             </a:r>
           </a:p>
         </p:txBody>
@@ -7844,6 +7874,319 @@
 </file>
 
 <file path=ppt/slides/slide11.xml><?xml version="1.0" encoding="utf-8"?>
+<p:sld xmlns:a="http://schemas.openxmlformats.org/drawingml/2006/main" xmlns:r="http://schemas.openxmlformats.org/officeDocument/2006/relationships" xmlns:p="http://schemas.openxmlformats.org/presentationml/2006/main">
+  <p:cSld>
+    <p:spTree>
+      <p:nvGrpSpPr>
+        <p:cNvPr id="1" name=""/>
+        <p:cNvGrpSpPr/>
+        <p:nvPr/>
+      </p:nvGrpSpPr>
+      <p:grpSpPr>
+        <a:xfrm>
+          <a:off x="0" y="0"/>
+          <a:ext cx="0" cy="0"/>
+          <a:chOff x="0" y="0"/>
+          <a:chExt cx="0" cy="0"/>
+        </a:xfrm>
+      </p:grpSpPr>
+      <p:sp>
+        <p:nvSpPr>
+          <p:cNvPr id="2" name="Title 1"/>
+          <p:cNvSpPr>
+            <a:spLocks noGrp="1"/>
+          </p:cNvSpPr>
+          <p:nvPr>
+            <p:ph type="title"/>
+          </p:nvPr>
+        </p:nvSpPr>
+        <p:spPr>
+          <a:xfrm>
+            <a:off x="1535380" y="338883"/>
+            <a:ext cx="10597934" cy="1280890"/>
+          </a:xfrm>
+        </p:spPr>
+        <p:txBody>
+          <a:bodyPr/>
+          <a:lstStyle/>
+          <a:p>
+            <a:r>
+              <a:rPr lang="en-US" dirty="0"/>
+              <a:t>Clustering algorithms work better when data is pooled (Simulation)</a:t>
+            </a:r>
+          </a:p>
+        </p:txBody>
+      </p:sp>
+      <p:pic>
+        <p:nvPicPr>
+          <p:cNvPr id="13" name="Picture 12"/>
+          <p:cNvPicPr>
+            <a:picLocks noChangeAspect="1"/>
+          </p:cNvPicPr>
+          <p:nvPr/>
+        </p:nvPicPr>
+        <p:blipFill>
+          <a:blip r:embed="rId2">
+            <a:extLst>
+              <a:ext uri="{28A0092B-C50C-407E-A947-70E740481C1C}">
+                <a14:useLocalDpi xmlns:a14="http://schemas.microsoft.com/office/drawing/2010/main" val="0"/>
+              </a:ext>
+            </a:extLst>
+          </a:blip>
+          <a:stretch>
+            <a:fillRect/>
+          </a:stretch>
+        </p:blipFill>
+        <p:spPr>
+          <a:xfrm>
+            <a:off x="390897" y="2768600"/>
+            <a:ext cx="2615442" cy="1859870"/>
+          </a:xfrm>
+          <a:prstGeom prst="rect">
+            <a:avLst/>
+          </a:prstGeom>
+        </p:spPr>
+      </p:pic>
+      <p:pic>
+        <p:nvPicPr>
+          <p:cNvPr id="14" name="Picture 13"/>
+          <p:cNvPicPr>
+            <a:picLocks noChangeAspect="1"/>
+          </p:cNvPicPr>
+          <p:nvPr/>
+        </p:nvPicPr>
+        <p:blipFill>
+          <a:blip r:embed="rId3">
+            <a:extLst>
+              <a:ext uri="{28A0092B-C50C-407E-A947-70E740481C1C}">
+                <a14:useLocalDpi xmlns:a14="http://schemas.microsoft.com/office/drawing/2010/main" val="0"/>
+              </a:ext>
+            </a:extLst>
+          </a:blip>
+          <a:stretch>
+            <a:fillRect/>
+          </a:stretch>
+        </p:blipFill>
+        <p:spPr>
+          <a:xfrm>
+            <a:off x="3708667" y="2768600"/>
+            <a:ext cx="2615442" cy="1859870"/>
+          </a:xfrm>
+          <a:prstGeom prst="rect">
+            <a:avLst/>
+          </a:prstGeom>
+        </p:spPr>
+      </p:pic>
+      <p:pic>
+        <p:nvPicPr>
+          <p:cNvPr id="15" name="Picture 14"/>
+          <p:cNvPicPr>
+            <a:picLocks noChangeAspect="1"/>
+          </p:cNvPicPr>
+          <p:nvPr/>
+        </p:nvPicPr>
+        <p:blipFill>
+          <a:blip r:embed="rId4">
+            <a:extLst>
+              <a:ext uri="{28A0092B-C50C-407E-A947-70E740481C1C}">
+                <a14:useLocalDpi xmlns:a14="http://schemas.microsoft.com/office/drawing/2010/main" val="0"/>
+              </a:ext>
+            </a:extLst>
+          </a:blip>
+          <a:stretch>
+            <a:fillRect/>
+          </a:stretch>
+        </p:blipFill>
+        <p:spPr>
+          <a:xfrm>
+            <a:off x="8266111" y="3477003"/>
+            <a:ext cx="3238501" cy="2302934"/>
+          </a:xfrm>
+          <a:prstGeom prst="rect">
+            <a:avLst/>
+          </a:prstGeom>
+        </p:spPr>
+      </p:pic>
+      <p:pic>
+        <p:nvPicPr>
+          <p:cNvPr id="16" name="Picture 15"/>
+          <p:cNvPicPr>
+            <a:picLocks noChangeAspect="1"/>
+          </p:cNvPicPr>
+          <p:nvPr/>
+        </p:nvPicPr>
+        <p:blipFill>
+          <a:blip r:embed="rId5">
+            <a:extLst>
+              <a:ext uri="{28A0092B-C50C-407E-A947-70E740481C1C}">
+                <a14:useLocalDpi xmlns:a14="http://schemas.microsoft.com/office/drawing/2010/main" val="0"/>
+              </a:ext>
+            </a:extLst>
+          </a:blip>
+          <a:stretch>
+            <a:fillRect/>
+          </a:stretch>
+        </p:blipFill>
+        <p:spPr>
+          <a:xfrm>
+            <a:off x="390897" y="4630896"/>
+            <a:ext cx="2694711" cy="1916239"/>
+          </a:xfrm>
+          <a:prstGeom prst="rect">
+            <a:avLst/>
+          </a:prstGeom>
+        </p:spPr>
+      </p:pic>
+      <p:pic>
+        <p:nvPicPr>
+          <p:cNvPr id="17" name="Picture 16"/>
+          <p:cNvPicPr>
+            <a:picLocks noChangeAspect="1"/>
+          </p:cNvPicPr>
+          <p:nvPr/>
+        </p:nvPicPr>
+        <p:blipFill>
+          <a:blip r:embed="rId6">
+            <a:extLst>
+              <a:ext uri="{28A0092B-C50C-407E-A947-70E740481C1C}">
+                <a14:useLocalDpi xmlns:a14="http://schemas.microsoft.com/office/drawing/2010/main" val="0"/>
+              </a:ext>
+            </a:extLst>
+          </a:blip>
+          <a:stretch>
+            <a:fillRect/>
+          </a:stretch>
+        </p:blipFill>
+        <p:spPr>
+          <a:xfrm>
+            <a:off x="3708667" y="4630896"/>
+            <a:ext cx="2684455" cy="1908946"/>
+          </a:xfrm>
+          <a:prstGeom prst="rect">
+            <a:avLst/>
+          </a:prstGeom>
+        </p:spPr>
+      </p:pic>
+      <p:sp>
+        <p:nvSpPr>
+          <p:cNvPr id="18" name="TextBox 17"/>
+          <p:cNvSpPr txBox="1"/>
+          <p:nvPr/>
+        </p:nvSpPr>
+        <p:spPr>
+          <a:xfrm>
+            <a:off x="347131" y="1905000"/>
+            <a:ext cx="11819261" cy="646331"/>
+          </a:xfrm>
+          <a:prstGeom prst="rect">
+            <a:avLst/>
+          </a:prstGeom>
+          <a:noFill/>
+        </p:spPr>
+        <p:txBody>
+          <a:bodyPr wrap="none" rtlCol="0">
+            <a:spAutoFit/>
+          </a:bodyPr>
+          <a:lstStyle/>
+          <a:p>
+            <a:pPr marL="285750" indent="-285750">
+              <a:buFont typeface="Arial" panose="020B0604020202020204" pitchFamily="34" charset="0"/>
+              <a:buChar char="•"/>
+            </a:pPr>
+            <a:r>
+              <a:rPr lang="en-US" dirty="0"/>
+              <a:t>Gaussian data was generated on 5x5 uniform grid</a:t>
+            </a:r>
+          </a:p>
+          <a:p>
+            <a:pPr marL="285750" indent="-285750">
+              <a:buFont typeface="Arial" panose="020B0604020202020204" pitchFamily="34" charset="0"/>
+              <a:buChar char="•"/>
+            </a:pPr>
+            <a:r>
+              <a:rPr lang="en-US" dirty="0"/>
+              <a:t>K means clustering was done separately on 4 such datasets and then after pooling the data together</a:t>
+            </a:r>
+          </a:p>
+        </p:txBody>
+      </p:sp>
+      <p:sp>
+        <p:nvSpPr>
+          <p:cNvPr id="19" name="TextBox 18"/>
+          <p:cNvSpPr txBox="1"/>
+          <p:nvPr/>
+        </p:nvSpPr>
+        <p:spPr>
+          <a:xfrm>
+            <a:off x="2034416" y="6488668"/>
+            <a:ext cx="3619902" cy="369332"/>
+          </a:xfrm>
+          <a:prstGeom prst="rect">
+            <a:avLst/>
+          </a:prstGeom>
+          <a:noFill/>
+        </p:spPr>
+        <p:txBody>
+          <a:bodyPr wrap="none" rtlCol="0">
+            <a:spAutoFit/>
+          </a:bodyPr>
+          <a:lstStyle/>
+          <a:p>
+            <a:r>
+              <a:rPr lang="en-US" dirty="0"/>
+              <a:t>4 separate k-means </a:t>
+            </a:r>
+            <a:r>
+              <a:rPr lang="en-US" dirty="0" err="1"/>
+              <a:t>clusterings</a:t>
+            </a:r>
+            <a:endParaRPr lang="en-US" dirty="0"/>
+          </a:p>
+        </p:txBody>
+      </p:sp>
+      <p:sp>
+        <p:nvSpPr>
+          <p:cNvPr id="20" name="TextBox 19"/>
+          <p:cNvSpPr txBox="1"/>
+          <p:nvPr/>
+        </p:nvSpPr>
+        <p:spPr>
+          <a:xfrm>
+            <a:off x="8339020" y="5932613"/>
+            <a:ext cx="3230372" cy="369332"/>
+          </a:xfrm>
+          <a:prstGeom prst="rect">
+            <a:avLst/>
+          </a:prstGeom>
+          <a:noFill/>
+        </p:spPr>
+        <p:txBody>
+          <a:bodyPr wrap="none" rtlCol="0">
+            <a:spAutoFit/>
+          </a:bodyPr>
+          <a:lstStyle/>
+          <a:p>
+            <a:r>
+              <a:rPr lang="en-US" dirty="0"/>
+              <a:t>Clustering on pooled data</a:t>
+            </a:r>
+          </a:p>
+        </p:txBody>
+      </p:sp>
+    </p:spTree>
+    <p:extLst>
+      <p:ext uri="{BB962C8B-B14F-4D97-AF65-F5344CB8AC3E}">
+        <p14:creationId xmlns:p14="http://schemas.microsoft.com/office/powerpoint/2010/main" val="639588119"/>
+      </p:ext>
+    </p:extLst>
+  </p:cSld>
+  <p:clrMapOvr>
+    <a:masterClrMapping/>
+  </p:clrMapOvr>
+</p:sld>
+</file>
+
+<file path=ppt/slides/slide12.xml><?xml version="1.0" encoding="utf-8"?>
 <p:sld xmlns:a="http://schemas.openxmlformats.org/drawingml/2006/main" xmlns:r="http://schemas.openxmlformats.org/officeDocument/2006/relationships" xmlns:p="http://schemas.openxmlformats.org/presentationml/2006/main">
   <p:cSld>
     <p:spTree>
@@ -8269,7 +8612,7 @@
 </p:sld>
 </file>
 
-<file path=ppt/slides/slide12.xml><?xml version="1.0" encoding="utf-8"?>
+<file path=ppt/slides/slide13.xml><?xml version="1.0" encoding="utf-8"?>
 <p:sld xmlns:a="http://schemas.openxmlformats.org/drawingml/2006/main" xmlns:r="http://schemas.openxmlformats.org/officeDocument/2006/relationships" xmlns:p="http://schemas.openxmlformats.org/presentationml/2006/main">
   <p:cSld>
     <p:spTree>
@@ -8769,7 +9112,353 @@
 </p:sld>
 </file>
 
-<file path=ppt/slides/slide13.xml><?xml version="1.0" encoding="utf-8"?>
+<file path=ppt/slides/slide14.xml><?xml version="1.0" encoding="utf-8"?>
+<p:sld xmlns:a="http://schemas.openxmlformats.org/drawingml/2006/main" xmlns:r="http://schemas.openxmlformats.org/officeDocument/2006/relationships" xmlns:p="http://schemas.openxmlformats.org/presentationml/2006/main">
+  <p:cSld>
+    <p:spTree>
+      <p:nvGrpSpPr>
+        <p:cNvPr id="1" name=""/>
+        <p:cNvGrpSpPr/>
+        <p:nvPr/>
+      </p:nvGrpSpPr>
+      <p:grpSpPr>
+        <a:xfrm>
+          <a:off x="0" y="0"/>
+          <a:ext cx="0" cy="0"/>
+          <a:chOff x="0" y="0"/>
+          <a:chExt cx="0" cy="0"/>
+        </a:xfrm>
+      </p:grpSpPr>
+      <p:pic>
+        <p:nvPicPr>
+          <p:cNvPr id="4" name="Content Placeholder 3"/>
+          <p:cNvPicPr>
+            <a:picLocks noGrp="1" noChangeAspect="1"/>
+          </p:cNvPicPr>
+          <p:nvPr>
+            <p:ph idx="1"/>
+          </p:nvPr>
+        </p:nvPicPr>
+        <p:blipFill rotWithShape="1">
+          <a:blip r:embed="rId2">
+            <a:extLst>
+              <a:ext uri="{28A0092B-C50C-407E-A947-70E740481C1C}">
+                <a14:useLocalDpi xmlns:a14="http://schemas.microsoft.com/office/drawing/2010/main" val="0"/>
+              </a:ext>
+            </a:extLst>
+          </a:blip>
+          <a:srcRect l="15157" t="20281" r="15684" b="19449"/>
+          <a:stretch/>
+        </p:blipFill>
+        <p:spPr>
+          <a:xfrm>
+            <a:off x="1299410" y="3754829"/>
+            <a:ext cx="2634916" cy="2009275"/>
+          </a:xfrm>
+        </p:spPr>
+      </p:pic>
+      <p:pic>
+        <p:nvPicPr>
+          <p:cNvPr id="5" name="Picture 4"/>
+          <p:cNvPicPr>
+            <a:picLocks noChangeAspect="1"/>
+          </p:cNvPicPr>
+          <p:nvPr/>
+        </p:nvPicPr>
+        <p:blipFill rotWithShape="1">
+          <a:blip r:embed="rId3">
+            <a:extLst>
+              <a:ext uri="{28A0092B-C50C-407E-A947-70E740481C1C}">
+                <a14:useLocalDpi xmlns:a14="http://schemas.microsoft.com/office/drawing/2010/main" val="0"/>
+              </a:ext>
+            </a:extLst>
+          </a:blip>
+          <a:srcRect l="14737" t="20767" r="13894" b="20767"/>
+          <a:stretch/>
+        </p:blipFill>
+        <p:spPr>
+          <a:xfrm>
+            <a:off x="1299410" y="1901966"/>
+            <a:ext cx="2719137" cy="1949116"/>
+          </a:xfrm>
+          <a:prstGeom prst="rect">
+            <a:avLst/>
+          </a:prstGeom>
+        </p:spPr>
+      </p:pic>
+      <p:pic>
+        <p:nvPicPr>
+          <p:cNvPr id="6" name="Picture 5"/>
+          <p:cNvPicPr>
+            <a:picLocks noChangeAspect="1"/>
+          </p:cNvPicPr>
+          <p:nvPr/>
+        </p:nvPicPr>
+        <p:blipFill rotWithShape="1">
+          <a:blip r:embed="rId4">
+            <a:extLst>
+              <a:ext uri="{28A0092B-C50C-407E-A947-70E740481C1C}">
+                <a14:useLocalDpi xmlns:a14="http://schemas.microsoft.com/office/drawing/2010/main" val="0"/>
+              </a:ext>
+            </a:extLst>
+          </a:blip>
+          <a:srcRect l="15368" t="19368" r="15473" b="20360"/>
+          <a:stretch/>
+        </p:blipFill>
+        <p:spPr>
+          <a:xfrm>
+            <a:off x="3934326" y="3754828"/>
+            <a:ext cx="2634915" cy="2009275"/>
+          </a:xfrm>
+          <a:prstGeom prst="rect">
+            <a:avLst/>
+          </a:prstGeom>
+        </p:spPr>
+      </p:pic>
+      <p:pic>
+        <p:nvPicPr>
+          <p:cNvPr id="7" name="Picture 6"/>
+          <p:cNvPicPr>
+            <a:picLocks noChangeAspect="1"/>
+          </p:cNvPicPr>
+          <p:nvPr/>
+        </p:nvPicPr>
+        <p:blipFill rotWithShape="1">
+          <a:blip r:embed="rId5">
+            <a:extLst>
+              <a:ext uri="{28A0092B-C50C-407E-A947-70E740481C1C}">
+                <a14:useLocalDpi xmlns:a14="http://schemas.microsoft.com/office/drawing/2010/main" val="0"/>
+              </a:ext>
+            </a:extLst>
+          </a:blip>
+          <a:srcRect l="15053" t="19666" r="15152" b="21128"/>
+          <a:stretch/>
+        </p:blipFill>
+        <p:spPr>
+          <a:xfrm>
+            <a:off x="3934326" y="1901967"/>
+            <a:ext cx="2659183" cy="1973791"/>
+          </a:xfrm>
+          <a:prstGeom prst="rect">
+            <a:avLst/>
+          </a:prstGeom>
+        </p:spPr>
+      </p:pic>
+      <p:pic>
+        <p:nvPicPr>
+          <p:cNvPr id="9" name="Picture 8"/>
+          <p:cNvPicPr>
+            <a:picLocks noChangeAspect="1"/>
+          </p:cNvPicPr>
+          <p:nvPr/>
+        </p:nvPicPr>
+        <p:blipFill rotWithShape="1">
+          <a:blip r:embed="rId6">
+            <a:extLst>
+              <a:ext uri="{28A0092B-C50C-407E-A947-70E740481C1C}">
+                <a14:useLocalDpi xmlns:a14="http://schemas.microsoft.com/office/drawing/2010/main" val="0"/>
+              </a:ext>
+            </a:extLst>
+          </a:blip>
+          <a:srcRect l="15684" t="20075" r="15473" b="20375"/>
+          <a:stretch/>
+        </p:blipFill>
+        <p:spPr>
+          <a:xfrm>
+            <a:off x="6581273" y="1902579"/>
+            <a:ext cx="2622884" cy="1985211"/>
+          </a:xfrm>
+          <a:prstGeom prst="rect">
+            <a:avLst/>
+          </a:prstGeom>
+        </p:spPr>
+      </p:pic>
+      <p:pic>
+        <p:nvPicPr>
+          <p:cNvPr id="8" name="Picture 7"/>
+          <p:cNvPicPr>
+            <a:picLocks noChangeAspect="1"/>
+          </p:cNvPicPr>
+          <p:nvPr/>
+        </p:nvPicPr>
+        <p:blipFill rotWithShape="1">
+          <a:blip r:embed="rId7">
+            <a:extLst>
+              <a:ext uri="{28A0092B-C50C-407E-A947-70E740481C1C}">
+                <a14:useLocalDpi xmlns:a14="http://schemas.microsoft.com/office/drawing/2010/main" val="0"/>
+              </a:ext>
+            </a:extLst>
+          </a:blip>
+          <a:srcRect l="14842" t="20406" r="15053" b="20776"/>
+          <a:stretch/>
+        </p:blipFill>
+        <p:spPr>
+          <a:xfrm>
+            <a:off x="6533146" y="3803264"/>
+            <a:ext cx="2671011" cy="1960840"/>
+          </a:xfrm>
+          <a:prstGeom prst="rect">
+            <a:avLst/>
+          </a:prstGeom>
+        </p:spPr>
+      </p:pic>
+      <p:pic>
+        <p:nvPicPr>
+          <p:cNvPr id="10" name="Picture 9"/>
+          <p:cNvPicPr>
+            <a:picLocks noChangeAspect="1"/>
+          </p:cNvPicPr>
+          <p:nvPr/>
+        </p:nvPicPr>
+        <p:blipFill rotWithShape="1">
+          <a:blip r:embed="rId8">
+            <a:extLst>
+              <a:ext uri="{28A0092B-C50C-407E-A947-70E740481C1C}">
+                <a14:useLocalDpi xmlns:a14="http://schemas.microsoft.com/office/drawing/2010/main" val="0"/>
+              </a:ext>
+            </a:extLst>
+          </a:blip>
+          <a:srcRect l="15473" t="20591" r="15368" b="20591"/>
+          <a:stretch/>
+        </p:blipFill>
+        <p:spPr>
+          <a:xfrm>
+            <a:off x="9168061" y="3803263"/>
+            <a:ext cx="2634916" cy="1960840"/>
+          </a:xfrm>
+          <a:prstGeom prst="rect">
+            <a:avLst/>
+          </a:prstGeom>
+        </p:spPr>
+      </p:pic>
+      <p:pic>
+        <p:nvPicPr>
+          <p:cNvPr id="11" name="Picture 10"/>
+          <p:cNvPicPr>
+            <a:picLocks noChangeAspect="1"/>
+          </p:cNvPicPr>
+          <p:nvPr/>
+        </p:nvPicPr>
+        <p:blipFill rotWithShape="1">
+          <a:blip r:embed="rId9">
+            <a:extLst>
+              <a:ext uri="{28A0092B-C50C-407E-A947-70E740481C1C}">
+                <a14:useLocalDpi xmlns:a14="http://schemas.microsoft.com/office/drawing/2010/main" val="0"/>
+              </a:ext>
+            </a:extLst>
+          </a:blip>
+          <a:srcRect l="15684" t="20767" r="15789" b="20767"/>
+          <a:stretch/>
+        </p:blipFill>
+        <p:spPr>
+          <a:xfrm>
+            <a:off x="9192124" y="1902578"/>
+            <a:ext cx="2610853" cy="1949117"/>
+          </a:xfrm>
+          <a:prstGeom prst="rect">
+            <a:avLst/>
+          </a:prstGeom>
+        </p:spPr>
+      </p:pic>
+      <p:sp>
+        <p:nvSpPr>
+          <p:cNvPr id="12" name="Title 1"/>
+          <p:cNvSpPr>
+            <a:spLocks noGrp="1"/>
+          </p:cNvSpPr>
+          <p:nvPr>
+            <p:ph type="title"/>
+          </p:nvPr>
+        </p:nvSpPr>
+        <p:spPr>
+          <a:xfrm>
+            <a:off x="1670085" y="227068"/>
+            <a:ext cx="8911687" cy="1280890"/>
+          </a:xfrm>
+        </p:spPr>
+        <p:txBody>
+          <a:bodyPr/>
+          <a:lstStyle/>
+          <a:p>
+            <a:r>
+              <a:rPr lang="en-US" dirty="0"/>
+              <a:t>100 ROIs Individual Clustering and recoloring</a:t>
+            </a:r>
+          </a:p>
+        </p:txBody>
+      </p:sp>
+      <p:sp>
+        <p:nvSpPr>
+          <p:cNvPr id="13" name="TextBox 12"/>
+          <p:cNvSpPr txBox="1"/>
+          <p:nvPr/>
+        </p:nvSpPr>
+        <p:spPr>
+          <a:xfrm>
+            <a:off x="2221567" y="1507958"/>
+            <a:ext cx="8763938" cy="369332"/>
+          </a:xfrm>
+          <a:prstGeom prst="rect">
+            <a:avLst/>
+          </a:prstGeom>
+          <a:noFill/>
+        </p:spPr>
+        <p:txBody>
+          <a:bodyPr wrap="none" rtlCol="0">
+            <a:spAutoFit/>
+          </a:bodyPr>
+          <a:lstStyle/>
+          <a:p>
+            <a:r>
+              <a:rPr lang="en-US" dirty="0"/>
+              <a:t>Sub 1                                 Sub 2                              Sub 3                                 Sub 4</a:t>
+            </a:r>
+          </a:p>
+        </p:txBody>
+      </p:sp>
+      <p:sp>
+        <p:nvSpPr>
+          <p:cNvPr id="14" name="TextBox 13"/>
+          <p:cNvSpPr txBox="1"/>
+          <p:nvPr/>
+        </p:nvSpPr>
+        <p:spPr>
+          <a:xfrm>
+            <a:off x="1850559" y="6136106"/>
+            <a:ext cx="5150769" cy="369332"/>
+          </a:xfrm>
+          <a:prstGeom prst="rect">
+            <a:avLst/>
+          </a:prstGeom>
+          <a:noFill/>
+        </p:spPr>
+        <p:txBody>
+          <a:bodyPr wrap="none" rtlCol="0">
+            <a:spAutoFit/>
+          </a:bodyPr>
+          <a:lstStyle/>
+          <a:p>
+            <a:r>
+              <a:rPr lang="en-US" dirty="0"/>
+              <a:t>There is very little consistency across subjects</a:t>
+            </a:r>
+          </a:p>
+        </p:txBody>
+      </p:sp>
+    </p:spTree>
+    <p:extLst>
+      <p:ext uri="{BB962C8B-B14F-4D97-AF65-F5344CB8AC3E}">
+        <p14:creationId xmlns:p14="http://schemas.microsoft.com/office/powerpoint/2010/main" val="3887100879"/>
+      </p:ext>
+    </p:extLst>
+  </p:cSld>
+  <p:clrMapOvr>
+    <a:masterClrMapping/>
+  </p:clrMapOvr>
+</p:sld>
+</file>
+
+<file path=ppt/slides/slide15.xml><?xml version="1.0" encoding="utf-8"?>
 <p:sld xmlns:a="http://schemas.openxmlformats.org/drawingml/2006/main" xmlns:r="http://schemas.openxmlformats.org/officeDocument/2006/relationships" xmlns:p="http://schemas.openxmlformats.org/presentationml/2006/main">
   <p:cSld>
     <p:spTree>
@@ -9272,7 +9961,7 @@
 </p:sld>
 </file>
 
-<file path=ppt/slides/slide14.xml><?xml version="1.0" encoding="utf-8"?>
+<file path=ppt/slides/slide16.xml><?xml version="1.0" encoding="utf-8"?>
 <p:sld xmlns:a="http://schemas.openxmlformats.org/drawingml/2006/main" xmlns:r="http://schemas.openxmlformats.org/officeDocument/2006/relationships" xmlns:p="http://schemas.openxmlformats.org/presentationml/2006/main">
   <p:cSld>
     <p:spTree>
@@ -9289,352 +9978,6 @@
           <a:chExt cx="0" cy="0"/>
         </a:xfrm>
       </p:grpSpPr>
-      <p:pic>
-        <p:nvPicPr>
-          <p:cNvPr id="4" name="Content Placeholder 3"/>
-          <p:cNvPicPr>
-            <a:picLocks noGrp="1" noChangeAspect="1"/>
-          </p:cNvPicPr>
-          <p:nvPr>
-            <p:ph idx="1"/>
-          </p:nvPr>
-        </p:nvPicPr>
-        <p:blipFill rotWithShape="1">
-          <a:blip r:embed="rId2">
-            <a:extLst>
-              <a:ext uri="{28A0092B-C50C-407E-A947-70E740481C1C}">
-                <a14:useLocalDpi xmlns:a14="http://schemas.microsoft.com/office/drawing/2010/main" val="0"/>
-              </a:ext>
-            </a:extLst>
-          </a:blip>
-          <a:srcRect l="15157" t="20281" r="15684" b="19449"/>
-          <a:stretch/>
-        </p:blipFill>
-        <p:spPr>
-          <a:xfrm>
-            <a:off x="1299410" y="3754829"/>
-            <a:ext cx="2634916" cy="2009275"/>
-          </a:xfrm>
-        </p:spPr>
-      </p:pic>
-      <p:pic>
-        <p:nvPicPr>
-          <p:cNvPr id="5" name="Picture 4"/>
-          <p:cNvPicPr>
-            <a:picLocks noChangeAspect="1"/>
-          </p:cNvPicPr>
-          <p:nvPr/>
-        </p:nvPicPr>
-        <p:blipFill rotWithShape="1">
-          <a:blip r:embed="rId3">
-            <a:extLst>
-              <a:ext uri="{28A0092B-C50C-407E-A947-70E740481C1C}">
-                <a14:useLocalDpi xmlns:a14="http://schemas.microsoft.com/office/drawing/2010/main" val="0"/>
-              </a:ext>
-            </a:extLst>
-          </a:blip>
-          <a:srcRect l="14737" t="20767" r="13894" b="20767"/>
-          <a:stretch/>
-        </p:blipFill>
-        <p:spPr>
-          <a:xfrm>
-            <a:off x="1299410" y="1901966"/>
-            <a:ext cx="2719137" cy="1949116"/>
-          </a:xfrm>
-          <a:prstGeom prst="rect">
-            <a:avLst/>
-          </a:prstGeom>
-        </p:spPr>
-      </p:pic>
-      <p:pic>
-        <p:nvPicPr>
-          <p:cNvPr id="6" name="Picture 5"/>
-          <p:cNvPicPr>
-            <a:picLocks noChangeAspect="1"/>
-          </p:cNvPicPr>
-          <p:nvPr/>
-        </p:nvPicPr>
-        <p:blipFill rotWithShape="1">
-          <a:blip r:embed="rId4">
-            <a:extLst>
-              <a:ext uri="{28A0092B-C50C-407E-A947-70E740481C1C}">
-                <a14:useLocalDpi xmlns:a14="http://schemas.microsoft.com/office/drawing/2010/main" val="0"/>
-              </a:ext>
-            </a:extLst>
-          </a:blip>
-          <a:srcRect l="15368" t="19368" r="15473" b="20360"/>
-          <a:stretch/>
-        </p:blipFill>
-        <p:spPr>
-          <a:xfrm>
-            <a:off x="3934326" y="3754828"/>
-            <a:ext cx="2634915" cy="2009275"/>
-          </a:xfrm>
-          <a:prstGeom prst="rect">
-            <a:avLst/>
-          </a:prstGeom>
-        </p:spPr>
-      </p:pic>
-      <p:pic>
-        <p:nvPicPr>
-          <p:cNvPr id="7" name="Picture 6"/>
-          <p:cNvPicPr>
-            <a:picLocks noChangeAspect="1"/>
-          </p:cNvPicPr>
-          <p:nvPr/>
-        </p:nvPicPr>
-        <p:blipFill rotWithShape="1">
-          <a:blip r:embed="rId5">
-            <a:extLst>
-              <a:ext uri="{28A0092B-C50C-407E-A947-70E740481C1C}">
-                <a14:useLocalDpi xmlns:a14="http://schemas.microsoft.com/office/drawing/2010/main" val="0"/>
-              </a:ext>
-            </a:extLst>
-          </a:blip>
-          <a:srcRect l="15053" t="19666" r="15152" b="21128"/>
-          <a:stretch/>
-        </p:blipFill>
-        <p:spPr>
-          <a:xfrm>
-            <a:off x="3934326" y="1901967"/>
-            <a:ext cx="2659183" cy="1973791"/>
-          </a:xfrm>
-          <a:prstGeom prst="rect">
-            <a:avLst/>
-          </a:prstGeom>
-        </p:spPr>
-      </p:pic>
-      <p:pic>
-        <p:nvPicPr>
-          <p:cNvPr id="9" name="Picture 8"/>
-          <p:cNvPicPr>
-            <a:picLocks noChangeAspect="1"/>
-          </p:cNvPicPr>
-          <p:nvPr/>
-        </p:nvPicPr>
-        <p:blipFill rotWithShape="1">
-          <a:blip r:embed="rId6">
-            <a:extLst>
-              <a:ext uri="{28A0092B-C50C-407E-A947-70E740481C1C}">
-                <a14:useLocalDpi xmlns:a14="http://schemas.microsoft.com/office/drawing/2010/main" val="0"/>
-              </a:ext>
-            </a:extLst>
-          </a:blip>
-          <a:srcRect l="15684" t="20075" r="15473" b="20375"/>
-          <a:stretch/>
-        </p:blipFill>
-        <p:spPr>
-          <a:xfrm>
-            <a:off x="6581273" y="1902579"/>
-            <a:ext cx="2622884" cy="1985211"/>
-          </a:xfrm>
-          <a:prstGeom prst="rect">
-            <a:avLst/>
-          </a:prstGeom>
-        </p:spPr>
-      </p:pic>
-      <p:pic>
-        <p:nvPicPr>
-          <p:cNvPr id="8" name="Picture 7"/>
-          <p:cNvPicPr>
-            <a:picLocks noChangeAspect="1"/>
-          </p:cNvPicPr>
-          <p:nvPr/>
-        </p:nvPicPr>
-        <p:blipFill rotWithShape="1">
-          <a:blip r:embed="rId7">
-            <a:extLst>
-              <a:ext uri="{28A0092B-C50C-407E-A947-70E740481C1C}">
-                <a14:useLocalDpi xmlns:a14="http://schemas.microsoft.com/office/drawing/2010/main" val="0"/>
-              </a:ext>
-            </a:extLst>
-          </a:blip>
-          <a:srcRect l="14842" t="20406" r="15053" b="20776"/>
-          <a:stretch/>
-        </p:blipFill>
-        <p:spPr>
-          <a:xfrm>
-            <a:off x="6533146" y="3803264"/>
-            <a:ext cx="2671011" cy="1960840"/>
-          </a:xfrm>
-          <a:prstGeom prst="rect">
-            <a:avLst/>
-          </a:prstGeom>
-        </p:spPr>
-      </p:pic>
-      <p:pic>
-        <p:nvPicPr>
-          <p:cNvPr id="10" name="Picture 9"/>
-          <p:cNvPicPr>
-            <a:picLocks noChangeAspect="1"/>
-          </p:cNvPicPr>
-          <p:nvPr/>
-        </p:nvPicPr>
-        <p:blipFill rotWithShape="1">
-          <a:blip r:embed="rId8">
-            <a:extLst>
-              <a:ext uri="{28A0092B-C50C-407E-A947-70E740481C1C}">
-                <a14:useLocalDpi xmlns:a14="http://schemas.microsoft.com/office/drawing/2010/main" val="0"/>
-              </a:ext>
-            </a:extLst>
-          </a:blip>
-          <a:srcRect l="15473" t="20591" r="15368" b="20591"/>
-          <a:stretch/>
-        </p:blipFill>
-        <p:spPr>
-          <a:xfrm>
-            <a:off x="9168061" y="3803263"/>
-            <a:ext cx="2634916" cy="1960840"/>
-          </a:xfrm>
-          <a:prstGeom prst="rect">
-            <a:avLst/>
-          </a:prstGeom>
-        </p:spPr>
-      </p:pic>
-      <p:pic>
-        <p:nvPicPr>
-          <p:cNvPr id="11" name="Picture 10"/>
-          <p:cNvPicPr>
-            <a:picLocks noChangeAspect="1"/>
-          </p:cNvPicPr>
-          <p:nvPr/>
-        </p:nvPicPr>
-        <p:blipFill rotWithShape="1">
-          <a:blip r:embed="rId9">
-            <a:extLst>
-              <a:ext uri="{28A0092B-C50C-407E-A947-70E740481C1C}">
-                <a14:useLocalDpi xmlns:a14="http://schemas.microsoft.com/office/drawing/2010/main" val="0"/>
-              </a:ext>
-            </a:extLst>
-          </a:blip>
-          <a:srcRect l="15684" t="20767" r="15789" b="20767"/>
-          <a:stretch/>
-        </p:blipFill>
-        <p:spPr>
-          <a:xfrm>
-            <a:off x="9192124" y="1902578"/>
-            <a:ext cx="2610853" cy="1949117"/>
-          </a:xfrm>
-          <a:prstGeom prst="rect">
-            <a:avLst/>
-          </a:prstGeom>
-        </p:spPr>
-      </p:pic>
-      <p:sp>
-        <p:nvSpPr>
-          <p:cNvPr id="12" name="Title 1"/>
-          <p:cNvSpPr>
-            <a:spLocks noGrp="1"/>
-          </p:cNvSpPr>
-          <p:nvPr>
-            <p:ph type="title"/>
-          </p:nvPr>
-        </p:nvSpPr>
-        <p:spPr>
-          <a:xfrm>
-            <a:off x="1670085" y="227068"/>
-            <a:ext cx="8911687" cy="1280890"/>
-          </a:xfrm>
-        </p:spPr>
-        <p:txBody>
-          <a:bodyPr/>
-          <a:lstStyle/>
-          <a:p>
-            <a:r>
-              <a:rPr lang="en-US" dirty="0"/>
-              <a:t>100 ROIs Individual Clustering and recoloring</a:t>
-            </a:r>
-          </a:p>
-        </p:txBody>
-      </p:sp>
-      <p:sp>
-        <p:nvSpPr>
-          <p:cNvPr id="13" name="TextBox 12"/>
-          <p:cNvSpPr txBox="1"/>
-          <p:nvPr/>
-        </p:nvSpPr>
-        <p:spPr>
-          <a:xfrm>
-            <a:off x="2221567" y="1507958"/>
-            <a:ext cx="8763938" cy="369332"/>
-          </a:xfrm>
-          <a:prstGeom prst="rect">
-            <a:avLst/>
-          </a:prstGeom>
-          <a:noFill/>
-        </p:spPr>
-        <p:txBody>
-          <a:bodyPr wrap="none" rtlCol="0">
-            <a:spAutoFit/>
-          </a:bodyPr>
-          <a:lstStyle/>
-          <a:p>
-            <a:r>
-              <a:rPr lang="en-US" dirty="0"/>
-              <a:t>Sub 1                                 Sub 2                              Sub 3                                 Sub 4</a:t>
-            </a:r>
-          </a:p>
-        </p:txBody>
-      </p:sp>
-      <p:sp>
-        <p:nvSpPr>
-          <p:cNvPr id="14" name="TextBox 13"/>
-          <p:cNvSpPr txBox="1"/>
-          <p:nvPr/>
-        </p:nvSpPr>
-        <p:spPr>
-          <a:xfrm>
-            <a:off x="1850559" y="6136106"/>
-            <a:ext cx="5150769" cy="369332"/>
-          </a:xfrm>
-          <a:prstGeom prst="rect">
-            <a:avLst/>
-          </a:prstGeom>
-          <a:noFill/>
-        </p:spPr>
-        <p:txBody>
-          <a:bodyPr wrap="none" rtlCol="0">
-            <a:spAutoFit/>
-          </a:bodyPr>
-          <a:lstStyle/>
-          <a:p>
-            <a:r>
-              <a:rPr lang="en-US" dirty="0"/>
-              <a:t>There is very little consistency across subjects</a:t>
-            </a:r>
-          </a:p>
-        </p:txBody>
-      </p:sp>
-    </p:spTree>
-    <p:extLst>
-      <p:ext uri="{BB962C8B-B14F-4D97-AF65-F5344CB8AC3E}">
-        <p14:creationId xmlns:p14="http://schemas.microsoft.com/office/powerpoint/2010/main" val="3887100879"/>
-      </p:ext>
-    </p:extLst>
-  </p:cSld>
-  <p:clrMapOvr>
-    <a:masterClrMapping/>
-  </p:clrMapOvr>
-</p:sld>
-</file>
-
-<file path=ppt/slides/slide15.xml><?xml version="1.0" encoding="utf-8"?>
-<p:sld xmlns:a="http://schemas.openxmlformats.org/drawingml/2006/main" xmlns:r="http://schemas.openxmlformats.org/officeDocument/2006/relationships" xmlns:p="http://schemas.openxmlformats.org/presentationml/2006/main">
-  <p:cSld>
-    <p:spTree>
-      <p:nvGrpSpPr>
-        <p:cNvPr id="1" name=""/>
-        <p:cNvGrpSpPr/>
-        <p:nvPr/>
-      </p:nvGrpSpPr>
-      <p:grpSpPr>
-        <a:xfrm>
-          <a:off x="0" y="0"/>
-          <a:ext cx="0" cy="0"/>
-          <a:chOff x="0" y="0"/>
-          <a:chExt cx="0" cy="0"/>
-        </a:xfrm>
-      </p:grpSpPr>
       <p:sp>
         <p:nvSpPr>
           <p:cNvPr id="2" name="Title 1"/>
@@ -9722,7 +10065,7 @@
 </p:sld>
 </file>
 
-<file path=ppt/slides/slide16.xml><?xml version="1.0" encoding="utf-8"?>
+<file path=ppt/slides/slide17.xml><?xml version="1.0" encoding="utf-8"?>
 <p:sld xmlns:a="http://schemas.openxmlformats.org/drawingml/2006/main" xmlns:r="http://schemas.openxmlformats.org/officeDocument/2006/relationships" xmlns:p="http://schemas.openxmlformats.org/presentationml/2006/main">
   <p:cSld>
     <p:spTree>
@@ -9902,7 +10245,7 @@
 </p:sld>
 </file>
 
-<file path=ppt/slides/slide17.xml><?xml version="1.0" encoding="utf-8"?>
+<file path=ppt/slides/slide18.xml><?xml version="1.0" encoding="utf-8"?>
 <p:sld xmlns:a="http://schemas.openxmlformats.org/drawingml/2006/main" xmlns:r="http://schemas.openxmlformats.org/officeDocument/2006/relationships" xmlns:p="http://schemas.openxmlformats.org/presentationml/2006/main">
   <p:cSld>
     <p:spTree>

--- a/docs/brain_sync.pptx
+++ b/docs/brain_sync.pptx
@@ -17,12 +17,16 @@
     <p:sldId id="268" r:id="rId11"/>
     <p:sldId id="274" r:id="rId12"/>
     <p:sldId id="266" r:id="rId13"/>
-    <p:sldId id="263" r:id="rId14"/>
-    <p:sldId id="273" r:id="rId15"/>
-    <p:sldId id="272" r:id="rId16"/>
-    <p:sldId id="265" r:id="rId17"/>
-    <p:sldId id="270" r:id="rId18"/>
-    <p:sldId id="264" r:id="rId19"/>
+    <p:sldId id="277" r:id="rId14"/>
+    <p:sldId id="263" r:id="rId15"/>
+    <p:sldId id="273" r:id="rId16"/>
+    <p:sldId id="272" r:id="rId17"/>
+    <p:sldId id="279" r:id="rId18"/>
+    <p:sldId id="278" r:id="rId19"/>
+    <p:sldId id="265" r:id="rId20"/>
+    <p:sldId id="270" r:id="rId21"/>
+    <p:sldId id="264" r:id="rId22"/>
+    <p:sldId id="275" r:id="rId23"/>
   </p:sldIdLst>
   <p:sldSz cx="12192000" cy="6858000"/>
   <p:notesSz cx="6858000" cy="9144000"/>
@@ -317,7 +321,7 @@
           <a:p>
             <a:fld id="{16885065-5610-4AF7-9C11-064BC18A2FE3}" type="datetimeFigureOut">
               <a:rPr lang="en-US" smtClean="0"/>
-              <a:t>8/8/2016</a:t>
+              <a:t>8/19/2016</a:t>
             </a:fld>
             <a:endParaRPr lang="en-US"/>
           </a:p>
@@ -655,7 +659,7 @@
           <a:p>
             <a:fld id="{16885065-5610-4AF7-9C11-064BC18A2FE3}" type="datetimeFigureOut">
               <a:rPr lang="en-US" smtClean="0"/>
-              <a:t>8/8/2016</a:t>
+              <a:t>8/19/2016</a:t>
             </a:fld>
             <a:endParaRPr lang="en-US"/>
           </a:p>
@@ -1056,7 +1060,7 @@
           <a:p>
             <a:fld id="{16885065-5610-4AF7-9C11-064BC18A2FE3}" type="datetimeFigureOut">
               <a:rPr lang="en-US" smtClean="0"/>
-              <a:t>8/8/2016</a:t>
+              <a:t>8/19/2016</a:t>
             </a:fld>
             <a:endParaRPr lang="en-US"/>
           </a:p>
@@ -1392,7 +1396,7 @@
           <a:p>
             <a:fld id="{16885065-5610-4AF7-9C11-064BC18A2FE3}" type="datetimeFigureOut">
               <a:rPr lang="en-US" smtClean="0"/>
-              <a:t>8/8/2016</a:t>
+              <a:t>8/19/2016</a:t>
             </a:fld>
             <a:endParaRPr lang="en-US"/>
           </a:p>
@@ -1712,7 +1716,7 @@
           <a:p>
             <a:fld id="{16885065-5610-4AF7-9C11-064BC18A2FE3}" type="datetimeFigureOut">
               <a:rPr lang="en-US" smtClean="0"/>
-              <a:t>8/8/2016</a:t>
+              <a:t>8/19/2016</a:t>
             </a:fld>
             <a:endParaRPr lang="en-US"/>
           </a:p>
@@ -2108,7 +2112,7 @@
           <a:p>
             <a:fld id="{16885065-5610-4AF7-9C11-064BC18A2FE3}" type="datetimeFigureOut">
               <a:rPr lang="en-US" smtClean="0"/>
-              <a:t>8/8/2016</a:t>
+              <a:t>8/19/2016</a:t>
             </a:fld>
             <a:endParaRPr lang="en-US"/>
           </a:p>
@@ -2365,7 +2369,7 @@
           <a:p>
             <a:fld id="{16885065-5610-4AF7-9C11-064BC18A2FE3}" type="datetimeFigureOut">
               <a:rPr lang="en-US" smtClean="0"/>
-              <a:t>8/8/2016</a:t>
+              <a:t>8/19/2016</a:t>
             </a:fld>
             <a:endParaRPr lang="en-US"/>
           </a:p>
@@ -2627,7 +2631,7 @@
           <a:p>
             <a:fld id="{16885065-5610-4AF7-9C11-064BC18A2FE3}" type="datetimeFigureOut">
               <a:rPr lang="en-US" smtClean="0"/>
-              <a:t>8/8/2016</a:t>
+              <a:t>8/19/2016</a:t>
             </a:fld>
             <a:endParaRPr lang="en-US"/>
           </a:p>
@@ -2889,7 +2893,7 @@
           <a:p>
             <a:fld id="{16885065-5610-4AF7-9C11-064BC18A2FE3}" type="datetimeFigureOut">
               <a:rPr lang="en-US" smtClean="0"/>
-              <a:t>8/8/2016</a:t>
+              <a:t>8/19/2016</a:t>
             </a:fld>
             <a:endParaRPr lang="en-US"/>
           </a:p>
@@ -3218,7 +3222,7 @@
           <a:p>
             <a:fld id="{16885065-5610-4AF7-9C11-064BC18A2FE3}" type="datetimeFigureOut">
               <a:rPr lang="en-US" smtClean="0"/>
-              <a:t>8/8/2016</a:t>
+              <a:t>8/19/2016</a:t>
             </a:fld>
             <a:endParaRPr lang="en-US"/>
           </a:p>
@@ -3541,7 +3545,7 @@
           <a:p>
             <a:fld id="{16885065-5610-4AF7-9C11-064BC18A2FE3}" type="datetimeFigureOut">
               <a:rPr lang="en-US" smtClean="0"/>
-              <a:t>8/8/2016</a:t>
+              <a:t>8/19/2016</a:t>
             </a:fld>
             <a:endParaRPr lang="en-US"/>
           </a:p>
@@ -3998,7 +4002,7 @@
           <a:p>
             <a:fld id="{16885065-5610-4AF7-9C11-064BC18A2FE3}" type="datetimeFigureOut">
               <a:rPr lang="en-US" smtClean="0"/>
-              <a:t>8/8/2016</a:t>
+              <a:t>8/19/2016</a:t>
             </a:fld>
             <a:endParaRPr lang="en-US"/>
           </a:p>
@@ -4203,7 +4207,7 @@
           <a:p>
             <a:fld id="{16885065-5610-4AF7-9C11-064BC18A2FE3}" type="datetimeFigureOut">
               <a:rPr lang="en-US" smtClean="0"/>
-              <a:t>8/8/2016</a:t>
+              <a:t>8/19/2016</a:t>
             </a:fld>
             <a:endParaRPr lang="en-US"/>
           </a:p>
@@ -4380,7 +4384,7 @@
           <a:p>
             <a:fld id="{16885065-5610-4AF7-9C11-064BC18A2FE3}" type="datetimeFigureOut">
               <a:rPr lang="en-US" smtClean="0"/>
-              <a:t>8/8/2016</a:t>
+              <a:t>8/19/2016</a:t>
             </a:fld>
             <a:endParaRPr lang="en-US"/>
           </a:p>
@@ -4713,7 +4717,7 @@
           <a:p>
             <a:fld id="{16885065-5610-4AF7-9C11-064BC18A2FE3}" type="datetimeFigureOut">
               <a:rPr lang="en-US" smtClean="0"/>
-              <a:t>8/8/2016</a:t>
+              <a:t>8/19/2016</a:t>
             </a:fld>
             <a:endParaRPr lang="en-US"/>
           </a:p>
@@ -5058,7 +5062,7 @@
           <a:p>
             <a:fld id="{16885065-5610-4AF7-9C11-064BC18A2FE3}" type="datetimeFigureOut">
               <a:rPr lang="en-US" smtClean="0"/>
-              <a:t>8/8/2016</a:t>
+              <a:t>8/19/2016</a:t>
             </a:fld>
             <a:endParaRPr lang="en-US"/>
           </a:p>
@@ -7175,7 +7179,7 @@
           <a:p>
             <a:fld id="{16885065-5610-4AF7-9C11-064BC18A2FE3}" type="datetimeFigureOut">
               <a:rPr lang="en-US" smtClean="0"/>
-              <a:t>8/8/2016</a:t>
+              <a:t>8/19/2016</a:t>
             </a:fld>
             <a:endParaRPr lang="en-US"/>
           </a:p>
@@ -7912,7 +7916,7 @@
           <a:p>
             <a:r>
               <a:rPr lang="en-US" dirty="0"/>
-              <a:t>Clustering algorithms work better when data is pooled (Simulation)</a:t>
+              <a:t>Clustering algorithms work better when data is pooled (Simulation) (not final results)</a:t>
             </a:r>
           </a:p>
         </p:txBody>
@@ -8410,7 +8414,7 @@
         </p:grpSpPr>
         <p:pic>
           <p:nvPicPr>
-            <p:cNvPr id="16" name="Picture 15"/>
+            <p:cNvPr id="17" name="Picture 16"/>
             <p:cNvPicPr>
               <a:picLocks noChangeAspect="1"/>
             </p:cNvPicPr>
@@ -8418,36 +8422,6 @@
           </p:nvPicPr>
           <p:blipFill>
             <a:blip r:embed="rId6">
-              <a:extLst>
-                <a:ext uri="{28A0092B-C50C-407E-A947-70E740481C1C}">
-                  <a14:useLocalDpi xmlns:a14="http://schemas.microsoft.com/office/drawing/2010/main" val="0"/>
-                </a:ext>
-              </a:extLst>
-            </a:blip>
-            <a:stretch>
-              <a:fillRect/>
-            </a:stretch>
-          </p:blipFill>
-          <p:spPr>
-            <a:xfrm>
-              <a:off x="6710362" y="2281237"/>
-              <a:ext cx="2571750" cy="1866900"/>
-            </a:xfrm>
-            <a:prstGeom prst="rect">
-              <a:avLst/>
-            </a:prstGeom>
-          </p:spPr>
-        </p:pic>
-        <p:pic>
-          <p:nvPicPr>
-            <p:cNvPr id="17" name="Picture 16"/>
-            <p:cNvPicPr>
-              <a:picLocks noChangeAspect="1"/>
-            </p:cNvPicPr>
-            <p:nvPr/>
-          </p:nvPicPr>
-          <p:blipFill>
-            <a:blip r:embed="rId7">
               <a:extLst>
                 <a:ext uri="{28A0092B-C50C-407E-A947-70E740481C1C}">
                   <a14:useLocalDpi xmlns:a14="http://schemas.microsoft.com/office/drawing/2010/main" val="0"/>
@@ -8477,7 +8451,7 @@
             <p:nvPr/>
           </p:nvPicPr>
           <p:blipFill>
-            <a:blip r:embed="rId8">
+            <a:blip r:embed="rId7">
               <a:extLst>
                 <a:ext uri="{28A0092B-C50C-407E-A947-70E740481C1C}">
                   <a14:useLocalDpi xmlns:a14="http://schemas.microsoft.com/office/drawing/2010/main" val="0"/>
@@ -8507,7 +8481,7 @@
             <p:nvPr/>
           </p:nvPicPr>
           <p:blipFill>
-            <a:blip r:embed="rId6">
+            <a:blip r:embed="rId8">
               <a:extLst>
                 <a:ext uri="{28A0092B-C50C-407E-A947-70E740481C1C}">
                   <a14:useLocalDpi xmlns:a14="http://schemas.microsoft.com/office/drawing/2010/main" val="0"/>
@@ -8599,6 +8573,36 @@
           </a:p>
         </p:txBody>
       </p:sp>
+      <p:pic>
+        <p:nvPicPr>
+          <p:cNvPr id="7" name="Picture 6"/>
+          <p:cNvPicPr>
+            <a:picLocks noChangeAspect="1"/>
+          </p:cNvPicPr>
+          <p:nvPr/>
+        </p:nvPicPr>
+        <p:blipFill>
+          <a:blip r:embed="rId9">
+            <a:extLst>
+              <a:ext uri="{28A0092B-C50C-407E-A947-70E740481C1C}">
+                <a14:useLocalDpi xmlns:a14="http://schemas.microsoft.com/office/drawing/2010/main" val="0"/>
+              </a:ext>
+            </a:extLst>
+          </a:blip>
+          <a:stretch>
+            <a:fillRect/>
+          </a:stretch>
+        </p:blipFill>
+        <p:spPr>
+          <a:xfrm>
+            <a:off x="6710362" y="1804775"/>
+            <a:ext cx="2571750" cy="1866900"/>
+          </a:xfrm>
+          <a:prstGeom prst="rect">
+            <a:avLst/>
+          </a:prstGeom>
+        </p:spPr>
+      </p:pic>
     </p:spTree>
     <p:extLst>
       <p:ext uri="{BB962C8B-B14F-4D97-AF65-F5344CB8AC3E}">
@@ -8641,6 +8645,394 @@
         </p:nvSpPr>
         <p:spPr>
           <a:xfrm>
+            <a:off x="1656300" y="154553"/>
+            <a:ext cx="8911687" cy="1280890"/>
+          </a:xfrm>
+        </p:spPr>
+        <p:txBody>
+          <a:bodyPr/>
+          <a:lstStyle/>
+          <a:p>
+            <a:r>
+              <a:rPr lang="en-US" dirty="0"/>
+              <a:t>Joint Parcellation 2 independent groups of 20 subjects each (60 clusters)</a:t>
+            </a:r>
+          </a:p>
+        </p:txBody>
+      </p:sp>
+      <p:sp>
+        <p:nvSpPr>
+          <p:cNvPr id="3" name="TextBox 2"/>
+          <p:cNvSpPr txBox="1"/>
+          <p:nvPr/>
+        </p:nvSpPr>
+        <p:spPr>
+          <a:xfrm>
+            <a:off x="2374221" y="1435443"/>
+            <a:ext cx="3009157" cy="369332"/>
+          </a:xfrm>
+          <a:prstGeom prst="rect">
+            <a:avLst/>
+          </a:prstGeom>
+          <a:noFill/>
+        </p:spPr>
+        <p:txBody>
+          <a:bodyPr wrap="none" rtlCol="0">
+            <a:spAutoFit/>
+          </a:bodyPr>
+          <a:lstStyle/>
+          <a:p>
+            <a:r>
+              <a:rPr lang="en-US" dirty="0"/>
+              <a:t>2 subjects from first group</a:t>
+            </a:r>
+          </a:p>
+        </p:txBody>
+      </p:sp>
+      <p:sp>
+        <p:nvSpPr>
+          <p:cNvPr id="20" name="TextBox 19"/>
+          <p:cNvSpPr txBox="1"/>
+          <p:nvPr/>
+        </p:nvSpPr>
+        <p:spPr>
+          <a:xfrm>
+            <a:off x="7535480" y="1435443"/>
+            <a:ext cx="3493264" cy="369332"/>
+          </a:xfrm>
+          <a:prstGeom prst="rect">
+            <a:avLst/>
+          </a:prstGeom>
+          <a:noFill/>
+        </p:spPr>
+        <p:txBody>
+          <a:bodyPr wrap="none" rtlCol="0">
+            <a:spAutoFit/>
+          </a:bodyPr>
+          <a:lstStyle/>
+          <a:p>
+            <a:r>
+              <a:rPr lang="en-US" dirty="0"/>
+              <a:t>2 subjects from second group</a:t>
+            </a:r>
+          </a:p>
+        </p:txBody>
+      </p:sp>
+      <p:sp>
+        <p:nvSpPr>
+          <p:cNvPr id="21" name="TextBox 20"/>
+          <p:cNvSpPr txBox="1"/>
+          <p:nvPr/>
+        </p:nvSpPr>
+        <p:spPr>
+          <a:xfrm>
+            <a:off x="1291925" y="5631181"/>
+            <a:ext cx="10317248" cy="923330"/>
+          </a:xfrm>
+          <a:prstGeom prst="rect">
+            <a:avLst/>
+          </a:prstGeom>
+          <a:noFill/>
+        </p:spPr>
+        <p:txBody>
+          <a:bodyPr wrap="none" rtlCol="0">
+            <a:spAutoFit/>
+          </a:bodyPr>
+          <a:lstStyle/>
+          <a:p>
+            <a:r>
+              <a:rPr lang="en-US" b="1" i="1" dirty="0"/>
+              <a:t>We get more consistent Parcellation even if two groups of 20 subjects are non-overlapping</a:t>
+            </a:r>
+          </a:p>
+          <a:p>
+            <a:r>
+              <a:rPr lang="en-US" b="1" i="1" dirty="0"/>
+              <a:t>Therefore Joint clustering must be helping in improving performance of clustering algorithm</a:t>
+            </a:r>
+          </a:p>
+          <a:p>
+            <a:r>
+              <a:rPr lang="en-US" b="1" i="1" dirty="0"/>
+              <a:t>since there is more data.</a:t>
+            </a:r>
+          </a:p>
+        </p:txBody>
+      </p:sp>
+      <p:pic>
+        <p:nvPicPr>
+          <p:cNvPr id="6" name="Picture 5"/>
+          <p:cNvPicPr>
+            <a:picLocks noChangeAspect="1"/>
+          </p:cNvPicPr>
+          <p:nvPr/>
+        </p:nvPicPr>
+        <p:blipFill rotWithShape="1">
+          <a:blip r:embed="rId2">
+            <a:extLst>
+              <a:ext uri="{28A0092B-C50C-407E-A947-70E740481C1C}">
+                <a14:useLocalDpi xmlns:a14="http://schemas.microsoft.com/office/drawing/2010/main" val="0"/>
+              </a:ext>
+            </a:extLst>
+          </a:blip>
+          <a:srcRect l="15773" t="20920" r="15903" b="21087"/>
+          <a:stretch/>
+        </p:blipFill>
+        <p:spPr>
+          <a:xfrm>
+            <a:off x="1231851" y="1791675"/>
+            <a:ext cx="2603157" cy="1933318"/>
+          </a:xfrm>
+          <a:prstGeom prst="rect">
+            <a:avLst/>
+          </a:prstGeom>
+        </p:spPr>
+      </p:pic>
+      <p:pic>
+        <p:nvPicPr>
+          <p:cNvPr id="10" name="Picture 9"/>
+          <p:cNvPicPr>
+            <a:picLocks noChangeAspect="1"/>
+          </p:cNvPicPr>
+          <p:nvPr/>
+        </p:nvPicPr>
+        <p:blipFill rotWithShape="1">
+          <a:blip r:embed="rId3">
+            <a:extLst>
+              <a:ext uri="{28A0092B-C50C-407E-A947-70E740481C1C}">
+                <a14:useLocalDpi xmlns:a14="http://schemas.microsoft.com/office/drawing/2010/main" val="0"/>
+              </a:ext>
+            </a:extLst>
+          </a:blip>
+          <a:srcRect l="14845" t="20691" r="15279" b="20896"/>
+          <a:stretch/>
+        </p:blipFill>
+        <p:spPr>
+          <a:xfrm>
+            <a:off x="1167578" y="3707358"/>
+            <a:ext cx="2662287" cy="1947334"/>
+          </a:xfrm>
+          <a:prstGeom prst="rect">
+            <a:avLst/>
+          </a:prstGeom>
+        </p:spPr>
+      </p:pic>
+      <p:pic>
+        <p:nvPicPr>
+          <p:cNvPr id="11" name="Picture 10"/>
+          <p:cNvPicPr>
+            <a:picLocks noChangeAspect="1"/>
+          </p:cNvPicPr>
+          <p:nvPr/>
+        </p:nvPicPr>
+        <p:blipFill rotWithShape="1">
+          <a:blip r:embed="rId4">
+            <a:extLst>
+              <a:ext uri="{28A0092B-C50C-407E-A947-70E740481C1C}">
+                <a14:useLocalDpi xmlns:a14="http://schemas.microsoft.com/office/drawing/2010/main" val="0"/>
+              </a:ext>
+            </a:extLst>
+          </a:blip>
+          <a:srcRect l="15045" t="20098" r="15381" b="21136"/>
+          <a:stretch/>
+        </p:blipFill>
+        <p:spPr>
+          <a:xfrm>
+            <a:off x="6717131" y="3667204"/>
+            <a:ext cx="2650757" cy="1959090"/>
+          </a:xfrm>
+          <a:prstGeom prst="rect">
+            <a:avLst/>
+          </a:prstGeom>
+        </p:spPr>
+      </p:pic>
+      <p:pic>
+        <p:nvPicPr>
+          <p:cNvPr id="16" name="Picture 15"/>
+          <p:cNvPicPr>
+            <a:picLocks noChangeAspect="1"/>
+          </p:cNvPicPr>
+          <p:nvPr/>
+        </p:nvPicPr>
+        <p:blipFill rotWithShape="1">
+          <a:blip r:embed="rId5">
+            <a:extLst>
+              <a:ext uri="{28A0092B-C50C-407E-A947-70E740481C1C}">
+                <a14:useLocalDpi xmlns:a14="http://schemas.microsoft.com/office/drawing/2010/main" val="0"/>
+              </a:ext>
+            </a:extLst>
+          </a:blip>
+          <a:srcRect l="14867" t="20739" r="15204" b="20027"/>
+          <a:stretch/>
+        </p:blipFill>
+        <p:spPr>
+          <a:xfrm>
+            <a:off x="6703591" y="1790057"/>
+            <a:ext cx="2664297" cy="1974680"/>
+          </a:xfrm>
+          <a:prstGeom prst="rect">
+            <a:avLst/>
+          </a:prstGeom>
+        </p:spPr>
+      </p:pic>
+      <p:pic>
+        <p:nvPicPr>
+          <p:cNvPr id="22" name="Picture 21"/>
+          <p:cNvPicPr>
+            <a:picLocks noChangeAspect="1"/>
+          </p:cNvPicPr>
+          <p:nvPr/>
+        </p:nvPicPr>
+        <p:blipFill rotWithShape="1">
+          <a:blip r:embed="rId6">
+            <a:extLst>
+              <a:ext uri="{28A0092B-C50C-407E-A947-70E740481C1C}">
+                <a14:useLocalDpi xmlns:a14="http://schemas.microsoft.com/office/drawing/2010/main" val="0"/>
+              </a:ext>
+            </a:extLst>
+          </a:blip>
+          <a:srcRect l="15359" t="20724" r="15307" b="21596"/>
+          <a:stretch/>
+        </p:blipFill>
+        <p:spPr>
+          <a:xfrm>
+            <a:off x="9367888" y="3705832"/>
+            <a:ext cx="2641600" cy="1922906"/>
+          </a:xfrm>
+          <a:prstGeom prst="rect">
+            <a:avLst/>
+          </a:prstGeom>
+        </p:spPr>
+      </p:pic>
+      <p:pic>
+        <p:nvPicPr>
+          <p:cNvPr id="23" name="Picture 22"/>
+          <p:cNvPicPr>
+            <a:picLocks noChangeAspect="1"/>
+          </p:cNvPicPr>
+          <p:nvPr/>
+        </p:nvPicPr>
+        <p:blipFill rotWithShape="1">
+          <a:blip r:embed="rId7">
+            <a:extLst>
+              <a:ext uri="{28A0092B-C50C-407E-A947-70E740481C1C}">
+                <a14:useLocalDpi xmlns:a14="http://schemas.microsoft.com/office/drawing/2010/main" val="0"/>
+              </a:ext>
+            </a:extLst>
+          </a:blip>
+          <a:srcRect l="15359" t="21402" r="15307" b="20948"/>
+          <a:stretch/>
+        </p:blipFill>
+        <p:spPr>
+          <a:xfrm>
+            <a:off x="9367888" y="1815566"/>
+            <a:ext cx="2641600" cy="1921933"/>
+          </a:xfrm>
+          <a:prstGeom prst="rect">
+            <a:avLst/>
+          </a:prstGeom>
+        </p:spPr>
+      </p:pic>
+      <p:pic>
+        <p:nvPicPr>
+          <p:cNvPr id="7" name="Picture 6"/>
+          <p:cNvPicPr>
+            <a:picLocks noChangeAspect="1"/>
+          </p:cNvPicPr>
+          <p:nvPr/>
+        </p:nvPicPr>
+        <p:blipFill rotWithShape="1">
+          <a:blip r:embed="rId8">
+            <a:extLst>
+              <a:ext uri="{28A0092B-C50C-407E-A947-70E740481C1C}">
+                <a14:useLocalDpi xmlns:a14="http://schemas.microsoft.com/office/drawing/2010/main" val="0"/>
+              </a:ext>
+            </a:extLst>
+          </a:blip>
+          <a:srcRect l="15621" t="20994" r="15405" b="20095"/>
+          <a:stretch/>
+        </p:blipFill>
+        <p:spPr>
+          <a:xfrm>
+            <a:off x="3808155" y="1804775"/>
+            <a:ext cx="2627870" cy="1963977"/>
+          </a:xfrm>
+          <a:prstGeom prst="rect">
+            <a:avLst/>
+          </a:prstGeom>
+        </p:spPr>
+      </p:pic>
+      <p:pic>
+        <p:nvPicPr>
+          <p:cNvPr id="12" name="Picture 11"/>
+          <p:cNvPicPr>
+            <a:picLocks noChangeAspect="1"/>
+          </p:cNvPicPr>
+          <p:nvPr/>
+        </p:nvPicPr>
+        <p:blipFill rotWithShape="1">
+          <a:blip r:embed="rId9">
+            <a:extLst>
+              <a:ext uri="{28A0092B-C50C-407E-A947-70E740481C1C}">
+                <a14:useLocalDpi xmlns:a14="http://schemas.microsoft.com/office/drawing/2010/main" val="0"/>
+              </a:ext>
+            </a:extLst>
+          </a:blip>
+          <a:srcRect l="15154" t="21208" r="15829" b="20904"/>
+          <a:stretch/>
+        </p:blipFill>
+        <p:spPr>
+          <a:xfrm>
+            <a:off x="3805876" y="3721023"/>
+            <a:ext cx="2629533" cy="1929821"/>
+          </a:xfrm>
+          <a:prstGeom prst="rect">
+            <a:avLst/>
+          </a:prstGeom>
+        </p:spPr>
+      </p:pic>
+    </p:spTree>
+    <p:extLst>
+      <p:ext uri="{BB962C8B-B14F-4D97-AF65-F5344CB8AC3E}">
+        <p14:creationId xmlns:p14="http://schemas.microsoft.com/office/powerpoint/2010/main" val="1751236596"/>
+      </p:ext>
+    </p:extLst>
+  </p:cSld>
+  <p:clrMapOvr>
+    <a:masterClrMapping/>
+  </p:clrMapOvr>
+</p:sld>
+</file>
+
+<file path=ppt/slides/slide14.xml><?xml version="1.0" encoding="utf-8"?>
+<p:sld xmlns:a="http://schemas.openxmlformats.org/drawingml/2006/main" xmlns:r="http://schemas.openxmlformats.org/officeDocument/2006/relationships" xmlns:p="http://schemas.openxmlformats.org/presentationml/2006/main">
+  <p:cSld>
+    <p:spTree>
+      <p:nvGrpSpPr>
+        <p:cNvPr id="1" name=""/>
+        <p:cNvGrpSpPr/>
+        <p:nvPr/>
+      </p:nvGrpSpPr>
+      <p:grpSpPr>
+        <a:xfrm>
+          <a:off x="0" y="0"/>
+          <a:ext cx="0" cy="0"/>
+          <a:chOff x="0" y="0"/>
+          <a:chExt cx="0" cy="0"/>
+        </a:xfrm>
+      </p:grpSpPr>
+      <p:sp>
+        <p:nvSpPr>
+          <p:cNvPr id="2" name="Title 1"/>
+          <p:cNvSpPr>
+            <a:spLocks noGrp="1"/>
+          </p:cNvSpPr>
+          <p:nvPr>
+            <p:ph type="title"/>
+          </p:nvPr>
+        </p:nvSpPr>
+        <p:spPr>
+          <a:xfrm>
             <a:off x="2223241" y="105127"/>
             <a:ext cx="8911687" cy="669231"/>
           </a:xfrm>
@@ -9112,7 +9504,7 @@
 </p:sld>
 </file>
 
-<file path=ppt/slides/slide14.xml><?xml version="1.0" encoding="utf-8"?>
+<file path=ppt/slides/slide15.xml><?xml version="1.0" encoding="utf-8"?>
 <p:sld xmlns:a="http://schemas.openxmlformats.org/drawingml/2006/main" xmlns:r="http://schemas.openxmlformats.org/officeDocument/2006/relationships" xmlns:p="http://schemas.openxmlformats.org/presentationml/2006/main">
   <p:cSld>
     <p:spTree>
@@ -9458,7 +9850,7 @@
 </p:sld>
 </file>
 
-<file path=ppt/slides/slide15.xml><?xml version="1.0" encoding="utf-8"?>
+<file path=ppt/slides/slide16.xml><?xml version="1.0" encoding="utf-8"?>
 <p:sld xmlns:a="http://schemas.openxmlformats.org/drawingml/2006/main" xmlns:r="http://schemas.openxmlformats.org/officeDocument/2006/relationships" xmlns:p="http://schemas.openxmlformats.org/presentationml/2006/main">
   <p:cSld>
     <p:spTree>
@@ -9961,110 +10353,6 @@
 </p:sld>
 </file>
 
-<file path=ppt/slides/slide16.xml><?xml version="1.0" encoding="utf-8"?>
-<p:sld xmlns:a="http://schemas.openxmlformats.org/drawingml/2006/main" xmlns:r="http://schemas.openxmlformats.org/officeDocument/2006/relationships" xmlns:p="http://schemas.openxmlformats.org/presentationml/2006/main">
-  <p:cSld>
-    <p:spTree>
-      <p:nvGrpSpPr>
-        <p:cNvPr id="1" name=""/>
-        <p:cNvGrpSpPr/>
-        <p:nvPr/>
-      </p:nvGrpSpPr>
-      <p:grpSpPr>
-        <a:xfrm>
-          <a:off x="0" y="0"/>
-          <a:ext cx="0" cy="0"/>
-          <a:chOff x="0" y="0"/>
-          <a:chExt cx="0" cy="0"/>
-        </a:xfrm>
-      </p:grpSpPr>
-      <p:sp>
-        <p:nvSpPr>
-          <p:cNvPr id="2" name="Title 1"/>
-          <p:cNvSpPr>
-            <a:spLocks noGrp="1"/>
-          </p:cNvSpPr>
-          <p:nvPr>
-            <p:ph type="title"/>
-          </p:nvPr>
-        </p:nvSpPr>
-        <p:spPr/>
-        <p:txBody>
-          <a:bodyPr/>
-          <a:lstStyle/>
-          <a:p>
-            <a:r>
-              <a:rPr lang="en-US" dirty="0"/>
-              <a:t>Conclusion</a:t>
-            </a:r>
-          </a:p>
-        </p:txBody>
-      </p:sp>
-      <p:sp>
-        <p:nvSpPr>
-          <p:cNvPr id="3" name="Content Placeholder 2"/>
-          <p:cNvSpPr>
-            <a:spLocks noGrp="1"/>
-          </p:cNvSpPr>
-          <p:nvPr>
-            <p:ph idx="1"/>
-          </p:nvPr>
-        </p:nvSpPr>
-        <p:spPr/>
-        <p:txBody>
-          <a:bodyPr/>
-          <a:lstStyle/>
-          <a:p>
-            <a:r>
-              <a:rPr lang="en-US" dirty="0"/>
-              <a:t>Parameter free approach </a:t>
-            </a:r>
-          </a:p>
-          <a:p>
-            <a:r>
-              <a:rPr lang="en-US" dirty="0"/>
-              <a:t>Depends on only 2 simple assumptions</a:t>
-            </a:r>
-          </a:p>
-          <a:p>
-            <a:r>
-              <a:rPr lang="en-US" dirty="0"/>
-              <a:t>No Spatial Prior or group prior is assumed, regions can be very different as possible, No constraint on topography of the labels</a:t>
-            </a:r>
-          </a:p>
-          <a:p>
-            <a:r>
-              <a:rPr lang="en-US" dirty="0"/>
-              <a:t>Purely data driven</a:t>
-            </a:r>
-          </a:p>
-          <a:p>
-            <a:endParaRPr lang="en-US" dirty="0"/>
-          </a:p>
-          <a:p>
-            <a:endParaRPr lang="en-US" dirty="0"/>
-          </a:p>
-          <a:p>
-            <a:r>
-              <a:rPr lang="en-US" dirty="0"/>
-              <a:t>Involves clustering of a large amount of data, so scalable algorithm is required (e.g. k-means)</a:t>
-            </a:r>
-          </a:p>
-        </p:txBody>
-      </p:sp>
-    </p:spTree>
-    <p:extLst>
-      <p:ext uri="{BB962C8B-B14F-4D97-AF65-F5344CB8AC3E}">
-        <p14:creationId xmlns:p14="http://schemas.microsoft.com/office/powerpoint/2010/main" val="3406988283"/>
-      </p:ext>
-    </p:extLst>
-  </p:cSld>
-  <p:clrMapOvr>
-    <a:masterClrMapping/>
-  </p:clrMapOvr>
-</p:sld>
-</file>
-
 <file path=ppt/slides/slide17.xml><?xml version="1.0" encoding="utf-8"?>
 <p:sld xmlns:a="http://schemas.openxmlformats.org/drawingml/2006/main" xmlns:r="http://schemas.openxmlformats.org/officeDocument/2006/relationships" xmlns:p="http://schemas.openxmlformats.org/presentationml/2006/main">
   <p:cSld>
@@ -10099,143 +10387,34 @@
           <a:p>
             <a:r>
               <a:rPr lang="en-US" dirty="0"/>
-              <a:t>Brain Registration using fMRI</a:t>
-            </a:r>
-          </a:p>
-        </p:txBody>
-      </p:sp>
-      <p:pic>
-        <p:nvPicPr>
-          <p:cNvPr id="5" name="Picture 4"/>
-          <p:cNvPicPr>
-            <a:picLocks noChangeAspect="1"/>
-          </p:cNvPicPr>
-          <p:nvPr/>
-        </p:nvPicPr>
-        <p:blipFill rotWithShape="1">
-          <a:blip r:embed="rId2">
-            <a:extLst>
-              <a:ext uri="{28A0092B-C50C-407E-A947-70E740481C1C}">
-                <a14:useLocalDpi xmlns:a14="http://schemas.microsoft.com/office/drawing/2010/main" val="0"/>
-              </a:ext>
-            </a:extLst>
-          </a:blip>
-          <a:srcRect l="14942" t="20223" r="14828" b="20400"/>
-          <a:stretch/>
-        </p:blipFill>
-        <p:spPr>
-          <a:xfrm>
-            <a:off x="2293495" y="2263515"/>
-            <a:ext cx="3586472" cy="2653259"/>
-          </a:xfrm>
-          <a:prstGeom prst="rect">
-            <a:avLst/>
-          </a:prstGeom>
-        </p:spPr>
-      </p:pic>
-      <p:sp>
-        <p:nvSpPr>
-          <p:cNvPr id="6" name="TextBox 5"/>
-          <p:cNvSpPr txBox="1"/>
-          <p:nvPr/>
-        </p:nvSpPr>
-        <p:spPr>
-          <a:xfrm>
-            <a:off x="1788851" y="5610542"/>
-            <a:ext cx="4038285" cy="369332"/>
-          </a:xfrm>
-          <a:prstGeom prst="rect">
-            <a:avLst/>
-          </a:prstGeom>
-          <a:noFill/>
-        </p:spPr>
-        <p:txBody>
-          <a:bodyPr wrap="none" rtlCol="0">
-            <a:spAutoFit/>
-          </a:bodyPr>
+              <a:t>1 common subject in two groups</a:t>
+            </a:r>
+          </a:p>
+        </p:txBody>
+      </p:sp>
+      <p:sp>
+        <p:nvSpPr>
+          <p:cNvPr id="3" name="Content Placeholder 2"/>
+          <p:cNvSpPr>
+            <a:spLocks noGrp="1"/>
+          </p:cNvSpPr>
+          <p:nvPr>
+            <p:ph idx="1"/>
+          </p:nvPr>
+        </p:nvSpPr>
+        <p:spPr/>
+        <p:txBody>
+          <a:bodyPr/>
           <a:lstStyle/>
           <a:p>
-            <a:r>
-              <a:rPr lang="en-US" dirty="0"/>
-              <a:t>Original labeled brain for subject 2</a:t>
-            </a:r>
-          </a:p>
-        </p:txBody>
-      </p:sp>
-      <p:sp>
-        <p:nvSpPr>
-          <p:cNvPr id="7" name="TextBox 6"/>
-          <p:cNvSpPr txBox="1"/>
-          <p:nvPr/>
-        </p:nvSpPr>
-        <p:spPr>
-          <a:xfrm>
-            <a:off x="6591872" y="5333543"/>
-            <a:ext cx="4091185" cy="923330"/>
-          </a:xfrm>
-          <a:prstGeom prst="rect">
-            <a:avLst/>
-          </a:prstGeom>
-          <a:noFill/>
-        </p:spPr>
-        <p:txBody>
-          <a:bodyPr wrap="none" rtlCol="0">
-            <a:spAutoFit/>
-          </a:bodyPr>
-          <a:lstStyle/>
-          <a:p>
-            <a:r>
-              <a:rPr lang="en-US" dirty="0"/>
-              <a:t>We map each vertex of subject 1 </a:t>
-            </a:r>
-          </a:p>
-          <a:p>
-            <a:r>
-              <a:rPr lang="en-US" dirty="0"/>
-              <a:t>to the closest vertex of subject 2 in </a:t>
-            </a:r>
-          </a:p>
-          <a:p>
-            <a:r>
-              <a:rPr lang="en-US" dirty="0"/>
-              <a:t>the spherical space</a:t>
-            </a:r>
-          </a:p>
-        </p:txBody>
-      </p:sp>
-      <p:pic>
-        <p:nvPicPr>
-          <p:cNvPr id="3" name="Picture 2"/>
-          <p:cNvPicPr>
-            <a:picLocks noChangeAspect="1"/>
-          </p:cNvPicPr>
-          <p:nvPr/>
-        </p:nvPicPr>
-        <p:blipFill rotWithShape="1">
-          <a:blip r:embed="rId3">
-            <a:extLst>
-              <a:ext uri="{28A0092B-C50C-407E-A947-70E740481C1C}">
-                <a14:useLocalDpi xmlns:a14="http://schemas.microsoft.com/office/drawing/2010/main" val="0"/>
-              </a:ext>
-            </a:extLst>
-          </a:blip>
-          <a:srcRect l="14927" t="19839" r="15040" b="19949"/>
-          <a:stretch/>
-        </p:blipFill>
-        <p:spPr>
-          <a:xfrm>
-            <a:off x="6700602" y="2263514"/>
-            <a:ext cx="3432749" cy="2582427"/>
-          </a:xfrm>
-          <a:prstGeom prst="rect">
-            <a:avLst/>
-          </a:prstGeom>
-        </p:spPr>
-      </p:pic>
+            <a:endParaRPr lang="en-US"/>
+          </a:p>
+        </p:txBody>
+      </p:sp>
     </p:spTree>
     <p:extLst>
       <p:ext uri="{BB962C8B-B14F-4D97-AF65-F5344CB8AC3E}">
-        <p14:creationId xmlns:p14="http://schemas.microsoft.com/office/powerpoint/2010/main" val="1673550116"/>
+        <p14:creationId xmlns:p14="http://schemas.microsoft.com/office/powerpoint/2010/main" val="1096693033"/>
       </p:ext>
     </p:extLst>
   </p:cSld>
@@ -10278,8 +10457,12 @@
           <a:lstStyle/>
           <a:p>
             <a:r>
+              <a:rPr lang="en-US" dirty="0" err="1"/>
+              <a:t>Silhoutte</a:t>
+            </a:r>
+            <a:r>
               <a:rPr lang="en-US" dirty="0"/>
-              <a:t>Other Possibilities</a:t>
+              <a:t> score</a:t>
             </a:r>
           </a:p>
         </p:txBody>
@@ -10296,109 +10479,9 @@
         </p:nvSpPr>
         <p:spPr/>
         <p:txBody>
-          <a:bodyPr>
-            <a:normAutofit fontScale="85000" lnSpcReduction="20000"/>
-          </a:bodyPr>
+          <a:bodyPr/>
           <a:lstStyle/>
           <a:p>
-            <a:r>
-              <a:rPr lang="en-US" dirty="0"/>
-              <a:t>Cortical Registration based on fMRI!!</a:t>
-            </a:r>
-          </a:p>
-          <a:p>
-            <a:pPr lvl="1"/>
-            <a:r>
-              <a:rPr lang="en-US" dirty="0"/>
-              <a:t>The distance of sphere can be used to drive registration</a:t>
-            </a:r>
-          </a:p>
-          <a:p>
-            <a:pPr lvl="1"/>
-            <a:r>
-              <a:rPr lang="en-US" dirty="0"/>
-              <a:t>Or the correspondence can be found directly on sphere using Hungarian Algorithm</a:t>
-            </a:r>
-          </a:p>
-          <a:p>
-            <a:endParaRPr lang="en-US" dirty="0"/>
-          </a:p>
-          <a:p>
-            <a:r>
-              <a:rPr lang="en-US" dirty="0"/>
-              <a:t>Group Studies</a:t>
-            </a:r>
-          </a:p>
-          <a:p>
-            <a:pPr lvl="1"/>
-            <a:r>
-              <a:rPr lang="en-US" dirty="0"/>
-              <a:t>We have developed framework for performing statistics on sphere</a:t>
-            </a:r>
-          </a:p>
-          <a:p>
-            <a:pPr lvl="1"/>
-            <a:r>
-              <a:rPr lang="en-US" dirty="0"/>
-              <a:t>After </a:t>
-            </a:r>
-            <a:r>
-              <a:rPr lang="en-US" dirty="0" err="1"/>
-              <a:t>BrainSync</a:t>
-            </a:r>
-            <a:r>
-              <a:rPr lang="en-US" dirty="0"/>
-              <a:t> these signals are directly comparable</a:t>
-            </a:r>
-          </a:p>
-          <a:p>
-            <a:pPr lvl="1"/>
-            <a:r>
-              <a:rPr lang="en-US" dirty="0"/>
-              <a:t>Group Differences and other studies can be performed easily</a:t>
-            </a:r>
-          </a:p>
-          <a:p>
-            <a:pPr lvl="1"/>
-            <a:endParaRPr lang="en-US" dirty="0"/>
-          </a:p>
-          <a:p>
-            <a:pPr lvl="1"/>
-            <a:endParaRPr lang="en-US" dirty="0"/>
-          </a:p>
-          <a:p>
-            <a:pPr marL="57150" indent="0">
-              <a:buNone/>
-            </a:pPr>
-            <a:r>
-              <a:rPr lang="en-US" dirty="0"/>
-              <a:t>Will the results be same if correlation is used as a feature ?</a:t>
-            </a:r>
-          </a:p>
-          <a:p>
-            <a:pPr marL="57150" indent="0">
-              <a:buNone/>
-            </a:pPr>
-            <a:r>
-              <a:rPr lang="en-US" dirty="0"/>
-              <a:t>Sparsity priors can be used for fitting the </a:t>
-            </a:r>
-            <a:r>
-              <a:rPr lang="en-US"/>
-              <a:t>orthonormal transformation</a:t>
-            </a:r>
-            <a:endParaRPr lang="en-US" dirty="0"/>
-          </a:p>
-          <a:p>
-            <a:pPr lvl="1"/>
-            <a:endParaRPr lang="en-US" dirty="0"/>
-          </a:p>
-          <a:p>
-            <a:pPr lvl="1"/>
-            <a:endParaRPr lang="en-US" dirty="0"/>
-          </a:p>
-          <a:p>
-            <a:pPr lvl="1"/>
             <a:endParaRPr lang="en-US" dirty="0"/>
           </a:p>
         </p:txBody>
@@ -10406,7 +10489,116 @@
     </p:spTree>
     <p:extLst>
       <p:ext uri="{BB962C8B-B14F-4D97-AF65-F5344CB8AC3E}">
-        <p14:creationId xmlns:p14="http://schemas.microsoft.com/office/powerpoint/2010/main" val="1856051151"/>
+        <p14:creationId xmlns:p14="http://schemas.microsoft.com/office/powerpoint/2010/main" val="1004236828"/>
+      </p:ext>
+    </p:extLst>
+  </p:cSld>
+  <p:clrMapOvr>
+    <a:masterClrMapping/>
+  </p:clrMapOvr>
+</p:sld>
+</file>
+
+<file path=ppt/slides/slide19.xml><?xml version="1.0" encoding="utf-8"?>
+<p:sld xmlns:a="http://schemas.openxmlformats.org/drawingml/2006/main" xmlns:r="http://schemas.openxmlformats.org/officeDocument/2006/relationships" xmlns:p="http://schemas.openxmlformats.org/presentationml/2006/main">
+  <p:cSld>
+    <p:spTree>
+      <p:nvGrpSpPr>
+        <p:cNvPr id="1" name=""/>
+        <p:cNvGrpSpPr/>
+        <p:nvPr/>
+      </p:nvGrpSpPr>
+      <p:grpSpPr>
+        <a:xfrm>
+          <a:off x="0" y="0"/>
+          <a:ext cx="0" cy="0"/>
+          <a:chOff x="0" y="0"/>
+          <a:chExt cx="0" cy="0"/>
+        </a:xfrm>
+      </p:grpSpPr>
+      <p:sp>
+        <p:nvSpPr>
+          <p:cNvPr id="2" name="Title 1"/>
+          <p:cNvSpPr>
+            <a:spLocks noGrp="1"/>
+          </p:cNvSpPr>
+          <p:nvPr>
+            <p:ph type="title"/>
+          </p:nvPr>
+        </p:nvSpPr>
+        <p:spPr/>
+        <p:txBody>
+          <a:bodyPr/>
+          <a:lstStyle/>
+          <a:p>
+            <a:r>
+              <a:rPr lang="en-US" dirty="0"/>
+              <a:t>Conclusion</a:t>
+            </a:r>
+          </a:p>
+        </p:txBody>
+      </p:sp>
+      <p:sp>
+        <p:nvSpPr>
+          <p:cNvPr id="3" name="Content Placeholder 2"/>
+          <p:cNvSpPr>
+            <a:spLocks noGrp="1"/>
+          </p:cNvSpPr>
+          <p:nvPr>
+            <p:ph idx="1"/>
+          </p:nvPr>
+        </p:nvSpPr>
+        <p:spPr>
+          <a:xfrm>
+            <a:off x="1757190" y="1631092"/>
+            <a:ext cx="8915400" cy="3777622"/>
+          </a:xfrm>
+        </p:spPr>
+        <p:txBody>
+          <a:bodyPr/>
+          <a:lstStyle/>
+          <a:p>
+            <a:r>
+              <a:rPr lang="en-US" dirty="0"/>
+              <a:t>Parameter free approach </a:t>
+            </a:r>
+          </a:p>
+          <a:p>
+            <a:r>
+              <a:rPr lang="en-US" dirty="0"/>
+              <a:t>Depends on only 2 simple assumptions</a:t>
+            </a:r>
+          </a:p>
+          <a:p>
+            <a:r>
+              <a:rPr lang="en-US" dirty="0"/>
+              <a:t>No Spatial Prior or group prior is assumed, regions can be very different as possible, No constraint on topography of the labels</a:t>
+            </a:r>
+          </a:p>
+          <a:p>
+            <a:r>
+              <a:rPr lang="en-US" dirty="0"/>
+              <a:t>Purely data driven</a:t>
+            </a:r>
+          </a:p>
+          <a:p>
+            <a:endParaRPr lang="en-US" dirty="0"/>
+          </a:p>
+          <a:p>
+            <a:endParaRPr lang="en-US" dirty="0"/>
+          </a:p>
+          <a:p>
+            <a:r>
+              <a:rPr lang="en-US" dirty="0"/>
+              <a:t>Involves clustering of a large amount of data, so scalable algorithm is required (e.g. k-means)</a:t>
+            </a:r>
+          </a:p>
+        </p:txBody>
+      </p:sp>
+    </p:spTree>
+    <p:extLst>
+      <p:ext uri="{BB962C8B-B14F-4D97-AF65-F5344CB8AC3E}">
+        <p14:creationId xmlns:p14="http://schemas.microsoft.com/office/powerpoint/2010/main" val="3406988283"/>
       </p:ext>
     </p:extLst>
   </p:cSld>
@@ -10621,6 +10813,743 @@
     <p:extLst>
       <p:ext uri="{BB962C8B-B14F-4D97-AF65-F5344CB8AC3E}">
         <p14:creationId xmlns:p14="http://schemas.microsoft.com/office/powerpoint/2010/main" val="904628041"/>
+      </p:ext>
+    </p:extLst>
+  </p:cSld>
+  <p:clrMapOvr>
+    <a:masterClrMapping/>
+  </p:clrMapOvr>
+</p:sld>
+</file>
+
+<file path=ppt/slides/slide20.xml><?xml version="1.0" encoding="utf-8"?>
+<p:sld xmlns:a="http://schemas.openxmlformats.org/drawingml/2006/main" xmlns:r="http://schemas.openxmlformats.org/officeDocument/2006/relationships" xmlns:p="http://schemas.openxmlformats.org/presentationml/2006/main">
+  <p:cSld>
+    <p:spTree>
+      <p:nvGrpSpPr>
+        <p:cNvPr id="1" name=""/>
+        <p:cNvGrpSpPr/>
+        <p:nvPr/>
+      </p:nvGrpSpPr>
+      <p:grpSpPr>
+        <a:xfrm>
+          <a:off x="0" y="0"/>
+          <a:ext cx="0" cy="0"/>
+          <a:chOff x="0" y="0"/>
+          <a:chExt cx="0" cy="0"/>
+        </a:xfrm>
+      </p:grpSpPr>
+      <p:sp>
+        <p:nvSpPr>
+          <p:cNvPr id="2" name="Title 1"/>
+          <p:cNvSpPr>
+            <a:spLocks noGrp="1"/>
+          </p:cNvSpPr>
+          <p:nvPr>
+            <p:ph type="title"/>
+          </p:nvPr>
+        </p:nvSpPr>
+        <p:spPr/>
+        <p:txBody>
+          <a:bodyPr/>
+          <a:lstStyle/>
+          <a:p>
+            <a:r>
+              <a:rPr lang="en-US" dirty="0"/>
+              <a:t>Brain Registration using fMRI</a:t>
+            </a:r>
+          </a:p>
+        </p:txBody>
+      </p:sp>
+      <p:pic>
+        <p:nvPicPr>
+          <p:cNvPr id="5" name="Picture 4"/>
+          <p:cNvPicPr>
+            <a:picLocks noChangeAspect="1"/>
+          </p:cNvPicPr>
+          <p:nvPr/>
+        </p:nvPicPr>
+        <p:blipFill rotWithShape="1">
+          <a:blip r:embed="rId2">
+            <a:extLst>
+              <a:ext uri="{28A0092B-C50C-407E-A947-70E740481C1C}">
+                <a14:useLocalDpi xmlns:a14="http://schemas.microsoft.com/office/drawing/2010/main" val="0"/>
+              </a:ext>
+            </a:extLst>
+          </a:blip>
+          <a:srcRect l="14942" t="20223" r="14828" b="20400"/>
+          <a:stretch/>
+        </p:blipFill>
+        <p:spPr>
+          <a:xfrm>
+            <a:off x="2293495" y="2263515"/>
+            <a:ext cx="3586472" cy="2653259"/>
+          </a:xfrm>
+          <a:prstGeom prst="rect">
+            <a:avLst/>
+          </a:prstGeom>
+        </p:spPr>
+      </p:pic>
+      <p:sp>
+        <p:nvSpPr>
+          <p:cNvPr id="6" name="TextBox 5"/>
+          <p:cNvSpPr txBox="1"/>
+          <p:nvPr/>
+        </p:nvSpPr>
+        <p:spPr>
+          <a:xfrm>
+            <a:off x="1788851" y="5610542"/>
+            <a:ext cx="4038285" cy="369332"/>
+          </a:xfrm>
+          <a:prstGeom prst="rect">
+            <a:avLst/>
+          </a:prstGeom>
+          <a:noFill/>
+        </p:spPr>
+        <p:txBody>
+          <a:bodyPr wrap="none" rtlCol="0">
+            <a:spAutoFit/>
+          </a:bodyPr>
+          <a:lstStyle/>
+          <a:p>
+            <a:r>
+              <a:rPr lang="en-US" dirty="0"/>
+              <a:t>Original labeled brain for subject 2</a:t>
+            </a:r>
+          </a:p>
+        </p:txBody>
+      </p:sp>
+      <p:sp>
+        <p:nvSpPr>
+          <p:cNvPr id="7" name="TextBox 6"/>
+          <p:cNvSpPr txBox="1"/>
+          <p:nvPr/>
+        </p:nvSpPr>
+        <p:spPr>
+          <a:xfrm>
+            <a:off x="6591872" y="5333543"/>
+            <a:ext cx="4091185" cy="923330"/>
+          </a:xfrm>
+          <a:prstGeom prst="rect">
+            <a:avLst/>
+          </a:prstGeom>
+          <a:noFill/>
+        </p:spPr>
+        <p:txBody>
+          <a:bodyPr wrap="none" rtlCol="0">
+            <a:spAutoFit/>
+          </a:bodyPr>
+          <a:lstStyle/>
+          <a:p>
+            <a:r>
+              <a:rPr lang="en-US" dirty="0"/>
+              <a:t>We map each vertex of subject 1 </a:t>
+            </a:r>
+          </a:p>
+          <a:p>
+            <a:r>
+              <a:rPr lang="en-US" dirty="0"/>
+              <a:t>to the closest vertex of subject 2 in </a:t>
+            </a:r>
+          </a:p>
+          <a:p>
+            <a:r>
+              <a:rPr lang="en-US" dirty="0"/>
+              <a:t>the spherical space</a:t>
+            </a:r>
+          </a:p>
+        </p:txBody>
+      </p:sp>
+      <p:pic>
+        <p:nvPicPr>
+          <p:cNvPr id="3" name="Picture 2"/>
+          <p:cNvPicPr>
+            <a:picLocks noChangeAspect="1"/>
+          </p:cNvPicPr>
+          <p:nvPr/>
+        </p:nvPicPr>
+        <p:blipFill rotWithShape="1">
+          <a:blip r:embed="rId3">
+            <a:extLst>
+              <a:ext uri="{28A0092B-C50C-407E-A947-70E740481C1C}">
+                <a14:useLocalDpi xmlns:a14="http://schemas.microsoft.com/office/drawing/2010/main" val="0"/>
+              </a:ext>
+            </a:extLst>
+          </a:blip>
+          <a:srcRect l="14927" t="19839" r="15040" b="19949"/>
+          <a:stretch/>
+        </p:blipFill>
+        <p:spPr>
+          <a:xfrm>
+            <a:off x="6700602" y="2263514"/>
+            <a:ext cx="3432749" cy="2582427"/>
+          </a:xfrm>
+          <a:prstGeom prst="rect">
+            <a:avLst/>
+          </a:prstGeom>
+        </p:spPr>
+      </p:pic>
+    </p:spTree>
+    <p:extLst>
+      <p:ext uri="{BB962C8B-B14F-4D97-AF65-F5344CB8AC3E}">
+        <p14:creationId xmlns:p14="http://schemas.microsoft.com/office/powerpoint/2010/main" val="1673550116"/>
+      </p:ext>
+    </p:extLst>
+  </p:cSld>
+  <p:clrMapOvr>
+    <a:masterClrMapping/>
+  </p:clrMapOvr>
+</p:sld>
+</file>
+
+<file path=ppt/slides/slide21.xml><?xml version="1.0" encoding="utf-8"?>
+<p:sld xmlns:a="http://schemas.openxmlformats.org/drawingml/2006/main" xmlns:r="http://schemas.openxmlformats.org/officeDocument/2006/relationships" xmlns:p="http://schemas.openxmlformats.org/presentationml/2006/main">
+  <p:cSld>
+    <p:spTree>
+      <p:nvGrpSpPr>
+        <p:cNvPr id="1" name=""/>
+        <p:cNvGrpSpPr/>
+        <p:nvPr/>
+      </p:nvGrpSpPr>
+      <p:grpSpPr>
+        <a:xfrm>
+          <a:off x="0" y="0"/>
+          <a:ext cx="0" cy="0"/>
+          <a:chOff x="0" y="0"/>
+          <a:chExt cx="0" cy="0"/>
+        </a:xfrm>
+      </p:grpSpPr>
+      <p:sp>
+        <p:nvSpPr>
+          <p:cNvPr id="2" name="Title 1"/>
+          <p:cNvSpPr>
+            <a:spLocks noGrp="1"/>
+          </p:cNvSpPr>
+          <p:nvPr>
+            <p:ph type="title"/>
+          </p:nvPr>
+        </p:nvSpPr>
+        <p:spPr/>
+        <p:txBody>
+          <a:bodyPr/>
+          <a:lstStyle/>
+          <a:p>
+            <a:r>
+              <a:rPr lang="en-US" dirty="0"/>
+              <a:t>Other Possibilities</a:t>
+            </a:r>
+          </a:p>
+        </p:txBody>
+      </p:sp>
+      <p:sp>
+        <p:nvSpPr>
+          <p:cNvPr id="3" name="Content Placeholder 2"/>
+          <p:cNvSpPr>
+            <a:spLocks noGrp="1"/>
+          </p:cNvSpPr>
+          <p:nvPr>
+            <p:ph idx="1"/>
+          </p:nvPr>
+        </p:nvSpPr>
+        <p:spPr>
+          <a:xfrm>
+            <a:off x="1353535" y="1682578"/>
+            <a:ext cx="9215609" cy="4652319"/>
+          </a:xfrm>
+        </p:spPr>
+        <p:txBody>
+          <a:bodyPr>
+            <a:normAutofit fontScale="85000" lnSpcReduction="20000"/>
+          </a:bodyPr>
+          <a:lstStyle/>
+          <a:p>
+            <a:r>
+              <a:rPr lang="en-US" dirty="0"/>
+              <a:t>Cortical Registration based on fMRI</a:t>
+            </a:r>
+          </a:p>
+          <a:p>
+            <a:pPr lvl="1"/>
+            <a:r>
+              <a:rPr lang="en-US" dirty="0"/>
+              <a:t>The distance of sphere can be used to drive registration</a:t>
+            </a:r>
+          </a:p>
+          <a:p>
+            <a:pPr lvl="1"/>
+            <a:r>
+              <a:rPr lang="en-US" dirty="0"/>
+              <a:t>Or the correspondence can be found directly on sphere using Hungarian Algorithm</a:t>
+            </a:r>
+          </a:p>
+          <a:p>
+            <a:endParaRPr lang="en-US" dirty="0"/>
+          </a:p>
+          <a:p>
+            <a:r>
+              <a:rPr lang="en-US" dirty="0"/>
+              <a:t>Group Studies</a:t>
+            </a:r>
+          </a:p>
+          <a:p>
+            <a:pPr lvl="1"/>
+            <a:r>
+              <a:rPr lang="en-US" dirty="0"/>
+              <a:t>We have developed framework for performing statistics on sphere</a:t>
+            </a:r>
+          </a:p>
+          <a:p>
+            <a:pPr lvl="1"/>
+            <a:r>
+              <a:rPr lang="en-US" dirty="0"/>
+              <a:t>After </a:t>
+            </a:r>
+            <a:r>
+              <a:rPr lang="en-US" dirty="0" err="1"/>
+              <a:t>BrainSync</a:t>
+            </a:r>
+            <a:r>
+              <a:rPr lang="en-US" dirty="0"/>
+              <a:t> these signals are directly comparable</a:t>
+            </a:r>
+          </a:p>
+          <a:p>
+            <a:pPr lvl="1"/>
+            <a:r>
+              <a:rPr lang="en-US" dirty="0"/>
+              <a:t>Group Differences and other studies can be performed easily</a:t>
+            </a:r>
+          </a:p>
+          <a:p>
+            <a:pPr lvl="1"/>
+            <a:endParaRPr lang="en-US" dirty="0"/>
+          </a:p>
+          <a:p>
+            <a:r>
+              <a:rPr lang="en-US" dirty="0"/>
+              <a:t>K-means tends to find spherical clusters of equal size. We should try DBSCAN which is also scalable </a:t>
+            </a:r>
+            <a:r>
+              <a:rPr lang="en-US" dirty="0" err="1"/>
+              <a:t>wrt</a:t>
+            </a:r>
+            <a:r>
+              <a:rPr lang="en-US" dirty="0"/>
+              <a:t> number of samples</a:t>
+            </a:r>
+          </a:p>
+          <a:p>
+            <a:pPr lvl="1"/>
+            <a:endParaRPr lang="en-US" dirty="0"/>
+          </a:p>
+          <a:p>
+            <a:pPr lvl="1"/>
+            <a:endParaRPr lang="en-US" dirty="0"/>
+          </a:p>
+          <a:p>
+            <a:pPr marL="57150" indent="0">
+              <a:buNone/>
+            </a:pPr>
+            <a:r>
+              <a:rPr lang="en-US" dirty="0"/>
+              <a:t>Will the results be same if correlation is used as a feature ?</a:t>
+            </a:r>
+          </a:p>
+          <a:p>
+            <a:pPr marL="57150" indent="0">
+              <a:buNone/>
+            </a:pPr>
+            <a:r>
+              <a:rPr lang="en-US" dirty="0"/>
+              <a:t>Sparsity priors can be used for fitting the orthonormal transformation</a:t>
+            </a:r>
+          </a:p>
+          <a:p>
+            <a:pPr lvl="1"/>
+            <a:endParaRPr lang="en-US" dirty="0"/>
+          </a:p>
+          <a:p>
+            <a:pPr lvl="1"/>
+            <a:endParaRPr lang="en-US" dirty="0"/>
+          </a:p>
+          <a:p>
+            <a:pPr lvl="1"/>
+            <a:endParaRPr lang="en-US" dirty="0"/>
+          </a:p>
+        </p:txBody>
+      </p:sp>
+    </p:spTree>
+    <p:extLst>
+      <p:ext uri="{BB962C8B-B14F-4D97-AF65-F5344CB8AC3E}">
+        <p14:creationId xmlns:p14="http://schemas.microsoft.com/office/powerpoint/2010/main" val="1856051151"/>
+      </p:ext>
+    </p:extLst>
+  </p:cSld>
+  <p:clrMapOvr>
+    <a:masterClrMapping/>
+  </p:clrMapOvr>
+</p:sld>
+</file>
+
+<file path=ppt/slides/slide22.xml><?xml version="1.0" encoding="utf-8"?>
+<p:sld xmlns:a="http://schemas.openxmlformats.org/drawingml/2006/main" xmlns:r="http://schemas.openxmlformats.org/officeDocument/2006/relationships" xmlns:p="http://schemas.openxmlformats.org/presentationml/2006/main">
+  <p:cSld>
+    <p:spTree>
+      <p:nvGrpSpPr>
+        <p:cNvPr id="1" name=""/>
+        <p:cNvGrpSpPr/>
+        <p:nvPr/>
+      </p:nvGrpSpPr>
+      <p:grpSpPr>
+        <a:xfrm>
+          <a:off x="0" y="0"/>
+          <a:ext cx="0" cy="0"/>
+          <a:chOff x="0" y="0"/>
+          <a:chExt cx="0" cy="0"/>
+        </a:xfrm>
+      </p:grpSpPr>
+      <p:sp>
+        <p:nvSpPr>
+          <p:cNvPr id="2" name="Title 1"/>
+          <p:cNvSpPr>
+            <a:spLocks noGrp="1"/>
+          </p:cNvSpPr>
+          <p:nvPr>
+            <p:ph type="title"/>
+          </p:nvPr>
+        </p:nvSpPr>
+        <p:spPr>
+          <a:xfrm>
+            <a:off x="2534868" y="178860"/>
+            <a:ext cx="8911687" cy="1280890"/>
+          </a:xfrm>
+        </p:spPr>
+        <p:txBody>
+          <a:bodyPr/>
+          <a:lstStyle/>
+          <a:p>
+            <a:r>
+              <a:rPr lang="en-US" dirty="0"/>
+              <a:t>Random permutation of vertices</a:t>
+            </a:r>
+          </a:p>
+        </p:txBody>
+      </p:sp>
+      <p:sp>
+        <p:nvSpPr>
+          <p:cNvPr id="3" name="Content Placeholder 2"/>
+          <p:cNvSpPr>
+            <a:spLocks noGrp="1"/>
+          </p:cNvSpPr>
+          <p:nvPr>
+            <p:ph idx="1"/>
+          </p:nvPr>
+        </p:nvSpPr>
+        <p:spPr>
+          <a:xfrm>
+            <a:off x="1576975" y="970551"/>
+            <a:ext cx="8915400" cy="3777622"/>
+          </a:xfrm>
+        </p:spPr>
+        <p:txBody>
+          <a:bodyPr/>
+          <a:lstStyle/>
+          <a:p>
+            <a:r>
+              <a:rPr lang="en-US" dirty="0"/>
+              <a:t>Correlation was computed between time series data of Brain 1 B1 and Brain 2 with permuted vertices. </a:t>
+            </a:r>
+          </a:p>
+          <a:p>
+            <a:r>
+              <a:rPr lang="en-US" dirty="0"/>
+              <a:t>It seems that the correlation only increases to average about .3. Note that after </a:t>
+            </a:r>
+            <a:r>
+              <a:rPr lang="en-US" dirty="0" err="1"/>
+              <a:t>tNLM</a:t>
+            </a:r>
+            <a:r>
+              <a:rPr lang="en-US" dirty="0"/>
+              <a:t> average correlation within subject is about that. So it seems to align the baseline signal only.</a:t>
+            </a:r>
+          </a:p>
+        </p:txBody>
+      </p:sp>
+      <p:grpSp>
+        <p:nvGrpSpPr>
+          <p:cNvPr id="10" name="Group 9"/>
+          <p:cNvGrpSpPr/>
+          <p:nvPr/>
+        </p:nvGrpSpPr>
+        <p:grpSpPr>
+          <a:xfrm>
+            <a:off x="228600" y="3860801"/>
+            <a:ext cx="11832771" cy="2260244"/>
+            <a:chOff x="228600" y="3964771"/>
+            <a:chExt cx="14366790" cy="2744281"/>
+          </a:xfrm>
+        </p:grpSpPr>
+        <p:pic>
+          <p:nvPicPr>
+            <p:cNvPr id="6" name="Picture 5"/>
+            <p:cNvPicPr>
+              <a:picLocks noChangeAspect="1"/>
+            </p:cNvPicPr>
+            <p:nvPr/>
+          </p:nvPicPr>
+          <p:blipFill rotWithShape="1">
+            <a:blip r:embed="rId2">
+              <a:extLst>
+                <a:ext uri="{28A0092B-C50C-407E-A947-70E740481C1C}">
+                  <a14:useLocalDpi xmlns:a14="http://schemas.microsoft.com/office/drawing/2010/main" val="0"/>
+                </a:ext>
+              </a:extLst>
+            </a:blip>
+            <a:srcRect t="17682"/>
+            <a:stretch/>
+          </p:blipFill>
+          <p:spPr>
+            <a:xfrm>
+              <a:off x="228600" y="3964771"/>
+              <a:ext cx="3810000" cy="2744281"/>
+            </a:xfrm>
+            <a:prstGeom prst="rect">
+              <a:avLst/>
+            </a:prstGeom>
+          </p:spPr>
+        </p:pic>
+        <p:pic>
+          <p:nvPicPr>
+            <p:cNvPr id="7" name="Picture 6"/>
+            <p:cNvPicPr>
+              <a:picLocks noChangeAspect="1"/>
+            </p:cNvPicPr>
+            <p:nvPr/>
+          </p:nvPicPr>
+          <p:blipFill rotWithShape="1">
+            <a:blip r:embed="rId3">
+              <a:extLst>
+                <a:ext uri="{28A0092B-C50C-407E-A947-70E740481C1C}">
+                  <a14:useLocalDpi xmlns:a14="http://schemas.microsoft.com/office/drawing/2010/main" val="0"/>
+                </a:ext>
+              </a:extLst>
+            </a:blip>
+            <a:srcRect t="17682"/>
+            <a:stretch/>
+          </p:blipFill>
+          <p:spPr>
+            <a:xfrm>
+              <a:off x="3820298" y="3964771"/>
+              <a:ext cx="3810000" cy="2744281"/>
+            </a:xfrm>
+            <a:prstGeom prst="rect">
+              <a:avLst/>
+            </a:prstGeom>
+          </p:spPr>
+        </p:pic>
+        <p:pic>
+          <p:nvPicPr>
+            <p:cNvPr id="8" name="Picture 7"/>
+            <p:cNvPicPr>
+              <a:picLocks noChangeAspect="1"/>
+            </p:cNvPicPr>
+            <p:nvPr/>
+          </p:nvPicPr>
+          <p:blipFill rotWithShape="1">
+            <a:blip r:embed="rId4">
+              <a:extLst>
+                <a:ext uri="{28A0092B-C50C-407E-A947-70E740481C1C}">
+                  <a14:useLocalDpi xmlns:a14="http://schemas.microsoft.com/office/drawing/2010/main" val="0"/>
+                </a:ext>
+              </a:extLst>
+            </a:blip>
+            <a:srcRect t="17682"/>
+            <a:stretch/>
+          </p:blipFill>
+          <p:spPr>
+            <a:xfrm>
+              <a:off x="7411996" y="3964771"/>
+              <a:ext cx="3810000" cy="2744281"/>
+            </a:xfrm>
+            <a:prstGeom prst="rect">
+              <a:avLst/>
+            </a:prstGeom>
+          </p:spPr>
+        </p:pic>
+        <p:pic>
+          <p:nvPicPr>
+            <p:cNvPr id="9" name="Picture 8"/>
+            <p:cNvPicPr>
+              <a:picLocks noChangeAspect="1"/>
+            </p:cNvPicPr>
+            <p:nvPr/>
+          </p:nvPicPr>
+          <p:blipFill rotWithShape="1">
+            <a:blip r:embed="rId5">
+              <a:extLst>
+                <a:ext uri="{28A0092B-C50C-407E-A947-70E740481C1C}">
+                  <a14:useLocalDpi xmlns:a14="http://schemas.microsoft.com/office/drawing/2010/main" val="0"/>
+                </a:ext>
+              </a:extLst>
+            </a:blip>
+            <a:srcRect t="17682"/>
+            <a:stretch/>
+          </p:blipFill>
+          <p:spPr>
+            <a:xfrm>
+              <a:off x="10785390" y="3964771"/>
+              <a:ext cx="3810000" cy="2744281"/>
+            </a:xfrm>
+            <a:prstGeom prst="rect">
+              <a:avLst/>
+            </a:prstGeom>
+          </p:spPr>
+        </p:pic>
+      </p:grpSp>
+      <p:sp>
+        <p:nvSpPr>
+          <p:cNvPr id="11" name="TextBox 10"/>
+          <p:cNvSpPr txBox="1"/>
+          <p:nvPr/>
+        </p:nvSpPr>
+        <p:spPr>
+          <a:xfrm>
+            <a:off x="699972" y="3267222"/>
+            <a:ext cx="1754006" cy="369332"/>
+          </a:xfrm>
+          <a:prstGeom prst="rect">
+            <a:avLst/>
+          </a:prstGeom>
+          <a:noFill/>
+        </p:spPr>
+        <p:txBody>
+          <a:bodyPr wrap="none" rtlCol="0">
+            <a:spAutoFit/>
+          </a:bodyPr>
+          <a:lstStyle/>
+          <a:p>
+            <a:r>
+              <a:rPr lang="en-US" dirty="0"/>
+              <a:t>Sub 1 to Sub 2</a:t>
+            </a:r>
+          </a:p>
+        </p:txBody>
+      </p:sp>
+      <p:sp>
+        <p:nvSpPr>
+          <p:cNvPr id="12" name="TextBox 11"/>
+          <p:cNvSpPr txBox="1"/>
+          <p:nvPr/>
+        </p:nvSpPr>
+        <p:spPr>
+          <a:xfrm>
+            <a:off x="3286475" y="3210306"/>
+            <a:ext cx="2938625" cy="369332"/>
+          </a:xfrm>
+          <a:prstGeom prst="rect">
+            <a:avLst/>
+          </a:prstGeom>
+          <a:noFill/>
+        </p:spPr>
+        <p:txBody>
+          <a:bodyPr wrap="none" rtlCol="0">
+            <a:spAutoFit/>
+          </a:bodyPr>
+          <a:lstStyle/>
+          <a:p>
+            <a:r>
+              <a:rPr lang="en-US" dirty="0"/>
+              <a:t>Sub 1 to Sub 2 after Sync</a:t>
+            </a:r>
+          </a:p>
+        </p:txBody>
+      </p:sp>
+      <p:sp>
+        <p:nvSpPr>
+          <p:cNvPr id="13" name="TextBox 12"/>
+          <p:cNvSpPr txBox="1"/>
+          <p:nvPr/>
+        </p:nvSpPr>
+        <p:spPr>
+          <a:xfrm>
+            <a:off x="9258704" y="2748641"/>
+            <a:ext cx="2467342" cy="923330"/>
+          </a:xfrm>
+          <a:prstGeom prst="rect">
+            <a:avLst/>
+          </a:prstGeom>
+          <a:noFill/>
+        </p:spPr>
+        <p:txBody>
+          <a:bodyPr wrap="none" rtlCol="0">
+            <a:spAutoFit/>
+          </a:bodyPr>
+          <a:lstStyle/>
+          <a:p>
+            <a:pPr algn="ctr"/>
+            <a:r>
+              <a:rPr lang="en-US" dirty="0"/>
+              <a:t>Sub 1 to Sub 2 </a:t>
+            </a:r>
+          </a:p>
+          <a:p>
+            <a:pPr algn="ctr"/>
+            <a:r>
+              <a:rPr lang="en-US" dirty="0"/>
+              <a:t>(permuted vertices) </a:t>
+            </a:r>
+          </a:p>
+          <a:p>
+            <a:pPr algn="ctr"/>
+            <a:r>
+              <a:rPr lang="en-US" dirty="0"/>
+              <a:t>after Sync</a:t>
+            </a:r>
+          </a:p>
+        </p:txBody>
+      </p:sp>
+      <p:sp>
+        <p:nvSpPr>
+          <p:cNvPr id="14" name="TextBox 13"/>
+          <p:cNvSpPr txBox="1"/>
+          <p:nvPr/>
+        </p:nvSpPr>
+        <p:spPr>
+          <a:xfrm>
+            <a:off x="6537373" y="2933307"/>
+            <a:ext cx="2403222" cy="646331"/>
+          </a:xfrm>
+          <a:prstGeom prst="rect">
+            <a:avLst/>
+          </a:prstGeom>
+          <a:noFill/>
+        </p:spPr>
+        <p:txBody>
+          <a:bodyPr wrap="none" rtlCol="0">
+            <a:spAutoFit/>
+          </a:bodyPr>
+          <a:lstStyle/>
+          <a:p>
+            <a:pPr algn="ctr"/>
+            <a:r>
+              <a:rPr lang="en-US" dirty="0"/>
+              <a:t>Sub 1 to Sub 2 </a:t>
+            </a:r>
+          </a:p>
+          <a:p>
+            <a:pPr algn="ctr"/>
+            <a:r>
+              <a:rPr lang="en-US" dirty="0"/>
+              <a:t>(permuted vertices)</a:t>
+            </a:r>
+          </a:p>
+        </p:txBody>
+      </p:sp>
+    </p:spTree>
+    <p:extLst>
+      <p:ext uri="{BB962C8B-B14F-4D97-AF65-F5344CB8AC3E}">
+        <p14:creationId xmlns:p14="http://schemas.microsoft.com/office/powerpoint/2010/main" val="2674674233"/>
       </p:ext>
     </p:extLst>
   </p:cSld>
@@ -11055,7 +11984,7 @@
               <p:spPr>
                 <a:xfrm>
                   <a:off x="3351714" y="3071673"/>
-                  <a:ext cx="1612172" cy="276999"/>
+                  <a:ext cx="1758878" cy="276999"/>
                 </a:xfrm>
                 <a:prstGeom prst="rect">
                   <a:avLst/>
@@ -11096,6 +12025,12 @@
                             </m:ctrlPr>
                           </m:funcPr>
                           <m:fName>
+                            <m:r>
+                              <a:rPr lang="en-US" b="0" i="1" smtClean="0">
+                                <a:latin typeface="Cambria Math" panose="02040503050406030204" pitchFamily="18" charset="0"/>
+                              </a:rPr>
+                              <m:t>|</m:t>
+                            </m:r>
                             <m:sSup>
                               <m:sSupPr>
                                 <m:ctrlPr>
@@ -11126,42 +12061,47 @@
                             </m:sSup>
                           </m:fName>
                           <m:e>
-                            <m:r>
-                              <a:rPr lang="en-US" b="0" i="1" smtClean="0">
-                                <a:latin typeface="Cambria Math" panose="02040503050406030204" pitchFamily="18" charset="0"/>
-                              </a:rPr>
-                              <m:t>(</m:t>
-                            </m:r>
-                            <m:sSub>
-                              <m:sSubPr>
+                            <m:d>
+                              <m:dPr>
                                 <m:ctrlPr>
                                   <a:rPr lang="en-US" b="0" i="1" smtClean="0">
                                     <a:latin typeface="Cambria Math" panose="02040503050406030204" pitchFamily="18" charset="0"/>
                                   </a:rPr>
                                 </m:ctrlPr>
-                              </m:sSubPr>
+                              </m:dPr>
                               <m:e>
-                                <m:r>
-                                  <a:rPr lang="en-US" b="0" i="1" smtClean="0">
-                                    <a:latin typeface="Cambria Math" panose="02040503050406030204" pitchFamily="18" charset="0"/>
-                                  </a:rPr>
-                                  <m:t>𝜌</m:t>
-                                </m:r>
+                                <m:sSub>
+                                  <m:sSubPr>
+                                    <m:ctrlPr>
+                                      <a:rPr lang="en-US" b="0" i="1" smtClean="0">
+                                        <a:latin typeface="Cambria Math" panose="02040503050406030204" pitchFamily="18" charset="0"/>
+                                      </a:rPr>
+                                    </m:ctrlPr>
+                                  </m:sSubPr>
+                                  <m:e>
+                                    <m:r>
+                                      <a:rPr lang="en-US" b="0" i="1" smtClean="0">
+                                        <a:latin typeface="Cambria Math" panose="02040503050406030204" pitchFamily="18" charset="0"/>
+                                      </a:rPr>
+                                      <m:t>𝜌</m:t>
+                                    </m:r>
+                                  </m:e>
+                                  <m:sub>
+                                    <m:r>
+                                      <a:rPr lang="en-US" b="0" i="1" smtClean="0">
+                                        <a:latin typeface="Cambria Math" panose="02040503050406030204" pitchFamily="18" charset="0"/>
+                                      </a:rPr>
+                                      <m:t>𝑋𝑌</m:t>
+                                    </m:r>
+                                  </m:sub>
+                                </m:sSub>
                               </m:e>
-                              <m:sub>
-                                <m:r>
-                                  <a:rPr lang="en-US" b="0" i="1" smtClean="0">
-                                    <a:latin typeface="Cambria Math" panose="02040503050406030204" pitchFamily="18" charset="0"/>
-                                  </a:rPr>
-                                  <m:t>𝑋𝑌</m:t>
-                                </m:r>
-                              </m:sub>
-                            </m:sSub>
+                            </m:d>
                             <m:r>
                               <a:rPr lang="en-US" b="0" i="1" smtClean="0">
                                 <a:latin typeface="Cambria Math" panose="02040503050406030204" pitchFamily="18" charset="0"/>
                               </a:rPr>
-                              <m:t>)</m:t>
+                              <m:t>|</m:t>
                             </m:r>
                           </m:e>
                         </m:func>
@@ -11185,7 +12125,7 @@
               <p:spPr>
                 <a:xfrm>
                   <a:off x="3351714" y="3071673"/>
-                  <a:ext cx="1612172" cy="276999"/>
+                  <a:ext cx="1758878" cy="276999"/>
                 </a:xfrm>
                 <a:prstGeom prst="rect">
                   <a:avLst/>
@@ -11193,7 +12133,7 @@
                 <a:blipFill>
                   <a:blip r:embed="rId5"/>
                   <a:stretch>
-                    <a:fillRect l="-3030" r="-4924" b="-40000"/>
+                    <a:fillRect l="-2778" r="-4514" b="-40000"/>
                   </a:stretch>
                 </a:blipFill>
               </p:spPr>
@@ -11351,310 +12291,6 @@
           <a:chExt cx="0" cy="0"/>
         </a:xfrm>
       </p:grpSpPr>
-      <p:sp useBgFill="1">
-        <p:nvSpPr>
-          <p:cNvPr id="13" name="Rectangle 12"/>
-          <p:cNvSpPr>
-            <a:spLocks noGrp="1" noRot="1" noChangeAspect="1" noMove="1" noResize="1" noEditPoints="1" noAdjustHandles="1" noChangeArrowheads="1" noChangeShapeType="1" noTextEdit="1"/>
-          </p:cNvSpPr>
-          <p:nvPr>
-            <p:extLst>
-              <p:ext uri="{386F3935-93C4-4BCD-93E2-E3B085C9AB24}">
-                <p16:designElem xmlns:p16="http://schemas.microsoft.com/office/powerpoint/2015/main" val="1"/>
-              </p:ext>
-            </p:extLst>
-          </p:nvPr>
-        </p:nvSpPr>
-        <p:spPr>
-          <a:xfrm>
-            <a:off x="0" y="-786"/>
-            <a:ext cx="12192000" cy="6854038"/>
-          </a:xfrm>
-          <a:prstGeom prst="rect">
-            <a:avLst/>
-          </a:prstGeom>
-          <a:ln>
-            <a:noFill/>
-          </a:ln>
-        </p:spPr>
-        <p:style>
-          <a:lnRef idx="2">
-            <a:schemeClr val="accent1">
-              <a:shade val="50000"/>
-            </a:schemeClr>
-          </a:lnRef>
-          <a:fillRef idx="1">
-            <a:schemeClr val="accent1"/>
-          </a:fillRef>
-          <a:effectRef idx="0">
-            <a:schemeClr val="accent1"/>
-          </a:effectRef>
-          <a:fontRef idx="minor">
-            <a:schemeClr val="lt1"/>
-          </a:fontRef>
-        </p:style>
-        <p:txBody>
-          <a:bodyPr rtlCol="0" anchor="ctr"/>
-          <a:lstStyle/>
-          <a:p>
-            <a:pPr algn="ctr"/>
-            <a:endParaRPr lang="en-US"/>
-          </a:p>
-        </p:txBody>
-      </p:sp>
-      <p:sp>
-        <p:nvSpPr>
-          <p:cNvPr id="14" name="Rectangle 13"/>
-          <p:cNvSpPr>
-            <a:spLocks noGrp="1" noRot="1" noChangeAspect="1" noMove="1" noResize="1" noEditPoints="1" noAdjustHandles="1" noChangeArrowheads="1" noChangeShapeType="1" noTextEdit="1"/>
-          </p:cNvSpPr>
-          <p:nvPr>
-            <p:extLst>
-              <p:ext uri="{386F3935-93C4-4BCD-93E2-E3B085C9AB24}">
-                <p16:designElem xmlns:p16="http://schemas.microsoft.com/office/powerpoint/2015/main" val="1"/>
-              </p:ext>
-            </p:extLst>
-          </p:nvPr>
-        </p:nvSpPr>
-        <p:spPr>
-          <a:xfrm>
-            <a:off x="0" y="0"/>
-            <a:ext cx="182880" cy="6858000"/>
-          </a:xfrm>
-          <a:prstGeom prst="rect">
-            <a:avLst/>
-          </a:prstGeom>
-          <a:solidFill>
-            <a:schemeClr val="tx2"/>
-          </a:solidFill>
-          <a:ln>
-            <a:noFill/>
-          </a:ln>
-          <a:effectLst/>
-        </p:spPr>
-        <p:style>
-          <a:lnRef idx="1">
-            <a:schemeClr val="accent1"/>
-          </a:lnRef>
-          <a:fillRef idx="3">
-            <a:schemeClr val="accent1"/>
-          </a:fillRef>
-          <a:effectRef idx="2">
-            <a:schemeClr val="accent1"/>
-          </a:effectRef>
-          <a:fontRef idx="minor">
-            <a:schemeClr val="lt1"/>
-          </a:fontRef>
-        </p:style>
-      </p:sp>
-      <p:sp>
-        <p:nvSpPr>
-          <p:cNvPr id="15" name="Freeform 11"/>
-          <p:cNvSpPr>
-            <a:spLocks noGrp="1" noRot="1" noChangeAspect="1" noMove="1" noResize="1" noEditPoints="1" noAdjustHandles="1" noChangeArrowheads="1" noChangeShapeType="1" noTextEdit="1"/>
-          </p:cNvSpPr>
-          <p:nvPr>
-            <p:extLst>
-              <p:ext uri="{386F3935-93C4-4BCD-93E2-E3B085C9AB24}">
-                <p16:designElem xmlns:p16="http://schemas.microsoft.com/office/powerpoint/2015/main" val="1"/>
-              </p:ext>
-            </p:extLst>
-          </p:nvPr>
-        </p:nvSpPr>
-        <p:spPr>
-          <a:xfrm>
-            <a:off x="-1" y="6061223"/>
-            <a:ext cx="1038036" cy="506277"/>
-          </a:xfrm>
-          <a:custGeom>
-            <a:avLst/>
-            <a:gdLst>
-              <a:gd name="connsiteX0" fmla="*/ 0 w 1038036"/>
-              <a:gd name="connsiteY0" fmla="*/ 0 h 506277"/>
-              <a:gd name="connsiteX1" fmla="*/ 182880 w 1038036"/>
-              <a:gd name="connsiteY1" fmla="*/ 0 h 506277"/>
-              <a:gd name="connsiteX2" fmla="*/ 291705 w 1038036"/>
-              <a:gd name="connsiteY2" fmla="*/ 0 h 506277"/>
-              <a:gd name="connsiteX3" fmla="*/ 291705 w 1038036"/>
-              <a:gd name="connsiteY3" fmla="*/ 151 h 506277"/>
-              <a:gd name="connsiteX4" fmla="*/ 692049 w 1038036"/>
-              <a:gd name="connsiteY4" fmla="*/ 705 h 506277"/>
-              <a:gd name="connsiteX5" fmla="*/ 782744 w 1038036"/>
-              <a:gd name="connsiteY5" fmla="*/ 705 h 506277"/>
-              <a:gd name="connsiteX6" fmla="*/ 797001 w 1038036"/>
-              <a:gd name="connsiteY6" fmla="*/ 5473 h 506277"/>
-              <a:gd name="connsiteX7" fmla="*/ 801982 w 1038036"/>
-              <a:gd name="connsiteY7" fmla="*/ 10242 h 506277"/>
-              <a:gd name="connsiteX8" fmla="*/ 1030951 w 1038036"/>
-              <a:gd name="connsiteY8" fmla="*/ 239185 h 506277"/>
-              <a:gd name="connsiteX9" fmla="*/ 1030951 w 1038036"/>
-              <a:gd name="connsiteY9" fmla="*/ 267797 h 506277"/>
-              <a:gd name="connsiteX10" fmla="*/ 801982 w 1038036"/>
-              <a:gd name="connsiteY10" fmla="*/ 496740 h 506277"/>
-              <a:gd name="connsiteX11" fmla="*/ 797001 w 1038036"/>
-              <a:gd name="connsiteY11" fmla="*/ 501508 h 506277"/>
-              <a:gd name="connsiteX12" fmla="*/ 782744 w 1038036"/>
-              <a:gd name="connsiteY12" fmla="*/ 506277 h 506277"/>
-              <a:gd name="connsiteX13" fmla="*/ 692049 w 1038036"/>
-              <a:gd name="connsiteY13" fmla="*/ 506277 h 506277"/>
-              <a:gd name="connsiteX14" fmla="*/ 291705 w 1038036"/>
-              <a:gd name="connsiteY14" fmla="*/ 505140 h 506277"/>
-              <a:gd name="connsiteX15" fmla="*/ 291705 w 1038036"/>
-              <a:gd name="connsiteY15" fmla="*/ 506277 h 506277"/>
-              <a:gd name="connsiteX16" fmla="*/ 0 w 1038036"/>
-              <a:gd name="connsiteY16" fmla="*/ 506277 h 506277"/>
-            </a:gdLst>
-            <a:ahLst/>
-            <a:cxnLst>
-              <a:cxn ang="0">
-                <a:pos x="connsiteX0" y="connsiteY0"/>
-              </a:cxn>
-              <a:cxn ang="0">
-                <a:pos x="connsiteX1" y="connsiteY1"/>
-              </a:cxn>
-              <a:cxn ang="0">
-                <a:pos x="connsiteX2" y="connsiteY2"/>
-              </a:cxn>
-              <a:cxn ang="0">
-                <a:pos x="connsiteX3" y="connsiteY3"/>
-              </a:cxn>
-              <a:cxn ang="0">
-                <a:pos x="connsiteX4" y="connsiteY4"/>
-              </a:cxn>
-              <a:cxn ang="0">
-                <a:pos x="connsiteX5" y="connsiteY5"/>
-              </a:cxn>
-              <a:cxn ang="0">
-                <a:pos x="connsiteX6" y="connsiteY6"/>
-              </a:cxn>
-              <a:cxn ang="0">
-                <a:pos x="connsiteX7" y="connsiteY7"/>
-              </a:cxn>
-              <a:cxn ang="0">
-                <a:pos x="connsiteX8" y="connsiteY8"/>
-              </a:cxn>
-              <a:cxn ang="0">
-                <a:pos x="connsiteX9" y="connsiteY9"/>
-              </a:cxn>
-              <a:cxn ang="0">
-                <a:pos x="connsiteX10" y="connsiteY10"/>
-              </a:cxn>
-              <a:cxn ang="0">
-                <a:pos x="connsiteX11" y="connsiteY11"/>
-              </a:cxn>
-              <a:cxn ang="0">
-                <a:pos x="connsiteX12" y="connsiteY12"/>
-              </a:cxn>
-              <a:cxn ang="0">
-                <a:pos x="connsiteX13" y="connsiteY13"/>
-              </a:cxn>
-              <a:cxn ang="0">
-                <a:pos x="connsiteX14" y="connsiteY14"/>
-              </a:cxn>
-              <a:cxn ang="0">
-                <a:pos x="connsiteX15" y="connsiteY15"/>
-              </a:cxn>
-              <a:cxn ang="0">
-                <a:pos x="connsiteX16" y="connsiteY16"/>
-              </a:cxn>
-            </a:cxnLst>
-            <a:rect l="l" t="t" r="r" b="b"/>
-            <a:pathLst>
-              <a:path w="1038036" h="506277">
-                <a:moveTo>
-                  <a:pt x="0" y="0"/>
-                </a:moveTo>
-                <a:lnTo>
-                  <a:pt x="182880" y="0"/>
-                </a:lnTo>
-                <a:lnTo>
-                  <a:pt x="291705" y="0"/>
-                </a:lnTo>
-                <a:lnTo>
-                  <a:pt x="291705" y="151"/>
-                </a:lnTo>
-                <a:lnTo>
-                  <a:pt x="692049" y="705"/>
-                </a:lnTo>
-                <a:lnTo>
-                  <a:pt x="782744" y="705"/>
-                </a:lnTo>
-                <a:cubicBezTo>
-                  <a:pt x="787553" y="705"/>
-                  <a:pt x="792363" y="5473"/>
-                  <a:pt x="797001" y="5473"/>
-                </a:cubicBezTo>
-                <a:cubicBezTo>
-                  <a:pt x="797001" y="10242"/>
-                  <a:pt x="801982" y="10242"/>
-                  <a:pt x="801982" y="10242"/>
-                </a:cubicBezTo>
-                <a:lnTo>
-                  <a:pt x="1030951" y="239185"/>
-                </a:lnTo>
-                <a:cubicBezTo>
-                  <a:pt x="1040398" y="248722"/>
-                  <a:pt x="1040398" y="258259"/>
-                  <a:pt x="1030951" y="267797"/>
-                </a:cubicBezTo>
-                <a:lnTo>
-                  <a:pt x="801982" y="496740"/>
-                </a:lnTo>
-                <a:cubicBezTo>
-                  <a:pt x="800436" y="498363"/>
-                  <a:pt x="798547" y="499885"/>
-                  <a:pt x="797001" y="501508"/>
-                </a:cubicBezTo>
-                <a:cubicBezTo>
-                  <a:pt x="792363" y="506277"/>
-                  <a:pt x="787553" y="506277"/>
-                  <a:pt x="782744" y="506277"/>
-                </a:cubicBezTo>
-                <a:lnTo>
-                  <a:pt x="692049" y="506277"/>
-                </a:lnTo>
-                <a:lnTo>
-                  <a:pt x="291705" y="505140"/>
-                </a:lnTo>
-                <a:lnTo>
-                  <a:pt x="291705" y="506277"/>
-                </a:lnTo>
-                <a:lnTo>
-                  <a:pt x="0" y="506277"/>
-                </a:lnTo>
-                <a:close/>
-              </a:path>
-            </a:pathLst>
-          </a:custGeom>
-          <a:ln>
-            <a:noFill/>
-          </a:ln>
-        </p:spPr>
-        <p:style>
-          <a:lnRef idx="2">
-            <a:schemeClr val="accent1">
-              <a:shade val="50000"/>
-            </a:schemeClr>
-          </a:lnRef>
-          <a:fillRef idx="1">
-            <a:schemeClr val="accent1"/>
-          </a:fillRef>
-          <a:effectRef idx="0">
-            <a:schemeClr val="accent1"/>
-          </a:effectRef>
-          <a:fontRef idx="minor">
-            <a:schemeClr val="lt1"/>
-          </a:fontRef>
-        </p:style>
-        <p:txBody>
-          <a:bodyPr rtlCol="0" anchor="ctr"/>
-          <a:lstStyle/>
-          <a:p>
-            <a:pPr algn="ctr"/>
-            <a:endParaRPr lang="en-US"/>
-          </a:p>
-        </p:txBody>
-      </p:sp>
       <p:sp>
         <p:nvSpPr>
           <p:cNvPr id="2" name="Title 1"/>
@@ -11665,12 +12301,7 @@
             <p:ph type="title"/>
           </p:nvPr>
         </p:nvSpPr>
-        <p:spPr>
-          <a:xfrm>
-            <a:off x="649223" y="645106"/>
-            <a:ext cx="8733591" cy="774620"/>
-          </a:xfrm>
-        </p:spPr>
+        <p:spPr/>
         <p:txBody>
           <a:bodyPr>
             <a:normAutofit/>
@@ -11692,26 +12323,34 @@
         </p:nvSpPr>
         <p:spPr>
           <a:xfrm>
-            <a:off x="1433203" y="5040182"/>
-            <a:ext cx="9910085" cy="1477328"/>
+            <a:off x="1380335" y="4464265"/>
+            <a:ext cx="10648730" cy="2308324"/>
           </a:xfrm>
           <a:prstGeom prst="rect">
             <a:avLst/>
           </a:prstGeom>
         </p:spPr>
         <p:txBody>
-          <a:bodyPr wrap="none">
+          <a:bodyPr wrap="square">
             <a:spAutoFit/>
           </a:bodyPr>
           <a:lstStyle/>
           <a:p>
-            <a:pPr marL="285750" indent="-285750">
+            <a:pPr marL="285750" lvl="1" indent="-285750">
               <a:buFont typeface="Arial" panose="020B0604020202020204" pitchFamily="34" charset="0"/>
               <a:buChar char="•"/>
             </a:pPr>
             <a:r>
               <a:rPr lang="en-US" dirty="0"/>
-              <a:t>Individual scans are rotated/flipped spheres with respect to each other</a:t>
+              <a:t>The assumption that “</a:t>
+            </a:r>
+            <a:r>
+              <a:rPr lang="en-US" b="1" i="1" dirty="0"/>
+              <a:t>The brains have similar overall correlation patterns</a:t>
+            </a:r>
+            <a:r>
+              <a:rPr lang="en-US" dirty="0"/>
+              <a:t>” means that individual scans are rotated/flipped spheres with respect to each other</a:t>
             </a:r>
           </a:p>
           <a:p>
@@ -11726,14 +12365,32 @@
               <a:buFont typeface="Arial" panose="020B0604020202020204" pitchFamily="34" charset="0"/>
               <a:buChar char="•"/>
             </a:pPr>
-            <a:r>
-              <a:rPr lang="en-US" dirty="0" err="1"/>
-              <a:t>Kabsch</a:t>
-            </a:r>
+            <a:endParaRPr lang="en-US" dirty="0"/>
+          </a:p>
+          <a:p>
+            <a:pPr marL="285750" indent="-285750">
+              <a:buFont typeface="Arial" panose="020B0604020202020204" pitchFamily="34" charset="0"/>
+              <a:buChar char="•"/>
+            </a:pPr>
             <a:r>
               <a:rPr lang="en-US" dirty="0"/>
-              <a:t> algorithm is used to find optimal orthogonal transformation between spheres</a:t>
-            </a:r>
+              <a:t>We want optimal </a:t>
+            </a:r>
+            <a:r>
+              <a:rPr lang="en-US" b="1" dirty="0"/>
+              <a:t>orthonormal transformation </a:t>
+            </a:r>
+            <a:r>
+              <a:rPr lang="en-US" dirty="0"/>
+              <a:t>between spheres</a:t>
+            </a:r>
+          </a:p>
+          <a:p>
+            <a:pPr marL="285750" indent="-285750">
+              <a:buFont typeface="Arial" panose="020B0604020202020204" pitchFamily="34" charset="0"/>
+              <a:buChar char="•"/>
+            </a:pPr>
+            <a:endParaRPr lang="en-US" dirty="0"/>
           </a:p>
           <a:p>
             <a:pPr marL="285750" indent="-285750">
@@ -11762,7 +12419,7 @@
         </p:nvGrpSpPr>
         <p:grpSpPr>
           <a:xfrm>
-            <a:off x="2282531" y="2059678"/>
+            <a:off x="2282531" y="1507743"/>
             <a:ext cx="6545750" cy="1986943"/>
             <a:chOff x="2109536" y="2539250"/>
             <a:chExt cx="6545750" cy="1986943"/>
@@ -11887,14 +12544,14 @@
       </p:grpSp>
       <p:sp>
         <p:nvSpPr>
-          <p:cNvPr id="3" name="TextBox 2"/>
+          <p:cNvPr id="4" name="TextBox 3"/>
           <p:cNvSpPr txBox="1"/>
           <p:nvPr/>
         </p:nvSpPr>
         <p:spPr>
           <a:xfrm>
-            <a:off x="1787611" y="5255741"/>
-            <a:ext cx="184731" cy="369332"/>
+            <a:off x="3015611" y="3488747"/>
+            <a:ext cx="790601" cy="369332"/>
           </a:xfrm>
           <a:prstGeom prst="rect">
             <a:avLst/>
@@ -11907,19 +12564,22 @@
           </a:bodyPr>
           <a:lstStyle/>
           <a:p>
-            <a:endParaRPr lang="en-US" dirty="0"/>
-          </a:p>
-        </p:txBody>
-      </p:sp>
-      <p:sp>
-        <p:nvSpPr>
-          <p:cNvPr id="4" name="TextBox 3"/>
+            <a:r>
+              <a:rPr lang="en-US" dirty="0"/>
+              <a:t>Sub 1</a:t>
+            </a:r>
+          </a:p>
+        </p:txBody>
+      </p:sp>
+      <p:sp>
+        <p:nvSpPr>
+          <p:cNvPr id="20" name="TextBox 19"/>
           <p:cNvSpPr txBox="1"/>
           <p:nvPr/>
         </p:nvSpPr>
         <p:spPr>
           <a:xfrm>
-            <a:off x="3015611" y="4040682"/>
+            <a:off x="4893427" y="3488747"/>
             <a:ext cx="790601" cy="369332"/>
           </a:xfrm>
           <a:prstGeom prst="rect">
@@ -11935,35 +12595,6 @@
           <a:p>
             <a:r>
               <a:rPr lang="en-US" dirty="0"/>
-              <a:t>Sub 1</a:t>
-            </a:r>
-          </a:p>
-        </p:txBody>
-      </p:sp>
-      <p:sp>
-        <p:nvSpPr>
-          <p:cNvPr id="20" name="TextBox 19"/>
-          <p:cNvSpPr txBox="1"/>
-          <p:nvPr/>
-        </p:nvSpPr>
-        <p:spPr>
-          <a:xfrm>
-            <a:off x="4893427" y="4040682"/>
-            <a:ext cx="790601" cy="369332"/>
-          </a:xfrm>
-          <a:prstGeom prst="rect">
-            <a:avLst/>
-          </a:prstGeom>
-          <a:noFill/>
-        </p:spPr>
-        <p:txBody>
-          <a:bodyPr wrap="none" rtlCol="0">
-            <a:spAutoFit/>
-          </a:bodyPr>
-          <a:lstStyle/>
-          <a:p>
-            <a:r>
-              <a:rPr lang="en-US" dirty="0"/>
               <a:t>Sub 2</a:t>
             </a:r>
           </a:p>
@@ -11977,7 +12608,7 @@
         </p:nvSpPr>
         <p:spPr>
           <a:xfrm>
-            <a:off x="7559807" y="4040682"/>
+            <a:off x="7559807" y="3488747"/>
             <a:ext cx="803425" cy="369332"/>
           </a:xfrm>
           <a:prstGeom prst="rect">
@@ -12493,7 +13124,7 @@
             </p:nvSpPr>
             <p:spPr>
               <a:xfrm>
-                <a:off x="1485901" y="2373223"/>
+                <a:off x="1485901" y="2515811"/>
                 <a:ext cx="9779280" cy="1192058"/>
               </a:xfrm>
               <a:prstGeom prst="rect">
@@ -12870,7 +13501,7 @@
             </p:nvSpPr>
             <p:spPr>
               <a:xfrm>
-                <a:off x="1485901" y="2373223"/>
+                <a:off x="1485901" y="2515811"/>
                 <a:ext cx="9779280" cy="1192058"/>
               </a:xfrm>
               <a:prstGeom prst="rect">
@@ -12879,7 +13510,7 @@
               <a:blipFill>
                 <a:blip r:embed="rId4"/>
                 <a:stretch>
-                  <a:fillRect l="-561" b="-6633"/>
+                  <a:fillRect l="-561" b="-7179"/>
                 </a:stretch>
               </a:blipFill>
             </p:spPr>
@@ -14307,7 +14938,7 @@
         <p:spPr>
           <a:xfrm>
             <a:off x="7553485" y="2192662"/>
-            <a:ext cx="2286203" cy="369332"/>
+            <a:ext cx="2800767" cy="369332"/>
           </a:xfrm>
           <a:prstGeom prst="rect">
             <a:avLst/>
@@ -14322,7 +14953,7 @@
           <a:p>
             <a:r>
               <a:rPr lang="en-US" dirty="0"/>
-              <a:t>Sub 1 to Sub 2 (rot)</a:t>
+              <a:t>Sub 1 to Sub 2 (synced)</a:t>
             </a:r>
           </a:p>
         </p:txBody>
